--- a/Data_Science_Capstone_2021.pptx
+++ b/Data_Science_Capstone_2021.pptx
@@ -6,26 +6,23 @@
   </p:sldMasterIdLst>
   <p:sldIdLst>
     <p:sldId id="256" r:id="rId2"/>
-    <p:sldId id="258" r:id="rId3"/>
-    <p:sldId id="262" r:id="rId4"/>
-    <p:sldId id="264" r:id="rId5"/>
-    <p:sldId id="275" r:id="rId6"/>
-    <p:sldId id="265" r:id="rId7"/>
-    <p:sldId id="274" r:id="rId8"/>
-    <p:sldId id="267" r:id="rId9"/>
-    <p:sldId id="276" r:id="rId10"/>
-    <p:sldId id="277" r:id="rId11"/>
-    <p:sldId id="278" r:id="rId12"/>
-    <p:sldId id="270" r:id="rId13"/>
-    <p:sldId id="271" r:id="rId14"/>
-    <p:sldId id="266" r:id="rId15"/>
-    <p:sldId id="272" r:id="rId16"/>
-    <p:sldId id="273" r:id="rId17"/>
-    <p:sldId id="268" r:id="rId18"/>
-    <p:sldId id="269" r:id="rId19"/>
-    <p:sldId id="259" r:id="rId20"/>
-    <p:sldId id="261" r:id="rId21"/>
-    <p:sldId id="260" r:id="rId22"/>
+    <p:sldId id="279" r:id="rId3"/>
+    <p:sldId id="280" r:id="rId4"/>
+    <p:sldId id="281" r:id="rId5"/>
+    <p:sldId id="282" r:id="rId6"/>
+    <p:sldId id="292" r:id="rId7"/>
+    <p:sldId id="268" r:id="rId8"/>
+    <p:sldId id="264" r:id="rId9"/>
+    <p:sldId id="291" r:id="rId10"/>
+    <p:sldId id="288" r:id="rId11"/>
+    <p:sldId id="289" r:id="rId12"/>
+    <p:sldId id="290" r:id="rId13"/>
+    <p:sldId id="269" r:id="rId14"/>
+    <p:sldId id="286" r:id="rId15"/>
+    <p:sldId id="293" r:id="rId16"/>
+    <p:sldId id="259" r:id="rId17"/>
+    <p:sldId id="261" r:id="rId18"/>
+    <p:sldId id="260" r:id="rId19"/>
   </p:sldIdLst>
   <p:sldSz cx="12192000" cy="6858000"/>
   <p:notesSz cx="6858000" cy="9144000"/>
@@ -125,6 +122,36 @@
     </a:lvl9pPr>
   </p:defaultTextStyle>
   <p:extLst>
+    <p:ext uri="{521415D9-36F7-43E2-AB2F-B90AF26B5E84}">
+      <p14:sectionLst xmlns:p14="http://schemas.microsoft.com/office/powerpoint/2010/main">
+        <p14:section name="Presentation" id="{8D75B074-B508-4D18-9F4A-186286669CE0}">
+          <p14:sldIdLst>
+            <p14:sldId id="256"/>
+            <p14:sldId id="279"/>
+            <p14:sldId id="280"/>
+            <p14:sldId id="281"/>
+            <p14:sldId id="282"/>
+            <p14:sldId id="292"/>
+            <p14:sldId id="268"/>
+            <p14:sldId id="264"/>
+            <p14:sldId id="291"/>
+            <p14:sldId id="288"/>
+            <p14:sldId id="289"/>
+            <p14:sldId id="290"/>
+            <p14:sldId id="269"/>
+            <p14:sldId id="286"/>
+            <p14:sldId id="293"/>
+          </p14:sldIdLst>
+        </p14:section>
+        <p14:section name="Appendix" id="{2099DF51-E37E-4D21-A607-BAA6C2E16463}">
+          <p14:sldIdLst>
+            <p14:sldId id="259"/>
+            <p14:sldId id="261"/>
+            <p14:sldId id="260"/>
+          </p14:sldIdLst>
+        </p14:section>
+      </p14:sectionLst>
+    </p:ext>
     <p:ext uri="{EFAFB233-063F-42B5-8137-9DF3F51BA10A}">
       <p15:sldGuideLst xmlns:p15="http://schemas.microsoft.com/office/powerpoint/2012/main"/>
     </p:ext>
@@ -132,23 +159,31 @@
 </p:presentation>
 </file>
 
+<file path=ppt/revisionInfo.xml><?xml version="1.0" encoding="utf-8"?>
+<p1510:revInfo xmlns:a="http://schemas.openxmlformats.org/drawingml/2006/main" xmlns:r="http://schemas.openxmlformats.org/officeDocument/2006/relationships" xmlns:p1510="http://schemas.microsoft.com/office/powerpoint/2015/10/main">
+  <p1510:revLst>
+    <p1510:client id="{B3CD5647-8E7F-4396-AC75-CDCEE4B4D981}" v="179" dt="2022-01-19T14:48:51.551"/>
+  </p1510:revLst>
+</p1510:revInfo>
+</file>
+
 <file path=ppt/changesInfos/changesInfo1.xml><?xml version="1.0" encoding="utf-8"?>
 <pc:chgInfo xmlns:a="http://schemas.openxmlformats.org/drawingml/2006/main" xmlns:r="http://schemas.openxmlformats.org/officeDocument/2006/relationships" xmlns:ac="http://schemas.microsoft.com/office/drawing/2013/main/command" xmlns:pc="http://schemas.microsoft.com/office/powerpoint/2013/main/command">
   <pc:docChgLst>
     <pc:chgData name="Sharda Raj" userId="64e7c9fd3dc9d0dd" providerId="LiveId" clId="{B3CD5647-8E7F-4396-AC75-CDCEE4B4D981}"/>
-    <pc:docChg chg="custSel addSld delSld modSld sldOrd">
-      <pc:chgData name="Sharda Raj" userId="64e7c9fd3dc9d0dd" providerId="LiveId" clId="{B3CD5647-8E7F-4396-AC75-CDCEE4B4D981}" dt="2022-01-10T06:59:31.402" v="1580" actId="14100"/>
+    <pc:docChg chg="undo redo custSel addSld delSld modSld sldOrd addSection modSection">
+      <pc:chgData name="Sharda Raj" userId="64e7c9fd3dc9d0dd" providerId="LiveId" clId="{B3CD5647-8E7F-4396-AC75-CDCEE4B4D981}" dt="2022-01-19T14:49:57.360" v="6178" actId="1076"/>
       <pc:docMkLst>
         <pc:docMk/>
       </pc:docMkLst>
-      <pc:sldChg chg="modSp mod">
-        <pc:chgData name="Sharda Raj" userId="64e7c9fd3dc9d0dd" providerId="LiveId" clId="{B3CD5647-8E7F-4396-AC75-CDCEE4B4D981}" dt="2022-01-10T04:57:56.340" v="371" actId="20577"/>
+      <pc:sldChg chg="modSp mod modAnim">
+        <pc:chgData name="Sharda Raj" userId="64e7c9fd3dc9d0dd" providerId="LiveId" clId="{B3CD5647-8E7F-4396-AC75-CDCEE4B4D981}" dt="2022-01-19T00:59:52.928" v="5989"/>
         <pc:sldMkLst>
           <pc:docMk/>
           <pc:sldMk cId="4278130402" sldId="256"/>
         </pc:sldMkLst>
         <pc:spChg chg="mod">
-          <ac:chgData name="Sharda Raj" userId="64e7c9fd3dc9d0dd" providerId="LiveId" clId="{B3CD5647-8E7F-4396-AC75-CDCEE4B4D981}" dt="2022-01-10T04:57:56.340" v="371" actId="20577"/>
+          <ac:chgData name="Sharda Raj" userId="64e7c9fd3dc9d0dd" providerId="LiveId" clId="{B3CD5647-8E7F-4396-AC75-CDCEE4B4D981}" dt="2022-01-19T00:11:38.127" v="4835" actId="20577"/>
           <ac:spMkLst>
             <pc:docMk/>
             <pc:sldMk cId="4278130402" sldId="256"/>
@@ -156,18 +191,26 @@
           </ac:spMkLst>
         </pc:spChg>
       </pc:sldChg>
-      <pc:sldChg chg="modSp mod">
-        <pc:chgData name="Sharda Raj" userId="64e7c9fd3dc9d0dd" providerId="LiveId" clId="{B3CD5647-8E7F-4396-AC75-CDCEE4B4D981}" dt="2021-12-27T23:57:08.018" v="145" actId="207"/>
+      <pc:sldChg chg="addSp delSp modSp del mod">
+        <pc:chgData name="Sharda Raj" userId="64e7c9fd3dc9d0dd" providerId="LiveId" clId="{B3CD5647-8E7F-4396-AC75-CDCEE4B4D981}" dt="2022-01-19T00:12:03.244" v="4836" actId="2696"/>
         <pc:sldMkLst>
           <pc:docMk/>
           <pc:sldMk cId="1646523384" sldId="258"/>
         </pc:sldMkLst>
-        <pc:spChg chg="mod">
-          <ac:chgData name="Sharda Raj" userId="64e7c9fd3dc9d0dd" providerId="LiveId" clId="{B3CD5647-8E7F-4396-AC75-CDCEE4B4D981}" dt="2021-12-27T23:57:08.018" v="145" actId="207"/>
+        <pc:spChg chg="del mod">
+          <ac:chgData name="Sharda Raj" userId="64e7c9fd3dc9d0dd" providerId="LiveId" clId="{B3CD5647-8E7F-4396-AC75-CDCEE4B4D981}" dt="2022-01-17T20:04:06.079" v="1614" actId="478"/>
           <ac:spMkLst>
             <pc:docMk/>
             <pc:sldMk cId="1646523384" sldId="258"/>
             <ac:spMk id="3" creationId="{7E6C76AF-BECA-4BA8-96AA-EAE463205046}"/>
+          </ac:spMkLst>
+        </pc:spChg>
+        <pc:spChg chg="add mod">
+          <ac:chgData name="Sharda Raj" userId="64e7c9fd3dc9d0dd" providerId="LiveId" clId="{B3CD5647-8E7F-4396-AC75-CDCEE4B4D981}" dt="2022-01-17T20:04:06.079" v="1614" actId="478"/>
+          <ac:spMkLst>
+            <pc:docMk/>
+            <pc:sldMk cId="1646523384" sldId="258"/>
+            <ac:spMk id="5" creationId="{4C150C78-4BC1-48E3-A8EC-7531E7444672}"/>
           </ac:spMkLst>
         </pc:spChg>
       </pc:sldChg>
@@ -320,12 +363,20 @@
           </ac:spMkLst>
         </pc:spChg>
       </pc:sldChg>
-      <pc:sldChg chg="modSp new mod ord">
-        <pc:chgData name="Sharda Raj" userId="64e7c9fd3dc9d0dd" providerId="LiveId" clId="{B3CD5647-8E7F-4396-AC75-CDCEE4B4D981}" dt="2022-01-10T05:00:44.397" v="540"/>
+      <pc:sldChg chg="modSp new del mod ord modShow">
+        <pc:chgData name="Sharda Raj" userId="64e7c9fd3dc9d0dd" providerId="LiveId" clId="{B3CD5647-8E7F-4396-AC75-CDCEE4B4D981}" dt="2022-01-19T00:44:03.104" v="5692" actId="2696"/>
         <pc:sldMkLst>
           <pc:docMk/>
           <pc:sldMk cId="3739134093" sldId="262"/>
         </pc:sldMkLst>
+        <pc:spChg chg="mod">
+          <ac:chgData name="Sharda Raj" userId="64e7c9fd3dc9d0dd" providerId="LiveId" clId="{B3CD5647-8E7F-4396-AC75-CDCEE4B4D981}" dt="2022-01-17T20:06:20.496" v="2107" actId="20577"/>
+          <ac:spMkLst>
+            <pc:docMk/>
+            <pc:sldMk cId="3739134093" sldId="262"/>
+            <ac:spMk id="2" creationId="{EBD3D3B3-39FA-46E3-9948-8B96ABDC09D1}"/>
+          </ac:spMkLst>
+        </pc:spChg>
         <pc:spChg chg="mod">
           <ac:chgData name="Sharda Raj" userId="64e7c9fd3dc9d0dd" providerId="LiveId" clId="{B3CD5647-8E7F-4396-AC75-CDCEE4B4D981}" dt="2022-01-10T04:58:59.776" v="410" actId="20577"/>
           <ac:spMkLst>
@@ -429,8 +480,8 @@
           </ac:picMkLst>
         </pc:picChg>
       </pc:sldChg>
-      <pc:sldChg chg="addSp delSp modSp new mod ord">
-        <pc:chgData name="Sharda Raj" userId="64e7c9fd3dc9d0dd" providerId="LiveId" clId="{B3CD5647-8E7F-4396-AC75-CDCEE4B4D981}" dt="2022-01-10T06:59:31.402" v="1580" actId="14100"/>
+      <pc:sldChg chg="addSp delSp modSp new del mod ord modShow">
+        <pc:chgData name="Sharda Raj" userId="64e7c9fd3dc9d0dd" providerId="LiveId" clId="{B3CD5647-8E7F-4396-AC75-CDCEE4B4D981}" dt="2022-01-19T14:46:45.307" v="6120" actId="47"/>
         <pc:sldMkLst>
           <pc:docMk/>
           <pc:sldMk cId="1500827369" sldId="265"/>
@@ -484,7 +535,7 @@
           </ac:picMkLst>
         </pc:picChg>
         <pc:picChg chg="add mod ord">
-          <ac:chgData name="Sharda Raj" userId="64e7c9fd3dc9d0dd" providerId="LiveId" clId="{B3CD5647-8E7F-4396-AC75-CDCEE4B4D981}" dt="2022-01-10T06:59:28.158" v="1579" actId="1076"/>
+          <ac:chgData name="Sharda Raj" userId="64e7c9fd3dc9d0dd" providerId="LiveId" clId="{B3CD5647-8E7F-4396-AC75-CDCEE4B4D981}" dt="2022-01-18T21:00:41.103" v="4165" actId="1076"/>
           <ac:picMkLst>
             <pc:docMk/>
             <pc:sldMk cId="1500827369" sldId="265"/>
@@ -500,8 +551,8 @@
           </ac:picMkLst>
         </pc:picChg>
       </pc:sldChg>
-      <pc:sldChg chg="modSp add mod">
-        <pc:chgData name="Sharda Raj" userId="64e7c9fd3dc9d0dd" providerId="LiveId" clId="{B3CD5647-8E7F-4396-AC75-CDCEE4B4D981}" dt="2022-01-10T06:08:52.361" v="1181" actId="20577"/>
+      <pc:sldChg chg="modSp add del mod modShow">
+        <pc:chgData name="Sharda Raj" userId="64e7c9fd3dc9d0dd" providerId="LiveId" clId="{B3CD5647-8E7F-4396-AC75-CDCEE4B4D981}" dt="2022-01-19T14:46:18.898" v="6113" actId="47"/>
         <pc:sldMkLst>
           <pc:docMk/>
           <pc:sldMk cId="4203683365" sldId="266"/>
@@ -515,8 +566,8 @@
           </ac:spMkLst>
         </pc:spChg>
       </pc:sldChg>
-      <pc:sldChg chg="addSp delSp modSp add mod">
-        <pc:chgData name="Sharda Raj" userId="64e7c9fd3dc9d0dd" providerId="LiveId" clId="{B3CD5647-8E7F-4396-AC75-CDCEE4B4D981}" dt="2022-01-10T06:22:22.859" v="1436" actId="20577"/>
+      <pc:sldChg chg="addSp delSp modSp add del mod modShow">
+        <pc:chgData name="Sharda Raj" userId="64e7c9fd3dc9d0dd" providerId="LiveId" clId="{B3CD5647-8E7F-4396-AC75-CDCEE4B4D981}" dt="2022-01-19T14:46:41.418" v="6118" actId="47"/>
         <pc:sldMkLst>
           <pc:docMk/>
           <pc:sldMk cId="4226401091" sldId="267"/>
@@ -578,54 +629,118 @@
           </ac:picMkLst>
         </pc:picChg>
       </pc:sldChg>
-      <pc:sldChg chg="modSp add mod">
-        <pc:chgData name="Sharda Raj" userId="64e7c9fd3dc9d0dd" providerId="LiveId" clId="{B3CD5647-8E7F-4396-AC75-CDCEE4B4D981}" dt="2022-01-10T05:30:50.656" v="1028" actId="20577"/>
+      <pc:sldChg chg="addSp delSp modSp add del mod ord modAnim">
+        <pc:chgData name="Sharda Raj" userId="64e7c9fd3dc9d0dd" providerId="LiveId" clId="{B3CD5647-8E7F-4396-AC75-CDCEE4B4D981}" dt="2022-01-19T00:52:15.166" v="5919"/>
         <pc:sldMkLst>
           <pc:docMk/>
           <pc:sldMk cId="2041391532" sldId="268"/>
         </pc:sldMkLst>
         <pc:spChg chg="mod">
-          <ac:chgData name="Sharda Raj" userId="64e7c9fd3dc9d0dd" providerId="LiveId" clId="{B3CD5647-8E7F-4396-AC75-CDCEE4B4D981}" dt="2022-01-10T05:30:35.519" v="988" actId="20577"/>
+          <ac:chgData name="Sharda Raj" userId="64e7c9fd3dc9d0dd" providerId="LiveId" clId="{B3CD5647-8E7F-4396-AC75-CDCEE4B4D981}" dt="2022-01-17T20:12:23.276" v="2565" actId="20577"/>
           <ac:spMkLst>
             <pc:docMk/>
             <pc:sldMk cId="2041391532" sldId="268"/>
             <ac:spMk id="2" creationId="{33C840F5-C548-4EE2-85C8-F45AB329C11E}"/>
           </ac:spMkLst>
         </pc:spChg>
+        <pc:spChg chg="del">
+          <ac:chgData name="Sharda Raj" userId="64e7c9fd3dc9d0dd" providerId="LiveId" clId="{B3CD5647-8E7F-4396-AC75-CDCEE4B4D981}" dt="2022-01-17T20:12:28.255" v="2566" actId="478"/>
+          <ac:spMkLst>
+            <pc:docMk/>
+            <pc:sldMk cId="2041391532" sldId="268"/>
+            <ac:spMk id="3" creationId="{9591EB7B-6DC3-46BB-842D-C70DC4C61A2D}"/>
+          </ac:spMkLst>
+        </pc:spChg>
         <pc:spChg chg="mod">
-          <ac:chgData name="Sharda Raj" userId="64e7c9fd3dc9d0dd" providerId="LiveId" clId="{B3CD5647-8E7F-4396-AC75-CDCEE4B4D981}" dt="2022-01-10T05:30:50.656" v="1028" actId="20577"/>
+          <ac:chgData name="Sharda Raj" userId="64e7c9fd3dc9d0dd" providerId="LiveId" clId="{B3CD5647-8E7F-4396-AC75-CDCEE4B4D981}" dt="2022-01-19T00:33:40.512" v="5590" actId="27636"/>
           <ac:spMkLst>
             <pc:docMk/>
             <pc:sldMk cId="2041391532" sldId="268"/>
             <ac:spMk id="4" creationId="{977BBD9D-A60A-41A8-B85D-9CE866792DC0}"/>
           </ac:spMkLst>
         </pc:spChg>
+        <pc:spChg chg="del mod">
+          <ac:chgData name="Sharda Raj" userId="64e7c9fd3dc9d0dd" providerId="LiveId" clId="{B3CD5647-8E7F-4396-AC75-CDCEE4B4D981}" dt="2022-01-19T00:34:50.303" v="5591" actId="478"/>
+          <ac:spMkLst>
+            <pc:docMk/>
+            <pc:sldMk cId="2041391532" sldId="268"/>
+            <ac:spMk id="5" creationId="{8C3EDDA3-53CC-4AA6-8CB2-DE55A15075C4}"/>
+          </ac:spMkLst>
+        </pc:spChg>
+        <pc:spChg chg="del mod">
+          <ac:chgData name="Sharda Raj" userId="64e7c9fd3dc9d0dd" providerId="LiveId" clId="{B3CD5647-8E7F-4396-AC75-CDCEE4B4D981}" dt="2022-01-19T00:35:18.425" v="5594" actId="22"/>
+          <ac:spMkLst>
+            <pc:docMk/>
+            <pc:sldMk cId="2041391532" sldId="268"/>
+            <ac:spMk id="6" creationId="{5F70C724-F19E-4052-AF66-9D2B280CC088}"/>
+          </ac:spMkLst>
+        </pc:spChg>
+        <pc:spChg chg="add del mod">
+          <ac:chgData name="Sharda Raj" userId="64e7c9fd3dc9d0dd" providerId="LiveId" clId="{B3CD5647-8E7F-4396-AC75-CDCEE4B4D981}" dt="2022-01-19T00:34:55.235" v="5592" actId="478"/>
+          <ac:spMkLst>
+            <pc:docMk/>
+            <pc:sldMk cId="2041391532" sldId="268"/>
+            <ac:spMk id="8" creationId="{BD3B6EBB-69EE-4F9A-B83E-40CB4E834BAD}"/>
+          </ac:spMkLst>
+        </pc:spChg>
+        <pc:picChg chg="add mod ord">
+          <ac:chgData name="Sharda Raj" userId="64e7c9fd3dc9d0dd" providerId="LiveId" clId="{B3CD5647-8E7F-4396-AC75-CDCEE4B4D981}" dt="2022-01-19T00:35:25.273" v="5597" actId="14100"/>
+          <ac:picMkLst>
+            <pc:docMk/>
+            <pc:sldMk cId="2041391532" sldId="268"/>
+            <ac:picMk id="10" creationId="{048F2FC9-DB0E-4CCB-A343-7C1805FE9AFD}"/>
+          </ac:picMkLst>
+        </pc:picChg>
       </pc:sldChg>
-      <pc:sldChg chg="modSp add mod">
-        <pc:chgData name="Sharda Raj" userId="64e7c9fd3dc9d0dd" providerId="LiveId" clId="{B3CD5647-8E7F-4396-AC75-CDCEE4B4D981}" dt="2022-01-10T05:31:14.220" v="1043" actId="20577"/>
+      <pc:sldChg chg="delSp modSp add mod ord modAnim">
+        <pc:chgData name="Sharda Raj" userId="64e7c9fd3dc9d0dd" providerId="LiveId" clId="{B3CD5647-8E7F-4396-AC75-CDCEE4B4D981}" dt="2022-01-19T01:37:10.711" v="6090" actId="20577"/>
         <pc:sldMkLst>
           <pc:docMk/>
           <pc:sldMk cId="1723896986" sldId="269"/>
         </pc:sldMkLst>
         <pc:spChg chg="mod">
-          <ac:chgData name="Sharda Raj" userId="64e7c9fd3dc9d0dd" providerId="LiveId" clId="{B3CD5647-8E7F-4396-AC75-CDCEE4B4D981}" dt="2022-01-10T05:31:07.395" v="1042" actId="20577"/>
+          <ac:chgData name="Sharda Raj" userId="64e7c9fd3dc9d0dd" providerId="LiveId" clId="{B3CD5647-8E7F-4396-AC75-CDCEE4B4D981}" dt="2022-01-17T20:16:46.570" v="3212" actId="20577"/>
           <ac:spMkLst>
             <pc:docMk/>
             <pc:sldMk cId="1723896986" sldId="269"/>
             <ac:spMk id="2" creationId="{33C840F5-C548-4EE2-85C8-F45AB329C11E}"/>
           </ac:spMkLst>
         </pc:spChg>
+        <pc:spChg chg="del">
+          <ac:chgData name="Sharda Raj" userId="64e7c9fd3dc9d0dd" providerId="LiveId" clId="{B3CD5647-8E7F-4396-AC75-CDCEE4B4D981}" dt="2022-01-19T00:38:29.250" v="5645" actId="478"/>
+          <ac:spMkLst>
+            <pc:docMk/>
+            <pc:sldMk cId="1723896986" sldId="269"/>
+            <ac:spMk id="3" creationId="{9591EB7B-6DC3-46BB-842D-C70DC4C61A2D}"/>
+          </ac:spMkLst>
+        </pc:spChg>
         <pc:spChg chg="mod">
-          <ac:chgData name="Sharda Raj" userId="64e7c9fd3dc9d0dd" providerId="LiveId" clId="{B3CD5647-8E7F-4396-AC75-CDCEE4B4D981}" dt="2022-01-10T05:31:14.220" v="1043" actId="20577"/>
+          <ac:chgData name="Sharda Raj" userId="64e7c9fd3dc9d0dd" providerId="LiveId" clId="{B3CD5647-8E7F-4396-AC75-CDCEE4B4D981}" dt="2022-01-19T01:37:10.711" v="6090" actId="20577"/>
           <ac:spMkLst>
             <pc:docMk/>
             <pc:sldMk cId="1723896986" sldId="269"/>
             <ac:spMk id="4" creationId="{977BBD9D-A60A-41A8-B85D-9CE866792DC0}"/>
           </ac:spMkLst>
         </pc:spChg>
+        <pc:spChg chg="del">
+          <ac:chgData name="Sharda Raj" userId="64e7c9fd3dc9d0dd" providerId="LiveId" clId="{B3CD5647-8E7F-4396-AC75-CDCEE4B4D981}" dt="2022-01-19T00:38:25.903" v="5643" actId="478"/>
+          <ac:spMkLst>
+            <pc:docMk/>
+            <pc:sldMk cId="1723896986" sldId="269"/>
+            <ac:spMk id="5" creationId="{8C3EDDA3-53CC-4AA6-8CB2-DE55A15075C4}"/>
+          </ac:spMkLst>
+        </pc:spChg>
+        <pc:spChg chg="del mod">
+          <ac:chgData name="Sharda Raj" userId="64e7c9fd3dc9d0dd" providerId="LiveId" clId="{B3CD5647-8E7F-4396-AC75-CDCEE4B4D981}" dt="2022-01-19T00:38:27.830" v="5644" actId="478"/>
+          <ac:spMkLst>
+            <pc:docMk/>
+            <pc:sldMk cId="1723896986" sldId="269"/>
+            <ac:spMk id="6" creationId="{5F70C724-F19E-4052-AF66-9D2B280CC088}"/>
+          </ac:spMkLst>
+        </pc:spChg>
       </pc:sldChg>
-      <pc:sldChg chg="modSp add mod">
-        <pc:chgData name="Sharda Raj" userId="64e7c9fd3dc9d0dd" providerId="LiveId" clId="{B3CD5647-8E7F-4396-AC75-CDCEE4B4D981}" dt="2022-01-10T06:08:28.278" v="1134" actId="20577"/>
+      <pc:sldChg chg="modSp add del mod modShow">
+        <pc:chgData name="Sharda Raj" userId="64e7c9fd3dc9d0dd" providerId="LiveId" clId="{B3CD5647-8E7F-4396-AC75-CDCEE4B4D981}" dt="2022-01-19T14:46:18.898" v="6113" actId="47"/>
         <pc:sldMkLst>
           <pc:docMk/>
           <pc:sldMk cId="1098277092" sldId="270"/>
@@ -639,8 +754,8 @@
           </ac:spMkLst>
         </pc:spChg>
       </pc:sldChg>
-      <pc:sldChg chg="modSp add mod">
-        <pc:chgData name="Sharda Raj" userId="64e7c9fd3dc9d0dd" providerId="LiveId" clId="{B3CD5647-8E7F-4396-AC75-CDCEE4B4D981}" dt="2022-01-10T06:08:40.082" v="1154" actId="20577"/>
+      <pc:sldChg chg="modSp add del mod modShow">
+        <pc:chgData name="Sharda Raj" userId="64e7c9fd3dc9d0dd" providerId="LiveId" clId="{B3CD5647-8E7F-4396-AC75-CDCEE4B4D981}" dt="2022-01-19T14:46:18.898" v="6113" actId="47"/>
         <pc:sldMkLst>
           <pc:docMk/>
           <pc:sldMk cId="4171254136" sldId="271"/>
@@ -654,8 +769,8 @@
           </ac:spMkLst>
         </pc:spChg>
       </pc:sldChg>
-      <pc:sldChg chg="modSp add mod">
-        <pc:chgData name="Sharda Raj" userId="64e7c9fd3dc9d0dd" providerId="LiveId" clId="{B3CD5647-8E7F-4396-AC75-CDCEE4B4D981}" dt="2022-01-10T06:09:06.049" v="1192" actId="20577"/>
+      <pc:sldChg chg="modSp add del mod modShow">
+        <pc:chgData name="Sharda Raj" userId="64e7c9fd3dc9d0dd" providerId="LiveId" clId="{B3CD5647-8E7F-4396-AC75-CDCEE4B4D981}" dt="2022-01-19T14:46:18.898" v="6113" actId="47"/>
         <pc:sldMkLst>
           <pc:docMk/>
           <pc:sldMk cId="1828303681" sldId="272"/>
@@ -669,8 +784,8 @@
           </ac:spMkLst>
         </pc:spChg>
       </pc:sldChg>
-      <pc:sldChg chg="modSp add mod">
-        <pc:chgData name="Sharda Raj" userId="64e7c9fd3dc9d0dd" providerId="LiveId" clId="{B3CD5647-8E7F-4396-AC75-CDCEE4B4D981}" dt="2022-01-10T06:09:14.535" v="1207" actId="20577"/>
+      <pc:sldChg chg="modSp add del mod modShow">
+        <pc:chgData name="Sharda Raj" userId="64e7c9fd3dc9d0dd" providerId="LiveId" clId="{B3CD5647-8E7F-4396-AC75-CDCEE4B4D981}" dt="2022-01-19T14:46:20.547" v="6114" actId="47"/>
         <pc:sldMkLst>
           <pc:docMk/>
           <pc:sldMk cId="766215350" sldId="273"/>
@@ -684,8 +799,8 @@
           </ac:spMkLst>
         </pc:spChg>
       </pc:sldChg>
-      <pc:sldChg chg="modSp add mod">
-        <pc:chgData name="Sharda Raj" userId="64e7c9fd3dc9d0dd" providerId="LiveId" clId="{B3CD5647-8E7F-4396-AC75-CDCEE4B4D981}" dt="2022-01-10T06:10:11.921" v="1266" actId="20577"/>
+      <pc:sldChg chg="modSp add del mod modShow">
+        <pc:chgData name="Sharda Raj" userId="64e7c9fd3dc9d0dd" providerId="LiveId" clId="{B3CD5647-8E7F-4396-AC75-CDCEE4B4D981}" dt="2022-01-19T14:46:42.952" v="6119" actId="47"/>
         <pc:sldMkLst>
           <pc:docMk/>
           <pc:sldMk cId="676509434" sldId="274"/>
@@ -699,8 +814,8 @@
           </ac:spMkLst>
         </pc:spChg>
       </pc:sldChg>
-      <pc:sldChg chg="addSp delSp modSp add mod ord">
-        <pc:chgData name="Sharda Raj" userId="64e7c9fd3dc9d0dd" providerId="LiveId" clId="{B3CD5647-8E7F-4396-AC75-CDCEE4B4D981}" dt="2022-01-10T06:54:24.460" v="1566" actId="20577"/>
+      <pc:sldChg chg="addSp delSp modSp add del mod ord modShow">
+        <pc:chgData name="Sharda Raj" userId="64e7c9fd3dc9d0dd" providerId="LiveId" clId="{B3CD5647-8E7F-4396-AC75-CDCEE4B4D981}" dt="2022-01-19T14:46:46.858" v="6121" actId="47"/>
         <pc:sldMkLst>
           <pc:docMk/>
           <pc:sldMk cId="1194625884" sldId="275"/>
@@ -714,7 +829,7 @@
           </ac:spMkLst>
         </pc:spChg>
         <pc:spChg chg="mod">
-          <ac:chgData name="Sharda Raj" userId="64e7c9fd3dc9d0dd" providerId="LiveId" clId="{B3CD5647-8E7F-4396-AC75-CDCEE4B4D981}" dt="2022-01-10T06:54:16.384" v="1562" actId="1076"/>
+          <ac:chgData name="Sharda Raj" userId="64e7c9fd3dc9d0dd" providerId="LiveId" clId="{B3CD5647-8E7F-4396-AC75-CDCEE4B4D981}" dt="2022-01-18T19:59:23.118" v="4137" actId="20577"/>
           <ac:spMkLst>
             <pc:docMk/>
             <pc:sldMk cId="1194625884" sldId="275"/>
@@ -729,17 +844,65 @@
             <ac:spMk id="4" creationId="{977BBD9D-A60A-41A8-B85D-9CE866792DC0}"/>
           </ac:spMkLst>
         </pc:spChg>
-        <pc:picChg chg="add mod ord">
-          <ac:chgData name="Sharda Raj" userId="64e7c9fd3dc9d0dd" providerId="LiveId" clId="{B3CD5647-8E7F-4396-AC75-CDCEE4B4D981}" dt="2022-01-10T06:54:18.942" v="1563" actId="14100"/>
+        <pc:spChg chg="del">
+          <ac:chgData name="Sharda Raj" userId="64e7c9fd3dc9d0dd" providerId="LiveId" clId="{B3CD5647-8E7F-4396-AC75-CDCEE4B4D981}" dt="2022-01-18T19:55:28.723" v="3882" actId="478"/>
+          <ac:spMkLst>
+            <pc:docMk/>
+            <pc:sldMk cId="1194625884" sldId="275"/>
+            <ac:spMk id="5" creationId="{8C3EDDA3-53CC-4AA6-8CB2-DE55A15075C4}"/>
+          </ac:spMkLst>
+        </pc:spChg>
+        <pc:spChg chg="del">
+          <ac:chgData name="Sharda Raj" userId="64e7c9fd3dc9d0dd" providerId="LiveId" clId="{B3CD5647-8E7F-4396-AC75-CDCEE4B4D981}" dt="2022-01-18T19:53:59.618" v="3873" actId="22"/>
+          <ac:spMkLst>
+            <pc:docMk/>
+            <pc:sldMk cId="1194625884" sldId="275"/>
+            <ac:spMk id="6" creationId="{5F70C724-F19E-4052-AF66-9D2B280CC088}"/>
+          </ac:spMkLst>
+        </pc:spChg>
+        <pc:spChg chg="add del mod">
+          <ac:chgData name="Sharda Raj" userId="64e7c9fd3dc9d0dd" providerId="LiveId" clId="{B3CD5647-8E7F-4396-AC75-CDCEE4B4D981}" dt="2022-01-18T19:55:24.306" v="3881" actId="22"/>
+          <ac:spMkLst>
+            <pc:docMk/>
+            <pc:sldMk cId="1194625884" sldId="275"/>
+            <ac:spMk id="10" creationId="{89E85225-C751-47FE-9151-97907269BBF5}"/>
+          </ac:spMkLst>
+        </pc:spChg>
+        <pc:spChg chg="add del mod">
+          <ac:chgData name="Sharda Raj" userId="64e7c9fd3dc9d0dd" providerId="LiveId" clId="{B3CD5647-8E7F-4396-AC75-CDCEE4B4D981}" dt="2022-01-18T19:55:57.122" v="3891" actId="478"/>
+          <ac:spMkLst>
+            <pc:docMk/>
+            <pc:sldMk cId="1194625884" sldId="275"/>
+            <ac:spMk id="14" creationId="{AD522992-DF24-4D9F-9E8E-B6EDE73905F6}"/>
+          </ac:spMkLst>
+        </pc:spChg>
+        <pc:picChg chg="add del mod ord">
+          <ac:chgData name="Sharda Raj" userId="64e7c9fd3dc9d0dd" providerId="LiveId" clId="{B3CD5647-8E7F-4396-AC75-CDCEE4B4D981}" dt="2022-01-18T19:55:20.558" v="3880" actId="478"/>
+          <ac:picMkLst>
+            <pc:docMk/>
+            <pc:sldMk cId="1194625884" sldId="275"/>
+            <ac:picMk id="7" creationId="{D2E58415-8348-497B-96A4-011EA2149A38}"/>
+          </ac:picMkLst>
+        </pc:picChg>
+        <pc:picChg chg="add del mod ord">
+          <ac:chgData name="Sharda Raj" userId="64e7c9fd3dc9d0dd" providerId="LiveId" clId="{B3CD5647-8E7F-4396-AC75-CDCEE4B4D981}" dt="2022-01-18T19:55:51.974" v="3890" actId="478"/>
           <ac:picMkLst>
             <pc:docMk/>
             <pc:sldMk cId="1194625884" sldId="275"/>
             <ac:picMk id="8" creationId="{FF4BD217-CE32-4F3D-8B4E-0EAFB075C491}"/>
           </ac:picMkLst>
         </pc:picChg>
+        <pc:picChg chg="add mod ord">
+          <ac:chgData name="Sharda Raj" userId="64e7c9fd3dc9d0dd" providerId="LiveId" clId="{B3CD5647-8E7F-4396-AC75-CDCEE4B4D981}" dt="2022-01-18T19:55:44.783" v="3888" actId="14100"/>
+          <ac:picMkLst>
+            <pc:docMk/>
+            <pc:sldMk cId="1194625884" sldId="275"/>
+            <ac:picMk id="12" creationId="{C7CCDB4E-B11E-49EE-9CC6-8085E903903F}"/>
+          </ac:picMkLst>
+        </pc:picChg>
       </pc:sldChg>
-      <pc:sldChg chg="addSp delSp modSp add mod">
-        <pc:chgData name="Sharda Raj" userId="64e7c9fd3dc9d0dd" providerId="LiveId" clId="{B3CD5647-8E7F-4396-AC75-CDCEE4B4D981}" dt="2022-01-10T06:27:03.821" v="1518" actId="20577"/>
+      <pc:sldChg chg="addSp delSp modSp add del mod modShow">
+        <pc:chgData name="Sharda Raj" userId="64e7c9fd3dc9d0dd" providerId="LiveId" clId="{B3CD5647-8E7F-4396-AC75-CDCEE4B4D981}" dt="2022-01-19T14:46:39.970" v="6117" actId="47"/>
         <pc:sldMkLst>
           <pc:docMk/>
           <pc:sldMk cId="2087210798" sldId="276"/>
@@ -753,6 +916,14 @@
           </ac:spMkLst>
         </pc:spChg>
         <pc:spChg chg="add del mod">
+          <ac:chgData name="Sharda Raj" userId="64e7c9fd3dc9d0dd" providerId="LiveId" clId="{B3CD5647-8E7F-4396-AC75-CDCEE4B4D981}" dt="2022-01-18T21:01:02.944" v="4167" actId="478"/>
+          <ac:spMkLst>
+            <pc:docMk/>
+            <pc:sldMk cId="2087210798" sldId="276"/>
+            <ac:spMk id="6" creationId="{46217310-772B-459F-8F4F-D6F5996337AA}"/>
+          </ac:spMkLst>
+        </pc:spChg>
+        <pc:spChg chg="add del mod">
           <ac:chgData name="Sharda Raj" userId="64e7c9fd3dc9d0dd" providerId="LiveId" clId="{B3CD5647-8E7F-4396-AC75-CDCEE4B4D981}" dt="2022-01-10T06:23:47.486" v="1440" actId="22"/>
           <ac:spMkLst>
             <pc:docMk/>
@@ -768,6 +939,14 @@
             <ac:picMk id="6" creationId="{63AD4AB2-D10F-4954-8D20-2D53812A1396}"/>
           </ac:picMkLst>
         </pc:picChg>
+        <pc:picChg chg="add del">
+          <ac:chgData name="Sharda Raj" userId="64e7c9fd3dc9d0dd" providerId="LiveId" clId="{B3CD5647-8E7F-4396-AC75-CDCEE4B4D981}" dt="2022-01-18T21:01:02.944" v="4167" actId="478"/>
+          <ac:picMkLst>
+            <pc:docMk/>
+            <pc:sldMk cId="2087210798" sldId="276"/>
+            <ac:picMk id="8" creationId="{DD66237C-3F32-46DE-84CF-EFC09B873567}"/>
+          </ac:picMkLst>
+        </pc:picChg>
         <pc:picChg chg="del">
           <ac:chgData name="Sharda Raj" userId="64e7c9fd3dc9d0dd" providerId="LiveId" clId="{B3CD5647-8E7F-4396-AC75-CDCEE4B4D981}" dt="2022-01-10T06:23:44.653" v="1439" actId="478"/>
           <ac:picMkLst>
@@ -785,8 +964,8 @@
           </ac:picMkLst>
         </pc:picChg>
       </pc:sldChg>
-      <pc:sldChg chg="addSp delSp modSp add mod">
-        <pc:chgData name="Sharda Raj" userId="64e7c9fd3dc9d0dd" providerId="LiveId" clId="{B3CD5647-8E7F-4396-AC75-CDCEE4B4D981}" dt="2022-01-10T06:51:28.006" v="1553" actId="14100"/>
+      <pc:sldChg chg="addSp delSp modSp add del mod modShow">
+        <pc:chgData name="Sharda Raj" userId="64e7c9fd3dc9d0dd" providerId="LiveId" clId="{B3CD5647-8E7F-4396-AC75-CDCEE4B4D981}" dt="2022-01-19T14:46:37.356" v="6116" actId="47"/>
         <pc:sldMkLst>
           <pc:docMk/>
           <pc:sldMk cId="1740221582" sldId="277"/>
@@ -863,9 +1042,81 @@
             <ac:picMk id="12" creationId="{2ADE8C07-1FED-4A1F-AF5B-3571547E10FE}"/>
           </ac:picMkLst>
         </pc:picChg>
+        <pc:inkChg chg="add del">
+          <ac:chgData name="Sharda Raj" userId="64e7c9fd3dc9d0dd" providerId="LiveId" clId="{B3CD5647-8E7F-4396-AC75-CDCEE4B4D981}" dt="2022-01-18T21:20:49.965" v="4183" actId="9405"/>
+          <ac:inkMkLst>
+            <pc:docMk/>
+            <pc:sldMk cId="1740221582" sldId="277"/>
+            <ac:inkMk id="4" creationId="{EA41CD63-00AE-409E-82AE-D9664AAAC893}"/>
+          </ac:inkMkLst>
+        </pc:inkChg>
+        <pc:inkChg chg="add del">
+          <ac:chgData name="Sharda Raj" userId="64e7c9fd3dc9d0dd" providerId="LiveId" clId="{B3CD5647-8E7F-4396-AC75-CDCEE4B4D981}" dt="2022-01-18T21:20:49.423" v="4182" actId="9405"/>
+          <ac:inkMkLst>
+            <pc:docMk/>
+            <pc:sldMk cId="1740221582" sldId="277"/>
+            <ac:inkMk id="5" creationId="{27610144-2325-4108-BF40-0EE7359A5457}"/>
+          </ac:inkMkLst>
+        </pc:inkChg>
+        <pc:inkChg chg="add del">
+          <ac:chgData name="Sharda Raj" userId="64e7c9fd3dc9d0dd" providerId="LiveId" clId="{B3CD5647-8E7F-4396-AC75-CDCEE4B4D981}" dt="2022-01-18T21:24:02.767" v="4205" actId="9405"/>
+          <ac:inkMkLst>
+            <pc:docMk/>
+            <pc:sldMk cId="1740221582" sldId="277"/>
+            <ac:inkMk id="6" creationId="{847DDE3F-9A5D-4306-B4F0-EC743C272EAF}"/>
+          </ac:inkMkLst>
+        </pc:inkChg>
+        <pc:inkChg chg="add del">
+          <ac:chgData name="Sharda Raj" userId="64e7c9fd3dc9d0dd" providerId="LiveId" clId="{B3CD5647-8E7F-4396-AC75-CDCEE4B4D981}" dt="2022-01-18T21:24:02.397" v="4204" actId="9405"/>
+          <ac:inkMkLst>
+            <pc:docMk/>
+            <pc:sldMk cId="1740221582" sldId="277"/>
+            <ac:inkMk id="7" creationId="{350BA622-C28E-44AD-A222-B4F2122AC750}"/>
+          </ac:inkMkLst>
+        </pc:inkChg>
+        <pc:inkChg chg="add del">
+          <ac:chgData name="Sharda Raj" userId="64e7c9fd3dc9d0dd" providerId="LiveId" clId="{B3CD5647-8E7F-4396-AC75-CDCEE4B4D981}" dt="2022-01-18T21:22:25.702" v="4195" actId="9405"/>
+          <ac:inkMkLst>
+            <pc:docMk/>
+            <pc:sldMk cId="1740221582" sldId="277"/>
+            <ac:inkMk id="8" creationId="{8A2FA449-04C8-4165-B31B-A4F735E649C8}"/>
+          </ac:inkMkLst>
+        </pc:inkChg>
+        <pc:inkChg chg="add del">
+          <ac:chgData name="Sharda Raj" userId="64e7c9fd3dc9d0dd" providerId="LiveId" clId="{B3CD5647-8E7F-4396-AC75-CDCEE4B4D981}" dt="2022-01-18T21:22:25.532" v="4194" actId="9405"/>
+          <ac:inkMkLst>
+            <pc:docMk/>
+            <pc:sldMk cId="1740221582" sldId="277"/>
+            <ac:inkMk id="9" creationId="{1CC05571-792E-4A55-82B7-6B3D15F57909}"/>
+          </ac:inkMkLst>
+        </pc:inkChg>
+        <pc:inkChg chg="add del">
+          <ac:chgData name="Sharda Raj" userId="64e7c9fd3dc9d0dd" providerId="LiveId" clId="{B3CD5647-8E7F-4396-AC75-CDCEE4B4D981}" dt="2022-01-18T21:22:25.339" v="4193" actId="9405"/>
+          <ac:inkMkLst>
+            <pc:docMk/>
+            <pc:sldMk cId="1740221582" sldId="277"/>
+            <ac:inkMk id="10" creationId="{7F248A7E-60FD-4814-9625-E68E813D8477}"/>
+          </ac:inkMkLst>
+        </pc:inkChg>
+        <pc:inkChg chg="add del">
+          <ac:chgData name="Sharda Raj" userId="64e7c9fd3dc9d0dd" providerId="LiveId" clId="{B3CD5647-8E7F-4396-AC75-CDCEE4B4D981}" dt="2022-01-18T21:22:25.147" v="4192" actId="9405"/>
+          <ac:inkMkLst>
+            <pc:docMk/>
+            <pc:sldMk cId="1740221582" sldId="277"/>
+            <ac:inkMk id="12" creationId="{03CB000E-2967-41D2-A3A9-27CFE5911569}"/>
+          </ac:inkMkLst>
+        </pc:inkChg>
+        <pc:inkChg chg="add del">
+          <ac:chgData name="Sharda Raj" userId="64e7c9fd3dc9d0dd" providerId="LiveId" clId="{B3CD5647-8E7F-4396-AC75-CDCEE4B4D981}" dt="2022-01-18T21:22:24.856" v="4191" actId="9405"/>
+          <ac:inkMkLst>
+            <pc:docMk/>
+            <pc:sldMk cId="1740221582" sldId="277"/>
+            <ac:inkMk id="13" creationId="{531B11FB-53EC-42EF-A108-B41100032DD5}"/>
+          </ac:inkMkLst>
+        </pc:inkChg>
       </pc:sldChg>
-      <pc:sldChg chg="addSp delSp modSp add mod">
-        <pc:chgData name="Sharda Raj" userId="64e7c9fd3dc9d0dd" providerId="LiveId" clId="{B3CD5647-8E7F-4396-AC75-CDCEE4B4D981}" dt="2022-01-10T06:51:04.704" v="1546" actId="27636"/>
+      <pc:sldChg chg="addSp delSp modSp add del mod modShow">
+        <pc:chgData name="Sharda Raj" userId="64e7c9fd3dc9d0dd" providerId="LiveId" clId="{B3CD5647-8E7F-4396-AC75-CDCEE4B4D981}" dt="2022-01-19T14:46:33.664" v="6115" actId="47"/>
         <pc:sldMkLst>
           <pc:docMk/>
           <pc:sldMk cId="3950567878" sldId="278"/>
@@ -910,6 +1161,726 @@
             <ac:picMk id="11" creationId="{4380E83C-07A2-40DA-A25E-37BD30BC1F31}"/>
           </ac:picMkLst>
         </pc:picChg>
+      </pc:sldChg>
+      <pc:sldChg chg="modSp add mod modAnim">
+        <pc:chgData name="Sharda Raj" userId="64e7c9fd3dc9d0dd" providerId="LiveId" clId="{B3CD5647-8E7F-4396-AC75-CDCEE4B4D981}" dt="2022-01-19T00:48:21.141" v="5904"/>
+        <pc:sldMkLst>
+          <pc:docMk/>
+          <pc:sldMk cId="404252881" sldId="279"/>
+        </pc:sldMkLst>
+        <pc:spChg chg="mod">
+          <ac:chgData name="Sharda Raj" userId="64e7c9fd3dc9d0dd" providerId="LiveId" clId="{B3CD5647-8E7F-4396-AC75-CDCEE4B4D981}" dt="2022-01-19T00:15:09.610" v="4938" actId="27636"/>
+          <ac:spMkLst>
+            <pc:docMk/>
+            <pc:sldMk cId="404252881" sldId="279"/>
+            <ac:spMk id="3" creationId="{7E6C76AF-BECA-4BA8-96AA-EAE463205046}"/>
+          </ac:spMkLst>
+        </pc:spChg>
+      </pc:sldChg>
+      <pc:sldChg chg="modSp add mod">
+        <pc:chgData name="Sharda Raj" userId="64e7c9fd3dc9d0dd" providerId="LiveId" clId="{B3CD5647-8E7F-4396-AC75-CDCEE4B4D981}" dt="2022-01-17T20:05:02.358" v="1814" actId="20577"/>
+        <pc:sldMkLst>
+          <pc:docMk/>
+          <pc:sldMk cId="3910852088" sldId="280"/>
+        </pc:sldMkLst>
+        <pc:spChg chg="mod">
+          <ac:chgData name="Sharda Raj" userId="64e7c9fd3dc9d0dd" providerId="LiveId" clId="{B3CD5647-8E7F-4396-AC75-CDCEE4B4D981}" dt="2022-01-17T20:04:28.266" v="1639" actId="20577"/>
+          <ac:spMkLst>
+            <pc:docMk/>
+            <pc:sldMk cId="3910852088" sldId="280"/>
+            <ac:spMk id="2" creationId="{6A05053C-8893-413C-B7FA-901C01183EE4}"/>
+          </ac:spMkLst>
+        </pc:spChg>
+        <pc:spChg chg="mod">
+          <ac:chgData name="Sharda Raj" userId="64e7c9fd3dc9d0dd" providerId="LiveId" clId="{B3CD5647-8E7F-4396-AC75-CDCEE4B4D981}" dt="2022-01-17T20:05:02.358" v="1814" actId="20577"/>
+          <ac:spMkLst>
+            <pc:docMk/>
+            <pc:sldMk cId="3910852088" sldId="280"/>
+            <ac:spMk id="3" creationId="{7E6C76AF-BECA-4BA8-96AA-EAE463205046}"/>
+          </ac:spMkLst>
+        </pc:spChg>
+      </pc:sldChg>
+      <pc:sldChg chg="modSp new mod">
+        <pc:chgData name="Sharda Raj" userId="64e7c9fd3dc9d0dd" providerId="LiveId" clId="{B3CD5647-8E7F-4396-AC75-CDCEE4B4D981}" dt="2022-01-19T00:26:42.712" v="5224" actId="20577"/>
+        <pc:sldMkLst>
+          <pc:docMk/>
+          <pc:sldMk cId="3040866266" sldId="281"/>
+        </pc:sldMkLst>
+        <pc:spChg chg="mod">
+          <ac:chgData name="Sharda Raj" userId="64e7c9fd3dc9d0dd" providerId="LiveId" clId="{B3CD5647-8E7F-4396-AC75-CDCEE4B4D981}" dt="2022-01-17T20:05:28.957" v="1893" actId="20577"/>
+          <ac:spMkLst>
+            <pc:docMk/>
+            <pc:sldMk cId="3040866266" sldId="281"/>
+            <ac:spMk id="2" creationId="{B51F894E-9086-462D-9873-AD538CAB7CB9}"/>
+          </ac:spMkLst>
+        </pc:spChg>
+        <pc:spChg chg="mod">
+          <ac:chgData name="Sharda Raj" userId="64e7c9fd3dc9d0dd" providerId="LiveId" clId="{B3CD5647-8E7F-4396-AC75-CDCEE4B4D981}" dt="2022-01-19T00:26:42.712" v="5224" actId="20577"/>
+          <ac:spMkLst>
+            <pc:docMk/>
+            <pc:sldMk cId="3040866266" sldId="281"/>
+            <ac:spMk id="3" creationId="{1F05E295-00A6-4EB8-94A6-EFFC04E8AE29}"/>
+          </ac:spMkLst>
+        </pc:spChg>
+      </pc:sldChg>
+      <pc:sldChg chg="addSp delSp modSp add mod ord modAnim">
+        <pc:chgData name="Sharda Raj" userId="64e7c9fd3dc9d0dd" providerId="LiveId" clId="{B3CD5647-8E7F-4396-AC75-CDCEE4B4D981}" dt="2022-01-19T01:29:58.517" v="5994" actId="20577"/>
+        <pc:sldMkLst>
+          <pc:docMk/>
+          <pc:sldMk cId="2994492369" sldId="282"/>
+        </pc:sldMkLst>
+        <pc:spChg chg="add del">
+          <ac:chgData name="Sharda Raj" userId="64e7c9fd3dc9d0dd" providerId="LiveId" clId="{B3CD5647-8E7F-4396-AC75-CDCEE4B4D981}" dt="2022-01-17T20:08:05.710" v="2315" actId="478"/>
+          <ac:spMkLst>
+            <pc:docMk/>
+            <pc:sldMk cId="2994492369" sldId="282"/>
+            <ac:spMk id="2" creationId="{EBD3D3B3-39FA-46E3-9948-8B96ABDC09D1}"/>
+          </ac:spMkLst>
+        </pc:spChg>
+        <pc:spChg chg="del mod">
+          <ac:chgData name="Sharda Raj" userId="64e7c9fd3dc9d0dd" providerId="LiveId" clId="{B3CD5647-8E7F-4396-AC75-CDCEE4B4D981}" dt="2022-01-17T20:06:51.349" v="2114" actId="478"/>
+          <ac:spMkLst>
+            <pc:docMk/>
+            <pc:sldMk cId="2994492369" sldId="282"/>
+            <ac:spMk id="3" creationId="{E7CA979D-BE1D-41C3-831F-6F367932F8DC}"/>
+          </ac:spMkLst>
+        </pc:spChg>
+        <pc:spChg chg="mod">
+          <ac:chgData name="Sharda Raj" userId="64e7c9fd3dc9d0dd" providerId="LiveId" clId="{B3CD5647-8E7F-4396-AC75-CDCEE4B4D981}" dt="2022-01-19T01:29:58.517" v="5994" actId="20577"/>
+          <ac:spMkLst>
+            <pc:docMk/>
+            <pc:sldMk cId="2994492369" sldId="282"/>
+            <ac:spMk id="4" creationId="{819F04C1-A7CC-4C4F-88D1-43C7280C9F8F}"/>
+          </ac:spMkLst>
+        </pc:spChg>
+        <pc:spChg chg="del mod">
+          <ac:chgData name="Sharda Raj" userId="64e7c9fd3dc9d0dd" providerId="LiveId" clId="{B3CD5647-8E7F-4396-AC75-CDCEE4B4D981}" dt="2022-01-17T20:07:44.712" v="2304" actId="478"/>
+          <ac:spMkLst>
+            <pc:docMk/>
+            <pc:sldMk cId="2994492369" sldId="282"/>
+            <ac:spMk id="5" creationId="{089AB619-2169-4A4C-986D-FB120160B765}"/>
+          </ac:spMkLst>
+        </pc:spChg>
+        <pc:spChg chg="del mod">
+          <ac:chgData name="Sharda Raj" userId="64e7c9fd3dc9d0dd" providerId="LiveId" clId="{B3CD5647-8E7F-4396-AC75-CDCEE4B4D981}" dt="2022-01-17T20:07:47.507" v="2306" actId="478"/>
+          <ac:spMkLst>
+            <pc:docMk/>
+            <pc:sldMk cId="2994492369" sldId="282"/>
+            <ac:spMk id="6" creationId="{6439462F-1F10-407A-923A-77CDA3A39678}"/>
+          </ac:spMkLst>
+        </pc:spChg>
+        <pc:spChg chg="add del mod">
+          <ac:chgData name="Sharda Raj" userId="64e7c9fd3dc9d0dd" providerId="LiveId" clId="{B3CD5647-8E7F-4396-AC75-CDCEE4B4D981}" dt="2022-01-17T20:08:07.964" v="2316" actId="478"/>
+          <ac:spMkLst>
+            <pc:docMk/>
+            <pc:sldMk cId="2994492369" sldId="282"/>
+            <ac:spMk id="8" creationId="{5232A41E-9DF8-4F99-8B4B-BEE4C7307081}"/>
+          </ac:spMkLst>
+        </pc:spChg>
+        <pc:spChg chg="add del mod">
+          <ac:chgData name="Sharda Raj" userId="64e7c9fd3dc9d0dd" providerId="LiveId" clId="{B3CD5647-8E7F-4396-AC75-CDCEE4B4D981}" dt="2022-01-17T20:08:02.152" v="2313" actId="478"/>
+          <ac:spMkLst>
+            <pc:docMk/>
+            <pc:sldMk cId="2994492369" sldId="282"/>
+            <ac:spMk id="10" creationId="{ADBCCB2F-128E-49F5-B63F-28551E2E0FC8}"/>
+          </ac:spMkLst>
+        </pc:spChg>
+        <pc:spChg chg="add del mod">
+          <ac:chgData name="Sharda Raj" userId="64e7c9fd3dc9d0dd" providerId="LiveId" clId="{B3CD5647-8E7F-4396-AC75-CDCEE4B4D981}" dt="2022-01-17T20:08:05.710" v="2315" actId="478"/>
+          <ac:spMkLst>
+            <pc:docMk/>
+            <pc:sldMk cId="2994492369" sldId="282"/>
+            <ac:spMk id="12" creationId="{0C114B4C-614F-4CAE-9657-C85038BA7572}"/>
+          </ac:spMkLst>
+        </pc:spChg>
+      </pc:sldChg>
+      <pc:sldChg chg="modSp add del mod ord">
+        <pc:chgData name="Sharda Raj" userId="64e7c9fd3dc9d0dd" providerId="LiveId" clId="{B3CD5647-8E7F-4396-AC75-CDCEE4B4D981}" dt="2022-01-19T00:47:34.407" v="5901" actId="2696"/>
+        <pc:sldMkLst>
+          <pc:docMk/>
+          <pc:sldMk cId="10823008" sldId="283"/>
+        </pc:sldMkLst>
+        <pc:spChg chg="mod">
+          <ac:chgData name="Sharda Raj" userId="64e7c9fd3dc9d0dd" providerId="LiveId" clId="{B3CD5647-8E7F-4396-AC75-CDCEE4B4D981}" dt="2022-01-17T20:20:04.579" v="3816" actId="20577"/>
+          <ac:spMkLst>
+            <pc:docMk/>
+            <pc:sldMk cId="10823008" sldId="283"/>
+            <ac:spMk id="4" creationId="{977BBD9D-A60A-41A8-B85D-9CE866792DC0}"/>
+          </ac:spMkLst>
+        </pc:spChg>
+      </pc:sldChg>
+      <pc:sldChg chg="addSp delSp modSp add del mod">
+        <pc:chgData name="Sharda Raj" userId="64e7c9fd3dc9d0dd" providerId="LiveId" clId="{B3CD5647-8E7F-4396-AC75-CDCEE4B4D981}" dt="2022-01-19T00:36:04.543" v="5598" actId="47"/>
+        <pc:sldMkLst>
+          <pc:docMk/>
+          <pc:sldMk cId="429433904" sldId="284"/>
+        </pc:sldMkLst>
+        <pc:spChg chg="del mod">
+          <ac:chgData name="Sharda Raj" userId="64e7c9fd3dc9d0dd" providerId="LiveId" clId="{B3CD5647-8E7F-4396-AC75-CDCEE4B4D981}" dt="2022-01-17T20:15:22.046" v="3158" actId="478"/>
+          <ac:spMkLst>
+            <pc:docMk/>
+            <pc:sldMk cId="429433904" sldId="284"/>
+            <ac:spMk id="4" creationId="{977BBD9D-A60A-41A8-B85D-9CE866792DC0}"/>
+          </ac:spMkLst>
+        </pc:spChg>
+        <pc:spChg chg="mod">
+          <ac:chgData name="Sharda Raj" userId="64e7c9fd3dc9d0dd" providerId="LiveId" clId="{B3CD5647-8E7F-4396-AC75-CDCEE4B4D981}" dt="2022-01-17T20:15:32.631" v="3161" actId="27636"/>
+          <ac:spMkLst>
+            <pc:docMk/>
+            <pc:sldMk cId="429433904" sldId="284"/>
+            <ac:spMk id="5" creationId="{8C3EDDA3-53CC-4AA6-8CB2-DE55A15075C4}"/>
+          </ac:spMkLst>
+        </pc:spChg>
+        <pc:spChg chg="add mod">
+          <ac:chgData name="Sharda Raj" userId="64e7c9fd3dc9d0dd" providerId="LiveId" clId="{B3CD5647-8E7F-4396-AC75-CDCEE4B4D981}" dt="2022-01-17T20:15:22.046" v="3158" actId="478"/>
+          <ac:spMkLst>
+            <pc:docMk/>
+            <pc:sldMk cId="429433904" sldId="284"/>
+            <ac:spMk id="7" creationId="{F3A0BACB-5ABC-4242-BC09-6EE8B8CBE839}"/>
+          </ac:spMkLst>
+        </pc:spChg>
+      </pc:sldChg>
+      <pc:sldChg chg="addSp delSp modSp add del mod">
+        <pc:chgData name="Sharda Raj" userId="64e7c9fd3dc9d0dd" providerId="LiveId" clId="{B3CD5647-8E7F-4396-AC75-CDCEE4B4D981}" dt="2022-01-19T00:36:04.543" v="5598" actId="47"/>
+        <pc:sldMkLst>
+          <pc:docMk/>
+          <pc:sldMk cId="2535856135" sldId="285"/>
+        </pc:sldMkLst>
+        <pc:spChg chg="del mod">
+          <ac:chgData name="Sharda Raj" userId="64e7c9fd3dc9d0dd" providerId="LiveId" clId="{B3CD5647-8E7F-4396-AC75-CDCEE4B4D981}" dt="2022-01-17T20:15:41.304" v="3163" actId="478"/>
+          <ac:spMkLst>
+            <pc:docMk/>
+            <pc:sldMk cId="2535856135" sldId="285"/>
+            <ac:spMk id="4" creationId="{977BBD9D-A60A-41A8-B85D-9CE866792DC0}"/>
+          </ac:spMkLst>
+        </pc:spChg>
+        <pc:spChg chg="mod">
+          <ac:chgData name="Sharda Raj" userId="64e7c9fd3dc9d0dd" providerId="LiveId" clId="{B3CD5647-8E7F-4396-AC75-CDCEE4B4D981}" dt="2022-01-17T20:16:02.372" v="3171" actId="27636"/>
+          <ac:spMkLst>
+            <pc:docMk/>
+            <pc:sldMk cId="2535856135" sldId="285"/>
+            <ac:spMk id="5" creationId="{8C3EDDA3-53CC-4AA6-8CB2-DE55A15075C4}"/>
+          </ac:spMkLst>
+        </pc:spChg>
+        <pc:spChg chg="add mod">
+          <ac:chgData name="Sharda Raj" userId="64e7c9fd3dc9d0dd" providerId="LiveId" clId="{B3CD5647-8E7F-4396-AC75-CDCEE4B4D981}" dt="2022-01-17T20:15:41.304" v="3163" actId="478"/>
+          <ac:spMkLst>
+            <pc:docMk/>
+            <pc:sldMk cId="2535856135" sldId="285"/>
+            <ac:spMk id="7" creationId="{103F0026-F458-4D92-A45D-384E3346E54A}"/>
+          </ac:spMkLst>
+        </pc:spChg>
+      </pc:sldChg>
+      <pc:sldChg chg="delSp modSp add mod ord modAnim">
+        <pc:chgData name="Sharda Raj" userId="64e7c9fd3dc9d0dd" providerId="LiveId" clId="{B3CD5647-8E7F-4396-AC75-CDCEE4B4D981}" dt="2022-01-19T01:38:25.277" v="6111" actId="20577"/>
+        <pc:sldMkLst>
+          <pc:docMk/>
+          <pc:sldMk cId="1530654187" sldId="286"/>
+        </pc:sldMkLst>
+        <pc:spChg chg="mod">
+          <ac:chgData name="Sharda Raj" userId="64e7c9fd3dc9d0dd" providerId="LiveId" clId="{B3CD5647-8E7F-4396-AC75-CDCEE4B4D981}" dt="2022-01-17T20:18:33.778" v="3571" actId="20577"/>
+          <ac:spMkLst>
+            <pc:docMk/>
+            <pc:sldMk cId="1530654187" sldId="286"/>
+            <ac:spMk id="2" creationId="{33C840F5-C548-4EE2-85C8-F45AB329C11E}"/>
+          </ac:spMkLst>
+        </pc:spChg>
+        <pc:spChg chg="del">
+          <ac:chgData name="Sharda Raj" userId="64e7c9fd3dc9d0dd" providerId="LiveId" clId="{B3CD5647-8E7F-4396-AC75-CDCEE4B4D981}" dt="2022-01-19T00:38:44.818" v="5652" actId="478"/>
+          <ac:spMkLst>
+            <pc:docMk/>
+            <pc:sldMk cId="1530654187" sldId="286"/>
+            <ac:spMk id="3" creationId="{9591EB7B-6DC3-46BB-842D-C70DC4C61A2D}"/>
+          </ac:spMkLst>
+        </pc:spChg>
+        <pc:spChg chg="mod">
+          <ac:chgData name="Sharda Raj" userId="64e7c9fd3dc9d0dd" providerId="LiveId" clId="{B3CD5647-8E7F-4396-AC75-CDCEE4B4D981}" dt="2022-01-19T01:38:25.277" v="6111" actId="20577"/>
+          <ac:spMkLst>
+            <pc:docMk/>
+            <pc:sldMk cId="1530654187" sldId="286"/>
+            <ac:spMk id="4" creationId="{977BBD9D-A60A-41A8-B85D-9CE866792DC0}"/>
+          </ac:spMkLst>
+        </pc:spChg>
+        <pc:spChg chg="del">
+          <ac:chgData name="Sharda Raj" userId="64e7c9fd3dc9d0dd" providerId="LiveId" clId="{B3CD5647-8E7F-4396-AC75-CDCEE4B4D981}" dt="2022-01-19T00:38:41.978" v="5650" actId="478"/>
+          <ac:spMkLst>
+            <pc:docMk/>
+            <pc:sldMk cId="1530654187" sldId="286"/>
+            <ac:spMk id="5" creationId="{8C3EDDA3-53CC-4AA6-8CB2-DE55A15075C4}"/>
+          </ac:spMkLst>
+        </pc:spChg>
+        <pc:spChg chg="del">
+          <ac:chgData name="Sharda Raj" userId="64e7c9fd3dc9d0dd" providerId="LiveId" clId="{B3CD5647-8E7F-4396-AC75-CDCEE4B4D981}" dt="2022-01-19T00:38:43.517" v="5651" actId="478"/>
+          <ac:spMkLst>
+            <pc:docMk/>
+            <pc:sldMk cId="1530654187" sldId="286"/>
+            <ac:spMk id="6" creationId="{5F70C724-F19E-4052-AF66-9D2B280CC088}"/>
+          </ac:spMkLst>
+        </pc:spChg>
+      </pc:sldChg>
+      <pc:sldChg chg="add del ord">
+        <pc:chgData name="Sharda Raj" userId="64e7c9fd3dc9d0dd" providerId="LiveId" clId="{B3CD5647-8E7F-4396-AC75-CDCEE4B4D981}" dt="2022-01-19T01:40:55.878" v="6112" actId="2696"/>
+        <pc:sldMkLst>
+          <pc:docMk/>
+          <pc:sldMk cId="4180186017" sldId="287"/>
+        </pc:sldMkLst>
+      </pc:sldChg>
+      <pc:sldChg chg="addSp delSp modSp add mod ord delAnim modAnim">
+        <pc:chgData name="Sharda Raj" userId="64e7c9fd3dc9d0dd" providerId="LiveId" clId="{B3CD5647-8E7F-4396-AC75-CDCEE4B4D981}" dt="2022-01-19T14:49:57.360" v="6178" actId="1076"/>
+        <pc:sldMkLst>
+          <pc:docMk/>
+          <pc:sldMk cId="2393964404" sldId="288"/>
+        </pc:sldMkLst>
+        <pc:spChg chg="mod">
+          <ac:chgData name="Sharda Raj" userId="64e7c9fd3dc9d0dd" providerId="LiveId" clId="{B3CD5647-8E7F-4396-AC75-CDCEE4B4D981}" dt="2022-01-19T14:48:34.920" v="6125" actId="14100"/>
+          <ac:spMkLst>
+            <pc:docMk/>
+            <pc:sldMk cId="2393964404" sldId="288"/>
+            <ac:spMk id="2" creationId="{33C840F5-C548-4EE2-85C8-F45AB329C11E}"/>
+          </ac:spMkLst>
+        </pc:spChg>
+        <pc:spChg chg="mod">
+          <ac:chgData name="Sharda Raj" userId="64e7c9fd3dc9d0dd" providerId="LiveId" clId="{B3CD5647-8E7F-4396-AC75-CDCEE4B4D981}" dt="2022-01-19T14:48:44.290" v="6126" actId="1076"/>
+          <ac:spMkLst>
+            <pc:docMk/>
+            <pc:sldMk cId="2393964404" sldId="288"/>
+            <ac:spMk id="3" creationId="{9591EB7B-6DC3-46BB-842D-C70DC4C61A2D}"/>
+          </ac:spMkLst>
+        </pc:spChg>
+        <pc:spChg chg="mod">
+          <ac:chgData name="Sharda Raj" userId="64e7c9fd3dc9d0dd" providerId="LiveId" clId="{B3CD5647-8E7F-4396-AC75-CDCEE4B4D981}" dt="2022-01-19T14:48:49.538" v="6127" actId="1076"/>
+          <ac:spMkLst>
+            <pc:docMk/>
+            <pc:sldMk cId="2393964404" sldId="288"/>
+            <ac:spMk id="5" creationId="{8C3EDDA3-53CC-4AA6-8CB2-DE55A15075C4}"/>
+          </ac:spMkLst>
+        </pc:spChg>
+        <pc:spChg chg="add del mod">
+          <ac:chgData name="Sharda Raj" userId="64e7c9fd3dc9d0dd" providerId="LiveId" clId="{B3CD5647-8E7F-4396-AC75-CDCEE4B4D981}" dt="2022-01-19T14:49:35.540" v="6172" actId="478"/>
+          <ac:spMkLst>
+            <pc:docMk/>
+            <pc:sldMk cId="2393964404" sldId="288"/>
+            <ac:spMk id="6" creationId="{AC3BD0B4-7E15-4E2A-A54B-B188814FCDBF}"/>
+          </ac:spMkLst>
+        </pc:spChg>
+        <pc:spChg chg="add del mod">
+          <ac:chgData name="Sharda Raj" userId="64e7c9fd3dc9d0dd" providerId="LiveId" clId="{B3CD5647-8E7F-4396-AC75-CDCEE4B4D981}" dt="2022-01-18T20:55:20.880" v="4142" actId="22"/>
+          <ac:spMkLst>
+            <pc:docMk/>
+            <pc:sldMk cId="2393964404" sldId="288"/>
+            <ac:spMk id="6" creationId="{BB01CA2C-B85D-4F43-8360-F8512FE6FA56}"/>
+          </ac:spMkLst>
+        </pc:spChg>
+        <pc:spChg chg="add del mod">
+          <ac:chgData name="Sharda Raj" userId="64e7c9fd3dc9d0dd" providerId="LiveId" clId="{B3CD5647-8E7F-4396-AC75-CDCEE4B4D981}" dt="2022-01-19T14:49:47.123" v="6176" actId="478"/>
+          <ac:spMkLst>
+            <pc:docMk/>
+            <pc:sldMk cId="2393964404" sldId="288"/>
+            <ac:spMk id="10" creationId="{B55DF458-C42F-4BFA-97D3-42ADBFD359C2}"/>
+          </ac:spMkLst>
+        </pc:spChg>
+        <pc:spChg chg="add del mod">
+          <ac:chgData name="Sharda Raj" userId="64e7c9fd3dc9d0dd" providerId="LiveId" clId="{B3CD5647-8E7F-4396-AC75-CDCEE4B4D981}" dt="2022-01-18T20:58:22.289" v="4145" actId="22"/>
+          <ac:spMkLst>
+            <pc:docMk/>
+            <pc:sldMk cId="2393964404" sldId="288"/>
+            <ac:spMk id="14" creationId="{2FCE8FCC-F08D-4DDA-8F62-C0AB1D8FA2E4}"/>
+          </ac:spMkLst>
+        </pc:spChg>
+        <pc:spChg chg="add del mod">
+          <ac:chgData name="Sharda Raj" userId="64e7c9fd3dc9d0dd" providerId="LiveId" clId="{B3CD5647-8E7F-4396-AC75-CDCEE4B4D981}" dt="2022-01-18T20:59:15.139" v="4149" actId="22"/>
+          <ac:spMkLst>
+            <pc:docMk/>
+            <pc:sldMk cId="2393964404" sldId="288"/>
+            <ac:spMk id="18" creationId="{F5BB278D-D142-4F27-84A2-C1E7A6DCA8ED}"/>
+          </ac:spMkLst>
+        </pc:spChg>
+        <pc:picChg chg="add mod">
+          <ac:chgData name="Sharda Raj" userId="64e7c9fd3dc9d0dd" providerId="LiveId" clId="{B3CD5647-8E7F-4396-AC75-CDCEE4B4D981}" dt="2022-01-19T14:49:57.360" v="6178" actId="1076"/>
+          <ac:picMkLst>
+            <pc:docMk/>
+            <pc:sldMk cId="2393964404" sldId="288"/>
+            <ac:picMk id="7" creationId="{089FB7D0-9CC4-4073-B2AC-939337008181}"/>
+          </ac:picMkLst>
+        </pc:picChg>
+        <pc:picChg chg="add mod">
+          <ac:chgData name="Sharda Raj" userId="64e7c9fd3dc9d0dd" providerId="LiveId" clId="{B3CD5647-8E7F-4396-AC75-CDCEE4B4D981}" dt="2022-01-19T14:49:52.681" v="6177" actId="1076"/>
+          <ac:picMkLst>
+            <pc:docMk/>
+            <pc:sldMk cId="2393964404" sldId="288"/>
+            <ac:picMk id="8" creationId="{147CFBE0-EDB9-4DFB-8D65-CBD545C06AFD}"/>
+          </ac:picMkLst>
+        </pc:picChg>
+        <pc:picChg chg="del">
+          <ac:chgData name="Sharda Raj" userId="64e7c9fd3dc9d0dd" providerId="LiveId" clId="{B3CD5647-8E7F-4396-AC75-CDCEE4B4D981}" dt="2022-01-18T20:55:16.234" v="4139" actId="478"/>
+          <ac:picMkLst>
+            <pc:docMk/>
+            <pc:sldMk cId="2393964404" sldId="288"/>
+            <ac:picMk id="8" creationId="{DD66237C-3F32-46DE-84CF-EFC09B873567}"/>
+          </ac:picMkLst>
+        </pc:picChg>
+        <pc:picChg chg="add del">
+          <ac:chgData name="Sharda Raj" userId="64e7c9fd3dc9d0dd" providerId="LiveId" clId="{B3CD5647-8E7F-4396-AC75-CDCEE4B4D981}" dt="2022-01-18T20:55:19.545" v="4141" actId="22"/>
+          <ac:picMkLst>
+            <pc:docMk/>
+            <pc:sldMk cId="2393964404" sldId="288"/>
+            <ac:picMk id="9" creationId="{C3A022F7-0FBD-4403-8EC1-C8028A8BECAF}"/>
+          </ac:picMkLst>
+        </pc:picChg>
+        <pc:picChg chg="del">
+          <ac:chgData name="Sharda Raj" userId="64e7c9fd3dc9d0dd" providerId="LiveId" clId="{B3CD5647-8E7F-4396-AC75-CDCEE4B4D981}" dt="2022-01-18T20:58:20.316" v="4144" actId="478"/>
+          <ac:picMkLst>
+            <pc:docMk/>
+            <pc:sldMk cId="2393964404" sldId="288"/>
+            <ac:picMk id="10" creationId="{18970D07-DCD2-49B2-9E5E-064771354144}"/>
+          </ac:picMkLst>
+        </pc:picChg>
+        <pc:picChg chg="add del mod ord">
+          <ac:chgData name="Sharda Raj" userId="64e7c9fd3dc9d0dd" providerId="LiveId" clId="{B3CD5647-8E7F-4396-AC75-CDCEE4B4D981}" dt="2022-01-19T14:49:27.921" v="6171" actId="478"/>
+          <ac:picMkLst>
+            <pc:docMk/>
+            <pc:sldMk cId="2393964404" sldId="288"/>
+            <ac:picMk id="12" creationId="{AEB5AFEC-CE75-443D-91C2-811940C54737}"/>
+          </ac:picMkLst>
+        </pc:picChg>
+        <pc:picChg chg="add del mod ord">
+          <ac:chgData name="Sharda Raj" userId="64e7c9fd3dc9d0dd" providerId="LiveId" clId="{B3CD5647-8E7F-4396-AC75-CDCEE4B4D981}" dt="2022-01-18T20:59:13.398" v="4148" actId="478"/>
+          <ac:picMkLst>
+            <pc:docMk/>
+            <pc:sldMk cId="2393964404" sldId="288"/>
+            <ac:picMk id="16" creationId="{2E82CA65-2A7D-4F81-A18C-7CA0D5E23BB9}"/>
+          </ac:picMkLst>
+        </pc:picChg>
+        <pc:picChg chg="add del mod ord">
+          <ac:chgData name="Sharda Raj" userId="64e7c9fd3dc9d0dd" providerId="LiveId" clId="{B3CD5647-8E7F-4396-AC75-CDCEE4B4D981}" dt="2022-01-19T14:49:45.444" v="6175" actId="478"/>
+          <ac:picMkLst>
+            <pc:docMk/>
+            <pc:sldMk cId="2393964404" sldId="288"/>
+            <ac:picMk id="20" creationId="{EC09F1E6-EA6F-489B-A53C-7C3EF1E986C5}"/>
+          </ac:picMkLst>
+        </pc:picChg>
+      </pc:sldChg>
+      <pc:sldChg chg="addSp delSp modSp add mod ord modAnim">
+        <pc:chgData name="Sharda Raj" userId="64e7c9fd3dc9d0dd" providerId="LiveId" clId="{B3CD5647-8E7F-4396-AC75-CDCEE4B4D981}" dt="2022-01-19T00:54:02.624" v="5938"/>
+        <pc:sldMkLst>
+          <pc:docMk/>
+          <pc:sldMk cId="2814282053" sldId="289"/>
+        </pc:sldMkLst>
+        <pc:spChg chg="add del mod">
+          <ac:chgData name="Sharda Raj" userId="64e7c9fd3dc9d0dd" providerId="LiveId" clId="{B3CD5647-8E7F-4396-AC75-CDCEE4B4D981}" dt="2022-01-18T21:01:15.604" v="4173"/>
+          <ac:spMkLst>
+            <pc:docMk/>
+            <pc:sldMk cId="2814282053" sldId="289"/>
+            <ac:spMk id="6" creationId="{8D4E0C94-B4A1-4CD1-9B03-4FBF9DF467DF}"/>
+          </ac:spMkLst>
+        </pc:spChg>
+        <pc:spChg chg="add del mod">
+          <ac:chgData name="Sharda Raj" userId="64e7c9fd3dc9d0dd" providerId="LiveId" clId="{B3CD5647-8E7F-4396-AC75-CDCEE4B4D981}" dt="2022-01-18T21:23:57.952" v="4200" actId="22"/>
+          <ac:spMkLst>
+            <pc:docMk/>
+            <pc:sldMk cId="2814282053" sldId="289"/>
+            <ac:spMk id="11" creationId="{E8BCA480-49FC-41C1-BEF9-AE5DE91A7878}"/>
+          </ac:spMkLst>
+        </pc:spChg>
+        <pc:picChg chg="del">
+          <ac:chgData name="Sharda Raj" userId="64e7c9fd3dc9d0dd" providerId="LiveId" clId="{B3CD5647-8E7F-4396-AC75-CDCEE4B4D981}" dt="2022-01-18T21:01:09.940" v="4170" actId="478"/>
+          <ac:picMkLst>
+            <pc:docMk/>
+            <pc:sldMk cId="2814282053" sldId="289"/>
+            <ac:picMk id="8" creationId="{DD66237C-3F32-46DE-84CF-EFC09B873567}"/>
+          </ac:picMkLst>
+        </pc:picChg>
+        <pc:picChg chg="add del mod">
+          <ac:chgData name="Sharda Raj" userId="64e7c9fd3dc9d0dd" providerId="LiveId" clId="{B3CD5647-8E7F-4396-AC75-CDCEE4B4D981}" dt="2022-01-18T21:01:14.049" v="4172"/>
+          <ac:picMkLst>
+            <pc:docMk/>
+            <pc:sldMk cId="2814282053" sldId="289"/>
+            <ac:picMk id="9" creationId="{680B022E-726B-4730-991F-3F3209EB7083}"/>
+          </ac:picMkLst>
+        </pc:picChg>
+        <pc:picChg chg="add mod">
+          <ac:chgData name="Sharda Raj" userId="64e7c9fd3dc9d0dd" providerId="LiveId" clId="{B3CD5647-8E7F-4396-AC75-CDCEE4B4D981}" dt="2022-01-18T21:01:17.841" v="4174" actId="14100"/>
+          <ac:picMkLst>
+            <pc:docMk/>
+            <pc:sldMk cId="2814282053" sldId="289"/>
+            <ac:picMk id="10" creationId="{32A0ED9D-C42C-47CC-BEC6-FE8E47C324BA}"/>
+          </ac:picMkLst>
+        </pc:picChg>
+        <pc:picChg chg="del mod">
+          <ac:chgData name="Sharda Raj" userId="64e7c9fd3dc9d0dd" providerId="LiveId" clId="{B3CD5647-8E7F-4396-AC75-CDCEE4B4D981}" dt="2022-01-18T21:19:12.343" v="4177" actId="478"/>
+          <ac:picMkLst>
+            <pc:docMk/>
+            <pc:sldMk cId="2814282053" sldId="289"/>
+            <ac:picMk id="12" creationId="{2ADE8C07-1FED-4A1F-AF5B-3571547E10FE}"/>
+          </ac:picMkLst>
+        </pc:picChg>
+        <pc:picChg chg="add del mod ord">
+          <ac:chgData name="Sharda Raj" userId="64e7c9fd3dc9d0dd" providerId="LiveId" clId="{B3CD5647-8E7F-4396-AC75-CDCEE4B4D981}" dt="2022-01-18T21:23:58.445" v="4201" actId="14100"/>
+          <ac:picMkLst>
+            <pc:docMk/>
+            <pc:sldMk cId="2814282053" sldId="289"/>
+            <ac:picMk id="14" creationId="{6CFF66AC-A5B9-4C31-820E-FD8785EB9572}"/>
+          </ac:picMkLst>
+        </pc:picChg>
+      </pc:sldChg>
+      <pc:sldChg chg="addSp delSp modSp add mod ord modAnim">
+        <pc:chgData name="Sharda Raj" userId="64e7c9fd3dc9d0dd" providerId="LiveId" clId="{B3CD5647-8E7F-4396-AC75-CDCEE4B4D981}" dt="2022-01-19T00:54:30.183" v="5945"/>
+        <pc:sldMkLst>
+          <pc:docMk/>
+          <pc:sldMk cId="1854449923" sldId="290"/>
+        </pc:sldMkLst>
+        <pc:spChg chg="mod">
+          <ac:chgData name="Sharda Raj" userId="64e7c9fd3dc9d0dd" providerId="LiveId" clId="{B3CD5647-8E7F-4396-AC75-CDCEE4B4D981}" dt="2022-01-19T00:37:30.689" v="5635" actId="404"/>
+          <ac:spMkLst>
+            <pc:docMk/>
+            <pc:sldMk cId="1854449923" sldId="290"/>
+            <ac:spMk id="2" creationId="{33C840F5-C548-4EE2-85C8-F45AB329C11E}"/>
+          </ac:spMkLst>
+        </pc:spChg>
+        <pc:spChg chg="mod">
+          <ac:chgData name="Sharda Raj" userId="64e7c9fd3dc9d0dd" providerId="LiveId" clId="{B3CD5647-8E7F-4396-AC75-CDCEE4B4D981}" dt="2022-01-19T00:38:05.643" v="5642" actId="20577"/>
+          <ac:spMkLst>
+            <pc:docMk/>
+            <pc:sldMk cId="1854449923" sldId="290"/>
+            <ac:spMk id="3" creationId="{9591EB7B-6DC3-46BB-842D-C70DC4C61A2D}"/>
+          </ac:spMkLst>
+        </pc:spChg>
+        <pc:spChg chg="add del mod">
+          <ac:chgData name="Sharda Raj" userId="64e7c9fd3dc9d0dd" providerId="LiveId" clId="{B3CD5647-8E7F-4396-AC75-CDCEE4B4D981}" dt="2022-01-18T21:40:07.913" v="4212" actId="22"/>
+          <ac:spMkLst>
+            <pc:docMk/>
+            <pc:sldMk cId="1854449923" sldId="290"/>
+            <ac:spMk id="5" creationId="{94B9870D-1A7D-4B9A-929E-AAB579366A8D}"/>
+          </ac:spMkLst>
+        </pc:spChg>
+        <pc:picChg chg="del">
+          <ac:chgData name="Sharda Raj" userId="64e7c9fd3dc9d0dd" providerId="LiveId" clId="{B3CD5647-8E7F-4396-AC75-CDCEE4B4D981}" dt="2022-01-18T21:39:57.715" v="4208" actId="478"/>
+          <ac:picMkLst>
+            <pc:docMk/>
+            <pc:sldMk cId="1854449923" sldId="290"/>
+            <ac:picMk id="7" creationId="{B8071060-D145-4EB3-B23A-0D1E73D95339}"/>
+          </ac:picMkLst>
+        </pc:picChg>
+        <pc:picChg chg="add mod ord">
+          <ac:chgData name="Sharda Raj" userId="64e7c9fd3dc9d0dd" providerId="LiveId" clId="{B3CD5647-8E7F-4396-AC75-CDCEE4B4D981}" dt="2022-01-18T21:40:15.406" v="4215" actId="14100"/>
+          <ac:picMkLst>
+            <pc:docMk/>
+            <pc:sldMk cId="1854449923" sldId="290"/>
+            <ac:picMk id="8" creationId="{4C9B28D2-F1C4-48B9-B3D0-F2A02D68C283}"/>
+          </ac:picMkLst>
+        </pc:picChg>
+        <pc:inkChg chg="add del">
+          <ac:chgData name="Sharda Raj" userId="64e7c9fd3dc9d0dd" providerId="LiveId" clId="{B3CD5647-8E7F-4396-AC75-CDCEE4B4D981}" dt="2022-01-19T00:23:38.498" v="5096" actId="9405"/>
+          <ac:inkMkLst>
+            <pc:docMk/>
+            <pc:sldMk cId="1854449923" sldId="290"/>
+            <ac:inkMk id="9" creationId="{E28A5A19-2DAA-4B34-B75C-5F70CE7C3F78}"/>
+          </ac:inkMkLst>
+        </pc:inkChg>
+        <pc:inkChg chg="add del">
+          <ac:chgData name="Sharda Raj" userId="64e7c9fd3dc9d0dd" providerId="LiveId" clId="{B3CD5647-8E7F-4396-AC75-CDCEE4B4D981}" dt="2022-01-19T00:23:37.951" v="5095" actId="9405"/>
+          <ac:inkMkLst>
+            <pc:docMk/>
+            <pc:sldMk cId="1854449923" sldId="290"/>
+            <ac:inkMk id="10" creationId="{11560DE3-B055-4715-AAAF-1E4322C16729}"/>
+          </ac:inkMkLst>
+        </pc:inkChg>
+        <pc:inkChg chg="add del">
+          <ac:chgData name="Sharda Raj" userId="64e7c9fd3dc9d0dd" providerId="LiveId" clId="{B3CD5647-8E7F-4396-AC75-CDCEE4B4D981}" dt="2022-01-19T00:23:37.506" v="5094" actId="9405"/>
+          <ac:inkMkLst>
+            <pc:docMk/>
+            <pc:sldMk cId="1854449923" sldId="290"/>
+            <ac:inkMk id="11" creationId="{B3EAE98E-13E4-4604-962F-22C4D39AAC5A}"/>
+          </ac:inkMkLst>
+        </pc:inkChg>
+        <pc:inkChg chg="add del">
+          <ac:chgData name="Sharda Raj" userId="64e7c9fd3dc9d0dd" providerId="LiveId" clId="{B3CD5647-8E7F-4396-AC75-CDCEE4B4D981}" dt="2022-01-19T00:23:42.007" v="5100" actId="9405"/>
+          <ac:inkMkLst>
+            <pc:docMk/>
+            <pc:sldMk cId="1854449923" sldId="290"/>
+            <ac:inkMk id="12" creationId="{4FCA8FC6-8C95-46BC-B3C1-F0A3015FFCFE}"/>
+          </ac:inkMkLst>
+        </pc:inkChg>
+        <pc:inkChg chg="add del">
+          <ac:chgData name="Sharda Raj" userId="64e7c9fd3dc9d0dd" providerId="LiveId" clId="{B3CD5647-8E7F-4396-AC75-CDCEE4B4D981}" dt="2022-01-19T00:23:41.592" v="5099" actId="9405"/>
+          <ac:inkMkLst>
+            <pc:docMk/>
+            <pc:sldMk cId="1854449923" sldId="290"/>
+            <ac:inkMk id="13" creationId="{AF2909EA-88AE-4A91-A08A-907F6C425DAC}"/>
+          </ac:inkMkLst>
+        </pc:inkChg>
+      </pc:sldChg>
+      <pc:sldChg chg="addSp delSp modSp add mod ord modAnim">
+        <pc:chgData name="Sharda Raj" userId="64e7c9fd3dc9d0dd" providerId="LiveId" clId="{B3CD5647-8E7F-4396-AC75-CDCEE4B4D981}" dt="2022-01-19T00:52:49.241" v="5924"/>
+        <pc:sldMkLst>
+          <pc:docMk/>
+          <pc:sldMk cId="3330868619" sldId="291"/>
+        </pc:sldMkLst>
+        <pc:spChg chg="mod">
+          <ac:chgData name="Sharda Raj" userId="64e7c9fd3dc9d0dd" providerId="LiveId" clId="{B3CD5647-8E7F-4396-AC75-CDCEE4B4D981}" dt="2022-01-19T00:52:37.022" v="5922" actId="1076"/>
+          <ac:spMkLst>
+            <pc:docMk/>
+            <pc:sldMk cId="3330868619" sldId="291"/>
+            <ac:spMk id="3" creationId="{9591EB7B-6DC3-46BB-842D-C70DC4C61A2D}"/>
+          </ac:spMkLst>
+        </pc:spChg>
+        <pc:spChg chg="add del mod">
+          <ac:chgData name="Sharda Raj" userId="64e7c9fd3dc9d0dd" providerId="LiveId" clId="{B3CD5647-8E7F-4396-AC75-CDCEE4B4D981}" dt="2022-01-18T21:45:29.981" v="4786" actId="22"/>
+          <ac:spMkLst>
+            <pc:docMk/>
+            <pc:sldMk cId="3330868619" sldId="291"/>
+            <ac:spMk id="5" creationId="{23326FB8-0807-4578-B4C8-C70A00F8BA90}"/>
+          </ac:spMkLst>
+        </pc:spChg>
+        <pc:spChg chg="add del mod">
+          <ac:chgData name="Sharda Raj" userId="64e7c9fd3dc9d0dd" providerId="LiveId" clId="{B3CD5647-8E7F-4396-AC75-CDCEE4B4D981}" dt="2022-01-19T00:18:25.955" v="4940" actId="22"/>
+          <ac:spMkLst>
+            <pc:docMk/>
+            <pc:sldMk cId="3330868619" sldId="291"/>
+            <ac:spMk id="9" creationId="{CE8DCCBE-CC53-4A13-B637-250C55C26696}"/>
+          </ac:spMkLst>
+        </pc:spChg>
+        <pc:picChg chg="add del mod ord">
+          <ac:chgData name="Sharda Raj" userId="64e7c9fd3dc9d0dd" providerId="LiveId" clId="{B3CD5647-8E7F-4396-AC75-CDCEE4B4D981}" dt="2022-01-19T00:18:24.211" v="4939" actId="478"/>
+          <ac:picMkLst>
+            <pc:docMk/>
+            <pc:sldMk cId="3330868619" sldId="291"/>
+            <ac:picMk id="7" creationId="{9DD67188-62C5-4803-BB1D-9AE1511ABC0D}"/>
+          </ac:picMkLst>
+        </pc:picChg>
+        <pc:picChg chg="add mod ord">
+          <ac:chgData name="Sharda Raj" userId="64e7c9fd3dc9d0dd" providerId="LiveId" clId="{B3CD5647-8E7F-4396-AC75-CDCEE4B4D981}" dt="2022-01-19T00:52:28.320" v="5920" actId="1076"/>
+          <ac:picMkLst>
+            <pc:docMk/>
+            <pc:sldMk cId="3330868619" sldId="291"/>
+            <ac:picMk id="11" creationId="{F6C2CD6B-6B56-4A7E-B011-CC1D7F4BF313}"/>
+          </ac:picMkLst>
+        </pc:picChg>
+        <pc:picChg chg="del">
+          <ac:chgData name="Sharda Raj" userId="64e7c9fd3dc9d0dd" providerId="LiveId" clId="{B3CD5647-8E7F-4396-AC75-CDCEE4B4D981}" dt="2022-01-18T21:45:27.730" v="4785" actId="478"/>
+          <ac:picMkLst>
+            <pc:docMk/>
+            <pc:sldMk cId="3330868619" sldId="291"/>
+            <ac:picMk id="12" creationId="{C7CCDB4E-B11E-49EE-9CC6-8085E903903F}"/>
+          </ac:picMkLst>
+        </pc:picChg>
+      </pc:sldChg>
+      <pc:sldChg chg="addSp delSp modSp new mod">
+        <pc:chgData name="Sharda Raj" userId="64e7c9fd3dc9d0dd" providerId="LiveId" clId="{B3CD5647-8E7F-4396-AC75-CDCEE4B4D981}" dt="2022-01-19T00:44:17.239" v="5695" actId="1076"/>
+        <pc:sldMkLst>
+          <pc:docMk/>
+          <pc:sldMk cId="920808768" sldId="292"/>
+        </pc:sldMkLst>
+        <pc:spChg chg="mod">
+          <ac:chgData name="Sharda Raj" userId="64e7c9fd3dc9d0dd" providerId="LiveId" clId="{B3CD5647-8E7F-4396-AC75-CDCEE4B4D981}" dt="2022-01-19T00:44:14.871" v="5694" actId="1076"/>
+          <ac:spMkLst>
+            <pc:docMk/>
+            <pc:sldMk cId="920808768" sldId="292"/>
+            <ac:spMk id="2" creationId="{A9106B93-F10C-4EFF-8391-174B323517CB}"/>
+          </ac:spMkLst>
+        </pc:spChg>
+        <pc:spChg chg="del">
+          <ac:chgData name="Sharda Raj" userId="64e7c9fd3dc9d0dd" providerId="LiveId" clId="{B3CD5647-8E7F-4396-AC75-CDCEE4B4D981}" dt="2022-01-19T00:42:22.150" v="5663" actId="478"/>
+          <ac:spMkLst>
+            <pc:docMk/>
+            <pc:sldMk cId="920808768" sldId="292"/>
+            <ac:spMk id="3" creationId="{9EDEE30E-523B-4555-99F9-77AC28A058A9}"/>
+          </ac:spMkLst>
+        </pc:spChg>
+        <pc:spChg chg="del">
+          <ac:chgData name="Sharda Raj" userId="64e7c9fd3dc9d0dd" providerId="LiveId" clId="{B3CD5647-8E7F-4396-AC75-CDCEE4B4D981}" dt="2022-01-19T00:42:14.220" v="5660" actId="22"/>
+          <ac:spMkLst>
+            <pc:docMk/>
+            <pc:sldMk cId="920808768" sldId="292"/>
+            <ac:spMk id="4" creationId="{97317307-C9EA-492B-B2B2-B9788F1B710E}"/>
+          </ac:spMkLst>
+        </pc:spChg>
+        <pc:spChg chg="del">
+          <ac:chgData name="Sharda Raj" userId="64e7c9fd3dc9d0dd" providerId="LiveId" clId="{B3CD5647-8E7F-4396-AC75-CDCEE4B4D981}" dt="2022-01-19T00:42:21.176" v="5662" actId="478"/>
+          <ac:spMkLst>
+            <pc:docMk/>
+            <pc:sldMk cId="920808768" sldId="292"/>
+            <ac:spMk id="5" creationId="{A2136978-CF9E-481F-AE1C-AC3FB14FEBEF}"/>
+          </ac:spMkLst>
+        </pc:spChg>
+        <pc:spChg chg="del">
+          <ac:chgData name="Sharda Raj" userId="64e7c9fd3dc9d0dd" providerId="LiveId" clId="{B3CD5647-8E7F-4396-AC75-CDCEE4B4D981}" dt="2022-01-19T00:42:19.614" v="5661" actId="478"/>
+          <ac:spMkLst>
+            <pc:docMk/>
+            <pc:sldMk cId="920808768" sldId="292"/>
+            <ac:spMk id="6" creationId="{FB860BD0-7BD2-435D-8F8C-73AD2EFB88D0}"/>
+          </ac:spMkLst>
+        </pc:spChg>
+        <pc:picChg chg="add mod ord">
+          <ac:chgData name="Sharda Raj" userId="64e7c9fd3dc9d0dd" providerId="LiveId" clId="{B3CD5647-8E7F-4396-AC75-CDCEE4B4D981}" dt="2022-01-19T00:44:17.239" v="5695" actId="1076"/>
+          <ac:picMkLst>
+            <pc:docMk/>
+            <pc:sldMk cId="920808768" sldId="292"/>
+            <ac:picMk id="8" creationId="{02F51F0B-F263-41C7-9A1E-C7A3186524D2}"/>
+          </ac:picMkLst>
+        </pc:picChg>
+      </pc:sldChg>
+      <pc:sldChg chg="addSp delSp modSp new mod modAnim">
+        <pc:chgData name="Sharda Raj" userId="64e7c9fd3dc9d0dd" providerId="LiveId" clId="{B3CD5647-8E7F-4396-AC75-CDCEE4B4D981}" dt="2022-01-19T00:59:21.131" v="5985"/>
+        <pc:sldMkLst>
+          <pc:docMk/>
+          <pc:sldMk cId="2992336594" sldId="293"/>
+        </pc:sldMkLst>
+        <pc:spChg chg="mod ord">
+          <ac:chgData name="Sharda Raj" userId="64e7c9fd3dc9d0dd" providerId="LiveId" clId="{B3CD5647-8E7F-4396-AC75-CDCEE4B4D981}" dt="2022-01-19T00:58:56.664" v="5980" actId="1076"/>
+          <ac:spMkLst>
+            <pc:docMk/>
+            <pc:sldMk cId="2992336594" sldId="293"/>
+            <ac:spMk id="2" creationId="{92D44A1F-DFE4-4755-801A-EF3664FFF3A6}"/>
+          </ac:spMkLst>
+        </pc:spChg>
+        <pc:spChg chg="del">
+          <ac:chgData name="Sharda Raj" userId="64e7c9fd3dc9d0dd" providerId="LiveId" clId="{B3CD5647-8E7F-4396-AC75-CDCEE4B4D981}" dt="2022-01-19T00:56:00.427" v="5969" actId="478"/>
+          <ac:spMkLst>
+            <pc:docMk/>
+            <pc:sldMk cId="2992336594" sldId="293"/>
+            <ac:spMk id="3" creationId="{B4060D56-6934-4E10-BA3E-5A70AFC58197}"/>
+          </ac:spMkLst>
+        </pc:spChg>
+        <pc:spChg chg="del">
+          <ac:chgData name="Sharda Raj" userId="64e7c9fd3dc9d0dd" providerId="LiveId" clId="{B3CD5647-8E7F-4396-AC75-CDCEE4B4D981}" dt="2022-01-19T00:56:02.328" v="5970" actId="478"/>
+          <ac:spMkLst>
+            <pc:docMk/>
+            <pc:sldMk cId="2992336594" sldId="293"/>
+            <ac:spMk id="4" creationId="{A44D51DE-EBFD-48DD-902F-1587BF38C2E4}"/>
+          </ac:spMkLst>
+        </pc:spChg>
+        <pc:spChg chg="del">
+          <ac:chgData name="Sharda Raj" userId="64e7c9fd3dc9d0dd" providerId="LiveId" clId="{B3CD5647-8E7F-4396-AC75-CDCEE4B4D981}" dt="2022-01-19T00:56:04.805" v="5971" actId="478"/>
+          <ac:spMkLst>
+            <pc:docMk/>
+            <pc:sldMk cId="2992336594" sldId="293"/>
+            <ac:spMk id="5" creationId="{EC40A527-F3DE-4FFF-A7AB-C1E0F81D1866}"/>
+          </ac:spMkLst>
+        </pc:spChg>
+        <pc:spChg chg="add del">
+          <ac:chgData name="Sharda Raj" userId="64e7c9fd3dc9d0dd" providerId="LiveId" clId="{B3CD5647-8E7F-4396-AC75-CDCEE4B4D981}" dt="2022-01-19T00:58:39.262" v="5974" actId="931"/>
+          <ac:spMkLst>
+            <pc:docMk/>
+            <pc:sldMk cId="2992336594" sldId="293"/>
+            <ac:spMk id="6" creationId="{D7A230A3-8279-4606-BB1D-75C4A4BCF196}"/>
+          </ac:spMkLst>
+        </pc:spChg>
+        <pc:picChg chg="add mod">
+          <ac:chgData name="Sharda Raj" userId="64e7c9fd3dc9d0dd" providerId="LiveId" clId="{B3CD5647-8E7F-4396-AC75-CDCEE4B4D981}" dt="2022-01-19T00:59:09.513" v="5984" actId="14100"/>
+          <ac:picMkLst>
+            <pc:docMk/>
+            <pc:sldMk cId="2992336594" sldId="293"/>
+            <ac:picMk id="8" creationId="{E03EE11A-644F-4E8B-AA05-07886E39C409}"/>
+          </ac:picMkLst>
+        </pc:picChg>
+      </pc:sldChg>
+      <pc:sldChg chg="new del">
+        <pc:chgData name="Sharda Raj" userId="64e7c9fd3dc9d0dd" providerId="LiveId" clId="{B3CD5647-8E7F-4396-AC75-CDCEE4B4D981}" dt="2022-01-19T00:55:51.923" v="5966" actId="680"/>
+        <pc:sldMkLst>
+          <pc:docMk/>
+          <pc:sldMk cId="1999858416" sldId="294"/>
+        </pc:sldMkLst>
       </pc:sldChg>
     </pc:docChg>
   </pc:docChgLst>
@@ -1112,7 +2083,7 @@
           <a:p>
             <a:fld id="{FF1E6A55-66C4-4A89-849F-54F71B5E24DD}" type="datetimeFigureOut">
               <a:rPr lang="en-US" smtClean="0"/>
-              <a:t>1/9/2022</a:t>
+              <a:t>1/19/2022</a:t>
             </a:fld>
             <a:endParaRPr lang="en-US"/>
           </a:p>
@@ -1393,7 +2364,7 @@
           <a:p>
             <a:fld id="{FF1E6A55-66C4-4A89-849F-54F71B5E24DD}" type="datetimeFigureOut">
               <a:rPr lang="en-US" smtClean="0"/>
-              <a:t>1/9/2022</a:t>
+              <a:t>1/19/2022</a:t>
             </a:fld>
             <a:endParaRPr lang="en-US"/>
           </a:p>
@@ -1585,7 +2556,7 @@
           <a:p>
             <a:fld id="{FF1E6A55-66C4-4A89-849F-54F71B5E24DD}" type="datetimeFigureOut">
               <a:rPr lang="en-US" smtClean="0"/>
-              <a:t>1/9/2022</a:t>
+              <a:t>1/19/2022</a:t>
             </a:fld>
             <a:endParaRPr lang="en-US"/>
           </a:p>
@@ -1846,7 +2817,7 @@
           <a:p>
             <a:fld id="{FF1E6A55-66C4-4A89-849F-54F71B5E24DD}" type="datetimeFigureOut">
               <a:rPr lang="en-US" smtClean="0"/>
-              <a:t>1/9/2022</a:t>
+              <a:t>1/19/2022</a:t>
             </a:fld>
             <a:endParaRPr lang="en-US"/>
           </a:p>
@@ -2272,7 +3243,7 @@
           <a:p>
             <a:fld id="{FF1E6A55-66C4-4A89-849F-54F71B5E24DD}" type="datetimeFigureOut">
               <a:rPr lang="en-US" smtClean="0"/>
-              <a:t>1/9/2022</a:t>
+              <a:t>1/19/2022</a:t>
             </a:fld>
             <a:endParaRPr lang="en-US"/>
           </a:p>
@@ -2818,7 +3789,7 @@
           <a:p>
             <a:fld id="{FF1E6A55-66C4-4A89-849F-54F71B5E24DD}" type="datetimeFigureOut">
               <a:rPr lang="en-US" smtClean="0"/>
-              <a:t>1/9/2022</a:t>
+              <a:t>1/19/2022</a:t>
             </a:fld>
             <a:endParaRPr lang="en-US"/>
           </a:p>
@@ -3649,7 +4620,7 @@
           <a:p>
             <a:fld id="{FF1E6A55-66C4-4A89-849F-54F71B5E24DD}" type="datetimeFigureOut">
               <a:rPr lang="en-US" smtClean="0"/>
-              <a:t>1/9/2022</a:t>
+              <a:t>1/19/2022</a:t>
             </a:fld>
             <a:endParaRPr lang="en-US"/>
           </a:p>
@@ -3819,7 +4790,7 @@
           <a:p>
             <a:fld id="{FF1E6A55-66C4-4A89-849F-54F71B5E24DD}" type="datetimeFigureOut">
               <a:rPr lang="en-US" smtClean="0"/>
-              <a:t>1/9/2022</a:t>
+              <a:t>1/19/2022</a:t>
             </a:fld>
             <a:endParaRPr lang="en-US"/>
           </a:p>
@@ -3999,7 +4970,7 @@
           <a:p>
             <a:fld id="{FF1E6A55-66C4-4A89-849F-54F71B5E24DD}" type="datetimeFigureOut">
               <a:rPr lang="en-US" smtClean="0"/>
-              <a:t>1/9/2022</a:t>
+              <a:t>1/19/2022</a:t>
             </a:fld>
             <a:endParaRPr lang="en-US"/>
           </a:p>
@@ -4169,7 +5140,7 @@
           <a:p>
             <a:fld id="{FF1E6A55-66C4-4A89-849F-54F71B5E24DD}" type="datetimeFigureOut">
               <a:rPr lang="en-US" smtClean="0"/>
-              <a:t>1/9/2022</a:t>
+              <a:t>1/19/2022</a:t>
             </a:fld>
             <a:endParaRPr lang="en-US"/>
           </a:p>
@@ -4426,7 +5397,7 @@
           <a:p>
             <a:fld id="{FF1E6A55-66C4-4A89-849F-54F71B5E24DD}" type="datetimeFigureOut">
               <a:rPr lang="en-US" smtClean="0"/>
-              <a:t>1/9/2022</a:t>
+              <a:t>1/19/2022</a:t>
             </a:fld>
             <a:endParaRPr lang="en-US"/>
           </a:p>
@@ -4658,7 +5629,7 @@
           <a:p>
             <a:fld id="{FF1E6A55-66C4-4A89-849F-54F71B5E24DD}" type="datetimeFigureOut">
               <a:rPr lang="en-US" smtClean="0"/>
-              <a:t>1/9/2022</a:t>
+              <a:t>1/19/2022</a:t>
             </a:fld>
             <a:endParaRPr lang="en-US"/>
           </a:p>
@@ -5051,7 +6022,7 @@
           <a:p>
             <a:fld id="{FF1E6A55-66C4-4A89-849F-54F71B5E24DD}" type="datetimeFigureOut">
               <a:rPr lang="en-US" smtClean="0"/>
-              <a:t>1/9/2022</a:t>
+              <a:t>1/19/2022</a:t>
             </a:fld>
             <a:endParaRPr lang="en-US"/>
           </a:p>
@@ -5169,7 +6140,7 @@
           <a:p>
             <a:fld id="{FF1E6A55-66C4-4A89-849F-54F71B5E24DD}" type="datetimeFigureOut">
               <a:rPr lang="en-US" smtClean="0"/>
-              <a:t>1/9/2022</a:t>
+              <a:t>1/19/2022</a:t>
             </a:fld>
             <a:endParaRPr lang="en-US"/>
           </a:p>
@@ -5264,7 +6235,7 @@
           <a:p>
             <a:fld id="{FF1E6A55-66C4-4A89-849F-54F71B5E24DD}" type="datetimeFigureOut">
               <a:rPr lang="en-US" smtClean="0"/>
-              <a:t>1/9/2022</a:t>
+              <a:t>1/19/2022</a:t>
             </a:fld>
             <a:endParaRPr lang="en-US"/>
           </a:p>
@@ -5537,7 +6508,7 @@
           <a:p>
             <a:fld id="{FF1E6A55-66C4-4A89-849F-54F71B5E24DD}" type="datetimeFigureOut">
               <a:rPr lang="en-US" smtClean="0"/>
-              <a:t>1/9/2022</a:t>
+              <a:t>1/19/2022</a:t>
             </a:fld>
             <a:endParaRPr lang="en-US"/>
           </a:p>
@@ -5818,7 +6789,7 @@
           <a:p>
             <a:fld id="{FF1E6A55-66C4-4A89-849F-54F71B5E24DD}" type="datetimeFigureOut">
               <a:rPr lang="en-US" smtClean="0"/>
-              <a:t>1/9/2022</a:t>
+              <a:t>1/19/2022</a:t>
             </a:fld>
             <a:endParaRPr lang="en-US"/>
           </a:p>
@@ -6058,7 +7029,7 @@
           <a:p>
             <a:fld id="{FF1E6A55-66C4-4A89-849F-54F71B5E24DD}" type="datetimeFigureOut">
               <a:rPr lang="en-US" smtClean="0"/>
-              <a:t>1/9/2022</a:t>
+              <a:t>1/19/2022</a:t>
             </a:fld>
             <a:endParaRPr lang="en-US"/>
           </a:p>
@@ -6636,7 +7607,12 @@
             <p:ph type="ctrTitle"/>
           </p:nvPr>
         </p:nvSpPr>
-        <p:spPr/>
+        <p:spPr>
+          <a:xfrm>
+            <a:off x="2209800" y="4464027"/>
+            <a:ext cx="9144000" cy="1928751"/>
+          </a:xfrm>
+        </p:spPr>
         <p:txBody>
           <a:bodyPr>
             <a:noAutofit/>
@@ -6651,8 +7627,12 @@
               <a:rPr lang="en-US" sz="4400" dirty="0"/>
             </a:br>
             <a:r>
+              <a:rPr lang="en-US" sz="4400" dirty="0" err="1"/>
+              <a:t>Panagioti</a:t>
+            </a:r>
+            <a:r>
               <a:rPr lang="en-US" sz="4400" dirty="0"/>
-              <a:t>Peter  </a:t>
+              <a:t> (Pete) </a:t>
             </a:r>
             <a:r>
               <a:rPr lang="en-US" sz="4400" dirty="0" err="1"/>
@@ -6710,6 +7690,210 @@
   <p:clrMapOvr>
     <a:masterClrMapping/>
   </p:clrMapOvr>
+  <p:timing>
+    <p:tnLst>
+      <p:par>
+        <p:cTn id="1" dur="indefinite" restart="never" nodeType="tmRoot">
+          <p:childTnLst>
+            <p:seq concurrent="1" nextAc="seek">
+              <p:cTn id="2" dur="indefinite" nodeType="mainSeq">
+                <p:childTnLst>
+                  <p:par>
+                    <p:cTn id="3" fill="hold">
+                      <p:stCondLst>
+                        <p:cond delay="indefinite"/>
+                      </p:stCondLst>
+                      <p:childTnLst>
+                        <p:par>
+                          <p:cTn id="4" fill="hold">
+                            <p:stCondLst>
+                              <p:cond delay="0"/>
+                            </p:stCondLst>
+                            <p:childTnLst>
+                              <p:par>
+                                <p:cTn id="5" presetID="34" presetClass="emph" presetSubtype="0" fill="hold" grpId="0" nodeType="clickEffect">
+                                  <p:stCondLst>
+                                    <p:cond delay="0"/>
+                                  </p:stCondLst>
+                                  <p:iterate type="lt">
+                                    <p:tmPct val="10000"/>
+                                  </p:iterate>
+                                  <p:childTnLst>
+                                    <p:animMotion origin="layout" path="M 0.0 0.0 L 0.0 -0.07213" pathEditMode="relative" ptsTypes="">
+                                      <p:cBhvr>
+                                        <p:cTn id="6" dur="250" accel="50000" decel="50000" autoRev="1" fill="hold">
+                                          <p:stCondLst>
+                                            <p:cond delay="0"/>
+                                          </p:stCondLst>
+                                        </p:cTn>
+                                        <p:tgtEl>
+                                          <p:spTgt spid="3">
+                                            <p:txEl>
+                                              <p:pRg st="0" end="0"/>
+                                            </p:txEl>
+                                          </p:spTgt>
+                                        </p:tgtEl>
+                                        <p:attrNameLst>
+                                          <p:attrName>ppt_x</p:attrName>
+                                          <p:attrName>ppt_y</p:attrName>
+                                        </p:attrNameLst>
+                                      </p:cBhvr>
+                                    </p:animMotion>
+                                    <p:animRot by="1500000">
+                                      <p:cBhvr>
+                                        <p:cTn id="7" dur="125" fill="hold">
+                                          <p:stCondLst>
+                                            <p:cond delay="0"/>
+                                          </p:stCondLst>
+                                        </p:cTn>
+                                        <p:tgtEl>
+                                          <p:spTgt spid="3">
+                                            <p:txEl>
+                                              <p:pRg st="0" end="0"/>
+                                            </p:txEl>
+                                          </p:spTgt>
+                                        </p:tgtEl>
+                                        <p:attrNameLst>
+                                          <p:attrName>r</p:attrName>
+                                        </p:attrNameLst>
+                                      </p:cBhvr>
+                                    </p:animRot>
+                                    <p:animRot by="-1500000">
+                                      <p:cBhvr>
+                                        <p:cTn id="8" dur="125" fill="hold">
+                                          <p:stCondLst>
+                                            <p:cond delay="125"/>
+                                          </p:stCondLst>
+                                        </p:cTn>
+                                        <p:tgtEl>
+                                          <p:spTgt spid="3">
+                                            <p:txEl>
+                                              <p:pRg st="0" end="0"/>
+                                            </p:txEl>
+                                          </p:spTgt>
+                                        </p:tgtEl>
+                                        <p:attrNameLst>
+                                          <p:attrName>r</p:attrName>
+                                        </p:attrNameLst>
+                                      </p:cBhvr>
+                                    </p:animRot>
+                                    <p:animRot by="-1500000">
+                                      <p:cBhvr>
+                                        <p:cTn id="9" dur="125" fill="hold">
+                                          <p:stCondLst>
+                                            <p:cond delay="250"/>
+                                          </p:stCondLst>
+                                        </p:cTn>
+                                        <p:tgtEl>
+                                          <p:spTgt spid="3">
+                                            <p:txEl>
+                                              <p:pRg st="0" end="0"/>
+                                            </p:txEl>
+                                          </p:spTgt>
+                                        </p:tgtEl>
+                                        <p:attrNameLst>
+                                          <p:attrName>r</p:attrName>
+                                        </p:attrNameLst>
+                                      </p:cBhvr>
+                                    </p:animRot>
+                                    <p:animRot by="1500000">
+                                      <p:cBhvr>
+                                        <p:cTn id="10" dur="125" fill="hold">
+                                          <p:stCondLst>
+                                            <p:cond delay="375"/>
+                                          </p:stCondLst>
+                                        </p:cTn>
+                                        <p:tgtEl>
+                                          <p:spTgt spid="3">
+                                            <p:txEl>
+                                              <p:pRg st="0" end="0"/>
+                                            </p:txEl>
+                                          </p:spTgt>
+                                        </p:tgtEl>
+                                        <p:attrNameLst>
+                                          <p:attrName>r</p:attrName>
+                                        </p:attrNameLst>
+                                      </p:cBhvr>
+                                    </p:animRot>
+                                  </p:childTnLst>
+                                </p:cTn>
+                              </p:par>
+                            </p:childTnLst>
+                          </p:cTn>
+                        </p:par>
+                      </p:childTnLst>
+                    </p:cTn>
+                  </p:par>
+                  <p:par>
+                    <p:cTn id="11" fill="hold">
+                      <p:stCondLst>
+                        <p:cond delay="indefinite"/>
+                      </p:stCondLst>
+                      <p:childTnLst>
+                        <p:par>
+                          <p:cTn id="12" fill="hold">
+                            <p:stCondLst>
+                              <p:cond delay="0"/>
+                            </p:stCondLst>
+                            <p:childTnLst>
+                              <p:par>
+                                <p:cTn id="13" presetID="15" presetClass="emph" presetSubtype="0" grpId="0" nodeType="clickEffect">
+                                  <p:stCondLst>
+                                    <p:cond delay="0"/>
+                                  </p:stCondLst>
+                                  <p:iterate type="lt">
+                                    <p:tmAbs val="25"/>
+                                  </p:iterate>
+                                  <p:childTnLst>
+                                    <p:set>
+                                      <p:cBhvr override="childStyle">
+                                        <p:cTn id="14" dur="indefinite"/>
+                                        <p:tgtEl>
+                                          <p:spTgt spid="2"/>
+                                        </p:tgtEl>
+                                        <p:attrNameLst>
+                                          <p:attrName>style.fontWeight</p:attrName>
+                                        </p:attrNameLst>
+                                      </p:cBhvr>
+                                      <p:to>
+                                        <p:strVal val="bold"/>
+                                      </p:to>
+                                    </p:set>
+                                  </p:childTnLst>
+                                </p:cTn>
+                              </p:par>
+                            </p:childTnLst>
+                          </p:cTn>
+                        </p:par>
+                      </p:childTnLst>
+                    </p:cTn>
+                  </p:par>
+                </p:childTnLst>
+              </p:cTn>
+              <p:prevCondLst>
+                <p:cond evt="onPrev" delay="0">
+                  <p:tgtEl>
+                    <p:sldTgt/>
+                  </p:tgtEl>
+                </p:cond>
+              </p:prevCondLst>
+              <p:nextCondLst>
+                <p:cond evt="onNext" delay="0">
+                  <p:tgtEl>
+                    <p:sldTgt/>
+                  </p:tgtEl>
+                </p:cond>
+              </p:nextCondLst>
+            </p:seq>
+          </p:childTnLst>
+        </p:cTn>
+      </p:par>
+    </p:tnLst>
+    <p:bldLst>
+      <p:bldP spid="2" grpId="0"/>
+      <p:bldP spid="3" grpId="0" build="p"/>
+    </p:bldLst>
+  </p:timing>
 </p:sld>
 </file>
 
@@ -6748,8 +7932,8 @@
         </p:nvSpPr>
         <p:spPr>
           <a:xfrm>
-            <a:off x="839788" y="365125"/>
-            <a:ext cx="10515600" cy="733759"/>
+            <a:off x="839788" y="365126"/>
+            <a:ext cx="10515600" cy="675110"/>
           </a:xfrm>
         </p:spPr>
         <p:txBody>
@@ -6760,15 +7944,7 @@
           <a:p>
             <a:r>
               <a:rPr lang="en-US" dirty="0"/>
-              <a:t>Gender- </a:t>
-            </a:r>
-            <a:r>
-              <a:rPr lang="en-US" dirty="0" err="1"/>
-              <a:t>NonDiabetes</a:t>
-            </a:r>
-            <a:r>
-              <a:rPr lang="en-US" dirty="0"/>
-              <a:t> and Pre-Diabetes</a:t>
+              <a:t>Gender- NonDiabetes and Pre-Diabetes</a:t>
             </a:r>
           </a:p>
         </p:txBody>
@@ -6791,13 +7967,13 @@
         </p:nvSpPr>
         <p:spPr>
           <a:xfrm>
-            <a:off x="269768" y="1690688"/>
-            <a:ext cx="2906569" cy="2119312"/>
+            <a:off x="1070784" y="1173366"/>
+            <a:ext cx="5025216" cy="823912"/>
           </a:xfrm>
         </p:spPr>
         <p:txBody>
           <a:bodyPr>
-            <a:normAutofit fontScale="92500"/>
+            <a:normAutofit fontScale="70000" lnSpcReduction="20000"/>
           </a:bodyPr>
           <a:lstStyle/>
           <a:p>
@@ -6822,21 +7998,58 @@
           </a:p>
         </p:txBody>
       </p:sp>
+      <p:sp>
+        <p:nvSpPr>
+          <p:cNvPr id="5" name="Text Placeholder 4">
+            <a:extLst>
+              <a:ext uri="{FF2B5EF4-FFF2-40B4-BE49-F238E27FC236}">
+                <a16:creationId xmlns:a16="http://schemas.microsoft.com/office/drawing/2014/main" id="{8C3EDDA3-53CC-4AA6-8CB2-DE55A15075C4}"/>
+              </a:ext>
+            </a:extLst>
+          </p:cNvPr>
+          <p:cNvSpPr>
+            <a:spLocks noGrp="1"/>
+          </p:cNvSpPr>
+          <p:nvPr>
+            <p:ph type="body" sz="quarter" idx="3"/>
+          </p:nvPr>
+        </p:nvSpPr>
+        <p:spPr>
+          <a:xfrm>
+            <a:off x="5869643" y="1173366"/>
+            <a:ext cx="5387725" cy="823912"/>
+          </a:xfrm>
+        </p:spPr>
+        <p:txBody>
+          <a:bodyPr anchor="ctr">
+            <a:normAutofit fontScale="70000" lnSpcReduction="20000"/>
+          </a:bodyPr>
+          <a:lstStyle/>
+          <a:p>
+            <a:pPr marL="342900" indent="-342900" algn="ctr">
+              <a:buFont typeface="Arial" panose="020B0604020202020204" pitchFamily="34" charset="0"/>
+              <a:buChar char="•"/>
+            </a:pPr>
+            <a:r>
+              <a:rPr lang="en-US" dirty="0"/>
+              <a:t>More Females than Males consume Heavy Alcohol. </a:t>
+            </a:r>
+          </a:p>
+        </p:txBody>
+      </p:sp>
       <p:pic>
         <p:nvPicPr>
-          <p:cNvPr id="11" name="Content Placeholder 10">
+          <p:cNvPr id="7" name="Content Placeholder 11">
             <a:extLst>
               <a:ext uri="{FF2B5EF4-FFF2-40B4-BE49-F238E27FC236}">
-                <a16:creationId xmlns:a16="http://schemas.microsoft.com/office/drawing/2014/main" id="{4380E83C-07A2-40DA-A25E-37BD30BC1F31}"/>
+                <a16:creationId xmlns:a16="http://schemas.microsoft.com/office/drawing/2014/main" id="{089FB7D0-9CC4-4073-B2AC-939337008181}"/>
               </a:ext>
             </a:extLst>
           </p:cNvPr>
           <p:cNvPicPr>
-            <a:picLocks noGrp="1" noChangeAspect="1"/>
+            <a:picLocks noChangeAspect="1"/>
           </p:cNvPicPr>
-          <p:nvPr>
-            <p:ph sz="half" idx="2"/>
-          </p:nvPr>
+          <p:nvPr/>
         </p:nvPicPr>
         <p:blipFill>
           <a:blip r:embed="rId2"/>
@@ -6846,21 +8059,377 @@
         </p:blipFill>
         <p:spPr>
           <a:xfrm>
-            <a:off x="3449053" y="1108302"/>
-            <a:ext cx="8261684" cy="5472708"/>
+            <a:off x="242839" y="2130407"/>
+            <a:ext cx="5518281" cy="3983049"/>
           </a:xfrm>
+          <a:prstGeom prst="rect">
+            <a:avLst/>
+          </a:prstGeom>
+        </p:spPr>
+      </p:pic>
+      <p:pic>
+        <p:nvPicPr>
+          <p:cNvPr id="8" name="Content Placeholder 19">
+            <a:extLst>
+              <a:ext uri="{FF2B5EF4-FFF2-40B4-BE49-F238E27FC236}">
+                <a16:creationId xmlns:a16="http://schemas.microsoft.com/office/drawing/2014/main" id="{147CFBE0-EDB9-4DFB-8D65-CBD545C06AFD}"/>
+              </a:ext>
+            </a:extLst>
+          </p:cNvPr>
+          <p:cNvPicPr>
+            <a:picLocks noChangeAspect="1"/>
+          </p:cNvPicPr>
+          <p:nvPr/>
+        </p:nvPicPr>
+        <p:blipFill>
+          <a:blip r:embed="rId3"/>
+          <a:stretch>
+            <a:fillRect/>
+          </a:stretch>
+        </p:blipFill>
+        <p:spPr>
+          <a:xfrm>
+            <a:off x="5869643" y="2130408"/>
+            <a:ext cx="6017558" cy="3983049"/>
+          </a:xfrm>
+          <a:prstGeom prst="rect">
+            <a:avLst/>
+          </a:prstGeom>
         </p:spPr>
       </p:pic>
     </p:spTree>
     <p:extLst>
       <p:ext uri="{BB962C8B-B14F-4D97-AF65-F5344CB8AC3E}">
-        <p14:creationId xmlns:p14="http://schemas.microsoft.com/office/powerpoint/2010/main" val="1740221582"/>
+        <p14:creationId xmlns:p14="http://schemas.microsoft.com/office/powerpoint/2010/main" val="2393964404"/>
       </p:ext>
     </p:extLst>
   </p:cSld>
   <p:clrMapOvr>
     <a:masterClrMapping/>
   </p:clrMapOvr>
+  <p:timing>
+    <p:tnLst>
+      <p:par>
+        <p:cTn id="1" dur="indefinite" restart="never" nodeType="tmRoot">
+          <p:childTnLst>
+            <p:seq concurrent="1" nextAc="seek">
+              <p:cTn id="2" dur="indefinite" nodeType="mainSeq">
+                <p:childTnLst>
+                  <p:par>
+                    <p:cTn id="3" fill="hold">
+                      <p:stCondLst>
+                        <p:cond delay="indefinite"/>
+                      </p:stCondLst>
+                      <p:childTnLst>
+                        <p:par>
+                          <p:cTn id="4" fill="hold">
+                            <p:stCondLst>
+                              <p:cond delay="0"/>
+                            </p:stCondLst>
+                            <p:childTnLst>
+                              <p:par>
+                                <p:cTn id="5" presetID="10" presetClass="entr" presetSubtype="0" fill="hold" grpId="0" nodeType="clickEffect">
+                                  <p:stCondLst>
+                                    <p:cond delay="0"/>
+                                  </p:stCondLst>
+                                  <p:childTnLst>
+                                    <p:set>
+                                      <p:cBhvr>
+                                        <p:cTn id="6" dur="1" fill="hold">
+                                          <p:stCondLst>
+                                            <p:cond delay="0"/>
+                                          </p:stCondLst>
+                                        </p:cTn>
+                                        <p:tgtEl>
+                                          <p:spTgt spid="3">
+                                            <p:txEl>
+                                              <p:pRg st="0" end="0"/>
+                                            </p:txEl>
+                                          </p:spTgt>
+                                        </p:tgtEl>
+                                        <p:attrNameLst>
+                                          <p:attrName>style.visibility</p:attrName>
+                                        </p:attrNameLst>
+                                      </p:cBhvr>
+                                      <p:to>
+                                        <p:strVal val="visible"/>
+                                      </p:to>
+                                    </p:set>
+                                    <p:animEffect transition="in" filter="fade">
+                                      <p:cBhvr>
+                                        <p:cTn id="7" dur="500"/>
+                                        <p:tgtEl>
+                                          <p:spTgt spid="3">
+                                            <p:txEl>
+                                              <p:pRg st="0" end="0"/>
+                                            </p:txEl>
+                                          </p:spTgt>
+                                        </p:tgtEl>
+                                      </p:cBhvr>
+                                    </p:animEffect>
+                                  </p:childTnLst>
+                                </p:cTn>
+                              </p:par>
+                            </p:childTnLst>
+                          </p:cTn>
+                        </p:par>
+                      </p:childTnLst>
+                    </p:cTn>
+                  </p:par>
+                  <p:par>
+                    <p:cTn id="8" fill="hold">
+                      <p:stCondLst>
+                        <p:cond delay="indefinite"/>
+                      </p:stCondLst>
+                      <p:childTnLst>
+                        <p:par>
+                          <p:cTn id="9" fill="hold">
+                            <p:stCondLst>
+                              <p:cond delay="0"/>
+                            </p:stCondLst>
+                            <p:childTnLst>
+                              <p:par>
+                                <p:cTn id="10" presetID="10" presetClass="entr" presetSubtype="0" fill="hold" grpId="0" nodeType="clickEffect">
+                                  <p:stCondLst>
+                                    <p:cond delay="0"/>
+                                  </p:stCondLst>
+                                  <p:childTnLst>
+                                    <p:set>
+                                      <p:cBhvr>
+                                        <p:cTn id="11" dur="1" fill="hold">
+                                          <p:stCondLst>
+                                            <p:cond delay="0"/>
+                                          </p:stCondLst>
+                                        </p:cTn>
+                                        <p:tgtEl>
+                                          <p:spTgt spid="3">
+                                            <p:txEl>
+                                              <p:pRg st="1" end="1"/>
+                                            </p:txEl>
+                                          </p:spTgt>
+                                        </p:tgtEl>
+                                        <p:attrNameLst>
+                                          <p:attrName>style.visibility</p:attrName>
+                                        </p:attrNameLst>
+                                      </p:cBhvr>
+                                      <p:to>
+                                        <p:strVal val="visible"/>
+                                      </p:to>
+                                    </p:set>
+                                    <p:animEffect transition="in" filter="fade">
+                                      <p:cBhvr>
+                                        <p:cTn id="12" dur="500"/>
+                                        <p:tgtEl>
+                                          <p:spTgt spid="3">
+                                            <p:txEl>
+                                              <p:pRg st="1" end="1"/>
+                                            </p:txEl>
+                                          </p:spTgt>
+                                        </p:tgtEl>
+                                      </p:cBhvr>
+                                    </p:animEffect>
+                                  </p:childTnLst>
+                                </p:cTn>
+                              </p:par>
+                            </p:childTnLst>
+                          </p:cTn>
+                        </p:par>
+                      </p:childTnLst>
+                    </p:cTn>
+                  </p:par>
+                  <p:par>
+                    <p:cTn id="13" fill="hold">
+                      <p:stCondLst>
+                        <p:cond delay="indefinite"/>
+                      </p:stCondLst>
+                      <p:childTnLst>
+                        <p:par>
+                          <p:cTn id="14" fill="hold">
+                            <p:stCondLst>
+                              <p:cond delay="0"/>
+                            </p:stCondLst>
+                            <p:childTnLst>
+                              <p:par>
+                                <p:cTn id="15" presetID="10" presetClass="entr" presetSubtype="0" fill="hold" grpId="0" nodeType="clickEffect">
+                                  <p:stCondLst>
+                                    <p:cond delay="0"/>
+                                  </p:stCondLst>
+                                  <p:childTnLst>
+                                    <p:set>
+                                      <p:cBhvr>
+                                        <p:cTn id="16" dur="1" fill="hold">
+                                          <p:stCondLst>
+                                            <p:cond delay="0"/>
+                                          </p:stCondLst>
+                                        </p:cTn>
+                                        <p:tgtEl>
+                                          <p:spTgt spid="5">
+                                            <p:txEl>
+                                              <p:pRg st="0" end="0"/>
+                                            </p:txEl>
+                                          </p:spTgt>
+                                        </p:tgtEl>
+                                        <p:attrNameLst>
+                                          <p:attrName>style.visibility</p:attrName>
+                                        </p:attrNameLst>
+                                      </p:cBhvr>
+                                      <p:to>
+                                        <p:strVal val="visible"/>
+                                      </p:to>
+                                    </p:set>
+                                    <p:animEffect transition="in" filter="fade">
+                                      <p:cBhvr>
+                                        <p:cTn id="17" dur="500"/>
+                                        <p:tgtEl>
+                                          <p:spTgt spid="5">
+                                            <p:txEl>
+                                              <p:pRg st="0" end="0"/>
+                                            </p:txEl>
+                                          </p:spTgt>
+                                        </p:tgtEl>
+                                      </p:cBhvr>
+                                    </p:animEffect>
+                                  </p:childTnLst>
+                                </p:cTn>
+                              </p:par>
+                            </p:childTnLst>
+                          </p:cTn>
+                        </p:par>
+                      </p:childTnLst>
+                    </p:cTn>
+                  </p:par>
+                  <p:par>
+                    <p:cTn id="18" fill="hold">
+                      <p:stCondLst>
+                        <p:cond delay="indefinite"/>
+                      </p:stCondLst>
+                      <p:childTnLst>
+                        <p:par>
+                          <p:cTn id="19" fill="hold">
+                            <p:stCondLst>
+                              <p:cond delay="0"/>
+                            </p:stCondLst>
+                            <p:childTnLst>
+                              <p:par>
+                                <p:cTn id="20" presetID="10" presetClass="entr" presetSubtype="0" fill="hold" nodeType="clickEffect">
+                                  <p:stCondLst>
+                                    <p:cond delay="0"/>
+                                  </p:stCondLst>
+                                  <p:childTnLst>
+                                    <p:set>
+                                      <p:cBhvr>
+                                        <p:cTn id="21" dur="1" fill="hold">
+                                          <p:stCondLst>
+                                            <p:cond delay="0"/>
+                                          </p:stCondLst>
+                                        </p:cTn>
+                                        <p:tgtEl>
+                                          <p:spTgt spid="7"/>
+                                        </p:tgtEl>
+                                        <p:attrNameLst>
+                                          <p:attrName>style.visibility</p:attrName>
+                                        </p:attrNameLst>
+                                      </p:cBhvr>
+                                      <p:to>
+                                        <p:strVal val="visible"/>
+                                      </p:to>
+                                    </p:set>
+                                    <p:animEffect transition="in" filter="fade">
+                                      <p:cBhvr>
+                                        <p:cTn id="22" dur="500"/>
+                                        <p:tgtEl>
+                                          <p:spTgt spid="7"/>
+                                        </p:tgtEl>
+                                      </p:cBhvr>
+                                    </p:animEffect>
+                                  </p:childTnLst>
+                                </p:cTn>
+                              </p:par>
+                            </p:childTnLst>
+                          </p:cTn>
+                        </p:par>
+                      </p:childTnLst>
+                    </p:cTn>
+                  </p:par>
+                  <p:par>
+                    <p:cTn id="23" fill="hold">
+                      <p:stCondLst>
+                        <p:cond delay="indefinite"/>
+                      </p:stCondLst>
+                      <p:childTnLst>
+                        <p:par>
+                          <p:cTn id="24" fill="hold">
+                            <p:stCondLst>
+                              <p:cond delay="0"/>
+                            </p:stCondLst>
+                            <p:childTnLst>
+                              <p:par>
+                                <p:cTn id="25" presetID="10" presetClass="entr" presetSubtype="0" fill="hold" nodeType="clickEffect">
+                                  <p:stCondLst>
+                                    <p:cond delay="0"/>
+                                  </p:stCondLst>
+                                  <p:childTnLst>
+                                    <p:set>
+                                      <p:cBhvr>
+                                        <p:cTn id="26" dur="1" fill="hold">
+                                          <p:stCondLst>
+                                            <p:cond delay="0"/>
+                                          </p:stCondLst>
+                                        </p:cTn>
+                                        <p:tgtEl>
+                                          <p:spTgt spid="8"/>
+                                        </p:tgtEl>
+                                        <p:attrNameLst>
+                                          <p:attrName>style.visibility</p:attrName>
+                                        </p:attrNameLst>
+                                      </p:cBhvr>
+                                      <p:to>
+                                        <p:strVal val="visible"/>
+                                      </p:to>
+                                    </p:set>
+                                    <p:animEffect transition="in" filter="fade">
+                                      <p:cBhvr>
+                                        <p:cTn id="27" dur="500"/>
+                                        <p:tgtEl>
+                                          <p:spTgt spid="8"/>
+                                        </p:tgtEl>
+                                      </p:cBhvr>
+                                    </p:animEffect>
+                                  </p:childTnLst>
+                                </p:cTn>
+                              </p:par>
+                            </p:childTnLst>
+                          </p:cTn>
+                        </p:par>
+                      </p:childTnLst>
+                    </p:cTn>
+                  </p:par>
+                </p:childTnLst>
+              </p:cTn>
+              <p:prevCondLst>
+                <p:cond evt="onPrev" delay="0">
+                  <p:tgtEl>
+                    <p:sldTgt/>
+                  </p:tgtEl>
+                </p:cond>
+              </p:prevCondLst>
+              <p:nextCondLst>
+                <p:cond evt="onNext" delay="0">
+                  <p:tgtEl>
+                    <p:sldTgt/>
+                  </p:tgtEl>
+                </p:cond>
+              </p:nextCondLst>
+            </p:seq>
+          </p:childTnLst>
+        </p:cTn>
+      </p:par>
+    </p:tnLst>
+    <p:bldLst>
+      <p:bldP spid="3" grpId="0" build="p"/>
+      <p:bldP spid="5" grpId="0" build="p"/>
+    </p:bldLst>
+  </p:timing>
 </p:sld>
 </file>
 
@@ -6897,12 +8466,7 @@
             <p:ph type="title"/>
           </p:nvPr>
         </p:nvSpPr>
-        <p:spPr>
-          <a:xfrm>
-            <a:off x="839788" y="365126"/>
-            <a:ext cx="10515600" cy="709696"/>
-          </a:xfrm>
-        </p:spPr>
+        <p:spPr/>
         <p:txBody>
           <a:bodyPr>
             <a:normAutofit fontScale="90000"/>
@@ -6911,15 +8475,7 @@
           <a:p>
             <a:r>
               <a:rPr lang="en-US" dirty="0"/>
-              <a:t>Gender- </a:t>
-            </a:r>
-            <a:r>
-              <a:rPr lang="en-US" dirty="0" err="1"/>
-              <a:t>NonDiabetes</a:t>
-            </a:r>
-            <a:r>
-              <a:rPr lang="en-US" dirty="0"/>
-              <a:t> and Pre-Diabetes</a:t>
+              <a:t>Gender- NonDiabetes and Pre-Diabetes</a:t>
             </a:r>
           </a:p>
         </p:txBody>
@@ -6940,15 +8496,10 @@
             <p:ph type="body" idx="1"/>
           </p:nvPr>
         </p:nvSpPr>
-        <p:spPr>
-          <a:xfrm>
-            <a:off x="269768" y="1690688"/>
-            <a:ext cx="3139179" cy="2488280"/>
-          </a:xfrm>
-        </p:spPr>
+        <p:spPr/>
         <p:txBody>
           <a:bodyPr>
-            <a:normAutofit/>
+            <a:normAutofit fontScale="70000" lnSpcReduction="20000"/>
           </a:bodyPr>
           <a:lstStyle/>
           <a:p>
@@ -6973,12 +8524,48 @@
           </a:p>
         </p:txBody>
       </p:sp>
+      <p:sp>
+        <p:nvSpPr>
+          <p:cNvPr id="5" name="Text Placeholder 4">
+            <a:extLst>
+              <a:ext uri="{FF2B5EF4-FFF2-40B4-BE49-F238E27FC236}">
+                <a16:creationId xmlns:a16="http://schemas.microsoft.com/office/drawing/2014/main" id="{8C3EDDA3-53CC-4AA6-8CB2-DE55A15075C4}"/>
+              </a:ext>
+            </a:extLst>
+          </p:cNvPr>
+          <p:cNvSpPr>
+            <a:spLocks noGrp="1"/>
+          </p:cNvSpPr>
+          <p:nvPr>
+            <p:ph type="body" sz="quarter" idx="3"/>
+          </p:nvPr>
+        </p:nvSpPr>
+        <p:spPr/>
+        <p:txBody>
+          <a:bodyPr>
+            <a:normAutofit fontScale="70000" lnSpcReduction="20000"/>
+          </a:bodyPr>
+          <a:lstStyle/>
+          <a:p>
+            <a:r>
+              <a:rPr lang="en-US" dirty="0"/>
+              <a:t>More Females than Males consume Heavy Alcohol.</a:t>
+            </a:r>
+          </a:p>
+          <a:p>
+            <a:r>
+              <a:rPr lang="en-US" dirty="0"/>
+              <a:t>Females in Age Groups 45-64 consume more Heavy Alcohol than Men.  </a:t>
+            </a:r>
+          </a:p>
+        </p:txBody>
+      </p:sp>
       <p:pic>
         <p:nvPicPr>
-          <p:cNvPr id="7" name="Content Placeholder 6">
+          <p:cNvPr id="10" name="Content Placeholder 11">
             <a:extLst>
               <a:ext uri="{FF2B5EF4-FFF2-40B4-BE49-F238E27FC236}">
-                <a16:creationId xmlns:a16="http://schemas.microsoft.com/office/drawing/2014/main" id="{B8071060-D145-4EB3-B23A-0D1E73D95339}"/>
+                <a16:creationId xmlns:a16="http://schemas.microsoft.com/office/drawing/2014/main" id="{32A0ED9D-C42C-47CC-BEC6-FE8E47C324BA}"/>
               </a:ext>
             </a:extLst>
           </p:cNvPr>
@@ -6997,21 +8584,742 @@
         </p:blipFill>
         <p:spPr>
           <a:xfrm>
-            <a:off x="3542501" y="1147011"/>
-            <a:ext cx="8379731" cy="5546391"/>
+            <a:off x="649705" y="2534070"/>
+            <a:ext cx="5495508" cy="3966611"/>
+          </a:xfrm>
+        </p:spPr>
+      </p:pic>
+      <p:pic>
+        <p:nvPicPr>
+          <p:cNvPr id="14" name="Content Placeholder 13">
+            <a:extLst>
+              <a:ext uri="{FF2B5EF4-FFF2-40B4-BE49-F238E27FC236}">
+                <a16:creationId xmlns:a16="http://schemas.microsoft.com/office/drawing/2014/main" id="{6CFF66AC-A5B9-4C31-820E-FD8785EB9572}"/>
+              </a:ext>
+            </a:extLst>
+          </p:cNvPr>
+          <p:cNvPicPr>
+            <a:picLocks noGrp="1" noChangeAspect="1"/>
+          </p:cNvPicPr>
+          <p:nvPr>
+            <p:ph sz="quarter" idx="4"/>
+          </p:nvPr>
+        </p:nvPicPr>
+        <p:blipFill>
+          <a:blip r:embed="rId3"/>
+          <a:stretch>
+            <a:fillRect/>
+          </a:stretch>
+        </p:blipFill>
+        <p:spPr>
+          <a:xfrm>
+            <a:off x="6320258" y="2533650"/>
+            <a:ext cx="5505466" cy="3966611"/>
           </a:xfrm>
         </p:spPr>
       </p:pic>
     </p:spTree>
     <p:extLst>
       <p:ext uri="{BB962C8B-B14F-4D97-AF65-F5344CB8AC3E}">
-        <p14:creationId xmlns:p14="http://schemas.microsoft.com/office/powerpoint/2010/main" val="3950567878"/>
+        <p14:creationId xmlns:p14="http://schemas.microsoft.com/office/powerpoint/2010/main" val="2814282053"/>
       </p:ext>
     </p:extLst>
   </p:cSld>
   <p:clrMapOvr>
     <a:masterClrMapping/>
   </p:clrMapOvr>
+  <p:timing>
+    <p:tnLst>
+      <p:par>
+        <p:cTn id="1" dur="indefinite" restart="never" nodeType="tmRoot">
+          <p:childTnLst>
+            <p:seq concurrent="1" nextAc="seek">
+              <p:cTn id="2" dur="indefinite" nodeType="mainSeq">
+                <p:childTnLst>
+                  <p:par>
+                    <p:cTn id="3" fill="hold">
+                      <p:stCondLst>
+                        <p:cond delay="indefinite"/>
+                      </p:stCondLst>
+                      <p:childTnLst>
+                        <p:par>
+                          <p:cTn id="4" fill="hold">
+                            <p:stCondLst>
+                              <p:cond delay="0"/>
+                            </p:stCondLst>
+                            <p:childTnLst>
+                              <p:par>
+                                <p:cTn id="5" presetID="42" presetClass="entr" presetSubtype="0" fill="hold" nodeType="clickEffect">
+                                  <p:stCondLst>
+                                    <p:cond delay="0"/>
+                                  </p:stCondLst>
+                                  <p:childTnLst>
+                                    <p:set>
+                                      <p:cBhvr>
+                                        <p:cTn id="6" dur="1" fill="hold">
+                                          <p:stCondLst>
+                                            <p:cond delay="0"/>
+                                          </p:stCondLst>
+                                        </p:cTn>
+                                        <p:tgtEl>
+                                          <p:spTgt spid="10"/>
+                                        </p:tgtEl>
+                                        <p:attrNameLst>
+                                          <p:attrName>style.visibility</p:attrName>
+                                        </p:attrNameLst>
+                                      </p:cBhvr>
+                                      <p:to>
+                                        <p:strVal val="visible"/>
+                                      </p:to>
+                                    </p:set>
+                                    <p:animEffect transition="in" filter="fade">
+                                      <p:cBhvr>
+                                        <p:cTn id="7" dur="1000"/>
+                                        <p:tgtEl>
+                                          <p:spTgt spid="10"/>
+                                        </p:tgtEl>
+                                      </p:cBhvr>
+                                    </p:animEffect>
+                                    <p:anim calcmode="lin" valueType="num">
+                                      <p:cBhvr>
+                                        <p:cTn id="8" dur="1000" fill="hold"/>
+                                        <p:tgtEl>
+                                          <p:spTgt spid="10"/>
+                                        </p:tgtEl>
+                                        <p:attrNameLst>
+                                          <p:attrName>ppt_x</p:attrName>
+                                        </p:attrNameLst>
+                                      </p:cBhvr>
+                                      <p:tavLst>
+                                        <p:tav tm="0">
+                                          <p:val>
+                                            <p:strVal val="#ppt_x"/>
+                                          </p:val>
+                                        </p:tav>
+                                        <p:tav tm="100000">
+                                          <p:val>
+                                            <p:strVal val="#ppt_x"/>
+                                          </p:val>
+                                        </p:tav>
+                                      </p:tavLst>
+                                    </p:anim>
+                                    <p:anim calcmode="lin" valueType="num">
+                                      <p:cBhvr>
+                                        <p:cTn id="9" dur="1000" fill="hold"/>
+                                        <p:tgtEl>
+                                          <p:spTgt spid="10"/>
+                                        </p:tgtEl>
+                                        <p:attrNameLst>
+                                          <p:attrName>ppt_y</p:attrName>
+                                        </p:attrNameLst>
+                                      </p:cBhvr>
+                                      <p:tavLst>
+                                        <p:tav tm="0">
+                                          <p:val>
+                                            <p:strVal val="#ppt_y+.1"/>
+                                          </p:val>
+                                        </p:tav>
+                                        <p:tav tm="100000">
+                                          <p:val>
+                                            <p:strVal val="#ppt_y"/>
+                                          </p:val>
+                                        </p:tav>
+                                      </p:tavLst>
+                                    </p:anim>
+                                  </p:childTnLst>
+                                </p:cTn>
+                              </p:par>
+                            </p:childTnLst>
+                          </p:cTn>
+                        </p:par>
+                      </p:childTnLst>
+                    </p:cTn>
+                  </p:par>
+                  <p:par>
+                    <p:cTn id="10" fill="hold">
+                      <p:stCondLst>
+                        <p:cond delay="indefinite"/>
+                      </p:stCondLst>
+                      <p:childTnLst>
+                        <p:par>
+                          <p:cTn id="11" fill="hold">
+                            <p:stCondLst>
+                              <p:cond delay="0"/>
+                            </p:stCondLst>
+                            <p:childTnLst>
+                              <p:par>
+                                <p:cTn id="12" presetID="42" presetClass="entr" presetSubtype="0" fill="hold" grpId="0" nodeType="clickEffect">
+                                  <p:stCondLst>
+                                    <p:cond delay="0"/>
+                                  </p:stCondLst>
+                                  <p:childTnLst>
+                                    <p:set>
+                                      <p:cBhvr>
+                                        <p:cTn id="13" dur="1" fill="hold">
+                                          <p:stCondLst>
+                                            <p:cond delay="0"/>
+                                          </p:stCondLst>
+                                        </p:cTn>
+                                        <p:tgtEl>
+                                          <p:spTgt spid="3">
+                                            <p:txEl>
+                                              <p:pRg st="0" end="0"/>
+                                            </p:txEl>
+                                          </p:spTgt>
+                                        </p:tgtEl>
+                                        <p:attrNameLst>
+                                          <p:attrName>style.visibility</p:attrName>
+                                        </p:attrNameLst>
+                                      </p:cBhvr>
+                                      <p:to>
+                                        <p:strVal val="visible"/>
+                                      </p:to>
+                                    </p:set>
+                                    <p:animEffect transition="in" filter="fade">
+                                      <p:cBhvr>
+                                        <p:cTn id="14" dur="1000"/>
+                                        <p:tgtEl>
+                                          <p:spTgt spid="3">
+                                            <p:txEl>
+                                              <p:pRg st="0" end="0"/>
+                                            </p:txEl>
+                                          </p:spTgt>
+                                        </p:tgtEl>
+                                      </p:cBhvr>
+                                    </p:animEffect>
+                                    <p:anim calcmode="lin" valueType="num">
+                                      <p:cBhvr>
+                                        <p:cTn id="15" dur="1000" fill="hold"/>
+                                        <p:tgtEl>
+                                          <p:spTgt spid="3">
+                                            <p:txEl>
+                                              <p:pRg st="0" end="0"/>
+                                            </p:txEl>
+                                          </p:spTgt>
+                                        </p:tgtEl>
+                                        <p:attrNameLst>
+                                          <p:attrName>ppt_x</p:attrName>
+                                        </p:attrNameLst>
+                                      </p:cBhvr>
+                                      <p:tavLst>
+                                        <p:tav tm="0">
+                                          <p:val>
+                                            <p:strVal val="#ppt_x"/>
+                                          </p:val>
+                                        </p:tav>
+                                        <p:tav tm="100000">
+                                          <p:val>
+                                            <p:strVal val="#ppt_x"/>
+                                          </p:val>
+                                        </p:tav>
+                                      </p:tavLst>
+                                    </p:anim>
+                                    <p:anim calcmode="lin" valueType="num">
+                                      <p:cBhvr>
+                                        <p:cTn id="16" dur="1000" fill="hold"/>
+                                        <p:tgtEl>
+                                          <p:spTgt spid="3">
+                                            <p:txEl>
+                                              <p:pRg st="0" end="0"/>
+                                            </p:txEl>
+                                          </p:spTgt>
+                                        </p:tgtEl>
+                                        <p:attrNameLst>
+                                          <p:attrName>ppt_y</p:attrName>
+                                        </p:attrNameLst>
+                                      </p:cBhvr>
+                                      <p:tavLst>
+                                        <p:tav tm="0">
+                                          <p:val>
+                                            <p:strVal val="#ppt_y+.1"/>
+                                          </p:val>
+                                        </p:tav>
+                                        <p:tav tm="100000">
+                                          <p:val>
+                                            <p:strVal val="#ppt_y"/>
+                                          </p:val>
+                                        </p:tav>
+                                      </p:tavLst>
+                                    </p:anim>
+                                  </p:childTnLst>
+                                </p:cTn>
+                              </p:par>
+                            </p:childTnLst>
+                          </p:cTn>
+                        </p:par>
+                      </p:childTnLst>
+                    </p:cTn>
+                  </p:par>
+                  <p:par>
+                    <p:cTn id="17" fill="hold">
+                      <p:stCondLst>
+                        <p:cond delay="indefinite"/>
+                      </p:stCondLst>
+                      <p:childTnLst>
+                        <p:par>
+                          <p:cTn id="18" fill="hold">
+                            <p:stCondLst>
+                              <p:cond delay="0"/>
+                            </p:stCondLst>
+                            <p:childTnLst>
+                              <p:par>
+                                <p:cTn id="19" presetID="42" presetClass="entr" presetSubtype="0" fill="hold" grpId="0" nodeType="clickEffect">
+                                  <p:stCondLst>
+                                    <p:cond delay="0"/>
+                                  </p:stCondLst>
+                                  <p:childTnLst>
+                                    <p:set>
+                                      <p:cBhvr>
+                                        <p:cTn id="20" dur="1" fill="hold">
+                                          <p:stCondLst>
+                                            <p:cond delay="0"/>
+                                          </p:stCondLst>
+                                        </p:cTn>
+                                        <p:tgtEl>
+                                          <p:spTgt spid="3">
+                                            <p:txEl>
+                                              <p:pRg st="1" end="1"/>
+                                            </p:txEl>
+                                          </p:spTgt>
+                                        </p:tgtEl>
+                                        <p:attrNameLst>
+                                          <p:attrName>style.visibility</p:attrName>
+                                        </p:attrNameLst>
+                                      </p:cBhvr>
+                                      <p:to>
+                                        <p:strVal val="visible"/>
+                                      </p:to>
+                                    </p:set>
+                                    <p:animEffect transition="in" filter="fade">
+                                      <p:cBhvr>
+                                        <p:cTn id="21" dur="1000"/>
+                                        <p:tgtEl>
+                                          <p:spTgt spid="3">
+                                            <p:txEl>
+                                              <p:pRg st="1" end="1"/>
+                                            </p:txEl>
+                                          </p:spTgt>
+                                        </p:tgtEl>
+                                      </p:cBhvr>
+                                    </p:animEffect>
+                                    <p:anim calcmode="lin" valueType="num">
+                                      <p:cBhvr>
+                                        <p:cTn id="22" dur="1000" fill="hold"/>
+                                        <p:tgtEl>
+                                          <p:spTgt spid="3">
+                                            <p:txEl>
+                                              <p:pRg st="1" end="1"/>
+                                            </p:txEl>
+                                          </p:spTgt>
+                                        </p:tgtEl>
+                                        <p:attrNameLst>
+                                          <p:attrName>ppt_x</p:attrName>
+                                        </p:attrNameLst>
+                                      </p:cBhvr>
+                                      <p:tavLst>
+                                        <p:tav tm="0">
+                                          <p:val>
+                                            <p:strVal val="#ppt_x"/>
+                                          </p:val>
+                                        </p:tav>
+                                        <p:tav tm="100000">
+                                          <p:val>
+                                            <p:strVal val="#ppt_x"/>
+                                          </p:val>
+                                        </p:tav>
+                                      </p:tavLst>
+                                    </p:anim>
+                                    <p:anim calcmode="lin" valueType="num">
+                                      <p:cBhvr>
+                                        <p:cTn id="23" dur="1000" fill="hold"/>
+                                        <p:tgtEl>
+                                          <p:spTgt spid="3">
+                                            <p:txEl>
+                                              <p:pRg st="1" end="1"/>
+                                            </p:txEl>
+                                          </p:spTgt>
+                                        </p:tgtEl>
+                                        <p:attrNameLst>
+                                          <p:attrName>ppt_y</p:attrName>
+                                        </p:attrNameLst>
+                                      </p:cBhvr>
+                                      <p:tavLst>
+                                        <p:tav tm="0">
+                                          <p:val>
+                                            <p:strVal val="#ppt_y+.1"/>
+                                          </p:val>
+                                        </p:tav>
+                                        <p:tav tm="100000">
+                                          <p:val>
+                                            <p:strVal val="#ppt_y"/>
+                                          </p:val>
+                                        </p:tav>
+                                      </p:tavLst>
+                                    </p:anim>
+                                  </p:childTnLst>
+                                </p:cTn>
+                              </p:par>
+                            </p:childTnLst>
+                          </p:cTn>
+                        </p:par>
+                      </p:childTnLst>
+                    </p:cTn>
+                  </p:par>
+                  <p:par>
+                    <p:cTn id="24" fill="hold">
+                      <p:stCondLst>
+                        <p:cond delay="indefinite"/>
+                      </p:stCondLst>
+                      <p:childTnLst>
+                        <p:par>
+                          <p:cTn id="25" fill="hold">
+                            <p:stCondLst>
+                              <p:cond delay="0"/>
+                            </p:stCondLst>
+                            <p:childTnLst>
+                              <p:par>
+                                <p:cTn id="26" presetID="42" presetClass="entr" presetSubtype="0" fill="hold" nodeType="clickEffect">
+                                  <p:stCondLst>
+                                    <p:cond delay="0"/>
+                                  </p:stCondLst>
+                                  <p:childTnLst>
+                                    <p:set>
+                                      <p:cBhvr>
+                                        <p:cTn id="27" dur="1" fill="hold">
+                                          <p:stCondLst>
+                                            <p:cond delay="0"/>
+                                          </p:stCondLst>
+                                        </p:cTn>
+                                        <p:tgtEl>
+                                          <p:spTgt spid="14"/>
+                                        </p:tgtEl>
+                                        <p:attrNameLst>
+                                          <p:attrName>style.visibility</p:attrName>
+                                        </p:attrNameLst>
+                                      </p:cBhvr>
+                                      <p:to>
+                                        <p:strVal val="visible"/>
+                                      </p:to>
+                                    </p:set>
+                                    <p:animEffect transition="in" filter="fade">
+                                      <p:cBhvr>
+                                        <p:cTn id="28" dur="1000"/>
+                                        <p:tgtEl>
+                                          <p:spTgt spid="14"/>
+                                        </p:tgtEl>
+                                      </p:cBhvr>
+                                    </p:animEffect>
+                                    <p:anim calcmode="lin" valueType="num">
+                                      <p:cBhvr>
+                                        <p:cTn id="29" dur="1000" fill="hold"/>
+                                        <p:tgtEl>
+                                          <p:spTgt spid="14"/>
+                                        </p:tgtEl>
+                                        <p:attrNameLst>
+                                          <p:attrName>ppt_x</p:attrName>
+                                        </p:attrNameLst>
+                                      </p:cBhvr>
+                                      <p:tavLst>
+                                        <p:tav tm="0">
+                                          <p:val>
+                                            <p:strVal val="#ppt_x"/>
+                                          </p:val>
+                                        </p:tav>
+                                        <p:tav tm="100000">
+                                          <p:val>
+                                            <p:strVal val="#ppt_x"/>
+                                          </p:val>
+                                        </p:tav>
+                                      </p:tavLst>
+                                    </p:anim>
+                                    <p:anim calcmode="lin" valueType="num">
+                                      <p:cBhvr>
+                                        <p:cTn id="30" dur="1000" fill="hold"/>
+                                        <p:tgtEl>
+                                          <p:spTgt spid="14"/>
+                                        </p:tgtEl>
+                                        <p:attrNameLst>
+                                          <p:attrName>ppt_y</p:attrName>
+                                        </p:attrNameLst>
+                                      </p:cBhvr>
+                                      <p:tavLst>
+                                        <p:tav tm="0">
+                                          <p:val>
+                                            <p:strVal val="#ppt_y+.1"/>
+                                          </p:val>
+                                        </p:tav>
+                                        <p:tav tm="100000">
+                                          <p:val>
+                                            <p:strVal val="#ppt_y"/>
+                                          </p:val>
+                                        </p:tav>
+                                      </p:tavLst>
+                                    </p:anim>
+                                  </p:childTnLst>
+                                </p:cTn>
+                              </p:par>
+                            </p:childTnLst>
+                          </p:cTn>
+                        </p:par>
+                      </p:childTnLst>
+                    </p:cTn>
+                  </p:par>
+                  <p:par>
+                    <p:cTn id="31" fill="hold">
+                      <p:stCondLst>
+                        <p:cond delay="indefinite"/>
+                      </p:stCondLst>
+                      <p:childTnLst>
+                        <p:par>
+                          <p:cTn id="32" fill="hold">
+                            <p:stCondLst>
+                              <p:cond delay="0"/>
+                            </p:stCondLst>
+                            <p:childTnLst>
+                              <p:par>
+                                <p:cTn id="33" presetID="42" presetClass="entr" presetSubtype="0" fill="hold" grpId="0" nodeType="clickEffect">
+                                  <p:stCondLst>
+                                    <p:cond delay="0"/>
+                                  </p:stCondLst>
+                                  <p:childTnLst>
+                                    <p:set>
+                                      <p:cBhvr>
+                                        <p:cTn id="34" dur="1" fill="hold">
+                                          <p:stCondLst>
+                                            <p:cond delay="0"/>
+                                          </p:stCondLst>
+                                        </p:cTn>
+                                        <p:tgtEl>
+                                          <p:spTgt spid="5">
+                                            <p:txEl>
+                                              <p:pRg st="0" end="0"/>
+                                            </p:txEl>
+                                          </p:spTgt>
+                                        </p:tgtEl>
+                                        <p:attrNameLst>
+                                          <p:attrName>style.visibility</p:attrName>
+                                        </p:attrNameLst>
+                                      </p:cBhvr>
+                                      <p:to>
+                                        <p:strVal val="visible"/>
+                                      </p:to>
+                                    </p:set>
+                                    <p:animEffect transition="in" filter="fade">
+                                      <p:cBhvr>
+                                        <p:cTn id="35" dur="1000"/>
+                                        <p:tgtEl>
+                                          <p:spTgt spid="5">
+                                            <p:txEl>
+                                              <p:pRg st="0" end="0"/>
+                                            </p:txEl>
+                                          </p:spTgt>
+                                        </p:tgtEl>
+                                      </p:cBhvr>
+                                    </p:animEffect>
+                                    <p:anim calcmode="lin" valueType="num">
+                                      <p:cBhvr>
+                                        <p:cTn id="36" dur="1000" fill="hold"/>
+                                        <p:tgtEl>
+                                          <p:spTgt spid="5">
+                                            <p:txEl>
+                                              <p:pRg st="0" end="0"/>
+                                            </p:txEl>
+                                          </p:spTgt>
+                                        </p:tgtEl>
+                                        <p:attrNameLst>
+                                          <p:attrName>ppt_x</p:attrName>
+                                        </p:attrNameLst>
+                                      </p:cBhvr>
+                                      <p:tavLst>
+                                        <p:tav tm="0">
+                                          <p:val>
+                                            <p:strVal val="#ppt_x"/>
+                                          </p:val>
+                                        </p:tav>
+                                        <p:tav tm="100000">
+                                          <p:val>
+                                            <p:strVal val="#ppt_x"/>
+                                          </p:val>
+                                        </p:tav>
+                                      </p:tavLst>
+                                    </p:anim>
+                                    <p:anim calcmode="lin" valueType="num">
+                                      <p:cBhvr>
+                                        <p:cTn id="37" dur="1000" fill="hold"/>
+                                        <p:tgtEl>
+                                          <p:spTgt spid="5">
+                                            <p:txEl>
+                                              <p:pRg st="0" end="0"/>
+                                            </p:txEl>
+                                          </p:spTgt>
+                                        </p:tgtEl>
+                                        <p:attrNameLst>
+                                          <p:attrName>ppt_y</p:attrName>
+                                        </p:attrNameLst>
+                                      </p:cBhvr>
+                                      <p:tavLst>
+                                        <p:tav tm="0">
+                                          <p:val>
+                                            <p:strVal val="#ppt_y+.1"/>
+                                          </p:val>
+                                        </p:tav>
+                                        <p:tav tm="100000">
+                                          <p:val>
+                                            <p:strVal val="#ppt_y"/>
+                                          </p:val>
+                                        </p:tav>
+                                      </p:tavLst>
+                                    </p:anim>
+                                  </p:childTnLst>
+                                </p:cTn>
+                              </p:par>
+                            </p:childTnLst>
+                          </p:cTn>
+                        </p:par>
+                      </p:childTnLst>
+                    </p:cTn>
+                  </p:par>
+                  <p:par>
+                    <p:cTn id="38" fill="hold">
+                      <p:stCondLst>
+                        <p:cond delay="indefinite"/>
+                      </p:stCondLst>
+                      <p:childTnLst>
+                        <p:par>
+                          <p:cTn id="39" fill="hold">
+                            <p:stCondLst>
+                              <p:cond delay="0"/>
+                            </p:stCondLst>
+                            <p:childTnLst>
+                              <p:par>
+                                <p:cTn id="40" presetID="42" presetClass="entr" presetSubtype="0" fill="hold" grpId="0" nodeType="clickEffect">
+                                  <p:stCondLst>
+                                    <p:cond delay="0"/>
+                                  </p:stCondLst>
+                                  <p:childTnLst>
+                                    <p:set>
+                                      <p:cBhvr>
+                                        <p:cTn id="41" dur="1" fill="hold">
+                                          <p:stCondLst>
+                                            <p:cond delay="0"/>
+                                          </p:stCondLst>
+                                        </p:cTn>
+                                        <p:tgtEl>
+                                          <p:spTgt spid="5">
+                                            <p:txEl>
+                                              <p:pRg st="1" end="1"/>
+                                            </p:txEl>
+                                          </p:spTgt>
+                                        </p:tgtEl>
+                                        <p:attrNameLst>
+                                          <p:attrName>style.visibility</p:attrName>
+                                        </p:attrNameLst>
+                                      </p:cBhvr>
+                                      <p:to>
+                                        <p:strVal val="visible"/>
+                                      </p:to>
+                                    </p:set>
+                                    <p:animEffect transition="in" filter="fade">
+                                      <p:cBhvr>
+                                        <p:cTn id="42" dur="1000"/>
+                                        <p:tgtEl>
+                                          <p:spTgt spid="5">
+                                            <p:txEl>
+                                              <p:pRg st="1" end="1"/>
+                                            </p:txEl>
+                                          </p:spTgt>
+                                        </p:tgtEl>
+                                      </p:cBhvr>
+                                    </p:animEffect>
+                                    <p:anim calcmode="lin" valueType="num">
+                                      <p:cBhvr>
+                                        <p:cTn id="43" dur="1000" fill="hold"/>
+                                        <p:tgtEl>
+                                          <p:spTgt spid="5">
+                                            <p:txEl>
+                                              <p:pRg st="1" end="1"/>
+                                            </p:txEl>
+                                          </p:spTgt>
+                                        </p:tgtEl>
+                                        <p:attrNameLst>
+                                          <p:attrName>ppt_x</p:attrName>
+                                        </p:attrNameLst>
+                                      </p:cBhvr>
+                                      <p:tavLst>
+                                        <p:tav tm="0">
+                                          <p:val>
+                                            <p:strVal val="#ppt_x"/>
+                                          </p:val>
+                                        </p:tav>
+                                        <p:tav tm="100000">
+                                          <p:val>
+                                            <p:strVal val="#ppt_x"/>
+                                          </p:val>
+                                        </p:tav>
+                                      </p:tavLst>
+                                    </p:anim>
+                                    <p:anim calcmode="lin" valueType="num">
+                                      <p:cBhvr>
+                                        <p:cTn id="44" dur="1000" fill="hold"/>
+                                        <p:tgtEl>
+                                          <p:spTgt spid="5">
+                                            <p:txEl>
+                                              <p:pRg st="1" end="1"/>
+                                            </p:txEl>
+                                          </p:spTgt>
+                                        </p:tgtEl>
+                                        <p:attrNameLst>
+                                          <p:attrName>ppt_y</p:attrName>
+                                        </p:attrNameLst>
+                                      </p:cBhvr>
+                                      <p:tavLst>
+                                        <p:tav tm="0">
+                                          <p:val>
+                                            <p:strVal val="#ppt_y+.1"/>
+                                          </p:val>
+                                        </p:tav>
+                                        <p:tav tm="100000">
+                                          <p:val>
+                                            <p:strVal val="#ppt_y"/>
+                                          </p:val>
+                                        </p:tav>
+                                      </p:tavLst>
+                                    </p:anim>
+                                  </p:childTnLst>
+                                </p:cTn>
+                              </p:par>
+                            </p:childTnLst>
+                          </p:cTn>
+                        </p:par>
+                      </p:childTnLst>
+                    </p:cTn>
+                  </p:par>
+                </p:childTnLst>
+              </p:cTn>
+              <p:prevCondLst>
+                <p:cond evt="onPrev" delay="0">
+                  <p:tgtEl>
+                    <p:sldTgt/>
+                  </p:tgtEl>
+                </p:cond>
+              </p:prevCondLst>
+              <p:nextCondLst>
+                <p:cond evt="onNext" delay="0">
+                  <p:tgtEl>
+                    <p:sldTgt/>
+                  </p:tgtEl>
+                </p:cond>
+              </p:nextCondLst>
+            </p:seq>
+          </p:childTnLst>
+        </p:cTn>
+      </p:par>
+    </p:tnLst>
+    <p:bldLst>
+      <p:bldP spid="3" grpId="0" build="p"/>
+      <p:bldP spid="5" grpId="0" build="p"/>
+    </p:bldLst>
+  </p:timing>
 </p:sld>
 </file>
 
@@ -7048,16 +9356,21 @@
             <p:ph type="title"/>
           </p:nvPr>
         </p:nvSpPr>
-        <p:spPr/>
+        <p:spPr>
+          <a:xfrm>
+            <a:off x="839788" y="365126"/>
+            <a:ext cx="10515600" cy="709696"/>
+          </a:xfrm>
+        </p:spPr>
         <p:txBody>
           <a:bodyPr>
-            <a:normAutofit/>
+            <a:noAutofit/>
           </a:bodyPr>
           <a:lstStyle/>
           <a:p>
             <a:r>
-              <a:rPr lang="en-US" dirty="0"/>
-              <a:t>Gender- Lifestyle</a:t>
+              <a:rPr lang="en-US" sz="3600" dirty="0"/>
+              <a:t>Health Indicators of NonDiabetes and Pre-Diabetes</a:t>
             </a:r>
           </a:p>
         </p:txBody>
@@ -7078,100 +9391,403 @@
             <p:ph type="body" idx="1"/>
           </p:nvPr>
         </p:nvSpPr>
-        <p:spPr/>
-        <p:txBody>
-          <a:bodyPr/>
+        <p:spPr>
+          <a:xfrm>
+            <a:off x="328611" y="1086685"/>
+            <a:ext cx="2802295" cy="5333999"/>
+          </a:xfrm>
+        </p:spPr>
+        <p:txBody>
+          <a:bodyPr>
+            <a:normAutofit fontScale="92500" lnSpcReduction="10000"/>
+          </a:bodyPr>
           <a:lstStyle/>
           <a:p>
-            <a:endParaRPr lang="en-US"/>
-          </a:p>
-        </p:txBody>
-      </p:sp>
-      <p:sp>
-        <p:nvSpPr>
-          <p:cNvPr id="4" name="Content Placeholder 3">
+            <a:pPr marL="342900" indent="-342900">
+              <a:buFont typeface="Arial" panose="020B0604020202020204" pitchFamily="34" charset="0"/>
+              <a:buChar char="•"/>
+            </a:pPr>
+            <a:r>
+              <a:rPr lang="en-US" dirty="0"/>
+              <a:t>Females in Age Range (8-10) are the most educated and consume heavy alcohol of those surveyed.  </a:t>
+            </a:r>
+          </a:p>
+          <a:p>
+            <a:pPr marL="342900" indent="-342900">
+              <a:buFont typeface="Arial" panose="020B0604020202020204" pitchFamily="34" charset="0"/>
+              <a:buChar char="•"/>
+            </a:pPr>
+            <a:r>
+              <a:rPr lang="en-US" dirty="0"/>
+              <a:t> Men in Age Range (8-9) consume most alcohol. The Most Heart Attacks occur in Males in Age range 10-13. </a:t>
+            </a:r>
+          </a:p>
+          <a:p>
+            <a:pPr marL="342900" indent="-342900">
+              <a:buFont typeface="Arial" panose="020B0604020202020204" pitchFamily="34" charset="0"/>
+              <a:buChar char="•"/>
+            </a:pPr>
+            <a:r>
+              <a:rPr lang="en-US" dirty="0"/>
+              <a:t>Men and Women in the age range (8-10) were the most Physically Active in the past 30 days. </a:t>
+            </a:r>
+          </a:p>
+        </p:txBody>
+      </p:sp>
+      <p:pic>
+        <p:nvPicPr>
+          <p:cNvPr id="8" name="Content Placeholder 7">
             <a:extLst>
               <a:ext uri="{FF2B5EF4-FFF2-40B4-BE49-F238E27FC236}">
-                <a16:creationId xmlns:a16="http://schemas.microsoft.com/office/drawing/2014/main" id="{977BBD9D-A60A-41A8-B85D-9CE866792DC0}"/>
+                <a16:creationId xmlns:a16="http://schemas.microsoft.com/office/drawing/2014/main" id="{4C9B28D2-F1C4-48B9-B3D0-F2A02D68C283}"/>
               </a:ext>
             </a:extLst>
           </p:cNvPr>
-          <p:cNvSpPr>
-            <a:spLocks noGrp="1"/>
-          </p:cNvSpPr>
+          <p:cNvPicPr>
+            <a:picLocks noGrp="1" noChangeAspect="1"/>
+          </p:cNvPicPr>
           <p:nvPr>
             <p:ph sz="half" idx="2"/>
           </p:nvPr>
-        </p:nvSpPr>
-        <p:spPr/>
-        <p:txBody>
-          <a:bodyPr/>
-          <a:lstStyle/>
-          <a:p>
-            <a:endParaRPr lang="en-US" dirty="0"/>
-          </a:p>
-        </p:txBody>
-      </p:sp>
-      <p:sp>
-        <p:nvSpPr>
-          <p:cNvPr id="5" name="Text Placeholder 4">
-            <a:extLst>
-              <a:ext uri="{FF2B5EF4-FFF2-40B4-BE49-F238E27FC236}">
-                <a16:creationId xmlns:a16="http://schemas.microsoft.com/office/drawing/2014/main" id="{8C3EDDA3-53CC-4AA6-8CB2-DE55A15075C4}"/>
-              </a:ext>
-            </a:extLst>
-          </p:cNvPr>
-          <p:cNvSpPr>
-            <a:spLocks noGrp="1"/>
-          </p:cNvSpPr>
-          <p:nvPr>
-            <p:ph type="body" sz="quarter" idx="3"/>
-          </p:nvPr>
-        </p:nvSpPr>
-        <p:spPr/>
-        <p:txBody>
-          <a:bodyPr/>
-          <a:lstStyle/>
-          <a:p>
-            <a:endParaRPr lang="en-US"/>
-          </a:p>
-        </p:txBody>
-      </p:sp>
-      <p:sp>
-        <p:nvSpPr>
-          <p:cNvPr id="6" name="Content Placeholder 5">
-            <a:extLst>
-              <a:ext uri="{FF2B5EF4-FFF2-40B4-BE49-F238E27FC236}">
-                <a16:creationId xmlns:a16="http://schemas.microsoft.com/office/drawing/2014/main" id="{5F70C724-F19E-4052-AF66-9D2B280CC088}"/>
-              </a:ext>
-            </a:extLst>
-          </p:cNvPr>
-          <p:cNvSpPr>
-            <a:spLocks noGrp="1"/>
-          </p:cNvSpPr>
-          <p:nvPr>
-            <p:ph sz="quarter" idx="4"/>
-          </p:nvPr>
-        </p:nvSpPr>
-        <p:spPr/>
-        <p:txBody>
-          <a:bodyPr/>
-          <a:lstStyle/>
-          <a:p>
-            <a:endParaRPr lang="en-US"/>
-          </a:p>
-        </p:txBody>
-      </p:sp>
+        </p:nvPicPr>
+        <p:blipFill>
+          <a:blip r:embed="rId2"/>
+          <a:stretch>
+            <a:fillRect/>
+          </a:stretch>
+        </p:blipFill>
+        <p:spPr>
+          <a:xfrm>
+            <a:off x="3197072" y="1074822"/>
+            <a:ext cx="8666317" cy="5418052"/>
+          </a:xfrm>
+        </p:spPr>
+      </p:pic>
     </p:spTree>
     <p:extLst>
       <p:ext uri="{BB962C8B-B14F-4D97-AF65-F5344CB8AC3E}">
-        <p14:creationId xmlns:p14="http://schemas.microsoft.com/office/powerpoint/2010/main" val="1098277092"/>
+        <p14:creationId xmlns:p14="http://schemas.microsoft.com/office/powerpoint/2010/main" val="1854449923"/>
       </p:ext>
     </p:extLst>
   </p:cSld>
   <p:clrMapOvr>
     <a:masterClrMapping/>
   </p:clrMapOvr>
+  <p:timing>
+    <p:tnLst>
+      <p:par>
+        <p:cTn id="1" dur="indefinite" restart="never" nodeType="tmRoot">
+          <p:childTnLst>
+            <p:seq concurrent="1" nextAc="seek">
+              <p:cTn id="2" dur="indefinite" nodeType="mainSeq">
+                <p:childTnLst>
+                  <p:par>
+                    <p:cTn id="3" fill="hold">
+                      <p:stCondLst>
+                        <p:cond delay="indefinite"/>
+                      </p:stCondLst>
+                      <p:childTnLst>
+                        <p:par>
+                          <p:cTn id="4" fill="hold">
+                            <p:stCondLst>
+                              <p:cond delay="0"/>
+                            </p:stCondLst>
+                            <p:childTnLst>
+                              <p:par>
+                                <p:cTn id="5" presetID="42" presetClass="entr" presetSubtype="0" fill="hold" nodeType="clickEffect">
+                                  <p:stCondLst>
+                                    <p:cond delay="0"/>
+                                  </p:stCondLst>
+                                  <p:childTnLst>
+                                    <p:set>
+                                      <p:cBhvr>
+                                        <p:cTn id="6" dur="1" fill="hold">
+                                          <p:stCondLst>
+                                            <p:cond delay="0"/>
+                                          </p:stCondLst>
+                                        </p:cTn>
+                                        <p:tgtEl>
+                                          <p:spTgt spid="8"/>
+                                        </p:tgtEl>
+                                        <p:attrNameLst>
+                                          <p:attrName>style.visibility</p:attrName>
+                                        </p:attrNameLst>
+                                      </p:cBhvr>
+                                      <p:to>
+                                        <p:strVal val="visible"/>
+                                      </p:to>
+                                    </p:set>
+                                    <p:animEffect transition="in" filter="fade">
+                                      <p:cBhvr>
+                                        <p:cTn id="7" dur="1000"/>
+                                        <p:tgtEl>
+                                          <p:spTgt spid="8"/>
+                                        </p:tgtEl>
+                                      </p:cBhvr>
+                                    </p:animEffect>
+                                    <p:anim calcmode="lin" valueType="num">
+                                      <p:cBhvr>
+                                        <p:cTn id="8" dur="1000" fill="hold"/>
+                                        <p:tgtEl>
+                                          <p:spTgt spid="8"/>
+                                        </p:tgtEl>
+                                        <p:attrNameLst>
+                                          <p:attrName>ppt_x</p:attrName>
+                                        </p:attrNameLst>
+                                      </p:cBhvr>
+                                      <p:tavLst>
+                                        <p:tav tm="0">
+                                          <p:val>
+                                            <p:strVal val="#ppt_x"/>
+                                          </p:val>
+                                        </p:tav>
+                                        <p:tav tm="100000">
+                                          <p:val>
+                                            <p:strVal val="#ppt_x"/>
+                                          </p:val>
+                                        </p:tav>
+                                      </p:tavLst>
+                                    </p:anim>
+                                    <p:anim calcmode="lin" valueType="num">
+                                      <p:cBhvr>
+                                        <p:cTn id="9" dur="1000" fill="hold"/>
+                                        <p:tgtEl>
+                                          <p:spTgt spid="8"/>
+                                        </p:tgtEl>
+                                        <p:attrNameLst>
+                                          <p:attrName>ppt_y</p:attrName>
+                                        </p:attrNameLst>
+                                      </p:cBhvr>
+                                      <p:tavLst>
+                                        <p:tav tm="0">
+                                          <p:val>
+                                            <p:strVal val="#ppt_y+.1"/>
+                                          </p:val>
+                                        </p:tav>
+                                        <p:tav tm="100000">
+                                          <p:val>
+                                            <p:strVal val="#ppt_y"/>
+                                          </p:val>
+                                        </p:tav>
+                                      </p:tavLst>
+                                    </p:anim>
+                                  </p:childTnLst>
+                                </p:cTn>
+                              </p:par>
+                            </p:childTnLst>
+                          </p:cTn>
+                        </p:par>
+                      </p:childTnLst>
+                    </p:cTn>
+                  </p:par>
+                  <p:par>
+                    <p:cTn id="10" fill="hold">
+                      <p:stCondLst>
+                        <p:cond delay="indefinite"/>
+                      </p:stCondLst>
+                      <p:childTnLst>
+                        <p:par>
+                          <p:cTn id="11" fill="hold">
+                            <p:stCondLst>
+                              <p:cond delay="0"/>
+                            </p:stCondLst>
+                            <p:childTnLst>
+                              <p:par>
+                                <p:cTn id="12" presetID="10" presetClass="entr" presetSubtype="0" fill="hold" grpId="0" nodeType="clickEffect">
+                                  <p:stCondLst>
+                                    <p:cond delay="0"/>
+                                  </p:stCondLst>
+                                  <p:childTnLst>
+                                    <p:set>
+                                      <p:cBhvr>
+                                        <p:cTn id="13" dur="1" fill="hold">
+                                          <p:stCondLst>
+                                            <p:cond delay="0"/>
+                                          </p:stCondLst>
+                                        </p:cTn>
+                                        <p:tgtEl>
+                                          <p:spTgt spid="3">
+                                            <p:txEl>
+                                              <p:pRg st="0" end="0"/>
+                                            </p:txEl>
+                                          </p:spTgt>
+                                        </p:tgtEl>
+                                        <p:attrNameLst>
+                                          <p:attrName>style.visibility</p:attrName>
+                                        </p:attrNameLst>
+                                      </p:cBhvr>
+                                      <p:to>
+                                        <p:strVal val="visible"/>
+                                      </p:to>
+                                    </p:set>
+                                    <p:animEffect transition="in" filter="fade">
+                                      <p:cBhvr>
+                                        <p:cTn id="14" dur="500"/>
+                                        <p:tgtEl>
+                                          <p:spTgt spid="3">
+                                            <p:txEl>
+                                              <p:pRg st="0" end="0"/>
+                                            </p:txEl>
+                                          </p:spTgt>
+                                        </p:tgtEl>
+                                      </p:cBhvr>
+                                    </p:animEffect>
+                                  </p:childTnLst>
+                                </p:cTn>
+                              </p:par>
+                            </p:childTnLst>
+                          </p:cTn>
+                        </p:par>
+                      </p:childTnLst>
+                    </p:cTn>
+                  </p:par>
+                  <p:par>
+                    <p:cTn id="15" fill="hold">
+                      <p:stCondLst>
+                        <p:cond delay="indefinite"/>
+                      </p:stCondLst>
+                      <p:childTnLst>
+                        <p:par>
+                          <p:cTn id="16" fill="hold">
+                            <p:stCondLst>
+                              <p:cond delay="0"/>
+                            </p:stCondLst>
+                            <p:childTnLst>
+                              <p:par>
+                                <p:cTn id="17" presetID="10" presetClass="entr" presetSubtype="0" fill="hold" grpId="0" nodeType="clickEffect">
+                                  <p:stCondLst>
+                                    <p:cond delay="0"/>
+                                  </p:stCondLst>
+                                  <p:childTnLst>
+                                    <p:set>
+                                      <p:cBhvr>
+                                        <p:cTn id="18" dur="1" fill="hold">
+                                          <p:stCondLst>
+                                            <p:cond delay="0"/>
+                                          </p:stCondLst>
+                                        </p:cTn>
+                                        <p:tgtEl>
+                                          <p:spTgt spid="3">
+                                            <p:txEl>
+                                              <p:pRg st="1" end="1"/>
+                                            </p:txEl>
+                                          </p:spTgt>
+                                        </p:tgtEl>
+                                        <p:attrNameLst>
+                                          <p:attrName>style.visibility</p:attrName>
+                                        </p:attrNameLst>
+                                      </p:cBhvr>
+                                      <p:to>
+                                        <p:strVal val="visible"/>
+                                      </p:to>
+                                    </p:set>
+                                    <p:animEffect transition="in" filter="fade">
+                                      <p:cBhvr>
+                                        <p:cTn id="19" dur="500"/>
+                                        <p:tgtEl>
+                                          <p:spTgt spid="3">
+                                            <p:txEl>
+                                              <p:pRg st="1" end="1"/>
+                                            </p:txEl>
+                                          </p:spTgt>
+                                        </p:tgtEl>
+                                      </p:cBhvr>
+                                    </p:animEffect>
+                                  </p:childTnLst>
+                                </p:cTn>
+                              </p:par>
+                            </p:childTnLst>
+                          </p:cTn>
+                        </p:par>
+                      </p:childTnLst>
+                    </p:cTn>
+                  </p:par>
+                  <p:par>
+                    <p:cTn id="20" fill="hold">
+                      <p:stCondLst>
+                        <p:cond delay="indefinite"/>
+                      </p:stCondLst>
+                      <p:childTnLst>
+                        <p:par>
+                          <p:cTn id="21" fill="hold">
+                            <p:stCondLst>
+                              <p:cond delay="0"/>
+                            </p:stCondLst>
+                            <p:childTnLst>
+                              <p:par>
+                                <p:cTn id="22" presetID="10" presetClass="entr" presetSubtype="0" fill="hold" grpId="0" nodeType="clickEffect">
+                                  <p:stCondLst>
+                                    <p:cond delay="0"/>
+                                  </p:stCondLst>
+                                  <p:childTnLst>
+                                    <p:set>
+                                      <p:cBhvr>
+                                        <p:cTn id="23" dur="1" fill="hold">
+                                          <p:stCondLst>
+                                            <p:cond delay="0"/>
+                                          </p:stCondLst>
+                                        </p:cTn>
+                                        <p:tgtEl>
+                                          <p:spTgt spid="3">
+                                            <p:txEl>
+                                              <p:pRg st="2" end="2"/>
+                                            </p:txEl>
+                                          </p:spTgt>
+                                        </p:tgtEl>
+                                        <p:attrNameLst>
+                                          <p:attrName>style.visibility</p:attrName>
+                                        </p:attrNameLst>
+                                      </p:cBhvr>
+                                      <p:to>
+                                        <p:strVal val="visible"/>
+                                      </p:to>
+                                    </p:set>
+                                    <p:animEffect transition="in" filter="fade">
+                                      <p:cBhvr>
+                                        <p:cTn id="24" dur="500"/>
+                                        <p:tgtEl>
+                                          <p:spTgt spid="3">
+                                            <p:txEl>
+                                              <p:pRg st="2" end="2"/>
+                                            </p:txEl>
+                                          </p:spTgt>
+                                        </p:tgtEl>
+                                      </p:cBhvr>
+                                    </p:animEffect>
+                                  </p:childTnLst>
+                                </p:cTn>
+                              </p:par>
+                            </p:childTnLst>
+                          </p:cTn>
+                        </p:par>
+                      </p:childTnLst>
+                    </p:cTn>
+                  </p:par>
+                </p:childTnLst>
+              </p:cTn>
+              <p:prevCondLst>
+                <p:cond evt="onPrev" delay="0">
+                  <p:tgtEl>
+                    <p:sldTgt/>
+                  </p:tgtEl>
+                </p:cond>
+              </p:prevCondLst>
+              <p:nextCondLst>
+                <p:cond evt="onNext" delay="0">
+                  <p:tgtEl>
+                    <p:sldTgt/>
+                  </p:tgtEl>
+                </p:cond>
+              </p:nextCondLst>
+            </p:seq>
+          </p:childTnLst>
+        </p:cTn>
+      </p:par>
+    </p:tnLst>
+    <p:bldLst>
+      <p:bldP spid="3" grpId="0" build="p"/>
+    </p:bldLst>
+  </p:timing>
 </p:sld>
 </file>
 
@@ -7211,39 +9827,14 @@
         <p:spPr/>
         <p:txBody>
           <a:bodyPr>
-            <a:normAutofit/>
+            <a:normAutofit fontScale="90000"/>
           </a:bodyPr>
           <a:lstStyle/>
           <a:p>
             <a:r>
               <a:rPr lang="en-US" dirty="0"/>
-              <a:t>Gender- Socioeconomic</a:t>
-            </a:r>
-          </a:p>
-        </p:txBody>
-      </p:sp>
-      <p:sp>
-        <p:nvSpPr>
-          <p:cNvPr id="3" name="Text Placeholder 2">
-            <a:extLst>
-              <a:ext uri="{FF2B5EF4-FFF2-40B4-BE49-F238E27FC236}">
-                <a16:creationId xmlns:a16="http://schemas.microsoft.com/office/drawing/2014/main" id="{9591EB7B-6DC3-46BB-842D-C70DC4C61A2D}"/>
-              </a:ext>
-            </a:extLst>
-          </p:cNvPr>
-          <p:cNvSpPr>
-            <a:spLocks noGrp="1"/>
-          </p:cNvSpPr>
-          <p:nvPr>
-            <p:ph type="body" idx="1"/>
-          </p:nvPr>
-        </p:nvSpPr>
-        <p:spPr/>
-        <p:txBody>
-          <a:bodyPr/>
-          <a:lstStyle/>
-          <a:p>
-            <a:endParaRPr lang="en-US"/>
+              <a:t>Recommendations for Future Analysis</a:t>
+            </a:r>
           </a:p>
         </p:txBody>
       </p:sp>
@@ -7263,75 +9854,451 @@
             <p:ph sz="half" idx="2"/>
           </p:nvPr>
         </p:nvSpPr>
-        <p:spPr/>
-        <p:txBody>
-          <a:bodyPr/>
+        <p:spPr>
+          <a:xfrm>
+            <a:off x="1269863" y="1690688"/>
+            <a:ext cx="9652274" cy="4040021"/>
+          </a:xfrm>
+        </p:spPr>
+        <p:txBody>
+          <a:bodyPr>
+            <a:normAutofit/>
+          </a:bodyPr>
           <a:lstStyle/>
           <a:p>
-            <a:endParaRPr lang="en-US" dirty="0"/>
-          </a:p>
-        </p:txBody>
-      </p:sp>
-      <p:sp>
-        <p:nvSpPr>
-          <p:cNvPr id="5" name="Text Placeholder 4">
-            <a:extLst>
-              <a:ext uri="{FF2B5EF4-FFF2-40B4-BE49-F238E27FC236}">
-                <a16:creationId xmlns:a16="http://schemas.microsoft.com/office/drawing/2014/main" id="{8C3EDDA3-53CC-4AA6-8CB2-DE55A15075C4}"/>
-              </a:ext>
-            </a:extLst>
-          </p:cNvPr>
-          <p:cNvSpPr>
-            <a:spLocks noGrp="1"/>
-          </p:cNvSpPr>
-          <p:nvPr>
-            <p:ph type="body" sz="quarter" idx="3"/>
-          </p:nvPr>
-        </p:nvSpPr>
-        <p:spPr/>
-        <p:txBody>
-          <a:bodyPr/>
-          <a:lstStyle/>
-          <a:p>
-            <a:endParaRPr lang="en-US"/>
-          </a:p>
-        </p:txBody>
-      </p:sp>
-      <p:sp>
-        <p:nvSpPr>
-          <p:cNvPr id="6" name="Content Placeholder 5">
-            <a:extLst>
-              <a:ext uri="{FF2B5EF4-FFF2-40B4-BE49-F238E27FC236}">
-                <a16:creationId xmlns:a16="http://schemas.microsoft.com/office/drawing/2014/main" id="{5F70C724-F19E-4052-AF66-9D2B280CC088}"/>
-              </a:ext>
-            </a:extLst>
-          </p:cNvPr>
-          <p:cNvSpPr>
-            <a:spLocks noGrp="1"/>
-          </p:cNvSpPr>
-          <p:nvPr>
-            <p:ph sz="quarter" idx="4"/>
-          </p:nvPr>
-        </p:nvSpPr>
-        <p:spPr/>
-        <p:txBody>
-          <a:bodyPr/>
-          <a:lstStyle/>
-          <a:p>
-            <a:endParaRPr lang="en-US"/>
+            <a:r>
+              <a:rPr lang="en-US" dirty="0"/>
+              <a:t>A larger dataset would be preferred for machine learning to be able to utilize a higher performing model. </a:t>
+            </a:r>
+          </a:p>
+          <a:p>
+            <a:r>
+              <a:rPr lang="en-US" dirty="0"/>
+              <a:t>It may be interesting to have 2 datasets with the same individuals 5 years apart/over a 5 </a:t>
+            </a:r>
+            <a:r>
+              <a:rPr lang="en-US" dirty="0" err="1"/>
+              <a:t>yr</a:t>
+            </a:r>
+            <a:r>
+              <a:rPr lang="en-US" dirty="0"/>
+              <a:t> span. </a:t>
+            </a:r>
+          </a:p>
+          <a:p>
+            <a:r>
+              <a:rPr lang="en-US" dirty="0"/>
+              <a:t>The effects of geography on diabetes may also be an area of future analysis. </a:t>
+            </a:r>
           </a:p>
         </p:txBody>
       </p:sp>
     </p:spTree>
     <p:extLst>
       <p:ext uri="{BB962C8B-B14F-4D97-AF65-F5344CB8AC3E}">
-        <p14:creationId xmlns:p14="http://schemas.microsoft.com/office/powerpoint/2010/main" val="4171254136"/>
+        <p14:creationId xmlns:p14="http://schemas.microsoft.com/office/powerpoint/2010/main" val="1723896986"/>
       </p:ext>
     </p:extLst>
   </p:cSld>
   <p:clrMapOvr>
     <a:masterClrMapping/>
   </p:clrMapOvr>
+  <p:timing>
+    <p:tnLst>
+      <p:par>
+        <p:cTn id="1" dur="indefinite" restart="never" nodeType="tmRoot">
+          <p:childTnLst>
+            <p:seq concurrent="1" nextAc="seek">
+              <p:cTn id="2" dur="indefinite" nodeType="mainSeq">
+                <p:childTnLst>
+                  <p:par>
+                    <p:cTn id="3" fill="hold">
+                      <p:stCondLst>
+                        <p:cond delay="indefinite"/>
+                      </p:stCondLst>
+                      <p:childTnLst>
+                        <p:par>
+                          <p:cTn id="4" fill="hold">
+                            <p:stCondLst>
+                              <p:cond delay="0"/>
+                            </p:stCondLst>
+                            <p:childTnLst>
+                              <p:par>
+                                <p:cTn id="5" presetID="10" presetClass="entr" presetSubtype="0" fill="hold" grpId="0" nodeType="clickEffect">
+                                  <p:stCondLst>
+                                    <p:cond delay="0"/>
+                                  </p:stCondLst>
+                                  <p:childTnLst>
+                                    <p:set>
+                                      <p:cBhvr>
+                                        <p:cTn id="6" dur="1" fill="hold">
+                                          <p:stCondLst>
+                                            <p:cond delay="0"/>
+                                          </p:stCondLst>
+                                        </p:cTn>
+                                        <p:tgtEl>
+                                          <p:spTgt spid="2"/>
+                                        </p:tgtEl>
+                                        <p:attrNameLst>
+                                          <p:attrName>style.visibility</p:attrName>
+                                        </p:attrNameLst>
+                                      </p:cBhvr>
+                                      <p:to>
+                                        <p:strVal val="visible"/>
+                                      </p:to>
+                                    </p:set>
+                                    <p:animEffect transition="in" filter="fade">
+                                      <p:cBhvr>
+                                        <p:cTn id="7" dur="500"/>
+                                        <p:tgtEl>
+                                          <p:spTgt spid="2"/>
+                                        </p:tgtEl>
+                                      </p:cBhvr>
+                                    </p:animEffect>
+                                  </p:childTnLst>
+                                </p:cTn>
+                              </p:par>
+                            </p:childTnLst>
+                          </p:cTn>
+                        </p:par>
+                      </p:childTnLst>
+                    </p:cTn>
+                  </p:par>
+                  <p:par>
+                    <p:cTn id="8" fill="hold">
+                      <p:stCondLst>
+                        <p:cond delay="indefinite"/>
+                      </p:stCondLst>
+                      <p:childTnLst>
+                        <p:par>
+                          <p:cTn id="9" fill="hold">
+                            <p:stCondLst>
+                              <p:cond delay="0"/>
+                            </p:stCondLst>
+                            <p:childTnLst>
+                              <p:par>
+                                <p:cTn id="10" presetID="2" presetClass="entr" presetSubtype="4" fill="hold" grpId="0" nodeType="clickEffect">
+                                  <p:stCondLst>
+                                    <p:cond delay="0"/>
+                                  </p:stCondLst>
+                                  <p:childTnLst>
+                                    <p:set>
+                                      <p:cBhvr>
+                                        <p:cTn id="11" dur="1" fill="hold">
+                                          <p:stCondLst>
+                                            <p:cond delay="0"/>
+                                          </p:stCondLst>
+                                        </p:cTn>
+                                        <p:tgtEl>
+                                          <p:spTgt spid="4">
+                                            <p:txEl>
+                                              <p:pRg st="0" end="0"/>
+                                            </p:txEl>
+                                          </p:spTgt>
+                                        </p:tgtEl>
+                                        <p:attrNameLst>
+                                          <p:attrName>style.visibility</p:attrName>
+                                        </p:attrNameLst>
+                                      </p:cBhvr>
+                                      <p:to>
+                                        <p:strVal val="visible"/>
+                                      </p:to>
+                                    </p:set>
+                                    <p:anim calcmode="lin" valueType="num">
+                                      <p:cBhvr additive="base">
+                                        <p:cTn id="12" dur="500" fill="hold"/>
+                                        <p:tgtEl>
+                                          <p:spTgt spid="4">
+                                            <p:txEl>
+                                              <p:pRg st="0" end="0"/>
+                                            </p:txEl>
+                                          </p:spTgt>
+                                        </p:tgtEl>
+                                        <p:attrNameLst>
+                                          <p:attrName>ppt_x</p:attrName>
+                                        </p:attrNameLst>
+                                      </p:cBhvr>
+                                      <p:tavLst>
+                                        <p:tav tm="0">
+                                          <p:val>
+                                            <p:strVal val="#ppt_x"/>
+                                          </p:val>
+                                        </p:tav>
+                                        <p:tav tm="100000">
+                                          <p:val>
+                                            <p:strVal val="#ppt_x"/>
+                                          </p:val>
+                                        </p:tav>
+                                      </p:tavLst>
+                                    </p:anim>
+                                    <p:anim calcmode="lin" valueType="num">
+                                      <p:cBhvr additive="base">
+                                        <p:cTn id="13" dur="500" fill="hold"/>
+                                        <p:tgtEl>
+                                          <p:spTgt spid="4">
+                                            <p:txEl>
+                                              <p:pRg st="0" end="0"/>
+                                            </p:txEl>
+                                          </p:spTgt>
+                                        </p:tgtEl>
+                                        <p:attrNameLst>
+                                          <p:attrName>ppt_y</p:attrName>
+                                        </p:attrNameLst>
+                                      </p:cBhvr>
+                                      <p:tavLst>
+                                        <p:tav tm="0">
+                                          <p:val>
+                                            <p:strVal val="1+#ppt_h/2"/>
+                                          </p:val>
+                                        </p:tav>
+                                        <p:tav tm="100000">
+                                          <p:val>
+                                            <p:strVal val="#ppt_y"/>
+                                          </p:val>
+                                        </p:tav>
+                                      </p:tavLst>
+                                    </p:anim>
+                                  </p:childTnLst>
+                                </p:cTn>
+                              </p:par>
+                            </p:childTnLst>
+                          </p:cTn>
+                        </p:par>
+                      </p:childTnLst>
+                    </p:cTn>
+                  </p:par>
+                  <p:par>
+                    <p:cTn id="14" fill="hold">
+                      <p:stCondLst>
+                        <p:cond delay="indefinite"/>
+                      </p:stCondLst>
+                      <p:childTnLst>
+                        <p:par>
+                          <p:cTn id="15" fill="hold">
+                            <p:stCondLst>
+                              <p:cond delay="0"/>
+                            </p:stCondLst>
+                            <p:childTnLst>
+                              <p:par>
+                                <p:cTn id="16" presetID="2" presetClass="entr" presetSubtype="4" fill="hold" grpId="0" nodeType="clickEffect">
+                                  <p:stCondLst>
+                                    <p:cond delay="0"/>
+                                  </p:stCondLst>
+                                  <p:childTnLst>
+                                    <p:set>
+                                      <p:cBhvr>
+                                        <p:cTn id="17" dur="1" fill="hold">
+                                          <p:stCondLst>
+                                            <p:cond delay="0"/>
+                                          </p:stCondLst>
+                                        </p:cTn>
+                                        <p:tgtEl>
+                                          <p:spTgt spid="4">
+                                            <p:txEl>
+                                              <p:pRg st="1" end="1"/>
+                                            </p:txEl>
+                                          </p:spTgt>
+                                        </p:tgtEl>
+                                        <p:attrNameLst>
+                                          <p:attrName>style.visibility</p:attrName>
+                                        </p:attrNameLst>
+                                      </p:cBhvr>
+                                      <p:to>
+                                        <p:strVal val="visible"/>
+                                      </p:to>
+                                    </p:set>
+                                    <p:anim calcmode="lin" valueType="num">
+                                      <p:cBhvr additive="base">
+                                        <p:cTn id="18" dur="500" fill="hold"/>
+                                        <p:tgtEl>
+                                          <p:spTgt spid="4">
+                                            <p:txEl>
+                                              <p:pRg st="1" end="1"/>
+                                            </p:txEl>
+                                          </p:spTgt>
+                                        </p:tgtEl>
+                                        <p:attrNameLst>
+                                          <p:attrName>ppt_x</p:attrName>
+                                        </p:attrNameLst>
+                                      </p:cBhvr>
+                                      <p:tavLst>
+                                        <p:tav tm="0">
+                                          <p:val>
+                                            <p:strVal val="#ppt_x"/>
+                                          </p:val>
+                                        </p:tav>
+                                        <p:tav tm="100000">
+                                          <p:val>
+                                            <p:strVal val="#ppt_x"/>
+                                          </p:val>
+                                        </p:tav>
+                                      </p:tavLst>
+                                    </p:anim>
+                                    <p:anim calcmode="lin" valueType="num">
+                                      <p:cBhvr additive="base">
+                                        <p:cTn id="19" dur="500" fill="hold"/>
+                                        <p:tgtEl>
+                                          <p:spTgt spid="4">
+                                            <p:txEl>
+                                              <p:pRg st="1" end="1"/>
+                                            </p:txEl>
+                                          </p:spTgt>
+                                        </p:tgtEl>
+                                        <p:attrNameLst>
+                                          <p:attrName>ppt_y</p:attrName>
+                                        </p:attrNameLst>
+                                      </p:cBhvr>
+                                      <p:tavLst>
+                                        <p:tav tm="0">
+                                          <p:val>
+                                            <p:strVal val="1+#ppt_h/2"/>
+                                          </p:val>
+                                        </p:tav>
+                                        <p:tav tm="100000">
+                                          <p:val>
+                                            <p:strVal val="#ppt_y"/>
+                                          </p:val>
+                                        </p:tav>
+                                      </p:tavLst>
+                                    </p:anim>
+                                  </p:childTnLst>
+                                </p:cTn>
+                              </p:par>
+                            </p:childTnLst>
+                          </p:cTn>
+                        </p:par>
+                      </p:childTnLst>
+                    </p:cTn>
+                  </p:par>
+                  <p:par>
+                    <p:cTn id="20" fill="hold">
+                      <p:stCondLst>
+                        <p:cond delay="indefinite"/>
+                      </p:stCondLst>
+                      <p:childTnLst>
+                        <p:par>
+                          <p:cTn id="21" fill="hold">
+                            <p:stCondLst>
+                              <p:cond delay="0"/>
+                            </p:stCondLst>
+                            <p:childTnLst>
+                              <p:par>
+                                <p:cTn id="22" presetID="2" presetClass="entr" presetSubtype="4" fill="hold" grpId="0" nodeType="clickEffect">
+                                  <p:stCondLst>
+                                    <p:cond delay="0"/>
+                                  </p:stCondLst>
+                                  <p:childTnLst>
+                                    <p:set>
+                                      <p:cBhvr>
+                                        <p:cTn id="23" dur="1" fill="hold">
+                                          <p:stCondLst>
+                                            <p:cond delay="0"/>
+                                          </p:stCondLst>
+                                        </p:cTn>
+                                        <p:tgtEl>
+                                          <p:spTgt spid="4">
+                                            <p:txEl>
+                                              <p:pRg st="2" end="2"/>
+                                            </p:txEl>
+                                          </p:spTgt>
+                                        </p:tgtEl>
+                                        <p:attrNameLst>
+                                          <p:attrName>style.visibility</p:attrName>
+                                        </p:attrNameLst>
+                                      </p:cBhvr>
+                                      <p:to>
+                                        <p:strVal val="visible"/>
+                                      </p:to>
+                                    </p:set>
+                                    <p:anim calcmode="lin" valueType="num">
+                                      <p:cBhvr additive="base">
+                                        <p:cTn id="24" dur="500" fill="hold"/>
+                                        <p:tgtEl>
+                                          <p:spTgt spid="4">
+                                            <p:txEl>
+                                              <p:pRg st="2" end="2"/>
+                                            </p:txEl>
+                                          </p:spTgt>
+                                        </p:tgtEl>
+                                        <p:attrNameLst>
+                                          <p:attrName>ppt_x</p:attrName>
+                                        </p:attrNameLst>
+                                      </p:cBhvr>
+                                      <p:tavLst>
+                                        <p:tav tm="0">
+                                          <p:val>
+                                            <p:strVal val="#ppt_x"/>
+                                          </p:val>
+                                        </p:tav>
+                                        <p:tav tm="100000">
+                                          <p:val>
+                                            <p:strVal val="#ppt_x"/>
+                                          </p:val>
+                                        </p:tav>
+                                      </p:tavLst>
+                                    </p:anim>
+                                    <p:anim calcmode="lin" valueType="num">
+                                      <p:cBhvr additive="base">
+                                        <p:cTn id="25" dur="500" fill="hold"/>
+                                        <p:tgtEl>
+                                          <p:spTgt spid="4">
+                                            <p:txEl>
+                                              <p:pRg st="2" end="2"/>
+                                            </p:txEl>
+                                          </p:spTgt>
+                                        </p:tgtEl>
+                                        <p:attrNameLst>
+                                          <p:attrName>ppt_y</p:attrName>
+                                        </p:attrNameLst>
+                                      </p:cBhvr>
+                                      <p:tavLst>
+                                        <p:tav tm="0">
+                                          <p:val>
+                                            <p:strVal val="1+#ppt_h/2"/>
+                                          </p:val>
+                                        </p:tav>
+                                        <p:tav tm="100000">
+                                          <p:val>
+                                            <p:strVal val="#ppt_y"/>
+                                          </p:val>
+                                        </p:tav>
+                                      </p:tavLst>
+                                    </p:anim>
+                                  </p:childTnLst>
+                                </p:cTn>
+                              </p:par>
+                            </p:childTnLst>
+                          </p:cTn>
+                        </p:par>
+                      </p:childTnLst>
+                    </p:cTn>
+                  </p:par>
+                </p:childTnLst>
+              </p:cTn>
+              <p:prevCondLst>
+                <p:cond evt="onPrev" delay="0">
+                  <p:tgtEl>
+                    <p:sldTgt/>
+                  </p:tgtEl>
+                </p:cond>
+              </p:prevCondLst>
+              <p:nextCondLst>
+                <p:cond evt="onNext" delay="0">
+                  <p:tgtEl>
+                    <p:sldTgt/>
+                  </p:tgtEl>
+                </p:cond>
+              </p:nextCondLst>
+            </p:seq>
+          </p:childTnLst>
+        </p:cTn>
+      </p:par>
+    </p:tnLst>
+    <p:bldLst>
+      <p:bldP spid="2" grpId="0"/>
+      <p:bldP spid="4" grpId="0" build="p"/>
+    </p:bldLst>
+  </p:timing>
 </p:sld>
 </file>
 
@@ -7370,46 +10337,15 @@
         </p:nvSpPr>
         <p:spPr/>
         <p:txBody>
-          <a:bodyPr/>
+          <a:bodyPr>
+            <a:normAutofit fontScale="90000"/>
+          </a:bodyPr>
           <a:lstStyle/>
           <a:p>
             <a:r>
               <a:rPr lang="en-US" dirty="0"/>
-              <a:t>Income- </a:t>
-            </a:r>
-            <a:r>
-              <a:rPr lang="en-US" dirty="0" err="1"/>
-              <a:t>NonDiabetes</a:t>
-            </a:r>
-            <a:r>
-              <a:rPr lang="en-US" dirty="0"/>
-              <a:t> &amp; Prediabetes</a:t>
-            </a:r>
-          </a:p>
-        </p:txBody>
-      </p:sp>
-      <p:sp>
-        <p:nvSpPr>
-          <p:cNvPr id="3" name="Text Placeholder 2">
-            <a:extLst>
-              <a:ext uri="{FF2B5EF4-FFF2-40B4-BE49-F238E27FC236}">
-                <a16:creationId xmlns:a16="http://schemas.microsoft.com/office/drawing/2014/main" id="{9591EB7B-6DC3-46BB-842D-C70DC4C61A2D}"/>
-              </a:ext>
-            </a:extLst>
-          </p:cNvPr>
-          <p:cNvSpPr>
-            <a:spLocks noGrp="1"/>
-          </p:cNvSpPr>
-          <p:nvPr>
-            <p:ph type="body" idx="1"/>
-          </p:nvPr>
-        </p:nvSpPr>
-        <p:spPr/>
-        <p:txBody>
-          <a:bodyPr/>
-          <a:lstStyle/>
-          <a:p>
-            <a:endParaRPr lang="en-US"/>
+              <a:t>Things we would have done differently</a:t>
+            </a:r>
           </a:p>
         </p:txBody>
       </p:sp>
@@ -7429,75 +10365,444 @@
             <p:ph sz="half" idx="2"/>
           </p:nvPr>
         </p:nvSpPr>
-        <p:spPr/>
+        <p:spPr>
+          <a:xfrm>
+            <a:off x="1129757" y="1690688"/>
+            <a:ext cx="9932486" cy="4425031"/>
+          </a:xfrm>
+        </p:spPr>
         <p:txBody>
           <a:bodyPr/>
           <a:lstStyle/>
           <a:p>
-            <a:endParaRPr lang="en-US"/>
-          </a:p>
-        </p:txBody>
-      </p:sp>
-      <p:sp>
-        <p:nvSpPr>
-          <p:cNvPr id="5" name="Text Placeholder 4">
-            <a:extLst>
-              <a:ext uri="{FF2B5EF4-FFF2-40B4-BE49-F238E27FC236}">
-                <a16:creationId xmlns:a16="http://schemas.microsoft.com/office/drawing/2014/main" id="{8C3EDDA3-53CC-4AA6-8CB2-DE55A15075C4}"/>
-              </a:ext>
-            </a:extLst>
-          </p:cNvPr>
-          <p:cNvSpPr>
-            <a:spLocks noGrp="1"/>
-          </p:cNvSpPr>
-          <p:nvPr>
-            <p:ph type="body" sz="quarter" idx="3"/>
-          </p:nvPr>
-        </p:nvSpPr>
-        <p:spPr/>
-        <p:txBody>
-          <a:bodyPr/>
-          <a:lstStyle/>
-          <a:p>
-            <a:endParaRPr lang="en-US"/>
-          </a:p>
-        </p:txBody>
-      </p:sp>
-      <p:sp>
-        <p:nvSpPr>
-          <p:cNvPr id="6" name="Content Placeholder 5">
-            <a:extLst>
-              <a:ext uri="{FF2B5EF4-FFF2-40B4-BE49-F238E27FC236}">
-                <a16:creationId xmlns:a16="http://schemas.microsoft.com/office/drawing/2014/main" id="{5F70C724-F19E-4052-AF66-9D2B280CC088}"/>
-              </a:ext>
-            </a:extLst>
-          </p:cNvPr>
-          <p:cNvSpPr>
-            <a:spLocks noGrp="1"/>
-          </p:cNvSpPr>
-          <p:nvPr>
-            <p:ph sz="quarter" idx="4"/>
-          </p:nvPr>
-        </p:nvSpPr>
-        <p:spPr/>
-        <p:txBody>
-          <a:bodyPr/>
-          <a:lstStyle/>
-          <a:p>
-            <a:endParaRPr lang="en-US"/>
+            <a:r>
+              <a:rPr lang="en-US" dirty="0"/>
+              <a:t>Begin work on dashboard prior to Week 4. </a:t>
+            </a:r>
+          </a:p>
+          <a:p>
+            <a:r>
+              <a:rPr lang="en-US" dirty="0"/>
+              <a:t>Utilize Tableau to analyze additional variables within health indicators and lifestyle to identify trends in addition to what we found.  </a:t>
+            </a:r>
+          </a:p>
+          <a:p>
+            <a:r>
+              <a:rPr lang="en-US" dirty="0"/>
+              <a:t>Better understanding of Heroku so we could have utilized the tool better. </a:t>
+            </a:r>
+          </a:p>
+          <a:p>
+            <a:endParaRPr lang="en-US" dirty="0"/>
           </a:p>
         </p:txBody>
       </p:sp>
     </p:spTree>
     <p:extLst>
       <p:ext uri="{BB962C8B-B14F-4D97-AF65-F5344CB8AC3E}">
-        <p14:creationId xmlns:p14="http://schemas.microsoft.com/office/powerpoint/2010/main" val="4203683365"/>
+        <p14:creationId xmlns:p14="http://schemas.microsoft.com/office/powerpoint/2010/main" val="1530654187"/>
       </p:ext>
     </p:extLst>
   </p:cSld>
   <p:clrMapOvr>
     <a:masterClrMapping/>
   </p:clrMapOvr>
+  <p:timing>
+    <p:tnLst>
+      <p:par>
+        <p:cTn id="1" dur="indefinite" restart="never" nodeType="tmRoot">
+          <p:childTnLst>
+            <p:seq concurrent="1" nextAc="seek">
+              <p:cTn id="2" dur="indefinite" nodeType="mainSeq">
+                <p:childTnLst>
+                  <p:par>
+                    <p:cTn id="3" fill="hold">
+                      <p:stCondLst>
+                        <p:cond delay="indefinite"/>
+                      </p:stCondLst>
+                      <p:childTnLst>
+                        <p:par>
+                          <p:cTn id="4" fill="hold">
+                            <p:stCondLst>
+                              <p:cond delay="0"/>
+                            </p:stCondLst>
+                            <p:childTnLst>
+                              <p:par>
+                                <p:cTn id="5" presetID="10" presetClass="entr" presetSubtype="0" fill="hold" grpId="0" nodeType="clickEffect">
+                                  <p:stCondLst>
+                                    <p:cond delay="0"/>
+                                  </p:stCondLst>
+                                  <p:childTnLst>
+                                    <p:set>
+                                      <p:cBhvr>
+                                        <p:cTn id="6" dur="1" fill="hold">
+                                          <p:stCondLst>
+                                            <p:cond delay="0"/>
+                                          </p:stCondLst>
+                                        </p:cTn>
+                                        <p:tgtEl>
+                                          <p:spTgt spid="2"/>
+                                        </p:tgtEl>
+                                        <p:attrNameLst>
+                                          <p:attrName>style.visibility</p:attrName>
+                                        </p:attrNameLst>
+                                      </p:cBhvr>
+                                      <p:to>
+                                        <p:strVal val="visible"/>
+                                      </p:to>
+                                    </p:set>
+                                    <p:animEffect transition="in" filter="fade">
+                                      <p:cBhvr>
+                                        <p:cTn id="7" dur="500"/>
+                                        <p:tgtEl>
+                                          <p:spTgt spid="2"/>
+                                        </p:tgtEl>
+                                      </p:cBhvr>
+                                    </p:animEffect>
+                                  </p:childTnLst>
+                                </p:cTn>
+                              </p:par>
+                            </p:childTnLst>
+                          </p:cTn>
+                        </p:par>
+                      </p:childTnLst>
+                    </p:cTn>
+                  </p:par>
+                  <p:par>
+                    <p:cTn id="8" fill="hold">
+                      <p:stCondLst>
+                        <p:cond delay="indefinite"/>
+                      </p:stCondLst>
+                      <p:childTnLst>
+                        <p:par>
+                          <p:cTn id="9" fill="hold">
+                            <p:stCondLst>
+                              <p:cond delay="0"/>
+                            </p:stCondLst>
+                            <p:childTnLst>
+                              <p:par>
+                                <p:cTn id="10" presetID="2" presetClass="entr" presetSubtype="4" fill="hold" grpId="0" nodeType="clickEffect">
+                                  <p:stCondLst>
+                                    <p:cond delay="0"/>
+                                  </p:stCondLst>
+                                  <p:childTnLst>
+                                    <p:set>
+                                      <p:cBhvr>
+                                        <p:cTn id="11" dur="1" fill="hold">
+                                          <p:stCondLst>
+                                            <p:cond delay="0"/>
+                                          </p:stCondLst>
+                                        </p:cTn>
+                                        <p:tgtEl>
+                                          <p:spTgt spid="4">
+                                            <p:txEl>
+                                              <p:pRg st="0" end="0"/>
+                                            </p:txEl>
+                                          </p:spTgt>
+                                        </p:tgtEl>
+                                        <p:attrNameLst>
+                                          <p:attrName>style.visibility</p:attrName>
+                                        </p:attrNameLst>
+                                      </p:cBhvr>
+                                      <p:to>
+                                        <p:strVal val="visible"/>
+                                      </p:to>
+                                    </p:set>
+                                    <p:anim calcmode="lin" valueType="num">
+                                      <p:cBhvr additive="base">
+                                        <p:cTn id="12" dur="500" fill="hold"/>
+                                        <p:tgtEl>
+                                          <p:spTgt spid="4">
+                                            <p:txEl>
+                                              <p:pRg st="0" end="0"/>
+                                            </p:txEl>
+                                          </p:spTgt>
+                                        </p:tgtEl>
+                                        <p:attrNameLst>
+                                          <p:attrName>ppt_x</p:attrName>
+                                        </p:attrNameLst>
+                                      </p:cBhvr>
+                                      <p:tavLst>
+                                        <p:tav tm="0">
+                                          <p:val>
+                                            <p:strVal val="#ppt_x"/>
+                                          </p:val>
+                                        </p:tav>
+                                        <p:tav tm="100000">
+                                          <p:val>
+                                            <p:strVal val="#ppt_x"/>
+                                          </p:val>
+                                        </p:tav>
+                                      </p:tavLst>
+                                    </p:anim>
+                                    <p:anim calcmode="lin" valueType="num">
+                                      <p:cBhvr additive="base">
+                                        <p:cTn id="13" dur="500" fill="hold"/>
+                                        <p:tgtEl>
+                                          <p:spTgt spid="4">
+                                            <p:txEl>
+                                              <p:pRg st="0" end="0"/>
+                                            </p:txEl>
+                                          </p:spTgt>
+                                        </p:tgtEl>
+                                        <p:attrNameLst>
+                                          <p:attrName>ppt_y</p:attrName>
+                                        </p:attrNameLst>
+                                      </p:cBhvr>
+                                      <p:tavLst>
+                                        <p:tav tm="0">
+                                          <p:val>
+                                            <p:strVal val="1+#ppt_h/2"/>
+                                          </p:val>
+                                        </p:tav>
+                                        <p:tav tm="100000">
+                                          <p:val>
+                                            <p:strVal val="#ppt_y"/>
+                                          </p:val>
+                                        </p:tav>
+                                      </p:tavLst>
+                                    </p:anim>
+                                  </p:childTnLst>
+                                </p:cTn>
+                              </p:par>
+                            </p:childTnLst>
+                          </p:cTn>
+                        </p:par>
+                      </p:childTnLst>
+                    </p:cTn>
+                  </p:par>
+                  <p:par>
+                    <p:cTn id="14" fill="hold">
+                      <p:stCondLst>
+                        <p:cond delay="indefinite"/>
+                      </p:stCondLst>
+                      <p:childTnLst>
+                        <p:par>
+                          <p:cTn id="15" fill="hold">
+                            <p:stCondLst>
+                              <p:cond delay="0"/>
+                            </p:stCondLst>
+                            <p:childTnLst>
+                              <p:par>
+                                <p:cTn id="16" presetID="2" presetClass="entr" presetSubtype="4" fill="hold" grpId="0" nodeType="clickEffect">
+                                  <p:stCondLst>
+                                    <p:cond delay="0"/>
+                                  </p:stCondLst>
+                                  <p:childTnLst>
+                                    <p:set>
+                                      <p:cBhvr>
+                                        <p:cTn id="17" dur="1" fill="hold">
+                                          <p:stCondLst>
+                                            <p:cond delay="0"/>
+                                          </p:stCondLst>
+                                        </p:cTn>
+                                        <p:tgtEl>
+                                          <p:spTgt spid="4">
+                                            <p:txEl>
+                                              <p:pRg st="1" end="1"/>
+                                            </p:txEl>
+                                          </p:spTgt>
+                                        </p:tgtEl>
+                                        <p:attrNameLst>
+                                          <p:attrName>style.visibility</p:attrName>
+                                        </p:attrNameLst>
+                                      </p:cBhvr>
+                                      <p:to>
+                                        <p:strVal val="visible"/>
+                                      </p:to>
+                                    </p:set>
+                                    <p:anim calcmode="lin" valueType="num">
+                                      <p:cBhvr additive="base">
+                                        <p:cTn id="18" dur="500" fill="hold"/>
+                                        <p:tgtEl>
+                                          <p:spTgt spid="4">
+                                            <p:txEl>
+                                              <p:pRg st="1" end="1"/>
+                                            </p:txEl>
+                                          </p:spTgt>
+                                        </p:tgtEl>
+                                        <p:attrNameLst>
+                                          <p:attrName>ppt_x</p:attrName>
+                                        </p:attrNameLst>
+                                      </p:cBhvr>
+                                      <p:tavLst>
+                                        <p:tav tm="0">
+                                          <p:val>
+                                            <p:strVal val="#ppt_x"/>
+                                          </p:val>
+                                        </p:tav>
+                                        <p:tav tm="100000">
+                                          <p:val>
+                                            <p:strVal val="#ppt_x"/>
+                                          </p:val>
+                                        </p:tav>
+                                      </p:tavLst>
+                                    </p:anim>
+                                    <p:anim calcmode="lin" valueType="num">
+                                      <p:cBhvr additive="base">
+                                        <p:cTn id="19" dur="500" fill="hold"/>
+                                        <p:tgtEl>
+                                          <p:spTgt spid="4">
+                                            <p:txEl>
+                                              <p:pRg st="1" end="1"/>
+                                            </p:txEl>
+                                          </p:spTgt>
+                                        </p:tgtEl>
+                                        <p:attrNameLst>
+                                          <p:attrName>ppt_y</p:attrName>
+                                        </p:attrNameLst>
+                                      </p:cBhvr>
+                                      <p:tavLst>
+                                        <p:tav tm="0">
+                                          <p:val>
+                                            <p:strVal val="1+#ppt_h/2"/>
+                                          </p:val>
+                                        </p:tav>
+                                        <p:tav tm="100000">
+                                          <p:val>
+                                            <p:strVal val="#ppt_y"/>
+                                          </p:val>
+                                        </p:tav>
+                                      </p:tavLst>
+                                    </p:anim>
+                                  </p:childTnLst>
+                                </p:cTn>
+                              </p:par>
+                            </p:childTnLst>
+                          </p:cTn>
+                        </p:par>
+                      </p:childTnLst>
+                    </p:cTn>
+                  </p:par>
+                  <p:par>
+                    <p:cTn id="20" fill="hold">
+                      <p:stCondLst>
+                        <p:cond delay="indefinite"/>
+                      </p:stCondLst>
+                      <p:childTnLst>
+                        <p:par>
+                          <p:cTn id="21" fill="hold">
+                            <p:stCondLst>
+                              <p:cond delay="0"/>
+                            </p:stCondLst>
+                            <p:childTnLst>
+                              <p:par>
+                                <p:cTn id="22" presetID="2" presetClass="entr" presetSubtype="4" fill="hold" grpId="0" nodeType="clickEffect">
+                                  <p:stCondLst>
+                                    <p:cond delay="0"/>
+                                  </p:stCondLst>
+                                  <p:childTnLst>
+                                    <p:set>
+                                      <p:cBhvr>
+                                        <p:cTn id="23" dur="1" fill="hold">
+                                          <p:stCondLst>
+                                            <p:cond delay="0"/>
+                                          </p:stCondLst>
+                                        </p:cTn>
+                                        <p:tgtEl>
+                                          <p:spTgt spid="4">
+                                            <p:txEl>
+                                              <p:pRg st="2" end="2"/>
+                                            </p:txEl>
+                                          </p:spTgt>
+                                        </p:tgtEl>
+                                        <p:attrNameLst>
+                                          <p:attrName>style.visibility</p:attrName>
+                                        </p:attrNameLst>
+                                      </p:cBhvr>
+                                      <p:to>
+                                        <p:strVal val="visible"/>
+                                      </p:to>
+                                    </p:set>
+                                    <p:anim calcmode="lin" valueType="num">
+                                      <p:cBhvr additive="base">
+                                        <p:cTn id="24" dur="500" fill="hold"/>
+                                        <p:tgtEl>
+                                          <p:spTgt spid="4">
+                                            <p:txEl>
+                                              <p:pRg st="2" end="2"/>
+                                            </p:txEl>
+                                          </p:spTgt>
+                                        </p:tgtEl>
+                                        <p:attrNameLst>
+                                          <p:attrName>ppt_x</p:attrName>
+                                        </p:attrNameLst>
+                                      </p:cBhvr>
+                                      <p:tavLst>
+                                        <p:tav tm="0">
+                                          <p:val>
+                                            <p:strVal val="#ppt_x"/>
+                                          </p:val>
+                                        </p:tav>
+                                        <p:tav tm="100000">
+                                          <p:val>
+                                            <p:strVal val="#ppt_x"/>
+                                          </p:val>
+                                        </p:tav>
+                                      </p:tavLst>
+                                    </p:anim>
+                                    <p:anim calcmode="lin" valueType="num">
+                                      <p:cBhvr additive="base">
+                                        <p:cTn id="25" dur="500" fill="hold"/>
+                                        <p:tgtEl>
+                                          <p:spTgt spid="4">
+                                            <p:txEl>
+                                              <p:pRg st="2" end="2"/>
+                                            </p:txEl>
+                                          </p:spTgt>
+                                        </p:tgtEl>
+                                        <p:attrNameLst>
+                                          <p:attrName>ppt_y</p:attrName>
+                                        </p:attrNameLst>
+                                      </p:cBhvr>
+                                      <p:tavLst>
+                                        <p:tav tm="0">
+                                          <p:val>
+                                            <p:strVal val="1+#ppt_h/2"/>
+                                          </p:val>
+                                        </p:tav>
+                                        <p:tav tm="100000">
+                                          <p:val>
+                                            <p:strVal val="#ppt_y"/>
+                                          </p:val>
+                                        </p:tav>
+                                      </p:tavLst>
+                                    </p:anim>
+                                  </p:childTnLst>
+                                </p:cTn>
+                              </p:par>
+                            </p:childTnLst>
+                          </p:cTn>
+                        </p:par>
+                      </p:childTnLst>
+                    </p:cTn>
+                  </p:par>
+                </p:childTnLst>
+              </p:cTn>
+              <p:prevCondLst>
+                <p:cond evt="onPrev" delay="0">
+                  <p:tgtEl>
+                    <p:sldTgt/>
+                  </p:tgtEl>
+                </p:cond>
+              </p:prevCondLst>
+              <p:nextCondLst>
+                <p:cond evt="onNext" delay="0">
+                  <p:tgtEl>
+                    <p:sldTgt/>
+                  </p:tgtEl>
+                </p:cond>
+              </p:nextCondLst>
+            </p:seq>
+          </p:childTnLst>
+        </p:cTn>
+      </p:par>
+    </p:tnLst>
+    <p:bldLst>
+      <p:bldP spid="2" grpId="0"/>
+      <p:bldP spid="4" grpId="0" build="p"/>
+    </p:bldLst>
+  </p:timing>
 </p:sld>
 </file>
 
@@ -7518,12 +10823,47 @@
           <a:chExt cx="0" cy="0"/>
         </a:xfrm>
       </p:grpSpPr>
+      <p:pic>
+        <p:nvPicPr>
+          <p:cNvPr id="8" name="Content Placeholder 7" descr="Working space background">
+            <a:extLst>
+              <a:ext uri="{FF2B5EF4-FFF2-40B4-BE49-F238E27FC236}">
+                <a16:creationId xmlns:a16="http://schemas.microsoft.com/office/drawing/2014/main" id="{E03EE11A-644F-4E8B-AA05-07886E39C409}"/>
+              </a:ext>
+            </a:extLst>
+          </p:cNvPr>
+          <p:cNvPicPr>
+            <a:picLocks noGrp="1" noChangeAspect="1"/>
+          </p:cNvPicPr>
+          <p:nvPr>
+            <p:ph sz="quarter" idx="4"/>
+          </p:nvPr>
+        </p:nvPicPr>
+        <p:blipFill>
+          <a:blip r:embed="rId2">
+            <a:extLst>
+              <a:ext uri="{28A0092B-C50C-407E-A947-70E740481C1C}">
+                <a14:useLocalDpi xmlns:a14="http://schemas.microsoft.com/office/drawing/2010/main" val="0"/>
+              </a:ext>
+            </a:extLst>
+          </a:blip>
+          <a:stretch>
+            <a:fillRect/>
+          </a:stretch>
+        </p:blipFill>
+        <p:spPr>
+          <a:xfrm>
+            <a:off x="0" y="0"/>
+            <a:ext cx="12192000" cy="6858000"/>
+          </a:xfrm>
+        </p:spPr>
+      </p:pic>
       <p:sp>
         <p:nvSpPr>
           <p:cNvPr id="2" name="Title 1">
             <a:extLst>
               <a:ext uri="{FF2B5EF4-FFF2-40B4-BE49-F238E27FC236}">
-                <a16:creationId xmlns:a16="http://schemas.microsoft.com/office/drawing/2014/main" id="{33C840F5-C548-4EE2-85C8-F45AB329C11E}"/>
+                <a16:creationId xmlns:a16="http://schemas.microsoft.com/office/drawing/2014/main" id="{92D44A1F-DFE4-4755-801A-EF3664FFF3A6}"/>
               </a:ext>
             </a:extLst>
           </p:cNvPr>
@@ -7534,609 +10874,123 @@
             <p:ph type="title"/>
           </p:nvPr>
         </p:nvSpPr>
-        <p:spPr/>
+        <p:spPr>
+          <a:xfrm>
+            <a:off x="1620252" y="3218803"/>
+            <a:ext cx="8130925" cy="1325563"/>
+          </a:xfrm>
+        </p:spPr>
         <p:txBody>
           <a:bodyPr/>
           <a:lstStyle/>
           <a:p>
             <a:r>
               <a:rPr lang="en-US" dirty="0"/>
-              <a:t>Income- Lifestyle</a:t>
-            </a:r>
-          </a:p>
-        </p:txBody>
-      </p:sp>
-      <p:sp>
-        <p:nvSpPr>
-          <p:cNvPr id="3" name="Text Placeholder 2">
-            <a:extLst>
-              <a:ext uri="{FF2B5EF4-FFF2-40B4-BE49-F238E27FC236}">
-                <a16:creationId xmlns:a16="http://schemas.microsoft.com/office/drawing/2014/main" id="{9591EB7B-6DC3-46BB-842D-C70DC4C61A2D}"/>
-              </a:ext>
-            </a:extLst>
-          </p:cNvPr>
-          <p:cNvSpPr>
-            <a:spLocks noGrp="1"/>
-          </p:cNvSpPr>
-          <p:nvPr>
-            <p:ph type="body" idx="1"/>
-          </p:nvPr>
-        </p:nvSpPr>
-        <p:spPr/>
-        <p:txBody>
-          <a:bodyPr/>
-          <a:lstStyle/>
-          <a:p>
-            <a:endParaRPr lang="en-US"/>
-          </a:p>
-        </p:txBody>
-      </p:sp>
-      <p:sp>
-        <p:nvSpPr>
-          <p:cNvPr id="4" name="Content Placeholder 3">
-            <a:extLst>
-              <a:ext uri="{FF2B5EF4-FFF2-40B4-BE49-F238E27FC236}">
-                <a16:creationId xmlns:a16="http://schemas.microsoft.com/office/drawing/2014/main" id="{977BBD9D-A60A-41A8-B85D-9CE866792DC0}"/>
-              </a:ext>
-            </a:extLst>
-          </p:cNvPr>
-          <p:cNvSpPr>
-            <a:spLocks noGrp="1"/>
-          </p:cNvSpPr>
-          <p:nvPr>
-            <p:ph sz="half" idx="2"/>
-          </p:nvPr>
-        </p:nvSpPr>
-        <p:spPr/>
-        <p:txBody>
-          <a:bodyPr/>
-          <a:lstStyle/>
-          <a:p>
-            <a:endParaRPr lang="en-US"/>
-          </a:p>
-        </p:txBody>
-      </p:sp>
-      <p:sp>
-        <p:nvSpPr>
-          <p:cNvPr id="5" name="Text Placeholder 4">
-            <a:extLst>
-              <a:ext uri="{FF2B5EF4-FFF2-40B4-BE49-F238E27FC236}">
-                <a16:creationId xmlns:a16="http://schemas.microsoft.com/office/drawing/2014/main" id="{8C3EDDA3-53CC-4AA6-8CB2-DE55A15075C4}"/>
-              </a:ext>
-            </a:extLst>
-          </p:cNvPr>
-          <p:cNvSpPr>
-            <a:spLocks noGrp="1"/>
-          </p:cNvSpPr>
-          <p:nvPr>
-            <p:ph type="body" sz="quarter" idx="3"/>
-          </p:nvPr>
-        </p:nvSpPr>
-        <p:spPr/>
-        <p:txBody>
-          <a:bodyPr/>
-          <a:lstStyle/>
-          <a:p>
-            <a:endParaRPr lang="en-US"/>
-          </a:p>
-        </p:txBody>
-      </p:sp>
-      <p:sp>
-        <p:nvSpPr>
-          <p:cNvPr id="6" name="Content Placeholder 5">
-            <a:extLst>
-              <a:ext uri="{FF2B5EF4-FFF2-40B4-BE49-F238E27FC236}">
-                <a16:creationId xmlns:a16="http://schemas.microsoft.com/office/drawing/2014/main" id="{5F70C724-F19E-4052-AF66-9D2B280CC088}"/>
-              </a:ext>
-            </a:extLst>
-          </p:cNvPr>
-          <p:cNvSpPr>
-            <a:spLocks noGrp="1"/>
-          </p:cNvSpPr>
-          <p:nvPr>
-            <p:ph sz="quarter" idx="4"/>
-          </p:nvPr>
-        </p:nvSpPr>
-        <p:spPr/>
-        <p:txBody>
-          <a:bodyPr/>
-          <a:lstStyle/>
-          <a:p>
-            <a:endParaRPr lang="en-US"/>
+              <a:t>THANK YOU!! </a:t>
+            </a:r>
           </a:p>
         </p:txBody>
       </p:sp>
     </p:spTree>
     <p:extLst>
       <p:ext uri="{BB962C8B-B14F-4D97-AF65-F5344CB8AC3E}">
-        <p14:creationId xmlns:p14="http://schemas.microsoft.com/office/powerpoint/2010/main" val="1828303681"/>
+        <p14:creationId xmlns:p14="http://schemas.microsoft.com/office/powerpoint/2010/main" val="2992336594"/>
       </p:ext>
     </p:extLst>
   </p:cSld>
   <p:clrMapOvr>
     <a:masterClrMapping/>
   </p:clrMapOvr>
+  <p:timing>
+    <p:tnLst>
+      <p:par>
+        <p:cTn id="1" dur="indefinite" restart="never" nodeType="tmRoot">
+          <p:childTnLst>
+            <p:seq concurrent="1" nextAc="seek">
+              <p:cTn id="2" dur="indefinite" nodeType="mainSeq">
+                <p:childTnLst>
+                  <p:par>
+                    <p:cTn id="3" fill="hold">
+                      <p:stCondLst>
+                        <p:cond delay="indefinite"/>
+                      </p:stCondLst>
+                      <p:childTnLst>
+                        <p:par>
+                          <p:cTn id="4" fill="hold">
+                            <p:stCondLst>
+                              <p:cond delay="0"/>
+                            </p:stCondLst>
+                            <p:childTnLst>
+                              <p:par>
+                                <p:cTn id="5" presetID="10" presetClass="entr" presetSubtype="0" fill="hold" grpId="0" nodeType="clickEffect">
+                                  <p:stCondLst>
+                                    <p:cond delay="0"/>
+                                  </p:stCondLst>
+                                  <p:childTnLst>
+                                    <p:set>
+                                      <p:cBhvr>
+                                        <p:cTn id="6" dur="1" fill="hold">
+                                          <p:stCondLst>
+                                            <p:cond delay="0"/>
+                                          </p:stCondLst>
+                                        </p:cTn>
+                                        <p:tgtEl>
+                                          <p:spTgt spid="2"/>
+                                        </p:tgtEl>
+                                        <p:attrNameLst>
+                                          <p:attrName>style.visibility</p:attrName>
+                                        </p:attrNameLst>
+                                      </p:cBhvr>
+                                      <p:to>
+                                        <p:strVal val="visible"/>
+                                      </p:to>
+                                    </p:set>
+                                    <p:animEffect transition="in" filter="fade">
+                                      <p:cBhvr>
+                                        <p:cTn id="7" dur="500"/>
+                                        <p:tgtEl>
+                                          <p:spTgt spid="2"/>
+                                        </p:tgtEl>
+                                      </p:cBhvr>
+                                    </p:animEffect>
+                                  </p:childTnLst>
+                                </p:cTn>
+                              </p:par>
+                            </p:childTnLst>
+                          </p:cTn>
+                        </p:par>
+                      </p:childTnLst>
+                    </p:cTn>
+                  </p:par>
+                </p:childTnLst>
+              </p:cTn>
+              <p:prevCondLst>
+                <p:cond evt="onPrev" delay="0">
+                  <p:tgtEl>
+                    <p:sldTgt/>
+                  </p:tgtEl>
+                </p:cond>
+              </p:prevCondLst>
+              <p:nextCondLst>
+                <p:cond evt="onNext" delay="0">
+                  <p:tgtEl>
+                    <p:sldTgt/>
+                  </p:tgtEl>
+                </p:cond>
+              </p:nextCondLst>
+            </p:seq>
+          </p:childTnLst>
+        </p:cTn>
+      </p:par>
+    </p:tnLst>
+    <p:bldLst>
+      <p:bldP spid="2" grpId="0"/>
+    </p:bldLst>
+  </p:timing>
 </p:sld>
 </file>
 
 <file path=ppt/slides/slide16.xml><?xml version="1.0" encoding="utf-8"?>
-<p:sld xmlns:a="http://schemas.openxmlformats.org/drawingml/2006/main" xmlns:r="http://schemas.openxmlformats.org/officeDocument/2006/relationships" xmlns:p="http://schemas.openxmlformats.org/presentationml/2006/main">
-  <p:cSld>
-    <p:spTree>
-      <p:nvGrpSpPr>
-        <p:cNvPr id="1" name=""/>
-        <p:cNvGrpSpPr/>
-        <p:nvPr/>
-      </p:nvGrpSpPr>
-      <p:grpSpPr>
-        <a:xfrm>
-          <a:off x="0" y="0"/>
-          <a:ext cx="0" cy="0"/>
-          <a:chOff x="0" y="0"/>
-          <a:chExt cx="0" cy="0"/>
-        </a:xfrm>
-      </p:grpSpPr>
-      <p:sp>
-        <p:nvSpPr>
-          <p:cNvPr id="2" name="Title 1">
-            <a:extLst>
-              <a:ext uri="{FF2B5EF4-FFF2-40B4-BE49-F238E27FC236}">
-                <a16:creationId xmlns:a16="http://schemas.microsoft.com/office/drawing/2014/main" id="{33C840F5-C548-4EE2-85C8-F45AB329C11E}"/>
-              </a:ext>
-            </a:extLst>
-          </p:cNvPr>
-          <p:cNvSpPr>
-            <a:spLocks noGrp="1"/>
-          </p:cNvSpPr>
-          <p:nvPr>
-            <p:ph type="title"/>
-          </p:nvPr>
-        </p:nvSpPr>
-        <p:spPr/>
-        <p:txBody>
-          <a:bodyPr/>
-          <a:lstStyle/>
-          <a:p>
-            <a:r>
-              <a:rPr lang="en-US" dirty="0"/>
-              <a:t>Income- Socioeconomic</a:t>
-            </a:r>
-          </a:p>
-        </p:txBody>
-      </p:sp>
-      <p:sp>
-        <p:nvSpPr>
-          <p:cNvPr id="3" name="Text Placeholder 2">
-            <a:extLst>
-              <a:ext uri="{FF2B5EF4-FFF2-40B4-BE49-F238E27FC236}">
-                <a16:creationId xmlns:a16="http://schemas.microsoft.com/office/drawing/2014/main" id="{9591EB7B-6DC3-46BB-842D-C70DC4C61A2D}"/>
-              </a:ext>
-            </a:extLst>
-          </p:cNvPr>
-          <p:cNvSpPr>
-            <a:spLocks noGrp="1"/>
-          </p:cNvSpPr>
-          <p:nvPr>
-            <p:ph type="body" idx="1"/>
-          </p:nvPr>
-        </p:nvSpPr>
-        <p:spPr/>
-        <p:txBody>
-          <a:bodyPr/>
-          <a:lstStyle/>
-          <a:p>
-            <a:endParaRPr lang="en-US"/>
-          </a:p>
-        </p:txBody>
-      </p:sp>
-      <p:sp>
-        <p:nvSpPr>
-          <p:cNvPr id="4" name="Content Placeholder 3">
-            <a:extLst>
-              <a:ext uri="{FF2B5EF4-FFF2-40B4-BE49-F238E27FC236}">
-                <a16:creationId xmlns:a16="http://schemas.microsoft.com/office/drawing/2014/main" id="{977BBD9D-A60A-41A8-B85D-9CE866792DC0}"/>
-              </a:ext>
-            </a:extLst>
-          </p:cNvPr>
-          <p:cNvSpPr>
-            <a:spLocks noGrp="1"/>
-          </p:cNvSpPr>
-          <p:nvPr>
-            <p:ph sz="half" idx="2"/>
-          </p:nvPr>
-        </p:nvSpPr>
-        <p:spPr/>
-        <p:txBody>
-          <a:bodyPr/>
-          <a:lstStyle/>
-          <a:p>
-            <a:endParaRPr lang="en-US"/>
-          </a:p>
-        </p:txBody>
-      </p:sp>
-      <p:sp>
-        <p:nvSpPr>
-          <p:cNvPr id="5" name="Text Placeholder 4">
-            <a:extLst>
-              <a:ext uri="{FF2B5EF4-FFF2-40B4-BE49-F238E27FC236}">
-                <a16:creationId xmlns:a16="http://schemas.microsoft.com/office/drawing/2014/main" id="{8C3EDDA3-53CC-4AA6-8CB2-DE55A15075C4}"/>
-              </a:ext>
-            </a:extLst>
-          </p:cNvPr>
-          <p:cNvSpPr>
-            <a:spLocks noGrp="1"/>
-          </p:cNvSpPr>
-          <p:nvPr>
-            <p:ph type="body" sz="quarter" idx="3"/>
-          </p:nvPr>
-        </p:nvSpPr>
-        <p:spPr/>
-        <p:txBody>
-          <a:bodyPr/>
-          <a:lstStyle/>
-          <a:p>
-            <a:endParaRPr lang="en-US"/>
-          </a:p>
-        </p:txBody>
-      </p:sp>
-      <p:sp>
-        <p:nvSpPr>
-          <p:cNvPr id="6" name="Content Placeholder 5">
-            <a:extLst>
-              <a:ext uri="{FF2B5EF4-FFF2-40B4-BE49-F238E27FC236}">
-                <a16:creationId xmlns:a16="http://schemas.microsoft.com/office/drawing/2014/main" id="{5F70C724-F19E-4052-AF66-9D2B280CC088}"/>
-              </a:ext>
-            </a:extLst>
-          </p:cNvPr>
-          <p:cNvSpPr>
-            <a:spLocks noGrp="1"/>
-          </p:cNvSpPr>
-          <p:nvPr>
-            <p:ph sz="quarter" idx="4"/>
-          </p:nvPr>
-        </p:nvSpPr>
-        <p:spPr/>
-        <p:txBody>
-          <a:bodyPr/>
-          <a:lstStyle/>
-          <a:p>
-            <a:endParaRPr lang="en-US"/>
-          </a:p>
-        </p:txBody>
-      </p:sp>
-    </p:spTree>
-    <p:extLst>
-      <p:ext uri="{BB962C8B-B14F-4D97-AF65-F5344CB8AC3E}">
-        <p14:creationId xmlns:p14="http://schemas.microsoft.com/office/powerpoint/2010/main" val="766215350"/>
-      </p:ext>
-    </p:extLst>
-  </p:cSld>
-  <p:clrMapOvr>
-    <a:masterClrMapping/>
-  </p:clrMapOvr>
-</p:sld>
-</file>
-
-<file path=ppt/slides/slide17.xml><?xml version="1.0" encoding="utf-8"?>
-<p:sld xmlns:a="http://schemas.openxmlformats.org/drawingml/2006/main" xmlns:r="http://schemas.openxmlformats.org/officeDocument/2006/relationships" xmlns:p="http://schemas.openxmlformats.org/presentationml/2006/main">
-  <p:cSld>
-    <p:spTree>
-      <p:nvGrpSpPr>
-        <p:cNvPr id="1" name=""/>
-        <p:cNvGrpSpPr/>
-        <p:nvPr/>
-      </p:nvGrpSpPr>
-      <p:grpSpPr>
-        <a:xfrm>
-          <a:off x="0" y="0"/>
-          <a:ext cx="0" cy="0"/>
-          <a:chOff x="0" y="0"/>
-          <a:chExt cx="0" cy="0"/>
-        </a:xfrm>
-      </p:grpSpPr>
-      <p:sp>
-        <p:nvSpPr>
-          <p:cNvPr id="2" name="Title 1">
-            <a:extLst>
-              <a:ext uri="{FF2B5EF4-FFF2-40B4-BE49-F238E27FC236}">
-                <a16:creationId xmlns:a16="http://schemas.microsoft.com/office/drawing/2014/main" id="{33C840F5-C548-4EE2-85C8-F45AB329C11E}"/>
-              </a:ext>
-            </a:extLst>
-          </p:cNvPr>
-          <p:cNvSpPr>
-            <a:spLocks noGrp="1"/>
-          </p:cNvSpPr>
-          <p:nvPr>
-            <p:ph type="title"/>
-          </p:nvPr>
-        </p:nvSpPr>
-        <p:spPr/>
-        <p:txBody>
-          <a:bodyPr/>
-          <a:lstStyle/>
-          <a:p>
-            <a:r>
-              <a:rPr lang="en-US" dirty="0"/>
-              <a:t>Machine Learning </a:t>
-            </a:r>
-          </a:p>
-        </p:txBody>
-      </p:sp>
-      <p:sp>
-        <p:nvSpPr>
-          <p:cNvPr id="3" name="Text Placeholder 2">
-            <a:extLst>
-              <a:ext uri="{FF2B5EF4-FFF2-40B4-BE49-F238E27FC236}">
-                <a16:creationId xmlns:a16="http://schemas.microsoft.com/office/drawing/2014/main" id="{9591EB7B-6DC3-46BB-842D-C70DC4C61A2D}"/>
-              </a:ext>
-            </a:extLst>
-          </p:cNvPr>
-          <p:cNvSpPr>
-            <a:spLocks noGrp="1"/>
-          </p:cNvSpPr>
-          <p:nvPr>
-            <p:ph type="body" idx="1"/>
-          </p:nvPr>
-        </p:nvSpPr>
-        <p:spPr/>
-        <p:txBody>
-          <a:bodyPr/>
-          <a:lstStyle/>
-          <a:p>
-            <a:endParaRPr lang="en-US" dirty="0"/>
-          </a:p>
-        </p:txBody>
-      </p:sp>
-      <p:sp>
-        <p:nvSpPr>
-          <p:cNvPr id="4" name="Content Placeholder 3">
-            <a:extLst>
-              <a:ext uri="{FF2B5EF4-FFF2-40B4-BE49-F238E27FC236}">
-                <a16:creationId xmlns:a16="http://schemas.microsoft.com/office/drawing/2014/main" id="{977BBD9D-A60A-41A8-B85D-9CE866792DC0}"/>
-              </a:ext>
-            </a:extLst>
-          </p:cNvPr>
-          <p:cNvSpPr>
-            <a:spLocks noGrp="1"/>
-          </p:cNvSpPr>
-          <p:nvPr>
-            <p:ph sz="half" idx="2"/>
-          </p:nvPr>
-        </p:nvSpPr>
-        <p:spPr/>
-        <p:txBody>
-          <a:bodyPr/>
-          <a:lstStyle/>
-          <a:p>
-            <a:r>
-              <a:rPr lang="en-US" dirty="0"/>
-              <a:t>Insert Machine Learning Screenshots here</a:t>
-            </a:r>
-          </a:p>
-        </p:txBody>
-      </p:sp>
-      <p:sp>
-        <p:nvSpPr>
-          <p:cNvPr id="5" name="Text Placeholder 4">
-            <a:extLst>
-              <a:ext uri="{FF2B5EF4-FFF2-40B4-BE49-F238E27FC236}">
-                <a16:creationId xmlns:a16="http://schemas.microsoft.com/office/drawing/2014/main" id="{8C3EDDA3-53CC-4AA6-8CB2-DE55A15075C4}"/>
-              </a:ext>
-            </a:extLst>
-          </p:cNvPr>
-          <p:cNvSpPr>
-            <a:spLocks noGrp="1"/>
-          </p:cNvSpPr>
-          <p:nvPr>
-            <p:ph type="body" sz="quarter" idx="3"/>
-          </p:nvPr>
-        </p:nvSpPr>
-        <p:spPr/>
-        <p:txBody>
-          <a:bodyPr/>
-          <a:lstStyle/>
-          <a:p>
-            <a:endParaRPr lang="en-US"/>
-          </a:p>
-        </p:txBody>
-      </p:sp>
-      <p:sp>
-        <p:nvSpPr>
-          <p:cNvPr id="6" name="Content Placeholder 5">
-            <a:extLst>
-              <a:ext uri="{FF2B5EF4-FFF2-40B4-BE49-F238E27FC236}">
-                <a16:creationId xmlns:a16="http://schemas.microsoft.com/office/drawing/2014/main" id="{5F70C724-F19E-4052-AF66-9D2B280CC088}"/>
-              </a:ext>
-            </a:extLst>
-          </p:cNvPr>
-          <p:cNvSpPr>
-            <a:spLocks noGrp="1"/>
-          </p:cNvSpPr>
-          <p:nvPr>
-            <p:ph sz="quarter" idx="4"/>
-          </p:nvPr>
-        </p:nvSpPr>
-        <p:spPr/>
-        <p:txBody>
-          <a:bodyPr/>
-          <a:lstStyle/>
-          <a:p>
-            <a:endParaRPr lang="en-US"/>
-          </a:p>
-        </p:txBody>
-      </p:sp>
-    </p:spTree>
-    <p:extLst>
-      <p:ext uri="{BB962C8B-B14F-4D97-AF65-F5344CB8AC3E}">
-        <p14:creationId xmlns:p14="http://schemas.microsoft.com/office/powerpoint/2010/main" val="2041391532"/>
-      </p:ext>
-    </p:extLst>
-  </p:cSld>
-  <p:clrMapOvr>
-    <a:masterClrMapping/>
-  </p:clrMapOvr>
-</p:sld>
-</file>
-
-<file path=ppt/slides/slide18.xml><?xml version="1.0" encoding="utf-8"?>
-<p:sld xmlns:a="http://schemas.openxmlformats.org/drawingml/2006/main" xmlns:r="http://schemas.openxmlformats.org/officeDocument/2006/relationships" xmlns:p="http://schemas.openxmlformats.org/presentationml/2006/main">
-  <p:cSld>
-    <p:spTree>
-      <p:nvGrpSpPr>
-        <p:cNvPr id="1" name=""/>
-        <p:cNvGrpSpPr/>
-        <p:nvPr/>
-      </p:nvGrpSpPr>
-      <p:grpSpPr>
-        <a:xfrm>
-          <a:off x="0" y="0"/>
-          <a:ext cx="0" cy="0"/>
-          <a:chOff x="0" y="0"/>
-          <a:chExt cx="0" cy="0"/>
-        </a:xfrm>
-      </p:grpSpPr>
-      <p:sp>
-        <p:nvSpPr>
-          <p:cNvPr id="2" name="Title 1">
-            <a:extLst>
-              <a:ext uri="{FF2B5EF4-FFF2-40B4-BE49-F238E27FC236}">
-                <a16:creationId xmlns:a16="http://schemas.microsoft.com/office/drawing/2014/main" id="{33C840F5-C548-4EE2-85C8-F45AB329C11E}"/>
-              </a:ext>
-            </a:extLst>
-          </p:cNvPr>
-          <p:cNvSpPr>
-            <a:spLocks noGrp="1"/>
-          </p:cNvSpPr>
-          <p:nvPr>
-            <p:ph type="title"/>
-          </p:nvPr>
-        </p:nvSpPr>
-        <p:spPr/>
-        <p:txBody>
-          <a:bodyPr/>
-          <a:lstStyle/>
-          <a:p>
-            <a:r>
-              <a:rPr lang="en-US" dirty="0"/>
-              <a:t>Conclusions</a:t>
-            </a:r>
-          </a:p>
-        </p:txBody>
-      </p:sp>
-      <p:sp>
-        <p:nvSpPr>
-          <p:cNvPr id="3" name="Text Placeholder 2">
-            <a:extLst>
-              <a:ext uri="{FF2B5EF4-FFF2-40B4-BE49-F238E27FC236}">
-                <a16:creationId xmlns:a16="http://schemas.microsoft.com/office/drawing/2014/main" id="{9591EB7B-6DC3-46BB-842D-C70DC4C61A2D}"/>
-              </a:ext>
-            </a:extLst>
-          </p:cNvPr>
-          <p:cNvSpPr>
-            <a:spLocks noGrp="1"/>
-          </p:cNvSpPr>
-          <p:nvPr>
-            <p:ph type="body" idx="1"/>
-          </p:nvPr>
-        </p:nvSpPr>
-        <p:spPr/>
-        <p:txBody>
-          <a:bodyPr/>
-          <a:lstStyle/>
-          <a:p>
-            <a:endParaRPr lang="en-US" dirty="0"/>
-          </a:p>
-        </p:txBody>
-      </p:sp>
-      <p:sp>
-        <p:nvSpPr>
-          <p:cNvPr id="4" name="Content Placeholder 3">
-            <a:extLst>
-              <a:ext uri="{FF2B5EF4-FFF2-40B4-BE49-F238E27FC236}">
-                <a16:creationId xmlns:a16="http://schemas.microsoft.com/office/drawing/2014/main" id="{977BBD9D-A60A-41A8-B85D-9CE866792DC0}"/>
-              </a:ext>
-            </a:extLst>
-          </p:cNvPr>
-          <p:cNvSpPr>
-            <a:spLocks noGrp="1"/>
-          </p:cNvSpPr>
-          <p:nvPr>
-            <p:ph sz="half" idx="2"/>
-          </p:nvPr>
-        </p:nvSpPr>
-        <p:spPr/>
-        <p:txBody>
-          <a:bodyPr/>
-          <a:lstStyle/>
-          <a:p>
-            <a:endParaRPr lang="en-US" dirty="0"/>
-          </a:p>
-        </p:txBody>
-      </p:sp>
-      <p:sp>
-        <p:nvSpPr>
-          <p:cNvPr id="5" name="Text Placeholder 4">
-            <a:extLst>
-              <a:ext uri="{FF2B5EF4-FFF2-40B4-BE49-F238E27FC236}">
-                <a16:creationId xmlns:a16="http://schemas.microsoft.com/office/drawing/2014/main" id="{8C3EDDA3-53CC-4AA6-8CB2-DE55A15075C4}"/>
-              </a:ext>
-            </a:extLst>
-          </p:cNvPr>
-          <p:cNvSpPr>
-            <a:spLocks noGrp="1"/>
-          </p:cNvSpPr>
-          <p:nvPr>
-            <p:ph type="body" sz="quarter" idx="3"/>
-          </p:nvPr>
-        </p:nvSpPr>
-        <p:spPr/>
-        <p:txBody>
-          <a:bodyPr/>
-          <a:lstStyle/>
-          <a:p>
-            <a:endParaRPr lang="en-US"/>
-          </a:p>
-        </p:txBody>
-      </p:sp>
-      <p:sp>
-        <p:nvSpPr>
-          <p:cNvPr id="6" name="Content Placeholder 5">
-            <a:extLst>
-              <a:ext uri="{FF2B5EF4-FFF2-40B4-BE49-F238E27FC236}">
-                <a16:creationId xmlns:a16="http://schemas.microsoft.com/office/drawing/2014/main" id="{5F70C724-F19E-4052-AF66-9D2B280CC088}"/>
-              </a:ext>
-            </a:extLst>
-          </p:cNvPr>
-          <p:cNvSpPr>
-            <a:spLocks noGrp="1"/>
-          </p:cNvSpPr>
-          <p:nvPr>
-            <p:ph sz="quarter" idx="4"/>
-          </p:nvPr>
-        </p:nvSpPr>
-        <p:spPr/>
-        <p:txBody>
-          <a:bodyPr/>
-          <a:lstStyle/>
-          <a:p>
-            <a:endParaRPr lang="en-US"/>
-          </a:p>
-        </p:txBody>
-      </p:sp>
-    </p:spTree>
-    <p:extLst>
-      <p:ext uri="{BB962C8B-B14F-4D97-AF65-F5344CB8AC3E}">
-        <p14:creationId xmlns:p14="http://schemas.microsoft.com/office/powerpoint/2010/main" val="1723896986"/>
-      </p:ext>
-    </p:extLst>
-  </p:cSld>
-  <p:clrMapOvr>
-    <a:masterClrMapping/>
-  </p:clrMapOvr>
-</p:sld>
-</file>
-
-<file path=ppt/slides/slide19.xml><?xml version="1.0" encoding="utf-8"?>
 <p:sld xmlns:a="http://schemas.openxmlformats.org/drawingml/2006/main" xmlns:r="http://schemas.openxmlformats.org/officeDocument/2006/relationships" xmlns:p="http://schemas.openxmlformats.org/presentationml/2006/main" show="0">
   <p:cSld>
     <p:spTree>
@@ -8633,6 +11487,792 @@
     <p:extLst>
       <p:ext uri="{BB962C8B-B14F-4D97-AF65-F5344CB8AC3E}">
         <p14:creationId xmlns:p14="http://schemas.microsoft.com/office/powerpoint/2010/main" val="1523395008"/>
+      </p:ext>
+    </p:extLst>
+  </p:cSld>
+  <p:clrMapOvr>
+    <a:masterClrMapping/>
+  </p:clrMapOvr>
+</p:sld>
+</file>
+
+<file path=ppt/slides/slide17.xml><?xml version="1.0" encoding="utf-8"?>
+<p:sld xmlns:a="http://schemas.openxmlformats.org/drawingml/2006/main" xmlns:r="http://schemas.openxmlformats.org/officeDocument/2006/relationships" xmlns:p="http://schemas.openxmlformats.org/presentationml/2006/main" show="0">
+  <p:cSld>
+    <p:spTree>
+      <p:nvGrpSpPr>
+        <p:cNvPr id="1" name=""/>
+        <p:cNvGrpSpPr/>
+        <p:nvPr/>
+      </p:nvGrpSpPr>
+      <p:grpSpPr>
+        <a:xfrm>
+          <a:off x="0" y="0"/>
+          <a:ext cx="0" cy="0"/>
+          <a:chOff x="0" y="0"/>
+          <a:chExt cx="0" cy="0"/>
+        </a:xfrm>
+      </p:grpSpPr>
+      <p:sp>
+        <p:nvSpPr>
+          <p:cNvPr id="2" name="Title 1">
+            <a:extLst>
+              <a:ext uri="{FF2B5EF4-FFF2-40B4-BE49-F238E27FC236}">
+                <a16:creationId xmlns:a16="http://schemas.microsoft.com/office/drawing/2014/main" id="{D78C9758-E898-4D5D-9913-304DD15A8838}"/>
+              </a:ext>
+            </a:extLst>
+          </p:cNvPr>
+          <p:cNvSpPr>
+            <a:spLocks noGrp="1"/>
+          </p:cNvSpPr>
+          <p:nvPr>
+            <p:ph type="title"/>
+          </p:nvPr>
+        </p:nvSpPr>
+        <p:spPr/>
+        <p:txBody>
+          <a:bodyPr/>
+          <a:lstStyle/>
+          <a:p>
+            <a:endParaRPr lang="en-US"/>
+          </a:p>
+        </p:txBody>
+      </p:sp>
+      <p:sp>
+        <p:nvSpPr>
+          <p:cNvPr id="3" name="Text Placeholder 2">
+            <a:extLst>
+              <a:ext uri="{FF2B5EF4-FFF2-40B4-BE49-F238E27FC236}">
+                <a16:creationId xmlns:a16="http://schemas.microsoft.com/office/drawing/2014/main" id="{7A091F4E-BF35-4F67-BD20-7370186F1F3C}"/>
+              </a:ext>
+            </a:extLst>
+          </p:cNvPr>
+          <p:cNvSpPr>
+            <a:spLocks noGrp="1"/>
+          </p:cNvSpPr>
+          <p:nvPr>
+            <p:ph type="body" idx="1"/>
+          </p:nvPr>
+        </p:nvSpPr>
+        <p:spPr/>
+        <p:txBody>
+          <a:bodyPr/>
+          <a:lstStyle/>
+          <a:p>
+            <a:r>
+              <a:rPr lang="en-US" dirty="0">
+                <a:solidFill>
+                  <a:schemeClr val="accent6"/>
+                </a:solidFill>
+              </a:rPr>
+              <a:t>Database</a:t>
+            </a:r>
+          </a:p>
+        </p:txBody>
+      </p:sp>
+      <p:sp>
+        <p:nvSpPr>
+          <p:cNvPr id="4" name="Content Placeholder 3">
+            <a:extLst>
+              <a:ext uri="{FF2B5EF4-FFF2-40B4-BE49-F238E27FC236}">
+                <a16:creationId xmlns:a16="http://schemas.microsoft.com/office/drawing/2014/main" id="{ECDC6B6F-AF12-4815-9561-555A9C5225B3}"/>
+              </a:ext>
+            </a:extLst>
+          </p:cNvPr>
+          <p:cNvSpPr>
+            <a:spLocks noGrp="1"/>
+          </p:cNvSpPr>
+          <p:nvPr>
+            <p:ph sz="half" idx="2"/>
+          </p:nvPr>
+        </p:nvSpPr>
+        <p:spPr/>
+        <p:txBody>
+          <a:bodyPr>
+            <a:normAutofit fontScale="85000" lnSpcReduction="20000"/>
+          </a:bodyPr>
+          <a:lstStyle/>
+          <a:p>
+            <a:pPr algn="l"/>
+            <a:r>
+              <a:rPr lang="en-US" sz="1800" b="0" i="0" u="none" strike="noStrike" baseline="0" dirty="0">
+                <a:latin typeface="MS-PGothic"/>
+              </a:rPr>
+              <a:t>✓ </a:t>
+            </a:r>
+            <a:r>
+              <a:rPr lang="en-US" sz="1800" b="0" i="0" u="none" strike="noStrike" baseline="0" dirty="0">
+                <a:latin typeface="ArialMT"/>
+              </a:rPr>
+              <a:t>Database stores static data for use during the project</a:t>
+            </a:r>
+          </a:p>
+          <a:p>
+            <a:pPr algn="l"/>
+            <a:r>
+              <a:rPr lang="en-US" sz="1800" b="0" i="0" u="none" strike="noStrike" baseline="0" dirty="0">
+                <a:latin typeface="MS-PGothic"/>
+              </a:rPr>
+              <a:t>✓ </a:t>
+            </a:r>
+            <a:r>
+              <a:rPr lang="en-US" sz="1800" b="0" i="0" u="none" strike="noStrike" baseline="0" dirty="0">
+                <a:latin typeface="ArialMT"/>
+              </a:rPr>
+              <a:t>Database interfaces with the project in some format (e.g., scraping updates</a:t>
+            </a:r>
+          </a:p>
+          <a:p>
+            <a:pPr algn="l"/>
+            <a:r>
+              <a:rPr lang="en-US" sz="1800" b="0" i="0" u="none" strike="noStrike" baseline="0" dirty="0">
+                <a:latin typeface="ArialMT"/>
+              </a:rPr>
+              <a:t>the database, or database connects to the model)</a:t>
+            </a:r>
+          </a:p>
+          <a:p>
+            <a:pPr algn="l"/>
+            <a:r>
+              <a:rPr lang="en-US" sz="1800" b="0" i="0" u="none" strike="noStrike" baseline="0" dirty="0">
+                <a:latin typeface="MS-PGothic"/>
+              </a:rPr>
+              <a:t>✓ </a:t>
+            </a:r>
+            <a:r>
+              <a:rPr lang="en-US" sz="1800" b="0" i="0" u="none" strike="noStrike" baseline="0" dirty="0">
+                <a:latin typeface="ArialMT"/>
+              </a:rPr>
+              <a:t>Includes at least two tables (or collections, if using MongoDB)</a:t>
+            </a:r>
+          </a:p>
+          <a:p>
+            <a:pPr algn="l"/>
+            <a:r>
+              <a:rPr lang="en-US" sz="1800" b="0" i="0" u="none" strike="noStrike" baseline="0" dirty="0">
+                <a:latin typeface="MS-PGothic"/>
+              </a:rPr>
+              <a:t>✓ </a:t>
+            </a:r>
+            <a:r>
+              <a:rPr lang="en-US" sz="1800" b="0" i="0" u="none" strike="noStrike" baseline="0" dirty="0">
+                <a:latin typeface="ArialMT"/>
+              </a:rPr>
+              <a:t>Includes at least one join using the database language (not including any</a:t>
+            </a:r>
+          </a:p>
+          <a:p>
+            <a:pPr algn="l"/>
+            <a:r>
+              <a:rPr lang="en-US" sz="1800" b="0" i="0" u="none" strike="noStrike" baseline="0" dirty="0">
+                <a:latin typeface="ArialMT"/>
+              </a:rPr>
+              <a:t>joins in Pandas)</a:t>
+            </a:r>
+          </a:p>
+          <a:p>
+            <a:pPr algn="l"/>
+            <a:r>
+              <a:rPr lang="en-US" sz="1800" b="0" i="0" u="none" strike="noStrike" baseline="0" dirty="0">
+                <a:latin typeface="MS-PGothic"/>
+              </a:rPr>
+              <a:t>✓ </a:t>
+            </a:r>
+            <a:r>
+              <a:rPr lang="en-US" sz="1800" b="0" i="0" u="none" strike="noStrike" baseline="0" dirty="0">
+                <a:latin typeface="ArialMT"/>
+              </a:rPr>
+              <a:t>Includes at least one connection string (using </a:t>
+            </a:r>
+            <a:r>
+              <a:rPr lang="en-US" sz="1800" b="0" i="0" u="none" strike="noStrike" baseline="0" dirty="0" err="1">
+                <a:latin typeface="ArialMT"/>
+              </a:rPr>
+              <a:t>SQLAlchemy</a:t>
+            </a:r>
+            <a:r>
+              <a:rPr lang="en-US" sz="1800" b="0" i="0" u="none" strike="noStrike" baseline="0" dirty="0">
+                <a:latin typeface="ArialMT"/>
+              </a:rPr>
+              <a:t> or </a:t>
+            </a:r>
+            <a:r>
+              <a:rPr lang="en-US" sz="1800" b="0" i="0" u="none" strike="noStrike" baseline="0" dirty="0" err="1">
+                <a:latin typeface="ArialMT"/>
+              </a:rPr>
+              <a:t>PyMongo</a:t>
+            </a:r>
+            <a:r>
+              <a:rPr lang="en-US" sz="1800" b="0" i="0" u="none" strike="noStrike" baseline="0" dirty="0">
+                <a:latin typeface="ArialMT"/>
+              </a:rPr>
+              <a:t>)</a:t>
+            </a:r>
+          </a:p>
+          <a:p>
+            <a:pPr algn="l"/>
+            <a:r>
+              <a:rPr lang="en-US" sz="1800" b="0" i="0" u="none" strike="noStrike" baseline="0" dirty="0">
+                <a:latin typeface="ArialMT"/>
+              </a:rPr>
+              <a:t>Note: If you use a SQL database, you must provide your ERD with</a:t>
+            </a:r>
+          </a:p>
+          <a:p>
+            <a:pPr algn="l"/>
+            <a:r>
+              <a:rPr lang="en-US" sz="1800" b="0" i="0" u="none" strike="noStrike" baseline="0" dirty="0">
+                <a:latin typeface="ArialMT"/>
+              </a:rPr>
+              <a:t>relationships.</a:t>
+            </a:r>
+            <a:endParaRPr lang="en-US" dirty="0"/>
+          </a:p>
+        </p:txBody>
+      </p:sp>
+      <p:sp>
+        <p:nvSpPr>
+          <p:cNvPr id="5" name="Text Placeholder 4">
+            <a:extLst>
+              <a:ext uri="{FF2B5EF4-FFF2-40B4-BE49-F238E27FC236}">
+                <a16:creationId xmlns:a16="http://schemas.microsoft.com/office/drawing/2014/main" id="{0C90AC73-6AA0-431C-8A9A-35CC20E47AEB}"/>
+              </a:ext>
+            </a:extLst>
+          </p:cNvPr>
+          <p:cNvSpPr>
+            <a:spLocks noGrp="1"/>
+          </p:cNvSpPr>
+          <p:nvPr>
+            <p:ph type="body" sz="quarter" idx="3"/>
+          </p:nvPr>
+        </p:nvSpPr>
+        <p:spPr/>
+        <p:txBody>
+          <a:bodyPr/>
+          <a:lstStyle/>
+          <a:p>
+            <a:r>
+              <a:rPr lang="en-US" dirty="0">
+                <a:solidFill>
+                  <a:schemeClr val="accent6"/>
+                </a:solidFill>
+              </a:rPr>
+              <a:t>Dashboard</a:t>
+            </a:r>
+          </a:p>
+        </p:txBody>
+      </p:sp>
+      <p:sp>
+        <p:nvSpPr>
+          <p:cNvPr id="6" name="Content Placeholder 5">
+            <a:extLst>
+              <a:ext uri="{FF2B5EF4-FFF2-40B4-BE49-F238E27FC236}">
+                <a16:creationId xmlns:a16="http://schemas.microsoft.com/office/drawing/2014/main" id="{37E687F7-E61C-411B-9A88-525063F0FF33}"/>
+              </a:ext>
+            </a:extLst>
+          </p:cNvPr>
+          <p:cNvSpPr>
+            <a:spLocks noGrp="1"/>
+          </p:cNvSpPr>
+          <p:nvPr>
+            <p:ph sz="quarter" idx="4"/>
+          </p:nvPr>
+        </p:nvSpPr>
+        <p:spPr/>
+        <p:txBody>
+          <a:bodyPr>
+            <a:normAutofit fontScale="85000" lnSpcReduction="20000"/>
+          </a:bodyPr>
+          <a:lstStyle/>
+          <a:p>
+            <a:pPr algn="l"/>
+            <a:r>
+              <a:rPr lang="en-US" sz="1800" b="0" i="0" u="none" strike="noStrike" baseline="0" dirty="0">
+                <a:latin typeface="ArialMT"/>
+              </a:rPr>
+              <a:t>The dashboard presents a data story that is logical and easy to follow for</a:t>
+            </a:r>
+          </a:p>
+          <a:p>
+            <a:pPr algn="l"/>
+            <a:r>
+              <a:rPr lang="en-US" sz="1800" b="0" i="0" u="none" strike="noStrike" baseline="0" dirty="0">
+                <a:latin typeface="ArialMT"/>
+              </a:rPr>
+              <a:t>someone unfamiliar with the topic. It includes all of the following:</a:t>
+            </a:r>
+          </a:p>
+          <a:p>
+            <a:pPr algn="l"/>
+            <a:r>
+              <a:rPr lang="en-US" sz="1800" b="0" i="0" u="none" strike="noStrike" baseline="0" dirty="0">
+                <a:latin typeface="MS-PGothic"/>
+              </a:rPr>
+              <a:t>✓ </a:t>
+            </a:r>
+            <a:r>
+              <a:rPr lang="en-US" sz="1800" b="0" i="0" u="none" strike="noStrike" baseline="0" dirty="0">
+                <a:latin typeface="ArialMT"/>
+              </a:rPr>
+              <a:t>Images from the initial analysis</a:t>
+            </a:r>
+          </a:p>
+          <a:p>
+            <a:pPr algn="l"/>
+            <a:r>
+              <a:rPr lang="en-US" sz="1800" b="0" i="0" u="none" strike="noStrike" baseline="0" dirty="0">
+                <a:latin typeface="MS-PGothic"/>
+              </a:rPr>
+              <a:t>✓ </a:t>
+            </a:r>
+            <a:r>
+              <a:rPr lang="en-US" sz="1800" b="0" i="0" u="none" strike="noStrike" baseline="0" dirty="0">
+                <a:latin typeface="ArialMT"/>
+              </a:rPr>
+              <a:t>Data (images or report) from the machine learning task</a:t>
+            </a:r>
+          </a:p>
+          <a:p>
+            <a:pPr algn="l"/>
+            <a:r>
+              <a:rPr lang="en-US" sz="1800" b="0" i="0" u="none" strike="noStrike" baseline="0" dirty="0">
+                <a:latin typeface="MS-PGothic"/>
+              </a:rPr>
+              <a:t>✓ </a:t>
+            </a:r>
+            <a:r>
+              <a:rPr lang="en-US" sz="1800" b="0" i="0" u="none" strike="noStrike" baseline="0" dirty="0">
+                <a:latin typeface="ArialMT"/>
+              </a:rPr>
+              <a:t>At least one interactive element</a:t>
+            </a:r>
+          </a:p>
+          <a:p>
+            <a:pPr algn="l"/>
+            <a:r>
+              <a:rPr lang="en-US" sz="1800" b="0" i="0" u="none" strike="noStrike" baseline="0" dirty="0">
+                <a:latin typeface="ArialMT"/>
+              </a:rPr>
+              <a:t>Either the dashboard is published or the submission includes a screen capture</a:t>
+            </a:r>
+          </a:p>
+          <a:p>
+            <a:pPr algn="l"/>
+            <a:r>
+              <a:rPr lang="en-US" sz="1800" b="0" i="0" u="none" strike="noStrike" baseline="0" dirty="0">
+                <a:latin typeface="ArialMT"/>
+              </a:rPr>
+              <a:t>video of it in action.</a:t>
+            </a:r>
+            <a:endParaRPr lang="en-US" dirty="0"/>
+          </a:p>
+        </p:txBody>
+      </p:sp>
+    </p:spTree>
+    <p:extLst>
+      <p:ext uri="{BB962C8B-B14F-4D97-AF65-F5344CB8AC3E}">
+        <p14:creationId xmlns:p14="http://schemas.microsoft.com/office/powerpoint/2010/main" val="3786804571"/>
+      </p:ext>
+    </p:extLst>
+  </p:cSld>
+  <p:clrMapOvr>
+    <a:masterClrMapping/>
+  </p:clrMapOvr>
+</p:sld>
+</file>
+
+<file path=ppt/slides/slide18.xml><?xml version="1.0" encoding="utf-8"?>
+<p:sld xmlns:a="http://schemas.openxmlformats.org/drawingml/2006/main" xmlns:r="http://schemas.openxmlformats.org/officeDocument/2006/relationships" xmlns:p="http://schemas.openxmlformats.org/presentationml/2006/main" show="0">
+  <p:cSld>
+    <p:spTree>
+      <p:nvGrpSpPr>
+        <p:cNvPr id="1" name=""/>
+        <p:cNvGrpSpPr/>
+        <p:nvPr/>
+      </p:nvGrpSpPr>
+      <p:grpSpPr>
+        <a:xfrm>
+          <a:off x="0" y="0"/>
+          <a:ext cx="0" cy="0"/>
+          <a:chOff x="0" y="0"/>
+          <a:chExt cx="0" cy="0"/>
+        </a:xfrm>
+      </p:grpSpPr>
+      <p:sp>
+        <p:nvSpPr>
+          <p:cNvPr id="5" name="Text Placeholder 4">
+            <a:extLst>
+              <a:ext uri="{FF2B5EF4-FFF2-40B4-BE49-F238E27FC236}">
+                <a16:creationId xmlns:a16="http://schemas.microsoft.com/office/drawing/2014/main" id="{335D86B9-E3CD-4DA9-A936-E1B7573A615F}"/>
+              </a:ext>
+            </a:extLst>
+          </p:cNvPr>
+          <p:cNvSpPr>
+            <a:spLocks noGrp="1"/>
+          </p:cNvSpPr>
+          <p:nvPr>
+            <p:ph type="body" idx="1"/>
+          </p:nvPr>
+        </p:nvSpPr>
+        <p:spPr>
+          <a:xfrm>
+            <a:off x="1120000" y="381753"/>
+            <a:ext cx="5025216" cy="823912"/>
+          </a:xfrm>
+        </p:spPr>
+        <p:txBody>
+          <a:bodyPr/>
+          <a:lstStyle/>
+          <a:p>
+            <a:r>
+              <a:rPr lang="en-US" dirty="0">
+                <a:solidFill>
+                  <a:schemeClr val="accent6"/>
+                </a:solidFill>
+              </a:rPr>
+              <a:t>GitHub</a:t>
+            </a:r>
+          </a:p>
+        </p:txBody>
+      </p:sp>
+      <p:sp>
+        <p:nvSpPr>
+          <p:cNvPr id="3" name="Content Placeholder 2">
+            <a:extLst>
+              <a:ext uri="{FF2B5EF4-FFF2-40B4-BE49-F238E27FC236}">
+                <a16:creationId xmlns:a16="http://schemas.microsoft.com/office/drawing/2014/main" id="{2398AAF7-B5CD-4EB9-80F5-414C0E2B84C5}"/>
+              </a:ext>
+            </a:extLst>
+          </p:cNvPr>
+          <p:cNvSpPr>
+            <a:spLocks noGrp="1"/>
+          </p:cNvSpPr>
+          <p:nvPr>
+            <p:ph sz="half" idx="2"/>
+          </p:nvPr>
+        </p:nvSpPr>
+        <p:spPr>
+          <a:xfrm>
+            <a:off x="1120000" y="1208172"/>
+            <a:ext cx="5025216" cy="4973470"/>
+          </a:xfrm>
+        </p:spPr>
+        <p:txBody>
+          <a:bodyPr>
+            <a:normAutofit fontScale="47500" lnSpcReduction="20000"/>
+          </a:bodyPr>
+          <a:lstStyle/>
+          <a:p>
+            <a:pPr algn="l"/>
+            <a:r>
+              <a:rPr lang="en-US" sz="1800" b="0" i="0" u="none" strike="noStrike" baseline="0" dirty="0">
+                <a:latin typeface="ArialMT"/>
+              </a:rPr>
+              <a:t>Main Branch</a:t>
+            </a:r>
+          </a:p>
+          <a:p>
+            <a:pPr algn="l"/>
+            <a:r>
+              <a:rPr lang="en-US" sz="1800" b="0" i="0" u="none" strike="noStrike" baseline="0" dirty="0">
+                <a:latin typeface="ArialMT"/>
+              </a:rPr>
+              <a:t>All code in the main branch is production-ready.</a:t>
+            </a:r>
+          </a:p>
+          <a:p>
+            <a:pPr algn="l"/>
+            <a:r>
+              <a:rPr lang="en-US" sz="1800" b="0" i="0" u="none" strike="noStrike" baseline="0" dirty="0">
+                <a:latin typeface="ArialMT"/>
+              </a:rPr>
+              <a:t>All code is clean, commented, easy to read, and adheres to a coding standard</a:t>
+            </a:r>
+          </a:p>
+          <a:p>
+            <a:pPr algn="l"/>
+            <a:r>
+              <a:rPr lang="en-US" sz="1800" b="0" i="0" u="none" strike="noStrike" baseline="0" dirty="0">
+                <a:latin typeface="ArialMT"/>
+              </a:rPr>
+              <a:t>(e.g., PEP8)</a:t>
+            </a:r>
+          </a:p>
+          <a:p>
+            <a:pPr algn="l"/>
+            <a:r>
+              <a:rPr lang="en-US" sz="1800" b="0" i="0" u="none" strike="noStrike" baseline="0" dirty="0">
+                <a:latin typeface="ArialMT"/>
+              </a:rPr>
+              <a:t>Main branch should include:</a:t>
+            </a:r>
+          </a:p>
+          <a:p>
+            <a:pPr algn="l"/>
+            <a:r>
+              <a:rPr lang="en-US" sz="1800" b="0" i="0" u="none" strike="noStrike" baseline="0" dirty="0">
+                <a:latin typeface="MS-PGothic"/>
+              </a:rPr>
+              <a:t>✓ </a:t>
+            </a:r>
+            <a:r>
+              <a:rPr lang="en-US" sz="1800" b="0" i="0" u="none" strike="noStrike" baseline="0" dirty="0">
+                <a:latin typeface="ArialMT"/>
+              </a:rPr>
+              <a:t>All code necessary to perform exploratory analysis</a:t>
+            </a:r>
+          </a:p>
+          <a:p>
+            <a:pPr algn="l"/>
+            <a:r>
+              <a:rPr lang="en-US" sz="1800" b="0" i="0" u="none" strike="noStrike" baseline="0" dirty="0">
+                <a:latin typeface="MS-PGothic"/>
+              </a:rPr>
+              <a:t>✓ </a:t>
+            </a:r>
+            <a:r>
+              <a:rPr lang="en-US" sz="1800" b="0" i="0" u="none" strike="noStrike" baseline="0" dirty="0">
+                <a:latin typeface="ArialMT"/>
+              </a:rPr>
+              <a:t>All code necessary to complete machine learning portion of project</a:t>
+            </a:r>
+          </a:p>
+          <a:p>
+            <a:pPr algn="l"/>
+            <a:r>
+              <a:rPr lang="en-US" sz="1800" b="0" i="0" u="none" strike="noStrike" baseline="0" dirty="0">
+                <a:latin typeface="MS-PGothic"/>
+              </a:rPr>
+              <a:t>✓ </a:t>
+            </a:r>
+            <a:r>
+              <a:rPr lang="en-US" sz="1800" b="0" i="0" u="none" strike="noStrike" baseline="0" dirty="0">
+                <a:latin typeface="ArialMT"/>
+              </a:rPr>
+              <a:t>Any images that have been created (at least three)</a:t>
+            </a:r>
+          </a:p>
+          <a:p>
+            <a:pPr algn="l"/>
+            <a:r>
+              <a:rPr lang="en-US" sz="1800" b="0" i="0" u="none" strike="noStrike" baseline="0" dirty="0">
+                <a:latin typeface="MS-PGothic"/>
+              </a:rPr>
+              <a:t>✓ </a:t>
+            </a:r>
+            <a:r>
+              <a:rPr lang="en-US" sz="1800" b="0" i="0" u="none" strike="noStrike" baseline="0" dirty="0">
+                <a:latin typeface="ArialMT"/>
+              </a:rPr>
+              <a:t>Requirements.txt file</a:t>
+            </a:r>
+          </a:p>
+          <a:p>
+            <a:pPr algn="l"/>
+            <a:r>
+              <a:rPr lang="en-US" sz="1800" b="0" i="0" u="none" strike="noStrike" baseline="0" dirty="0">
+                <a:latin typeface="ArialMT"/>
+              </a:rPr>
+              <a:t>README.md</a:t>
+            </a:r>
+          </a:p>
+          <a:p>
+            <a:pPr algn="l"/>
+            <a:r>
+              <a:rPr lang="en-US" sz="1800" b="0" i="0" u="none" strike="noStrike" baseline="0" dirty="0">
+                <a:latin typeface="ArialMT"/>
+              </a:rPr>
+              <a:t>README.md must include:</a:t>
+            </a:r>
+          </a:p>
+          <a:p>
+            <a:pPr algn="l"/>
+            <a:r>
+              <a:rPr lang="en-US" sz="1800" b="0" i="0" u="none" strike="noStrike" baseline="0" dirty="0">
+                <a:latin typeface="MS-PGothic"/>
+              </a:rPr>
+              <a:t>✓ </a:t>
+            </a:r>
+            <a:r>
+              <a:rPr lang="en-US" sz="1800" b="0" i="0" u="none" strike="noStrike" baseline="0" dirty="0">
+                <a:latin typeface="ArialMT"/>
+              </a:rPr>
+              <a:t>Cohesive, structured outline of the project (this may include images, but</a:t>
+            </a:r>
+          </a:p>
+          <a:p>
+            <a:pPr algn="l"/>
+            <a:r>
+              <a:rPr lang="en-US" sz="1800" b="0" i="0" u="none" strike="noStrike" baseline="0" dirty="0">
+                <a:latin typeface="ArialMT"/>
+              </a:rPr>
+              <a:t>should be easy to follow and digest)</a:t>
+            </a:r>
+          </a:p>
+          <a:p>
+            <a:pPr algn="l"/>
+            <a:r>
+              <a:rPr lang="en-US" sz="1800" b="0" i="0" u="none" strike="noStrike" baseline="0" dirty="0">
+                <a:latin typeface="MS-PGothic"/>
+              </a:rPr>
+              <a:t>✓ </a:t>
+            </a:r>
+            <a:r>
+              <a:rPr lang="en-US" sz="1800" b="0" i="0" u="none" strike="noStrike" baseline="0" dirty="0">
+                <a:latin typeface="ArialMT"/>
+              </a:rPr>
+              <a:t>Link to dashboard (or link to video of dashboard demo)</a:t>
+            </a:r>
+          </a:p>
+          <a:p>
+            <a:pPr algn="l"/>
+            <a:r>
+              <a:rPr lang="en-US" sz="1800" b="0" i="0" u="none" strike="noStrike" baseline="0" dirty="0">
+                <a:latin typeface="MS-PGothic"/>
+              </a:rPr>
+              <a:t>✓ </a:t>
+            </a:r>
+            <a:r>
+              <a:rPr lang="en-US" sz="1800" b="0" i="0" u="none" strike="noStrike" baseline="0" dirty="0">
+                <a:latin typeface="ArialMT"/>
+              </a:rPr>
+              <a:t>Link to Google Slides presentation</a:t>
+            </a:r>
+          </a:p>
+          <a:p>
+            <a:pPr algn="l"/>
+            <a:r>
+              <a:rPr lang="en-US" sz="1800" b="0" i="0" u="none" strike="noStrike" baseline="0" dirty="0">
+                <a:latin typeface="ArialMT"/>
+              </a:rPr>
+              <a:t>Note: The descriptions and explanations required in all other project</a:t>
+            </a:r>
+          </a:p>
+          <a:p>
+            <a:pPr algn="l"/>
+            <a:r>
+              <a:rPr lang="en-US" sz="1800" b="0" i="0" u="none" strike="noStrike" baseline="0" dirty="0">
+                <a:latin typeface="ArialMT"/>
+              </a:rPr>
+              <a:t>deliverables should also be in your README.md as part of your outline, unless</a:t>
+            </a:r>
+          </a:p>
+          <a:p>
+            <a:pPr algn="l"/>
+            <a:r>
+              <a:rPr lang="en-US" sz="1800" b="0" i="0" u="none" strike="noStrike" baseline="0" dirty="0">
+                <a:latin typeface="ArialMT"/>
+              </a:rPr>
+              <a:t>otherwise noted.</a:t>
+            </a:r>
+          </a:p>
+          <a:p>
+            <a:pPr algn="l"/>
+            <a:r>
+              <a:rPr lang="en-US" sz="1800" b="0" i="0" u="none" strike="noStrike" baseline="0" dirty="0">
+                <a:latin typeface="ArialMT"/>
+              </a:rPr>
+              <a:t>Individual Branches</a:t>
+            </a:r>
+          </a:p>
+          <a:p>
+            <a:pPr algn="l"/>
+            <a:r>
+              <a:rPr lang="en-US" sz="1800" b="0" i="0" u="none" strike="noStrike" baseline="0" dirty="0">
+                <a:latin typeface="MS-PGothic"/>
+              </a:rPr>
+              <a:t>✓ </a:t>
+            </a:r>
+            <a:r>
+              <a:rPr lang="en-US" sz="1800" b="0" i="0" u="none" strike="noStrike" baseline="0" dirty="0">
+                <a:latin typeface="ArialMT"/>
+              </a:rPr>
+              <a:t>At least one branch for each team member</a:t>
+            </a:r>
+          </a:p>
+          <a:p>
+            <a:pPr algn="l"/>
+            <a:r>
+              <a:rPr lang="en-US" sz="1800" b="0" i="0" u="none" strike="noStrike" baseline="0" dirty="0">
+                <a:latin typeface="MS-PGothic"/>
+              </a:rPr>
+              <a:t>✓ </a:t>
+            </a:r>
+            <a:r>
+              <a:rPr lang="en-US" sz="1800" b="0" i="0" u="none" strike="noStrike" baseline="0" dirty="0">
+                <a:latin typeface="ArialMT"/>
+              </a:rPr>
+              <a:t>Each team member has at least four commits for the duration of the final</a:t>
+            </a:r>
+          </a:p>
+          <a:p>
+            <a:pPr algn="l"/>
+            <a:r>
+              <a:rPr lang="en-US" sz="1800" b="0" i="0" u="none" strike="noStrike" baseline="0" dirty="0">
+                <a:latin typeface="ArialMT"/>
+              </a:rPr>
+              <a:t>segment (16 total commits per person)</a:t>
+            </a:r>
+            <a:endParaRPr lang="en-US" dirty="0"/>
+          </a:p>
+        </p:txBody>
+      </p:sp>
+      <p:sp>
+        <p:nvSpPr>
+          <p:cNvPr id="6" name="Text Placeholder 5">
+            <a:extLst>
+              <a:ext uri="{FF2B5EF4-FFF2-40B4-BE49-F238E27FC236}">
+                <a16:creationId xmlns:a16="http://schemas.microsoft.com/office/drawing/2014/main" id="{7ABBFA3D-73D6-4FC3-BADB-2D2BB2AB66E4}"/>
+              </a:ext>
+            </a:extLst>
+          </p:cNvPr>
+          <p:cNvSpPr>
+            <a:spLocks noGrp="1"/>
+          </p:cNvSpPr>
+          <p:nvPr>
+            <p:ph type="body" sz="quarter" idx="3"/>
+          </p:nvPr>
+        </p:nvSpPr>
+        <p:spPr/>
+        <p:txBody>
+          <a:bodyPr/>
+          <a:lstStyle/>
+          <a:p>
+            <a:endParaRPr lang="en-US"/>
+          </a:p>
+        </p:txBody>
+      </p:sp>
+      <p:sp>
+        <p:nvSpPr>
+          <p:cNvPr id="7" name="Content Placeholder 6">
+            <a:extLst>
+              <a:ext uri="{FF2B5EF4-FFF2-40B4-BE49-F238E27FC236}">
+                <a16:creationId xmlns:a16="http://schemas.microsoft.com/office/drawing/2014/main" id="{37984DB5-E687-42FF-80E3-A17591B27ADC}"/>
+              </a:ext>
+            </a:extLst>
+          </p:cNvPr>
+          <p:cNvSpPr>
+            <a:spLocks noGrp="1"/>
+          </p:cNvSpPr>
+          <p:nvPr>
+            <p:ph sz="quarter" idx="4"/>
+          </p:nvPr>
+        </p:nvSpPr>
+        <p:spPr/>
+        <p:txBody>
+          <a:bodyPr>
+            <a:normAutofit fontScale="47500" lnSpcReduction="20000"/>
+          </a:bodyPr>
+          <a:lstStyle/>
+          <a:p>
+            <a:endParaRPr lang="en-US"/>
+          </a:p>
+        </p:txBody>
+      </p:sp>
+    </p:spTree>
+    <p:extLst>
+      <p:ext uri="{BB962C8B-B14F-4D97-AF65-F5344CB8AC3E}">
+        <p14:creationId xmlns:p14="http://schemas.microsoft.com/office/powerpoint/2010/main" val="2946252866"/>
       </p:ext>
     </p:extLst>
   </p:cSld>
@@ -8705,12 +12345,22 @@
             <p:ph idx="1"/>
           </p:nvPr>
         </p:nvSpPr>
-        <p:spPr/>
-        <p:txBody>
-          <a:bodyPr/>
+        <p:spPr>
+          <a:xfrm>
+            <a:off x="1120000" y="1825625"/>
+            <a:ext cx="10233800" cy="3789112"/>
+          </a:xfrm>
+        </p:spPr>
+        <p:txBody>
+          <a:bodyPr>
+            <a:normAutofit/>
+          </a:bodyPr>
           <a:lstStyle/>
           <a:p>
             <a:pPr algn="l">
+              <a:lnSpc>
+                <a:spcPct val="150000"/>
+              </a:lnSpc>
               <a:buFont typeface="Arial" panose="020B0604020202020204" pitchFamily="34" charset="0"/>
               <a:buChar char="•"/>
             </a:pPr>
@@ -8722,25 +12372,69 @@
                 <a:effectLst/>
                 <a:latin typeface="Roboto" panose="020B0604020202020204" pitchFamily="2" charset="0"/>
               </a:rPr>
-              <a:t>Selected topic</a:t>
-            </a:r>
-          </a:p>
-          <a:p>
-            <a:pPr lvl="1"/>
-            <a:r>
-              <a:rPr lang="en-US" b="0" i="0" dirty="0">
+              <a:t>Reason they selected the topic</a:t>
+            </a:r>
+          </a:p>
+          <a:p>
+            <a:pPr lvl="1">
+              <a:lnSpc>
+                <a:spcPct val="150000"/>
+              </a:lnSpc>
+            </a:pPr>
+            <a:r>
+              <a:rPr lang="en-US" dirty="0">
                 <a:solidFill>
                   <a:schemeClr val="tx1"/>
                 </a:solidFill>
-                <a:effectLst/>
                 <a:latin typeface="Roboto" panose="020B0604020202020204" pitchFamily="2" charset="0"/>
               </a:rPr>
-              <a:t>Diabetes</a:t>
-            </a:r>
-          </a:p>
-          <a:p>
-            <a:pPr marL="457200" lvl="1" indent="0">
-              <a:buNone/>
+              <a:t>10.5% of US population has diabetes. </a:t>
+            </a:r>
+            <a:endParaRPr lang="en-US" b="0" i="0" dirty="0">
+              <a:solidFill>
+                <a:schemeClr val="tx1"/>
+              </a:solidFill>
+              <a:effectLst/>
+              <a:latin typeface="Roboto" panose="020B0604020202020204" pitchFamily="2" charset="0"/>
+            </a:endParaRPr>
+          </a:p>
+          <a:p>
+            <a:pPr lvl="1">
+              <a:lnSpc>
+                <a:spcPct val="150000"/>
+              </a:lnSpc>
+            </a:pPr>
+            <a:r>
+              <a:rPr lang="en-US" dirty="0">
+                <a:solidFill>
+                  <a:schemeClr val="tx1"/>
+                </a:solidFill>
+                <a:latin typeface="Roboto" panose="020B0604020202020204" pitchFamily="2" charset="0"/>
+              </a:rPr>
+              <a:t>We chose this topic because we found a robust data set that could help us achieve our goals. </a:t>
+            </a:r>
+          </a:p>
+          <a:p>
+            <a:pPr lvl="1">
+              <a:lnSpc>
+                <a:spcPct val="150000"/>
+              </a:lnSpc>
+            </a:pPr>
+            <a:r>
+              <a:rPr lang="en-US" dirty="0">
+                <a:solidFill>
+                  <a:schemeClr val="tx1"/>
+                </a:solidFill>
+                <a:latin typeface="Roboto" panose="020B0604020202020204" pitchFamily="2" charset="0"/>
+              </a:rPr>
+              <a:t>To determine what health indicators, lifestyle and socio-economic attributes indicate the likelihood of developing diabetes.</a:t>
+            </a:r>
+          </a:p>
+          <a:p>
+            <a:pPr lvl="1">
+              <a:lnSpc>
+                <a:spcPct val="150000"/>
+              </a:lnSpc>
             </a:pPr>
             <a:endParaRPr lang="en-US" b="0" i="0" dirty="0">
               <a:solidFill>
@@ -8751,48 +12445,11 @@
             </a:endParaRPr>
           </a:p>
           <a:p>
-            <a:pPr algn="l">
-              <a:buFont typeface="Arial" panose="020B0604020202020204" pitchFamily="34" charset="0"/>
-              <a:buChar char="•"/>
+            <a:pPr lvl="1">
+              <a:lnSpc>
+                <a:spcPct val="150000"/>
+              </a:lnSpc>
             </a:pPr>
-            <a:r>
-              <a:rPr lang="en-US" b="0" i="0" dirty="0">
-                <a:solidFill>
-                  <a:schemeClr val="accent6"/>
-                </a:solidFill>
-                <a:effectLst/>
-                <a:latin typeface="Roboto" panose="020B0604020202020204" pitchFamily="2" charset="0"/>
-              </a:rPr>
-              <a:t>Reason they selected the topic</a:t>
-            </a:r>
-          </a:p>
-          <a:p>
-            <a:pPr lvl="1"/>
-            <a:r>
-              <a:rPr lang="en-US" b="0" i="0" dirty="0">
-                <a:solidFill>
-                  <a:schemeClr val="tx1"/>
-                </a:solidFill>
-                <a:effectLst/>
-                <a:latin typeface="Roboto" panose="020B0604020202020204" pitchFamily="2" charset="0"/>
-              </a:rPr>
-              <a:t>To determine what lifestyle and socio-economic attributes indicate the likelihood of developing diabetes.</a:t>
-            </a:r>
-          </a:p>
-          <a:p>
-            <a:pPr lvl="1"/>
-            <a:r>
-              <a:rPr lang="en-US" dirty="0">
-                <a:solidFill>
-                  <a:schemeClr val="tx1"/>
-                </a:solidFill>
-                <a:latin typeface="Roboto" panose="020B0604020202020204" pitchFamily="2" charset="0"/>
-              </a:rPr>
-              <a:t>We found a robust data set that could help us achieve our goals. </a:t>
-            </a:r>
-          </a:p>
-          <a:p>
-            <a:pPr lvl="1"/>
             <a:endParaRPr lang="en-US" b="0" i="0" dirty="0">
               <a:solidFill>
                 <a:schemeClr val="tx1"/>
@@ -8802,16 +12459,11 @@
             </a:endParaRPr>
           </a:p>
           <a:p>
-            <a:pPr lvl="1"/>
-            <a:endParaRPr lang="en-US" b="0" i="0" dirty="0">
-              <a:solidFill>
-                <a:schemeClr val="tx1"/>
-              </a:solidFill>
-              <a:effectLst/>
-              <a:latin typeface="Roboto" panose="020B0604020202020204" pitchFamily="2" charset="0"/>
-            </a:endParaRPr>
-          </a:p>
-          <a:p>
+            <a:pPr>
+              <a:lnSpc>
+                <a:spcPct val="150000"/>
+              </a:lnSpc>
+            </a:pPr>
             <a:endParaRPr lang="en-US" dirty="0"/>
           </a:p>
         </p:txBody>
@@ -8819,799 +12471,290 @@
     </p:spTree>
     <p:extLst>
       <p:ext uri="{BB962C8B-B14F-4D97-AF65-F5344CB8AC3E}">
-        <p14:creationId xmlns:p14="http://schemas.microsoft.com/office/powerpoint/2010/main" val="1646523384"/>
+        <p14:creationId xmlns:p14="http://schemas.microsoft.com/office/powerpoint/2010/main" val="404252881"/>
       </p:ext>
     </p:extLst>
   </p:cSld>
   <p:clrMapOvr>
     <a:masterClrMapping/>
   </p:clrMapOvr>
-</p:sld>
-</file>
-
-<file path=ppt/slides/slide20.xml><?xml version="1.0" encoding="utf-8"?>
-<p:sld xmlns:a="http://schemas.openxmlformats.org/drawingml/2006/main" xmlns:r="http://schemas.openxmlformats.org/officeDocument/2006/relationships" xmlns:p="http://schemas.openxmlformats.org/presentationml/2006/main" show="0">
-  <p:cSld>
-    <p:spTree>
-      <p:nvGrpSpPr>
-        <p:cNvPr id="1" name=""/>
-        <p:cNvGrpSpPr/>
-        <p:nvPr/>
-      </p:nvGrpSpPr>
-      <p:grpSpPr>
-        <a:xfrm>
-          <a:off x="0" y="0"/>
-          <a:ext cx="0" cy="0"/>
-          <a:chOff x="0" y="0"/>
-          <a:chExt cx="0" cy="0"/>
-        </a:xfrm>
-      </p:grpSpPr>
-      <p:sp>
-        <p:nvSpPr>
-          <p:cNvPr id="2" name="Title 1">
-            <a:extLst>
-              <a:ext uri="{FF2B5EF4-FFF2-40B4-BE49-F238E27FC236}">
-                <a16:creationId xmlns:a16="http://schemas.microsoft.com/office/drawing/2014/main" id="{D78C9758-E898-4D5D-9913-304DD15A8838}"/>
-              </a:ext>
-            </a:extLst>
-          </p:cNvPr>
-          <p:cNvSpPr>
-            <a:spLocks noGrp="1"/>
-          </p:cNvSpPr>
-          <p:nvPr>
-            <p:ph type="title"/>
-          </p:nvPr>
-        </p:nvSpPr>
-        <p:spPr/>
-        <p:txBody>
-          <a:bodyPr/>
-          <a:lstStyle/>
-          <a:p>
-            <a:endParaRPr lang="en-US"/>
-          </a:p>
-        </p:txBody>
-      </p:sp>
-      <p:sp>
-        <p:nvSpPr>
-          <p:cNvPr id="3" name="Text Placeholder 2">
-            <a:extLst>
-              <a:ext uri="{FF2B5EF4-FFF2-40B4-BE49-F238E27FC236}">
-                <a16:creationId xmlns:a16="http://schemas.microsoft.com/office/drawing/2014/main" id="{7A091F4E-BF35-4F67-BD20-7370186F1F3C}"/>
-              </a:ext>
-            </a:extLst>
-          </p:cNvPr>
-          <p:cNvSpPr>
-            <a:spLocks noGrp="1"/>
-          </p:cNvSpPr>
-          <p:nvPr>
-            <p:ph type="body" idx="1"/>
-          </p:nvPr>
-        </p:nvSpPr>
-        <p:spPr/>
-        <p:txBody>
-          <a:bodyPr/>
-          <a:lstStyle/>
-          <a:p>
-            <a:r>
-              <a:rPr lang="en-US" dirty="0">
-                <a:solidFill>
-                  <a:schemeClr val="accent6"/>
-                </a:solidFill>
-              </a:rPr>
-              <a:t>Database</a:t>
-            </a:r>
-          </a:p>
-        </p:txBody>
-      </p:sp>
-      <p:sp>
-        <p:nvSpPr>
-          <p:cNvPr id="4" name="Content Placeholder 3">
-            <a:extLst>
-              <a:ext uri="{FF2B5EF4-FFF2-40B4-BE49-F238E27FC236}">
-                <a16:creationId xmlns:a16="http://schemas.microsoft.com/office/drawing/2014/main" id="{ECDC6B6F-AF12-4815-9561-555A9C5225B3}"/>
-              </a:ext>
-            </a:extLst>
-          </p:cNvPr>
-          <p:cNvSpPr>
-            <a:spLocks noGrp="1"/>
-          </p:cNvSpPr>
-          <p:nvPr>
-            <p:ph sz="half" idx="2"/>
-          </p:nvPr>
-        </p:nvSpPr>
-        <p:spPr/>
-        <p:txBody>
-          <a:bodyPr>
-            <a:normAutofit fontScale="85000" lnSpcReduction="20000"/>
-          </a:bodyPr>
-          <a:lstStyle/>
-          <a:p>
-            <a:pPr algn="l"/>
-            <a:r>
-              <a:rPr lang="en-US" sz="1800" b="0" i="0" u="none" strike="noStrike" baseline="0" dirty="0">
-                <a:latin typeface="MS-PGothic"/>
-              </a:rPr>
-              <a:t>✓ </a:t>
-            </a:r>
-            <a:r>
-              <a:rPr lang="en-US" sz="1800" b="0" i="0" u="none" strike="noStrike" baseline="0" dirty="0">
-                <a:latin typeface="ArialMT"/>
-              </a:rPr>
-              <a:t>Database stores static data for use during the project</a:t>
-            </a:r>
-          </a:p>
-          <a:p>
-            <a:pPr algn="l"/>
-            <a:r>
-              <a:rPr lang="en-US" sz="1800" b="0" i="0" u="none" strike="noStrike" baseline="0" dirty="0">
-                <a:latin typeface="MS-PGothic"/>
-              </a:rPr>
-              <a:t>✓ </a:t>
-            </a:r>
-            <a:r>
-              <a:rPr lang="en-US" sz="1800" b="0" i="0" u="none" strike="noStrike" baseline="0" dirty="0">
-                <a:latin typeface="ArialMT"/>
-              </a:rPr>
-              <a:t>Database interfaces with the project in some format (e.g., scraping updates</a:t>
-            </a:r>
-          </a:p>
-          <a:p>
-            <a:pPr algn="l"/>
-            <a:r>
-              <a:rPr lang="en-US" sz="1800" b="0" i="0" u="none" strike="noStrike" baseline="0" dirty="0">
-                <a:latin typeface="ArialMT"/>
-              </a:rPr>
-              <a:t>the database, or database connects to the model)</a:t>
-            </a:r>
-          </a:p>
-          <a:p>
-            <a:pPr algn="l"/>
-            <a:r>
-              <a:rPr lang="en-US" sz="1800" b="0" i="0" u="none" strike="noStrike" baseline="0" dirty="0">
-                <a:latin typeface="MS-PGothic"/>
-              </a:rPr>
-              <a:t>✓ </a:t>
-            </a:r>
-            <a:r>
-              <a:rPr lang="en-US" sz="1800" b="0" i="0" u="none" strike="noStrike" baseline="0" dirty="0">
-                <a:latin typeface="ArialMT"/>
-              </a:rPr>
-              <a:t>Includes at least two tables (or collections, if using MongoDB)</a:t>
-            </a:r>
-          </a:p>
-          <a:p>
-            <a:pPr algn="l"/>
-            <a:r>
-              <a:rPr lang="en-US" sz="1800" b="0" i="0" u="none" strike="noStrike" baseline="0" dirty="0">
-                <a:latin typeface="MS-PGothic"/>
-              </a:rPr>
-              <a:t>✓ </a:t>
-            </a:r>
-            <a:r>
-              <a:rPr lang="en-US" sz="1800" b="0" i="0" u="none" strike="noStrike" baseline="0" dirty="0">
-                <a:latin typeface="ArialMT"/>
-              </a:rPr>
-              <a:t>Includes at least one join using the database language (not including any</a:t>
-            </a:r>
-          </a:p>
-          <a:p>
-            <a:pPr algn="l"/>
-            <a:r>
-              <a:rPr lang="en-US" sz="1800" b="0" i="0" u="none" strike="noStrike" baseline="0" dirty="0">
-                <a:latin typeface="ArialMT"/>
-              </a:rPr>
-              <a:t>joins in Pandas)</a:t>
-            </a:r>
-          </a:p>
-          <a:p>
-            <a:pPr algn="l"/>
-            <a:r>
-              <a:rPr lang="en-US" sz="1800" b="0" i="0" u="none" strike="noStrike" baseline="0" dirty="0">
-                <a:latin typeface="MS-PGothic"/>
-              </a:rPr>
-              <a:t>✓ </a:t>
-            </a:r>
-            <a:r>
-              <a:rPr lang="en-US" sz="1800" b="0" i="0" u="none" strike="noStrike" baseline="0" dirty="0">
-                <a:latin typeface="ArialMT"/>
-              </a:rPr>
-              <a:t>Includes at least one connection string (using </a:t>
-            </a:r>
-            <a:r>
-              <a:rPr lang="en-US" sz="1800" b="0" i="0" u="none" strike="noStrike" baseline="0" dirty="0" err="1">
-                <a:latin typeface="ArialMT"/>
-              </a:rPr>
-              <a:t>SQLAlchemy</a:t>
-            </a:r>
-            <a:r>
-              <a:rPr lang="en-US" sz="1800" b="0" i="0" u="none" strike="noStrike" baseline="0" dirty="0">
-                <a:latin typeface="ArialMT"/>
-              </a:rPr>
-              <a:t> or </a:t>
-            </a:r>
-            <a:r>
-              <a:rPr lang="en-US" sz="1800" b="0" i="0" u="none" strike="noStrike" baseline="0" dirty="0" err="1">
-                <a:latin typeface="ArialMT"/>
-              </a:rPr>
-              <a:t>PyMongo</a:t>
-            </a:r>
-            <a:r>
-              <a:rPr lang="en-US" sz="1800" b="0" i="0" u="none" strike="noStrike" baseline="0" dirty="0">
-                <a:latin typeface="ArialMT"/>
-              </a:rPr>
-              <a:t>)</a:t>
-            </a:r>
-          </a:p>
-          <a:p>
-            <a:pPr algn="l"/>
-            <a:r>
-              <a:rPr lang="en-US" sz="1800" b="0" i="0" u="none" strike="noStrike" baseline="0" dirty="0">
-                <a:latin typeface="ArialMT"/>
-              </a:rPr>
-              <a:t>Note: If you use a SQL database, you must provide your ERD with</a:t>
-            </a:r>
-          </a:p>
-          <a:p>
-            <a:pPr algn="l"/>
-            <a:r>
-              <a:rPr lang="en-US" sz="1800" b="0" i="0" u="none" strike="noStrike" baseline="0" dirty="0">
-                <a:latin typeface="ArialMT"/>
-              </a:rPr>
-              <a:t>relationships.</a:t>
-            </a:r>
-            <a:endParaRPr lang="en-US" dirty="0"/>
-          </a:p>
-        </p:txBody>
-      </p:sp>
-      <p:sp>
-        <p:nvSpPr>
-          <p:cNvPr id="5" name="Text Placeholder 4">
-            <a:extLst>
-              <a:ext uri="{FF2B5EF4-FFF2-40B4-BE49-F238E27FC236}">
-                <a16:creationId xmlns:a16="http://schemas.microsoft.com/office/drawing/2014/main" id="{0C90AC73-6AA0-431C-8A9A-35CC20E47AEB}"/>
-              </a:ext>
-            </a:extLst>
-          </p:cNvPr>
-          <p:cNvSpPr>
-            <a:spLocks noGrp="1"/>
-          </p:cNvSpPr>
-          <p:nvPr>
-            <p:ph type="body" sz="quarter" idx="3"/>
-          </p:nvPr>
-        </p:nvSpPr>
-        <p:spPr/>
-        <p:txBody>
-          <a:bodyPr/>
-          <a:lstStyle/>
-          <a:p>
-            <a:r>
-              <a:rPr lang="en-US" dirty="0">
-                <a:solidFill>
-                  <a:schemeClr val="accent6"/>
-                </a:solidFill>
-              </a:rPr>
-              <a:t>Dashboard</a:t>
-            </a:r>
-          </a:p>
-        </p:txBody>
-      </p:sp>
-      <p:sp>
-        <p:nvSpPr>
-          <p:cNvPr id="6" name="Content Placeholder 5">
-            <a:extLst>
-              <a:ext uri="{FF2B5EF4-FFF2-40B4-BE49-F238E27FC236}">
-                <a16:creationId xmlns:a16="http://schemas.microsoft.com/office/drawing/2014/main" id="{37E687F7-E61C-411B-9A88-525063F0FF33}"/>
-              </a:ext>
-            </a:extLst>
-          </p:cNvPr>
-          <p:cNvSpPr>
-            <a:spLocks noGrp="1"/>
-          </p:cNvSpPr>
-          <p:nvPr>
-            <p:ph sz="quarter" idx="4"/>
-          </p:nvPr>
-        </p:nvSpPr>
-        <p:spPr/>
-        <p:txBody>
-          <a:bodyPr>
-            <a:normAutofit fontScale="85000" lnSpcReduction="20000"/>
-          </a:bodyPr>
-          <a:lstStyle/>
-          <a:p>
-            <a:pPr algn="l"/>
-            <a:r>
-              <a:rPr lang="en-US" sz="1800" b="0" i="0" u="none" strike="noStrike" baseline="0" dirty="0">
-                <a:latin typeface="ArialMT"/>
-              </a:rPr>
-              <a:t>The dashboard presents a data story that is logical and easy to follow for</a:t>
-            </a:r>
-          </a:p>
-          <a:p>
-            <a:pPr algn="l"/>
-            <a:r>
-              <a:rPr lang="en-US" sz="1800" b="0" i="0" u="none" strike="noStrike" baseline="0" dirty="0">
-                <a:latin typeface="ArialMT"/>
-              </a:rPr>
-              <a:t>someone unfamiliar with the topic. It includes all of the following:</a:t>
-            </a:r>
-          </a:p>
-          <a:p>
-            <a:pPr algn="l"/>
-            <a:r>
-              <a:rPr lang="en-US" sz="1800" b="0" i="0" u="none" strike="noStrike" baseline="0" dirty="0">
-                <a:latin typeface="MS-PGothic"/>
-              </a:rPr>
-              <a:t>✓ </a:t>
-            </a:r>
-            <a:r>
-              <a:rPr lang="en-US" sz="1800" b="0" i="0" u="none" strike="noStrike" baseline="0" dirty="0">
-                <a:latin typeface="ArialMT"/>
-              </a:rPr>
-              <a:t>Images from the initial analysis</a:t>
-            </a:r>
-          </a:p>
-          <a:p>
-            <a:pPr algn="l"/>
-            <a:r>
-              <a:rPr lang="en-US" sz="1800" b="0" i="0" u="none" strike="noStrike" baseline="0" dirty="0">
-                <a:latin typeface="MS-PGothic"/>
-              </a:rPr>
-              <a:t>✓ </a:t>
-            </a:r>
-            <a:r>
-              <a:rPr lang="en-US" sz="1800" b="0" i="0" u="none" strike="noStrike" baseline="0" dirty="0">
-                <a:latin typeface="ArialMT"/>
-              </a:rPr>
-              <a:t>Data (images or report) from the machine learning task</a:t>
-            </a:r>
-          </a:p>
-          <a:p>
-            <a:pPr algn="l"/>
-            <a:r>
-              <a:rPr lang="en-US" sz="1800" b="0" i="0" u="none" strike="noStrike" baseline="0" dirty="0">
-                <a:latin typeface="MS-PGothic"/>
-              </a:rPr>
-              <a:t>✓ </a:t>
-            </a:r>
-            <a:r>
-              <a:rPr lang="en-US" sz="1800" b="0" i="0" u="none" strike="noStrike" baseline="0" dirty="0">
-                <a:latin typeface="ArialMT"/>
-              </a:rPr>
-              <a:t>At least one interactive element</a:t>
-            </a:r>
-          </a:p>
-          <a:p>
-            <a:pPr algn="l"/>
-            <a:r>
-              <a:rPr lang="en-US" sz="1800" b="0" i="0" u="none" strike="noStrike" baseline="0" dirty="0">
-                <a:latin typeface="ArialMT"/>
-              </a:rPr>
-              <a:t>Either the dashboard is published or the submission includes a screen capture</a:t>
-            </a:r>
-          </a:p>
-          <a:p>
-            <a:pPr algn="l"/>
-            <a:r>
-              <a:rPr lang="en-US" sz="1800" b="0" i="0" u="none" strike="noStrike" baseline="0" dirty="0">
-                <a:latin typeface="ArialMT"/>
-              </a:rPr>
-              <a:t>video of it in action.</a:t>
-            </a:r>
-            <a:endParaRPr lang="en-US" dirty="0"/>
-          </a:p>
-        </p:txBody>
-      </p:sp>
-    </p:spTree>
-    <p:extLst>
-      <p:ext uri="{BB962C8B-B14F-4D97-AF65-F5344CB8AC3E}">
-        <p14:creationId xmlns:p14="http://schemas.microsoft.com/office/powerpoint/2010/main" val="3786804571"/>
-      </p:ext>
-    </p:extLst>
-  </p:cSld>
-  <p:clrMapOvr>
-    <a:masterClrMapping/>
-  </p:clrMapOvr>
-</p:sld>
-</file>
-
-<file path=ppt/slides/slide21.xml><?xml version="1.0" encoding="utf-8"?>
-<p:sld xmlns:a="http://schemas.openxmlformats.org/drawingml/2006/main" xmlns:r="http://schemas.openxmlformats.org/officeDocument/2006/relationships" xmlns:p="http://schemas.openxmlformats.org/presentationml/2006/main" show="0">
-  <p:cSld>
-    <p:spTree>
-      <p:nvGrpSpPr>
-        <p:cNvPr id="1" name=""/>
-        <p:cNvGrpSpPr/>
-        <p:nvPr/>
-      </p:nvGrpSpPr>
-      <p:grpSpPr>
-        <a:xfrm>
-          <a:off x="0" y="0"/>
-          <a:ext cx="0" cy="0"/>
-          <a:chOff x="0" y="0"/>
-          <a:chExt cx="0" cy="0"/>
-        </a:xfrm>
-      </p:grpSpPr>
-      <p:sp>
-        <p:nvSpPr>
-          <p:cNvPr id="5" name="Text Placeholder 4">
-            <a:extLst>
-              <a:ext uri="{FF2B5EF4-FFF2-40B4-BE49-F238E27FC236}">
-                <a16:creationId xmlns:a16="http://schemas.microsoft.com/office/drawing/2014/main" id="{335D86B9-E3CD-4DA9-A936-E1B7573A615F}"/>
-              </a:ext>
-            </a:extLst>
-          </p:cNvPr>
-          <p:cNvSpPr>
-            <a:spLocks noGrp="1"/>
-          </p:cNvSpPr>
-          <p:nvPr>
-            <p:ph type="body" idx="1"/>
-          </p:nvPr>
-        </p:nvSpPr>
-        <p:spPr>
-          <a:xfrm>
-            <a:off x="1120000" y="381753"/>
-            <a:ext cx="5025216" cy="823912"/>
-          </a:xfrm>
-        </p:spPr>
-        <p:txBody>
-          <a:bodyPr/>
-          <a:lstStyle/>
-          <a:p>
-            <a:r>
-              <a:rPr lang="en-US" dirty="0">
-                <a:solidFill>
-                  <a:schemeClr val="accent6"/>
-                </a:solidFill>
-              </a:rPr>
-              <a:t>GitHub</a:t>
-            </a:r>
-          </a:p>
-        </p:txBody>
-      </p:sp>
-      <p:sp>
-        <p:nvSpPr>
-          <p:cNvPr id="3" name="Content Placeholder 2">
-            <a:extLst>
-              <a:ext uri="{FF2B5EF4-FFF2-40B4-BE49-F238E27FC236}">
-                <a16:creationId xmlns:a16="http://schemas.microsoft.com/office/drawing/2014/main" id="{2398AAF7-B5CD-4EB9-80F5-414C0E2B84C5}"/>
-              </a:ext>
-            </a:extLst>
-          </p:cNvPr>
-          <p:cNvSpPr>
-            <a:spLocks noGrp="1"/>
-          </p:cNvSpPr>
-          <p:nvPr>
-            <p:ph sz="half" idx="2"/>
-          </p:nvPr>
-        </p:nvSpPr>
-        <p:spPr>
-          <a:xfrm>
-            <a:off x="1120000" y="1208172"/>
-            <a:ext cx="5025216" cy="4973470"/>
-          </a:xfrm>
-        </p:spPr>
-        <p:txBody>
-          <a:bodyPr>
-            <a:normAutofit fontScale="47500" lnSpcReduction="20000"/>
-          </a:bodyPr>
-          <a:lstStyle/>
-          <a:p>
-            <a:pPr algn="l"/>
-            <a:r>
-              <a:rPr lang="en-US" sz="1800" b="0" i="0" u="none" strike="noStrike" baseline="0" dirty="0">
-                <a:latin typeface="ArialMT"/>
-              </a:rPr>
-              <a:t>Main Branch</a:t>
-            </a:r>
-          </a:p>
-          <a:p>
-            <a:pPr algn="l"/>
-            <a:r>
-              <a:rPr lang="en-US" sz="1800" b="0" i="0" u="none" strike="noStrike" baseline="0" dirty="0">
-                <a:latin typeface="ArialMT"/>
-              </a:rPr>
-              <a:t>All code in the main branch is production-ready.</a:t>
-            </a:r>
-          </a:p>
-          <a:p>
-            <a:pPr algn="l"/>
-            <a:r>
-              <a:rPr lang="en-US" sz="1800" b="0" i="0" u="none" strike="noStrike" baseline="0" dirty="0">
-                <a:latin typeface="ArialMT"/>
-              </a:rPr>
-              <a:t>All code is clean, commented, easy to read, and adheres to a coding standard</a:t>
-            </a:r>
-          </a:p>
-          <a:p>
-            <a:pPr algn="l"/>
-            <a:r>
-              <a:rPr lang="en-US" sz="1800" b="0" i="0" u="none" strike="noStrike" baseline="0" dirty="0">
-                <a:latin typeface="ArialMT"/>
-              </a:rPr>
-              <a:t>(e.g., PEP8)</a:t>
-            </a:r>
-          </a:p>
-          <a:p>
-            <a:pPr algn="l"/>
-            <a:r>
-              <a:rPr lang="en-US" sz="1800" b="0" i="0" u="none" strike="noStrike" baseline="0" dirty="0">
-                <a:latin typeface="ArialMT"/>
-              </a:rPr>
-              <a:t>Main branch should include:</a:t>
-            </a:r>
-          </a:p>
-          <a:p>
-            <a:pPr algn="l"/>
-            <a:r>
-              <a:rPr lang="en-US" sz="1800" b="0" i="0" u="none" strike="noStrike" baseline="0" dirty="0">
-                <a:latin typeface="MS-PGothic"/>
-              </a:rPr>
-              <a:t>✓ </a:t>
-            </a:r>
-            <a:r>
-              <a:rPr lang="en-US" sz="1800" b="0" i="0" u="none" strike="noStrike" baseline="0" dirty="0">
-                <a:latin typeface="ArialMT"/>
-              </a:rPr>
-              <a:t>All code necessary to perform exploratory analysis</a:t>
-            </a:r>
-          </a:p>
-          <a:p>
-            <a:pPr algn="l"/>
-            <a:r>
-              <a:rPr lang="en-US" sz="1800" b="0" i="0" u="none" strike="noStrike" baseline="0" dirty="0">
-                <a:latin typeface="MS-PGothic"/>
-              </a:rPr>
-              <a:t>✓ </a:t>
-            </a:r>
-            <a:r>
-              <a:rPr lang="en-US" sz="1800" b="0" i="0" u="none" strike="noStrike" baseline="0" dirty="0">
-                <a:latin typeface="ArialMT"/>
-              </a:rPr>
-              <a:t>All code necessary to complete machine learning portion of project</a:t>
-            </a:r>
-          </a:p>
-          <a:p>
-            <a:pPr algn="l"/>
-            <a:r>
-              <a:rPr lang="en-US" sz="1800" b="0" i="0" u="none" strike="noStrike" baseline="0" dirty="0">
-                <a:latin typeface="MS-PGothic"/>
-              </a:rPr>
-              <a:t>✓ </a:t>
-            </a:r>
-            <a:r>
-              <a:rPr lang="en-US" sz="1800" b="0" i="0" u="none" strike="noStrike" baseline="0" dirty="0">
-                <a:latin typeface="ArialMT"/>
-              </a:rPr>
-              <a:t>Any images that have been created (at least three)</a:t>
-            </a:r>
-          </a:p>
-          <a:p>
-            <a:pPr algn="l"/>
-            <a:r>
-              <a:rPr lang="en-US" sz="1800" b="0" i="0" u="none" strike="noStrike" baseline="0" dirty="0">
-                <a:latin typeface="MS-PGothic"/>
-              </a:rPr>
-              <a:t>✓ </a:t>
-            </a:r>
-            <a:r>
-              <a:rPr lang="en-US" sz="1800" b="0" i="0" u="none" strike="noStrike" baseline="0" dirty="0">
-                <a:latin typeface="ArialMT"/>
-              </a:rPr>
-              <a:t>Requirements.txt file</a:t>
-            </a:r>
-          </a:p>
-          <a:p>
-            <a:pPr algn="l"/>
-            <a:r>
-              <a:rPr lang="en-US" sz="1800" b="0" i="0" u="none" strike="noStrike" baseline="0" dirty="0">
-                <a:latin typeface="ArialMT"/>
-              </a:rPr>
-              <a:t>README.md</a:t>
-            </a:r>
-          </a:p>
-          <a:p>
-            <a:pPr algn="l"/>
-            <a:r>
-              <a:rPr lang="en-US" sz="1800" b="0" i="0" u="none" strike="noStrike" baseline="0" dirty="0">
-                <a:latin typeface="ArialMT"/>
-              </a:rPr>
-              <a:t>README.md must include:</a:t>
-            </a:r>
-          </a:p>
-          <a:p>
-            <a:pPr algn="l"/>
-            <a:r>
-              <a:rPr lang="en-US" sz="1800" b="0" i="0" u="none" strike="noStrike" baseline="0" dirty="0">
-                <a:latin typeface="MS-PGothic"/>
-              </a:rPr>
-              <a:t>✓ </a:t>
-            </a:r>
-            <a:r>
-              <a:rPr lang="en-US" sz="1800" b="0" i="0" u="none" strike="noStrike" baseline="0" dirty="0">
-                <a:latin typeface="ArialMT"/>
-              </a:rPr>
-              <a:t>Cohesive, structured outline of the project (this may include images, but</a:t>
-            </a:r>
-          </a:p>
-          <a:p>
-            <a:pPr algn="l"/>
-            <a:r>
-              <a:rPr lang="en-US" sz="1800" b="0" i="0" u="none" strike="noStrike" baseline="0" dirty="0">
-                <a:latin typeface="ArialMT"/>
-              </a:rPr>
-              <a:t>should be easy to follow and digest)</a:t>
-            </a:r>
-          </a:p>
-          <a:p>
-            <a:pPr algn="l"/>
-            <a:r>
-              <a:rPr lang="en-US" sz="1800" b="0" i="0" u="none" strike="noStrike" baseline="0" dirty="0">
-                <a:latin typeface="MS-PGothic"/>
-              </a:rPr>
-              <a:t>✓ </a:t>
-            </a:r>
-            <a:r>
-              <a:rPr lang="en-US" sz="1800" b="0" i="0" u="none" strike="noStrike" baseline="0" dirty="0">
-                <a:latin typeface="ArialMT"/>
-              </a:rPr>
-              <a:t>Link to dashboard (or link to video of dashboard demo)</a:t>
-            </a:r>
-          </a:p>
-          <a:p>
-            <a:pPr algn="l"/>
-            <a:r>
-              <a:rPr lang="en-US" sz="1800" b="0" i="0" u="none" strike="noStrike" baseline="0" dirty="0">
-                <a:latin typeface="MS-PGothic"/>
-              </a:rPr>
-              <a:t>✓ </a:t>
-            </a:r>
-            <a:r>
-              <a:rPr lang="en-US" sz="1800" b="0" i="0" u="none" strike="noStrike" baseline="0" dirty="0">
-                <a:latin typeface="ArialMT"/>
-              </a:rPr>
-              <a:t>Link to Google Slides presentation</a:t>
-            </a:r>
-          </a:p>
-          <a:p>
-            <a:pPr algn="l"/>
-            <a:r>
-              <a:rPr lang="en-US" sz="1800" b="0" i="0" u="none" strike="noStrike" baseline="0" dirty="0">
-                <a:latin typeface="ArialMT"/>
-              </a:rPr>
-              <a:t>Note: The descriptions and explanations required in all other project</a:t>
-            </a:r>
-          </a:p>
-          <a:p>
-            <a:pPr algn="l"/>
-            <a:r>
-              <a:rPr lang="en-US" sz="1800" b="0" i="0" u="none" strike="noStrike" baseline="0" dirty="0">
-                <a:latin typeface="ArialMT"/>
-              </a:rPr>
-              <a:t>deliverables should also be in your README.md as part of your outline, unless</a:t>
-            </a:r>
-          </a:p>
-          <a:p>
-            <a:pPr algn="l"/>
-            <a:r>
-              <a:rPr lang="en-US" sz="1800" b="0" i="0" u="none" strike="noStrike" baseline="0" dirty="0">
-                <a:latin typeface="ArialMT"/>
-              </a:rPr>
-              <a:t>otherwise noted.</a:t>
-            </a:r>
-          </a:p>
-          <a:p>
-            <a:pPr algn="l"/>
-            <a:r>
-              <a:rPr lang="en-US" sz="1800" b="0" i="0" u="none" strike="noStrike" baseline="0" dirty="0">
-                <a:latin typeface="ArialMT"/>
-              </a:rPr>
-              <a:t>Individual Branches</a:t>
-            </a:r>
-          </a:p>
-          <a:p>
-            <a:pPr algn="l"/>
-            <a:r>
-              <a:rPr lang="en-US" sz="1800" b="0" i="0" u="none" strike="noStrike" baseline="0" dirty="0">
-                <a:latin typeface="MS-PGothic"/>
-              </a:rPr>
-              <a:t>✓ </a:t>
-            </a:r>
-            <a:r>
-              <a:rPr lang="en-US" sz="1800" b="0" i="0" u="none" strike="noStrike" baseline="0" dirty="0">
-                <a:latin typeface="ArialMT"/>
-              </a:rPr>
-              <a:t>At least one branch for each team member</a:t>
-            </a:r>
-          </a:p>
-          <a:p>
-            <a:pPr algn="l"/>
-            <a:r>
-              <a:rPr lang="en-US" sz="1800" b="0" i="0" u="none" strike="noStrike" baseline="0" dirty="0">
-                <a:latin typeface="MS-PGothic"/>
-              </a:rPr>
-              <a:t>✓ </a:t>
-            </a:r>
-            <a:r>
-              <a:rPr lang="en-US" sz="1800" b="0" i="0" u="none" strike="noStrike" baseline="0" dirty="0">
-                <a:latin typeface="ArialMT"/>
-              </a:rPr>
-              <a:t>Each team member has at least four commits for the duration of the final</a:t>
-            </a:r>
-          </a:p>
-          <a:p>
-            <a:pPr algn="l"/>
-            <a:r>
-              <a:rPr lang="en-US" sz="1800" b="0" i="0" u="none" strike="noStrike" baseline="0" dirty="0">
-                <a:latin typeface="ArialMT"/>
-              </a:rPr>
-              <a:t>segment (16 total commits per person)</a:t>
-            </a:r>
-            <a:endParaRPr lang="en-US" dirty="0"/>
-          </a:p>
-        </p:txBody>
-      </p:sp>
-      <p:sp>
-        <p:nvSpPr>
-          <p:cNvPr id="6" name="Text Placeholder 5">
-            <a:extLst>
-              <a:ext uri="{FF2B5EF4-FFF2-40B4-BE49-F238E27FC236}">
-                <a16:creationId xmlns:a16="http://schemas.microsoft.com/office/drawing/2014/main" id="{7ABBFA3D-73D6-4FC3-BADB-2D2BB2AB66E4}"/>
-              </a:ext>
-            </a:extLst>
-          </p:cNvPr>
-          <p:cNvSpPr>
-            <a:spLocks noGrp="1"/>
-          </p:cNvSpPr>
-          <p:nvPr>
-            <p:ph type="body" sz="quarter" idx="3"/>
-          </p:nvPr>
-        </p:nvSpPr>
-        <p:spPr/>
-        <p:txBody>
-          <a:bodyPr/>
-          <a:lstStyle/>
-          <a:p>
-            <a:endParaRPr lang="en-US"/>
-          </a:p>
-        </p:txBody>
-      </p:sp>
-      <p:sp>
-        <p:nvSpPr>
-          <p:cNvPr id="7" name="Content Placeholder 6">
-            <a:extLst>
-              <a:ext uri="{FF2B5EF4-FFF2-40B4-BE49-F238E27FC236}">
-                <a16:creationId xmlns:a16="http://schemas.microsoft.com/office/drawing/2014/main" id="{37984DB5-E687-42FF-80E3-A17591B27ADC}"/>
-              </a:ext>
-            </a:extLst>
-          </p:cNvPr>
-          <p:cNvSpPr>
-            <a:spLocks noGrp="1"/>
-          </p:cNvSpPr>
-          <p:nvPr>
-            <p:ph sz="quarter" idx="4"/>
-          </p:nvPr>
-        </p:nvSpPr>
-        <p:spPr/>
-        <p:txBody>
-          <a:bodyPr>
-            <a:normAutofit fontScale="47500" lnSpcReduction="20000"/>
-          </a:bodyPr>
-          <a:lstStyle/>
-          <a:p>
-            <a:endParaRPr lang="en-US"/>
-          </a:p>
-        </p:txBody>
-      </p:sp>
-    </p:spTree>
-    <p:extLst>
-      <p:ext uri="{BB962C8B-B14F-4D97-AF65-F5344CB8AC3E}">
-        <p14:creationId xmlns:p14="http://schemas.microsoft.com/office/powerpoint/2010/main" val="2946252866"/>
-      </p:ext>
-    </p:extLst>
-  </p:cSld>
-  <p:clrMapOvr>
-    <a:masterClrMapping/>
-  </p:clrMapOvr>
+  <p:timing>
+    <p:tnLst>
+      <p:par>
+        <p:cTn id="1" dur="indefinite" restart="never" nodeType="tmRoot">
+          <p:childTnLst>
+            <p:seq concurrent="1" nextAc="seek">
+              <p:cTn id="2" dur="indefinite" nodeType="mainSeq">
+                <p:childTnLst>
+                  <p:par>
+                    <p:cTn id="3" fill="hold">
+                      <p:stCondLst>
+                        <p:cond delay="indefinite"/>
+                      </p:stCondLst>
+                      <p:childTnLst>
+                        <p:par>
+                          <p:cTn id="4" fill="hold">
+                            <p:stCondLst>
+                              <p:cond delay="0"/>
+                            </p:stCondLst>
+                            <p:childTnLst>
+                              <p:par>
+                                <p:cTn id="5" presetID="10" presetClass="entr" presetSubtype="0" fill="hold" grpId="0" nodeType="clickEffect">
+                                  <p:stCondLst>
+                                    <p:cond delay="0"/>
+                                  </p:stCondLst>
+                                  <p:childTnLst>
+                                    <p:set>
+                                      <p:cBhvr>
+                                        <p:cTn id="6" dur="1" fill="hold">
+                                          <p:stCondLst>
+                                            <p:cond delay="0"/>
+                                          </p:stCondLst>
+                                        </p:cTn>
+                                        <p:tgtEl>
+                                          <p:spTgt spid="2"/>
+                                        </p:tgtEl>
+                                        <p:attrNameLst>
+                                          <p:attrName>style.visibility</p:attrName>
+                                        </p:attrNameLst>
+                                      </p:cBhvr>
+                                      <p:to>
+                                        <p:strVal val="visible"/>
+                                      </p:to>
+                                    </p:set>
+                                    <p:animEffect transition="in" filter="fade">
+                                      <p:cBhvr>
+                                        <p:cTn id="7" dur="500"/>
+                                        <p:tgtEl>
+                                          <p:spTgt spid="2"/>
+                                        </p:tgtEl>
+                                      </p:cBhvr>
+                                    </p:animEffect>
+                                  </p:childTnLst>
+                                </p:cTn>
+                              </p:par>
+                            </p:childTnLst>
+                          </p:cTn>
+                        </p:par>
+                      </p:childTnLst>
+                    </p:cTn>
+                  </p:par>
+                  <p:par>
+                    <p:cTn id="8" fill="hold">
+                      <p:stCondLst>
+                        <p:cond delay="indefinite"/>
+                      </p:stCondLst>
+                      <p:childTnLst>
+                        <p:par>
+                          <p:cTn id="9" fill="hold">
+                            <p:stCondLst>
+                              <p:cond delay="0"/>
+                            </p:stCondLst>
+                            <p:childTnLst>
+                              <p:par>
+                                <p:cTn id="10" presetID="10" presetClass="entr" presetSubtype="0" fill="hold" grpId="0" nodeType="clickEffect">
+                                  <p:stCondLst>
+                                    <p:cond delay="0"/>
+                                  </p:stCondLst>
+                                  <p:childTnLst>
+                                    <p:set>
+                                      <p:cBhvr>
+                                        <p:cTn id="11" dur="1" fill="hold">
+                                          <p:stCondLst>
+                                            <p:cond delay="0"/>
+                                          </p:stCondLst>
+                                        </p:cTn>
+                                        <p:tgtEl>
+                                          <p:spTgt spid="3">
+                                            <p:txEl>
+                                              <p:pRg st="0" end="0"/>
+                                            </p:txEl>
+                                          </p:spTgt>
+                                        </p:tgtEl>
+                                        <p:attrNameLst>
+                                          <p:attrName>style.visibility</p:attrName>
+                                        </p:attrNameLst>
+                                      </p:cBhvr>
+                                      <p:to>
+                                        <p:strVal val="visible"/>
+                                      </p:to>
+                                    </p:set>
+                                    <p:animEffect transition="in" filter="fade">
+                                      <p:cBhvr>
+                                        <p:cTn id="12" dur="500"/>
+                                        <p:tgtEl>
+                                          <p:spTgt spid="3">
+                                            <p:txEl>
+                                              <p:pRg st="0" end="0"/>
+                                            </p:txEl>
+                                          </p:spTgt>
+                                        </p:tgtEl>
+                                      </p:cBhvr>
+                                    </p:animEffect>
+                                  </p:childTnLst>
+                                </p:cTn>
+                              </p:par>
+                              <p:par>
+                                <p:cTn id="13" presetID="10" presetClass="entr" presetSubtype="0" fill="hold" grpId="0" nodeType="withEffect">
+                                  <p:stCondLst>
+                                    <p:cond delay="0"/>
+                                  </p:stCondLst>
+                                  <p:childTnLst>
+                                    <p:set>
+                                      <p:cBhvr>
+                                        <p:cTn id="14" dur="1" fill="hold">
+                                          <p:stCondLst>
+                                            <p:cond delay="0"/>
+                                          </p:stCondLst>
+                                        </p:cTn>
+                                        <p:tgtEl>
+                                          <p:spTgt spid="3">
+                                            <p:txEl>
+                                              <p:pRg st="1" end="1"/>
+                                            </p:txEl>
+                                          </p:spTgt>
+                                        </p:tgtEl>
+                                        <p:attrNameLst>
+                                          <p:attrName>style.visibility</p:attrName>
+                                        </p:attrNameLst>
+                                      </p:cBhvr>
+                                      <p:to>
+                                        <p:strVal val="visible"/>
+                                      </p:to>
+                                    </p:set>
+                                    <p:animEffect transition="in" filter="fade">
+                                      <p:cBhvr>
+                                        <p:cTn id="15" dur="500"/>
+                                        <p:tgtEl>
+                                          <p:spTgt spid="3">
+                                            <p:txEl>
+                                              <p:pRg st="1" end="1"/>
+                                            </p:txEl>
+                                          </p:spTgt>
+                                        </p:tgtEl>
+                                      </p:cBhvr>
+                                    </p:animEffect>
+                                  </p:childTnLst>
+                                </p:cTn>
+                              </p:par>
+                              <p:par>
+                                <p:cTn id="16" presetID="10" presetClass="entr" presetSubtype="0" fill="hold" grpId="0" nodeType="withEffect">
+                                  <p:stCondLst>
+                                    <p:cond delay="0"/>
+                                  </p:stCondLst>
+                                  <p:childTnLst>
+                                    <p:set>
+                                      <p:cBhvr>
+                                        <p:cTn id="17" dur="1" fill="hold">
+                                          <p:stCondLst>
+                                            <p:cond delay="0"/>
+                                          </p:stCondLst>
+                                        </p:cTn>
+                                        <p:tgtEl>
+                                          <p:spTgt spid="3">
+                                            <p:txEl>
+                                              <p:pRg st="2" end="2"/>
+                                            </p:txEl>
+                                          </p:spTgt>
+                                        </p:tgtEl>
+                                        <p:attrNameLst>
+                                          <p:attrName>style.visibility</p:attrName>
+                                        </p:attrNameLst>
+                                      </p:cBhvr>
+                                      <p:to>
+                                        <p:strVal val="visible"/>
+                                      </p:to>
+                                    </p:set>
+                                    <p:animEffect transition="in" filter="fade">
+                                      <p:cBhvr>
+                                        <p:cTn id="18" dur="500"/>
+                                        <p:tgtEl>
+                                          <p:spTgt spid="3">
+                                            <p:txEl>
+                                              <p:pRg st="2" end="2"/>
+                                            </p:txEl>
+                                          </p:spTgt>
+                                        </p:tgtEl>
+                                      </p:cBhvr>
+                                    </p:animEffect>
+                                  </p:childTnLst>
+                                </p:cTn>
+                              </p:par>
+                              <p:par>
+                                <p:cTn id="19" presetID="10" presetClass="entr" presetSubtype="0" fill="hold" grpId="0" nodeType="withEffect">
+                                  <p:stCondLst>
+                                    <p:cond delay="0"/>
+                                  </p:stCondLst>
+                                  <p:childTnLst>
+                                    <p:set>
+                                      <p:cBhvr>
+                                        <p:cTn id="20" dur="1" fill="hold">
+                                          <p:stCondLst>
+                                            <p:cond delay="0"/>
+                                          </p:stCondLst>
+                                        </p:cTn>
+                                        <p:tgtEl>
+                                          <p:spTgt spid="3">
+                                            <p:txEl>
+                                              <p:pRg st="3" end="3"/>
+                                            </p:txEl>
+                                          </p:spTgt>
+                                        </p:tgtEl>
+                                        <p:attrNameLst>
+                                          <p:attrName>style.visibility</p:attrName>
+                                        </p:attrNameLst>
+                                      </p:cBhvr>
+                                      <p:to>
+                                        <p:strVal val="visible"/>
+                                      </p:to>
+                                    </p:set>
+                                    <p:animEffect transition="in" filter="fade">
+                                      <p:cBhvr>
+                                        <p:cTn id="21" dur="500"/>
+                                        <p:tgtEl>
+                                          <p:spTgt spid="3">
+                                            <p:txEl>
+                                              <p:pRg st="3" end="3"/>
+                                            </p:txEl>
+                                          </p:spTgt>
+                                        </p:tgtEl>
+                                      </p:cBhvr>
+                                    </p:animEffect>
+                                  </p:childTnLst>
+                                </p:cTn>
+                              </p:par>
+                            </p:childTnLst>
+                          </p:cTn>
+                        </p:par>
+                      </p:childTnLst>
+                    </p:cTn>
+                  </p:par>
+                </p:childTnLst>
+              </p:cTn>
+              <p:prevCondLst>
+                <p:cond evt="onPrev" delay="0">
+                  <p:tgtEl>
+                    <p:sldTgt/>
+                  </p:tgtEl>
+                </p:cond>
+              </p:prevCondLst>
+              <p:nextCondLst>
+                <p:cond evt="onNext" delay="0">
+                  <p:tgtEl>
+                    <p:sldTgt/>
+                  </p:tgtEl>
+                </p:cond>
+              </p:nextCondLst>
+            </p:seq>
+          </p:childTnLst>
+        </p:cTn>
+      </p:par>
+    </p:tnLst>
+    <p:bldLst>
+      <p:bldP spid="2" grpId="0"/>
+      <p:bldP spid="3" grpId="0" build="p"/>
+    </p:bldLst>
+  </p:timing>
 </p:sld>
 </file>
 
@@ -9637,7 +12780,7 @@
           <p:cNvPr id="2" name="Title 1">
             <a:extLst>
               <a:ext uri="{FF2B5EF4-FFF2-40B4-BE49-F238E27FC236}">
-                <a16:creationId xmlns:a16="http://schemas.microsoft.com/office/drawing/2014/main" id="{EBD3D3B3-39FA-46E3-9948-8B96ABDC09D1}"/>
+                <a16:creationId xmlns:a16="http://schemas.microsoft.com/office/drawing/2014/main" id="{6A05053C-8893-413C-B7FA-901C01183EE4}"/>
               </a:ext>
             </a:extLst>
           </p:cNvPr>
@@ -9646,63 +12789,6 @@
           </p:cNvSpPr>
           <p:nvPr>
             <p:ph type="title"/>
-          </p:nvPr>
-        </p:nvSpPr>
-        <p:spPr/>
-        <p:txBody>
-          <a:bodyPr/>
-          <a:lstStyle/>
-          <a:p>
-            <a:endParaRPr lang="en-US"/>
-          </a:p>
-        </p:txBody>
-      </p:sp>
-      <p:sp>
-        <p:nvSpPr>
-          <p:cNvPr id="3" name="Text Placeholder 2">
-            <a:extLst>
-              <a:ext uri="{FF2B5EF4-FFF2-40B4-BE49-F238E27FC236}">
-                <a16:creationId xmlns:a16="http://schemas.microsoft.com/office/drawing/2014/main" id="{E7CA979D-BE1D-41C3-831F-6F367932F8DC}"/>
-              </a:ext>
-            </a:extLst>
-          </p:cNvPr>
-          <p:cNvSpPr>
-            <a:spLocks noGrp="1"/>
-          </p:cNvSpPr>
-          <p:nvPr>
-            <p:ph type="body" idx="1"/>
-          </p:nvPr>
-        </p:nvSpPr>
-        <p:spPr/>
-        <p:txBody>
-          <a:bodyPr/>
-          <a:lstStyle/>
-          <a:p>
-            <a:r>
-              <a:rPr lang="en-US" dirty="0">
-                <a:solidFill>
-                  <a:schemeClr val="accent6"/>
-                </a:solidFill>
-              </a:rPr>
-              <a:t>Systems Used</a:t>
-            </a:r>
-          </a:p>
-        </p:txBody>
-      </p:sp>
-      <p:sp>
-        <p:nvSpPr>
-          <p:cNvPr id="4" name="Content Placeholder 3">
-            <a:extLst>
-              <a:ext uri="{FF2B5EF4-FFF2-40B4-BE49-F238E27FC236}">
-                <a16:creationId xmlns:a16="http://schemas.microsoft.com/office/drawing/2014/main" id="{819F04C1-A7CC-4C4F-88D1-43C7280C9F8F}"/>
-              </a:ext>
-            </a:extLst>
-          </p:cNvPr>
-          <p:cNvSpPr>
-            <a:spLocks noGrp="1"/>
-          </p:cNvSpPr>
-          <p:nvPr>
-            <p:ph sz="half" idx="2"/>
           </p:nvPr>
         </p:nvSpPr>
         <p:spPr/>
@@ -9714,51 +12800,17 @@
           <a:p>
             <a:r>
               <a:rPr lang="en-US" dirty="0"/>
-              <a:t>Postgres SQL, Tableau</a:t>
-            </a:r>
-          </a:p>
-          <a:p>
-            <a:r>
-              <a:rPr lang="en-US" dirty="0"/>
-              <a:t>Description of interactive elements- </a:t>
-            </a:r>
-          </a:p>
-          <a:p>
-            <a:pPr lvl="1"/>
-            <a:r>
-              <a:rPr lang="en-US" dirty="0"/>
-              <a:t>Gender</a:t>
-            </a:r>
-          </a:p>
-          <a:p>
-            <a:pPr lvl="1"/>
-            <a:r>
-              <a:rPr lang="en-US" dirty="0"/>
-              <a:t>Age</a:t>
-            </a:r>
-          </a:p>
-          <a:p>
-            <a:pPr lvl="1"/>
-            <a:r>
-              <a:rPr lang="en-US" dirty="0"/>
-              <a:t>BMI</a:t>
-            </a:r>
-          </a:p>
-          <a:p>
-            <a:pPr lvl="1"/>
-            <a:r>
-              <a:rPr lang="en-US" dirty="0"/>
-              <a:t>(the above based on linear regression/ logistical regression done)</a:t>
-            </a:r>
-          </a:p>
-        </p:txBody>
-      </p:sp>
-      <p:sp>
-        <p:nvSpPr>
-          <p:cNvPr id="5" name="Text Placeholder 4">
+              <a:t>Description of our Data</a:t>
+            </a:r>
+          </a:p>
+        </p:txBody>
+      </p:sp>
+      <p:sp>
+        <p:nvSpPr>
+          <p:cNvPr id="3" name="Content Placeholder 2">
             <a:extLst>
               <a:ext uri="{FF2B5EF4-FFF2-40B4-BE49-F238E27FC236}">
-                <a16:creationId xmlns:a16="http://schemas.microsoft.com/office/drawing/2014/main" id="{089AB619-2169-4A4C-986D-FB120160B765}"/>
+                <a16:creationId xmlns:a16="http://schemas.microsoft.com/office/drawing/2014/main" id="{7E6C76AF-BECA-4BA8-96AA-EAE463205046}"/>
               </a:ext>
             </a:extLst>
           </p:cNvPr>
@@ -9766,7 +12818,7 @@
             <a:spLocks noGrp="1"/>
           </p:cNvSpPr>
           <p:nvPr>
-            <p:ph type="body" sz="quarter" idx="3"/>
+            <p:ph idx="1"/>
           </p:nvPr>
         </p:nvSpPr>
         <p:spPr/>
@@ -9774,51 +12826,68 @@
           <a:bodyPr/>
           <a:lstStyle/>
           <a:p>
-            <a:r>
-              <a:rPr lang="en-US" dirty="0">
+            <a:pPr marL="457200" lvl="1" indent="0">
+              <a:buNone/>
+            </a:pPr>
+            <a:endParaRPr lang="en-US" b="0" i="0" dirty="0">
+              <a:solidFill>
+                <a:schemeClr val="tx1"/>
+              </a:solidFill>
+              <a:effectLst/>
+              <a:latin typeface="Roboto" panose="020B0604020202020204" pitchFamily="2" charset="0"/>
+            </a:endParaRPr>
+          </a:p>
+          <a:p>
+            <a:pPr algn="l">
+              <a:buFont typeface="Arial" panose="020B0604020202020204" pitchFamily="34" charset="0"/>
+              <a:buChar char="•"/>
+            </a:pPr>
+            <a:r>
+              <a:rPr lang="en-US" b="0" i="0" dirty="0">
                 <a:solidFill>
                   <a:schemeClr val="accent6"/>
                 </a:solidFill>
+                <a:effectLst/>
+                <a:latin typeface="Roboto" panose="020B0604020202020204" pitchFamily="2" charset="0"/>
               </a:rPr>
-              <a:t>Machine Learning</a:t>
-            </a:r>
-          </a:p>
-        </p:txBody>
-      </p:sp>
-      <p:sp>
-        <p:nvSpPr>
-          <p:cNvPr id="6" name="Content Placeholder 5">
-            <a:extLst>
-              <a:ext uri="{FF2B5EF4-FFF2-40B4-BE49-F238E27FC236}">
-                <a16:creationId xmlns:a16="http://schemas.microsoft.com/office/drawing/2014/main" id="{6439462F-1F10-407A-923A-77CDA3A39678}"/>
-              </a:ext>
-            </a:extLst>
-          </p:cNvPr>
-          <p:cNvSpPr>
-            <a:spLocks noGrp="1"/>
-          </p:cNvSpPr>
-          <p:nvPr>
-            <p:ph sz="quarter" idx="4"/>
-          </p:nvPr>
-        </p:nvSpPr>
-        <p:spPr/>
-        <p:txBody>
-          <a:bodyPr>
-            <a:normAutofit/>
-          </a:bodyPr>
-          <a:lstStyle/>
-          <a:p>
-            <a:r>
-              <a:rPr lang="en-US" dirty="0"/>
-              <a:t>Unsupervised Machine Learning to determine trends among Gender, Age and BMI. </a:t>
-            </a:r>
+              <a:t>Our data has over 250,000 records and 22 columns. This data is from the 2015 health survey conducted annually by the Center for Disease Control (CDC). </a:t>
+            </a:r>
+            <a:endParaRPr lang="en-US" dirty="0">
+              <a:solidFill>
+                <a:schemeClr val="tx1"/>
+              </a:solidFill>
+              <a:latin typeface="Roboto" panose="020B0604020202020204" pitchFamily="2" charset="0"/>
+            </a:endParaRPr>
+          </a:p>
+          <a:p>
+            <a:pPr lvl="1"/>
+            <a:endParaRPr lang="en-US" b="0" i="0" dirty="0">
+              <a:solidFill>
+                <a:schemeClr val="tx1"/>
+              </a:solidFill>
+              <a:effectLst/>
+              <a:latin typeface="Roboto" panose="020B0604020202020204" pitchFamily="2" charset="0"/>
+            </a:endParaRPr>
+          </a:p>
+          <a:p>
+            <a:pPr lvl="1"/>
+            <a:endParaRPr lang="en-US" b="0" i="0" dirty="0">
+              <a:solidFill>
+                <a:schemeClr val="tx1"/>
+              </a:solidFill>
+              <a:effectLst/>
+              <a:latin typeface="Roboto" panose="020B0604020202020204" pitchFamily="2" charset="0"/>
+            </a:endParaRPr>
+          </a:p>
+          <a:p>
+            <a:endParaRPr lang="en-US" dirty="0"/>
           </a:p>
         </p:txBody>
       </p:sp>
     </p:spTree>
     <p:extLst>
       <p:ext uri="{BB962C8B-B14F-4D97-AF65-F5344CB8AC3E}">
-        <p14:creationId xmlns:p14="http://schemas.microsoft.com/office/powerpoint/2010/main" val="3739134093"/>
+        <p14:creationId xmlns:p14="http://schemas.microsoft.com/office/powerpoint/2010/main" val="3910852088"/>
       </p:ext>
     </p:extLst>
   </p:cSld>
@@ -9829,6 +12898,1171 @@
 </file>
 
 <file path=ppt/slides/slide4.xml><?xml version="1.0" encoding="utf-8"?>
+<p:sld xmlns:a="http://schemas.openxmlformats.org/drawingml/2006/main" xmlns:r="http://schemas.openxmlformats.org/officeDocument/2006/relationships" xmlns:p="http://schemas.openxmlformats.org/presentationml/2006/main">
+  <p:cSld>
+    <p:spTree>
+      <p:nvGrpSpPr>
+        <p:cNvPr id="1" name=""/>
+        <p:cNvGrpSpPr/>
+        <p:nvPr/>
+      </p:nvGrpSpPr>
+      <p:grpSpPr>
+        <a:xfrm>
+          <a:off x="0" y="0"/>
+          <a:ext cx="0" cy="0"/>
+          <a:chOff x="0" y="0"/>
+          <a:chExt cx="0" cy="0"/>
+        </a:xfrm>
+      </p:grpSpPr>
+      <p:sp>
+        <p:nvSpPr>
+          <p:cNvPr id="2" name="Title 1">
+            <a:extLst>
+              <a:ext uri="{FF2B5EF4-FFF2-40B4-BE49-F238E27FC236}">
+                <a16:creationId xmlns:a16="http://schemas.microsoft.com/office/drawing/2014/main" id="{B51F894E-9086-462D-9873-AD538CAB7CB9}"/>
+              </a:ext>
+            </a:extLst>
+          </p:cNvPr>
+          <p:cNvSpPr>
+            <a:spLocks noGrp="1"/>
+          </p:cNvSpPr>
+          <p:nvPr>
+            <p:ph type="title"/>
+          </p:nvPr>
+        </p:nvSpPr>
+        <p:spPr/>
+        <p:txBody>
+          <a:bodyPr>
+            <a:normAutofit fontScale="90000"/>
+          </a:bodyPr>
+          <a:lstStyle/>
+          <a:p>
+            <a:r>
+              <a:rPr lang="en-US" dirty="0"/>
+              <a:t>Questions we hope to answer with the data</a:t>
+            </a:r>
+          </a:p>
+        </p:txBody>
+      </p:sp>
+      <p:sp>
+        <p:nvSpPr>
+          <p:cNvPr id="3" name="Content Placeholder 2">
+            <a:extLst>
+              <a:ext uri="{FF2B5EF4-FFF2-40B4-BE49-F238E27FC236}">
+                <a16:creationId xmlns:a16="http://schemas.microsoft.com/office/drawing/2014/main" id="{1F05E295-00A6-4EB8-94A6-EFFC04E8AE29}"/>
+              </a:ext>
+            </a:extLst>
+          </p:cNvPr>
+          <p:cNvSpPr>
+            <a:spLocks noGrp="1"/>
+          </p:cNvSpPr>
+          <p:nvPr>
+            <p:ph idx="1"/>
+          </p:nvPr>
+        </p:nvSpPr>
+        <p:spPr/>
+        <p:txBody>
+          <a:bodyPr/>
+          <a:lstStyle/>
+          <a:p>
+            <a:r>
+              <a:rPr lang="en-US" dirty="0"/>
+              <a:t>With this large dataset we hope to see what factors can predict diabetes. </a:t>
+            </a:r>
+          </a:p>
+          <a:p>
+            <a:r>
+              <a:rPr lang="en-US" dirty="0"/>
+              <a:t>How are the results affected by Age, Gender and BMI?</a:t>
+            </a:r>
+          </a:p>
+          <a:p>
+            <a:r>
+              <a:rPr lang="en-US" dirty="0"/>
+              <a:t>Which health indicators affect Males vs. Females the most?</a:t>
+            </a:r>
+          </a:p>
+        </p:txBody>
+      </p:sp>
+    </p:spTree>
+    <p:extLst>
+      <p:ext uri="{BB962C8B-B14F-4D97-AF65-F5344CB8AC3E}">
+        <p14:creationId xmlns:p14="http://schemas.microsoft.com/office/powerpoint/2010/main" val="3040866266"/>
+      </p:ext>
+    </p:extLst>
+  </p:cSld>
+  <p:clrMapOvr>
+    <a:masterClrMapping/>
+  </p:clrMapOvr>
+</p:sld>
+</file>
+
+<file path=ppt/slides/slide5.xml><?xml version="1.0" encoding="utf-8"?>
+<p:sld xmlns:a="http://schemas.openxmlformats.org/drawingml/2006/main" xmlns:r="http://schemas.openxmlformats.org/officeDocument/2006/relationships" xmlns:p="http://schemas.openxmlformats.org/presentationml/2006/main">
+  <p:cSld>
+    <p:spTree>
+      <p:nvGrpSpPr>
+        <p:cNvPr id="1" name=""/>
+        <p:cNvGrpSpPr/>
+        <p:nvPr/>
+      </p:nvGrpSpPr>
+      <p:grpSpPr>
+        <a:xfrm>
+          <a:off x="0" y="0"/>
+          <a:ext cx="0" cy="0"/>
+          <a:chOff x="0" y="0"/>
+          <a:chExt cx="0" cy="0"/>
+        </a:xfrm>
+      </p:grpSpPr>
+      <p:sp>
+        <p:nvSpPr>
+          <p:cNvPr id="2" name="Title 1">
+            <a:extLst>
+              <a:ext uri="{FF2B5EF4-FFF2-40B4-BE49-F238E27FC236}">
+                <a16:creationId xmlns:a16="http://schemas.microsoft.com/office/drawing/2014/main" id="{EBD3D3B3-39FA-46E3-9948-8B96ABDC09D1}"/>
+              </a:ext>
+            </a:extLst>
+          </p:cNvPr>
+          <p:cNvSpPr>
+            <a:spLocks noGrp="1"/>
+          </p:cNvSpPr>
+          <p:nvPr>
+            <p:ph type="title"/>
+          </p:nvPr>
+        </p:nvSpPr>
+        <p:spPr/>
+        <p:txBody>
+          <a:bodyPr/>
+          <a:lstStyle/>
+          <a:p>
+            <a:r>
+              <a:rPr lang="en-US" dirty="0"/>
+              <a:t>Technologies we will use</a:t>
+            </a:r>
+          </a:p>
+        </p:txBody>
+      </p:sp>
+      <p:sp>
+        <p:nvSpPr>
+          <p:cNvPr id="4" name="Content Placeholder 3">
+            <a:extLst>
+              <a:ext uri="{FF2B5EF4-FFF2-40B4-BE49-F238E27FC236}">
+                <a16:creationId xmlns:a16="http://schemas.microsoft.com/office/drawing/2014/main" id="{819F04C1-A7CC-4C4F-88D1-43C7280C9F8F}"/>
+              </a:ext>
+            </a:extLst>
+          </p:cNvPr>
+          <p:cNvSpPr>
+            <a:spLocks noGrp="1"/>
+          </p:cNvSpPr>
+          <p:nvPr>
+            <p:ph sz="half" idx="2"/>
+          </p:nvPr>
+        </p:nvSpPr>
+        <p:spPr>
+          <a:xfrm>
+            <a:off x="1119999" y="1681163"/>
+            <a:ext cx="9131347" cy="4508500"/>
+          </a:xfrm>
+        </p:spPr>
+        <p:txBody>
+          <a:bodyPr>
+            <a:normAutofit/>
+          </a:bodyPr>
+          <a:lstStyle/>
+          <a:p>
+            <a:r>
+              <a:rPr lang="en-US" dirty="0" err="1"/>
+              <a:t>Github</a:t>
+            </a:r>
+            <a:r>
+              <a:rPr lang="en-US" dirty="0"/>
+              <a:t> for collaboration. </a:t>
+            </a:r>
+          </a:p>
+          <a:p>
+            <a:r>
+              <a:rPr lang="en-US" dirty="0"/>
+              <a:t>PostgreSQL for our database. </a:t>
+            </a:r>
+          </a:p>
+          <a:p>
+            <a:r>
+              <a:rPr lang="en-US" dirty="0"/>
+              <a:t>Supervised Machine Learning using logistic regression &amp; classification methods for data exploration and analysis to determine trends among health indicators, socioeconomic and lifestyle indicators. </a:t>
+            </a:r>
+          </a:p>
+          <a:p>
+            <a:r>
+              <a:rPr lang="en-US" dirty="0"/>
+              <a:t>Tableau for our visualizations and dashboard. </a:t>
+            </a:r>
+          </a:p>
+          <a:p>
+            <a:r>
+              <a:rPr lang="en-US" dirty="0"/>
+              <a:t>AWS for web hosting. </a:t>
+            </a:r>
+          </a:p>
+          <a:p>
+            <a:r>
+              <a:rPr lang="en-US" dirty="0"/>
+              <a:t>Flask &amp; Heroku for deployment.  </a:t>
+            </a:r>
+          </a:p>
+        </p:txBody>
+      </p:sp>
+    </p:spTree>
+    <p:extLst>
+      <p:ext uri="{BB962C8B-B14F-4D97-AF65-F5344CB8AC3E}">
+        <p14:creationId xmlns:p14="http://schemas.microsoft.com/office/powerpoint/2010/main" val="2994492369"/>
+      </p:ext>
+    </p:extLst>
+  </p:cSld>
+  <p:clrMapOvr>
+    <a:masterClrMapping/>
+  </p:clrMapOvr>
+  <p:timing>
+    <p:tnLst>
+      <p:par>
+        <p:cTn id="1" dur="indefinite" restart="never" nodeType="tmRoot">
+          <p:childTnLst>
+            <p:seq concurrent="1" nextAc="seek">
+              <p:cTn id="2" dur="indefinite" nodeType="mainSeq">
+                <p:childTnLst>
+                  <p:par>
+                    <p:cTn id="3" fill="hold">
+                      <p:stCondLst>
+                        <p:cond delay="indefinite"/>
+                      </p:stCondLst>
+                      <p:childTnLst>
+                        <p:par>
+                          <p:cTn id="4" fill="hold">
+                            <p:stCondLst>
+                              <p:cond delay="0"/>
+                            </p:stCondLst>
+                            <p:childTnLst>
+                              <p:par>
+                                <p:cTn id="5" presetID="10" presetClass="entr" presetSubtype="0" fill="hold" nodeType="clickEffect">
+                                  <p:stCondLst>
+                                    <p:cond delay="0"/>
+                                  </p:stCondLst>
+                                  <p:childTnLst>
+                                    <p:set>
+                                      <p:cBhvr>
+                                        <p:cTn id="6" dur="1" fill="hold">
+                                          <p:stCondLst>
+                                            <p:cond delay="0"/>
+                                          </p:stCondLst>
+                                        </p:cTn>
+                                        <p:tgtEl>
+                                          <p:spTgt spid="4">
+                                            <p:txEl>
+                                              <p:pRg st="0" end="0"/>
+                                            </p:txEl>
+                                          </p:spTgt>
+                                        </p:tgtEl>
+                                        <p:attrNameLst>
+                                          <p:attrName>style.visibility</p:attrName>
+                                        </p:attrNameLst>
+                                      </p:cBhvr>
+                                      <p:to>
+                                        <p:strVal val="visible"/>
+                                      </p:to>
+                                    </p:set>
+                                    <p:animEffect transition="in" filter="fade">
+                                      <p:cBhvr>
+                                        <p:cTn id="7" dur="500"/>
+                                        <p:tgtEl>
+                                          <p:spTgt spid="4">
+                                            <p:txEl>
+                                              <p:pRg st="0" end="0"/>
+                                            </p:txEl>
+                                          </p:spTgt>
+                                        </p:tgtEl>
+                                      </p:cBhvr>
+                                    </p:animEffect>
+                                  </p:childTnLst>
+                                </p:cTn>
+                              </p:par>
+                            </p:childTnLst>
+                          </p:cTn>
+                        </p:par>
+                      </p:childTnLst>
+                    </p:cTn>
+                  </p:par>
+                  <p:par>
+                    <p:cTn id="8" fill="hold">
+                      <p:stCondLst>
+                        <p:cond delay="indefinite"/>
+                      </p:stCondLst>
+                      <p:childTnLst>
+                        <p:par>
+                          <p:cTn id="9" fill="hold">
+                            <p:stCondLst>
+                              <p:cond delay="0"/>
+                            </p:stCondLst>
+                            <p:childTnLst>
+                              <p:par>
+                                <p:cTn id="10" presetID="10" presetClass="entr" presetSubtype="0" fill="hold" nodeType="clickEffect">
+                                  <p:stCondLst>
+                                    <p:cond delay="0"/>
+                                  </p:stCondLst>
+                                  <p:childTnLst>
+                                    <p:set>
+                                      <p:cBhvr>
+                                        <p:cTn id="11" dur="1" fill="hold">
+                                          <p:stCondLst>
+                                            <p:cond delay="0"/>
+                                          </p:stCondLst>
+                                        </p:cTn>
+                                        <p:tgtEl>
+                                          <p:spTgt spid="4">
+                                            <p:txEl>
+                                              <p:pRg st="1" end="1"/>
+                                            </p:txEl>
+                                          </p:spTgt>
+                                        </p:tgtEl>
+                                        <p:attrNameLst>
+                                          <p:attrName>style.visibility</p:attrName>
+                                        </p:attrNameLst>
+                                      </p:cBhvr>
+                                      <p:to>
+                                        <p:strVal val="visible"/>
+                                      </p:to>
+                                    </p:set>
+                                    <p:animEffect transition="in" filter="fade">
+                                      <p:cBhvr>
+                                        <p:cTn id="12" dur="500"/>
+                                        <p:tgtEl>
+                                          <p:spTgt spid="4">
+                                            <p:txEl>
+                                              <p:pRg st="1" end="1"/>
+                                            </p:txEl>
+                                          </p:spTgt>
+                                        </p:tgtEl>
+                                      </p:cBhvr>
+                                    </p:animEffect>
+                                  </p:childTnLst>
+                                </p:cTn>
+                              </p:par>
+                            </p:childTnLst>
+                          </p:cTn>
+                        </p:par>
+                      </p:childTnLst>
+                    </p:cTn>
+                  </p:par>
+                  <p:par>
+                    <p:cTn id="13" fill="hold">
+                      <p:stCondLst>
+                        <p:cond delay="indefinite"/>
+                      </p:stCondLst>
+                      <p:childTnLst>
+                        <p:par>
+                          <p:cTn id="14" fill="hold">
+                            <p:stCondLst>
+                              <p:cond delay="0"/>
+                            </p:stCondLst>
+                            <p:childTnLst>
+                              <p:par>
+                                <p:cTn id="15" presetID="10" presetClass="entr" presetSubtype="0" fill="hold" nodeType="clickEffect">
+                                  <p:stCondLst>
+                                    <p:cond delay="0"/>
+                                  </p:stCondLst>
+                                  <p:childTnLst>
+                                    <p:set>
+                                      <p:cBhvr>
+                                        <p:cTn id="16" dur="1" fill="hold">
+                                          <p:stCondLst>
+                                            <p:cond delay="0"/>
+                                          </p:stCondLst>
+                                        </p:cTn>
+                                        <p:tgtEl>
+                                          <p:spTgt spid="4">
+                                            <p:txEl>
+                                              <p:pRg st="2" end="2"/>
+                                            </p:txEl>
+                                          </p:spTgt>
+                                        </p:tgtEl>
+                                        <p:attrNameLst>
+                                          <p:attrName>style.visibility</p:attrName>
+                                        </p:attrNameLst>
+                                      </p:cBhvr>
+                                      <p:to>
+                                        <p:strVal val="visible"/>
+                                      </p:to>
+                                    </p:set>
+                                    <p:animEffect transition="in" filter="fade">
+                                      <p:cBhvr>
+                                        <p:cTn id="17" dur="500"/>
+                                        <p:tgtEl>
+                                          <p:spTgt spid="4">
+                                            <p:txEl>
+                                              <p:pRg st="2" end="2"/>
+                                            </p:txEl>
+                                          </p:spTgt>
+                                        </p:tgtEl>
+                                      </p:cBhvr>
+                                    </p:animEffect>
+                                  </p:childTnLst>
+                                </p:cTn>
+                              </p:par>
+                            </p:childTnLst>
+                          </p:cTn>
+                        </p:par>
+                      </p:childTnLst>
+                    </p:cTn>
+                  </p:par>
+                  <p:par>
+                    <p:cTn id="18" fill="hold">
+                      <p:stCondLst>
+                        <p:cond delay="indefinite"/>
+                      </p:stCondLst>
+                      <p:childTnLst>
+                        <p:par>
+                          <p:cTn id="19" fill="hold">
+                            <p:stCondLst>
+                              <p:cond delay="0"/>
+                            </p:stCondLst>
+                            <p:childTnLst>
+                              <p:par>
+                                <p:cTn id="20" presetID="10" presetClass="entr" presetSubtype="0" fill="hold" nodeType="clickEffect">
+                                  <p:stCondLst>
+                                    <p:cond delay="0"/>
+                                  </p:stCondLst>
+                                  <p:childTnLst>
+                                    <p:set>
+                                      <p:cBhvr>
+                                        <p:cTn id="21" dur="1" fill="hold">
+                                          <p:stCondLst>
+                                            <p:cond delay="0"/>
+                                          </p:stCondLst>
+                                        </p:cTn>
+                                        <p:tgtEl>
+                                          <p:spTgt spid="4">
+                                            <p:txEl>
+                                              <p:pRg st="3" end="3"/>
+                                            </p:txEl>
+                                          </p:spTgt>
+                                        </p:tgtEl>
+                                        <p:attrNameLst>
+                                          <p:attrName>style.visibility</p:attrName>
+                                        </p:attrNameLst>
+                                      </p:cBhvr>
+                                      <p:to>
+                                        <p:strVal val="visible"/>
+                                      </p:to>
+                                    </p:set>
+                                    <p:animEffect transition="in" filter="fade">
+                                      <p:cBhvr>
+                                        <p:cTn id="22" dur="500"/>
+                                        <p:tgtEl>
+                                          <p:spTgt spid="4">
+                                            <p:txEl>
+                                              <p:pRg st="3" end="3"/>
+                                            </p:txEl>
+                                          </p:spTgt>
+                                        </p:tgtEl>
+                                      </p:cBhvr>
+                                    </p:animEffect>
+                                  </p:childTnLst>
+                                </p:cTn>
+                              </p:par>
+                            </p:childTnLst>
+                          </p:cTn>
+                        </p:par>
+                      </p:childTnLst>
+                    </p:cTn>
+                  </p:par>
+                  <p:par>
+                    <p:cTn id="23" fill="hold">
+                      <p:stCondLst>
+                        <p:cond delay="indefinite"/>
+                      </p:stCondLst>
+                      <p:childTnLst>
+                        <p:par>
+                          <p:cTn id="24" fill="hold">
+                            <p:stCondLst>
+                              <p:cond delay="0"/>
+                            </p:stCondLst>
+                            <p:childTnLst>
+                              <p:par>
+                                <p:cTn id="25" presetID="10" presetClass="entr" presetSubtype="0" fill="hold" nodeType="clickEffect">
+                                  <p:stCondLst>
+                                    <p:cond delay="0"/>
+                                  </p:stCondLst>
+                                  <p:childTnLst>
+                                    <p:set>
+                                      <p:cBhvr>
+                                        <p:cTn id="26" dur="1" fill="hold">
+                                          <p:stCondLst>
+                                            <p:cond delay="0"/>
+                                          </p:stCondLst>
+                                        </p:cTn>
+                                        <p:tgtEl>
+                                          <p:spTgt spid="4">
+                                            <p:txEl>
+                                              <p:pRg st="4" end="4"/>
+                                            </p:txEl>
+                                          </p:spTgt>
+                                        </p:tgtEl>
+                                        <p:attrNameLst>
+                                          <p:attrName>style.visibility</p:attrName>
+                                        </p:attrNameLst>
+                                      </p:cBhvr>
+                                      <p:to>
+                                        <p:strVal val="visible"/>
+                                      </p:to>
+                                    </p:set>
+                                    <p:animEffect transition="in" filter="fade">
+                                      <p:cBhvr>
+                                        <p:cTn id="27" dur="500"/>
+                                        <p:tgtEl>
+                                          <p:spTgt spid="4">
+                                            <p:txEl>
+                                              <p:pRg st="4" end="4"/>
+                                            </p:txEl>
+                                          </p:spTgt>
+                                        </p:tgtEl>
+                                      </p:cBhvr>
+                                    </p:animEffect>
+                                  </p:childTnLst>
+                                </p:cTn>
+                              </p:par>
+                            </p:childTnLst>
+                          </p:cTn>
+                        </p:par>
+                      </p:childTnLst>
+                    </p:cTn>
+                  </p:par>
+                  <p:par>
+                    <p:cTn id="28" fill="hold">
+                      <p:stCondLst>
+                        <p:cond delay="indefinite"/>
+                      </p:stCondLst>
+                      <p:childTnLst>
+                        <p:par>
+                          <p:cTn id="29" fill="hold">
+                            <p:stCondLst>
+                              <p:cond delay="0"/>
+                            </p:stCondLst>
+                            <p:childTnLst>
+                              <p:par>
+                                <p:cTn id="30" presetID="10" presetClass="entr" presetSubtype="0" fill="hold" nodeType="clickEffect">
+                                  <p:stCondLst>
+                                    <p:cond delay="0"/>
+                                  </p:stCondLst>
+                                  <p:childTnLst>
+                                    <p:set>
+                                      <p:cBhvr>
+                                        <p:cTn id="31" dur="1" fill="hold">
+                                          <p:stCondLst>
+                                            <p:cond delay="0"/>
+                                          </p:stCondLst>
+                                        </p:cTn>
+                                        <p:tgtEl>
+                                          <p:spTgt spid="4">
+                                            <p:txEl>
+                                              <p:pRg st="5" end="5"/>
+                                            </p:txEl>
+                                          </p:spTgt>
+                                        </p:tgtEl>
+                                        <p:attrNameLst>
+                                          <p:attrName>style.visibility</p:attrName>
+                                        </p:attrNameLst>
+                                      </p:cBhvr>
+                                      <p:to>
+                                        <p:strVal val="visible"/>
+                                      </p:to>
+                                    </p:set>
+                                    <p:animEffect transition="in" filter="fade">
+                                      <p:cBhvr>
+                                        <p:cTn id="32" dur="500"/>
+                                        <p:tgtEl>
+                                          <p:spTgt spid="4">
+                                            <p:txEl>
+                                              <p:pRg st="5" end="5"/>
+                                            </p:txEl>
+                                          </p:spTgt>
+                                        </p:tgtEl>
+                                      </p:cBhvr>
+                                    </p:animEffect>
+                                  </p:childTnLst>
+                                </p:cTn>
+                              </p:par>
+                            </p:childTnLst>
+                          </p:cTn>
+                        </p:par>
+                      </p:childTnLst>
+                    </p:cTn>
+                  </p:par>
+                </p:childTnLst>
+              </p:cTn>
+              <p:prevCondLst>
+                <p:cond evt="onPrev" delay="0">
+                  <p:tgtEl>
+                    <p:sldTgt/>
+                  </p:tgtEl>
+                </p:cond>
+              </p:prevCondLst>
+              <p:nextCondLst>
+                <p:cond evt="onNext" delay="0">
+                  <p:tgtEl>
+                    <p:sldTgt/>
+                  </p:tgtEl>
+                </p:cond>
+              </p:nextCondLst>
+            </p:seq>
+          </p:childTnLst>
+        </p:cTn>
+      </p:par>
+    </p:tnLst>
+  </p:timing>
+</p:sld>
+</file>
+
+<file path=ppt/slides/slide6.xml><?xml version="1.0" encoding="utf-8"?>
+<p:sld xmlns:a="http://schemas.openxmlformats.org/drawingml/2006/main" xmlns:r="http://schemas.openxmlformats.org/officeDocument/2006/relationships" xmlns:p="http://schemas.openxmlformats.org/presentationml/2006/main">
+  <p:cSld>
+    <p:spTree>
+      <p:nvGrpSpPr>
+        <p:cNvPr id="1" name=""/>
+        <p:cNvGrpSpPr/>
+        <p:nvPr/>
+      </p:nvGrpSpPr>
+      <p:grpSpPr>
+        <a:xfrm>
+          <a:off x="0" y="0"/>
+          <a:ext cx="0" cy="0"/>
+          <a:chOff x="0" y="0"/>
+          <a:chExt cx="0" cy="0"/>
+        </a:xfrm>
+      </p:grpSpPr>
+      <p:sp>
+        <p:nvSpPr>
+          <p:cNvPr id="2" name="Title 1">
+            <a:extLst>
+              <a:ext uri="{FF2B5EF4-FFF2-40B4-BE49-F238E27FC236}">
+                <a16:creationId xmlns:a16="http://schemas.microsoft.com/office/drawing/2014/main" id="{A9106B93-F10C-4EFF-8391-174B323517CB}"/>
+              </a:ext>
+            </a:extLst>
+          </p:cNvPr>
+          <p:cNvSpPr>
+            <a:spLocks noGrp="1"/>
+          </p:cNvSpPr>
+          <p:nvPr>
+            <p:ph type="title"/>
+          </p:nvPr>
+        </p:nvSpPr>
+        <p:spPr>
+          <a:xfrm>
+            <a:off x="838200" y="228769"/>
+            <a:ext cx="10515600" cy="637506"/>
+          </a:xfrm>
+        </p:spPr>
+        <p:txBody>
+          <a:bodyPr>
+            <a:normAutofit fontScale="90000"/>
+          </a:bodyPr>
+          <a:lstStyle/>
+          <a:p>
+            <a:pPr algn="ctr"/>
+            <a:r>
+              <a:rPr lang="en-US" dirty="0"/>
+              <a:t>Postgres SQL</a:t>
+            </a:r>
+          </a:p>
+        </p:txBody>
+      </p:sp>
+      <p:pic>
+        <p:nvPicPr>
+          <p:cNvPr id="8" name="Content Placeholder 7">
+            <a:extLst>
+              <a:ext uri="{FF2B5EF4-FFF2-40B4-BE49-F238E27FC236}">
+                <a16:creationId xmlns:a16="http://schemas.microsoft.com/office/drawing/2014/main" id="{02F51F0B-F263-41C7-9A1E-C7A3186524D2}"/>
+              </a:ext>
+            </a:extLst>
+          </p:cNvPr>
+          <p:cNvPicPr>
+            <a:picLocks noGrp="1" noChangeAspect="1"/>
+          </p:cNvPicPr>
+          <p:nvPr>
+            <p:ph sz="half" idx="2"/>
+          </p:nvPr>
+        </p:nvPicPr>
+        <p:blipFill>
+          <a:blip r:embed="rId2"/>
+          <a:stretch>
+            <a:fillRect/>
+          </a:stretch>
+        </p:blipFill>
+        <p:spPr>
+          <a:xfrm>
+            <a:off x="1202071" y="952133"/>
+            <a:ext cx="9787857" cy="5517162"/>
+          </a:xfrm>
+        </p:spPr>
+      </p:pic>
+    </p:spTree>
+    <p:extLst>
+      <p:ext uri="{BB962C8B-B14F-4D97-AF65-F5344CB8AC3E}">
+        <p14:creationId xmlns:p14="http://schemas.microsoft.com/office/powerpoint/2010/main" val="920808768"/>
+      </p:ext>
+    </p:extLst>
+  </p:cSld>
+  <p:clrMapOvr>
+    <a:masterClrMapping/>
+  </p:clrMapOvr>
+</p:sld>
+</file>
+
+<file path=ppt/slides/slide7.xml><?xml version="1.0" encoding="utf-8"?>
+<p:sld xmlns:a="http://schemas.openxmlformats.org/drawingml/2006/main" xmlns:r="http://schemas.openxmlformats.org/officeDocument/2006/relationships" xmlns:p="http://schemas.openxmlformats.org/presentationml/2006/main">
+  <p:cSld>
+    <p:spTree>
+      <p:nvGrpSpPr>
+        <p:cNvPr id="1" name=""/>
+        <p:cNvGrpSpPr/>
+        <p:nvPr/>
+      </p:nvGrpSpPr>
+      <p:grpSpPr>
+        <a:xfrm>
+          <a:off x="0" y="0"/>
+          <a:ext cx="0" cy="0"/>
+          <a:chOff x="0" y="0"/>
+          <a:chExt cx="0" cy="0"/>
+        </a:xfrm>
+      </p:grpSpPr>
+      <p:sp>
+        <p:nvSpPr>
+          <p:cNvPr id="2" name="Title 1">
+            <a:extLst>
+              <a:ext uri="{FF2B5EF4-FFF2-40B4-BE49-F238E27FC236}">
+                <a16:creationId xmlns:a16="http://schemas.microsoft.com/office/drawing/2014/main" id="{33C840F5-C548-4EE2-85C8-F45AB329C11E}"/>
+              </a:ext>
+            </a:extLst>
+          </p:cNvPr>
+          <p:cNvSpPr>
+            <a:spLocks noGrp="1"/>
+          </p:cNvSpPr>
+          <p:nvPr>
+            <p:ph type="title"/>
+          </p:nvPr>
+        </p:nvSpPr>
+        <p:spPr/>
+        <p:txBody>
+          <a:bodyPr>
+            <a:normAutofit fontScale="90000"/>
+          </a:bodyPr>
+          <a:lstStyle/>
+          <a:p>
+            <a:r>
+              <a:rPr lang="en-US" dirty="0"/>
+              <a:t>Analysis Phase of the Project- Machine Learning</a:t>
+            </a:r>
+          </a:p>
+        </p:txBody>
+      </p:sp>
+      <p:sp>
+        <p:nvSpPr>
+          <p:cNvPr id="4" name="Content Placeholder 3">
+            <a:extLst>
+              <a:ext uri="{FF2B5EF4-FFF2-40B4-BE49-F238E27FC236}">
+                <a16:creationId xmlns:a16="http://schemas.microsoft.com/office/drawing/2014/main" id="{977BBD9D-A60A-41A8-B85D-9CE866792DC0}"/>
+              </a:ext>
+            </a:extLst>
+          </p:cNvPr>
+          <p:cNvSpPr>
+            <a:spLocks noGrp="1"/>
+          </p:cNvSpPr>
+          <p:nvPr>
+            <p:ph sz="half" idx="2"/>
+          </p:nvPr>
+        </p:nvSpPr>
+        <p:spPr>
+          <a:xfrm>
+            <a:off x="657726" y="1681163"/>
+            <a:ext cx="5487490" cy="4508500"/>
+          </a:xfrm>
+        </p:spPr>
+        <p:txBody>
+          <a:bodyPr>
+            <a:normAutofit fontScale="85000" lnSpcReduction="10000"/>
+          </a:bodyPr>
+          <a:lstStyle/>
+          <a:p>
+            <a:r>
+              <a:rPr lang="en-US" dirty="0"/>
+              <a:t>We created 4 logistic regression models. </a:t>
+            </a:r>
+          </a:p>
+          <a:p>
+            <a:r>
+              <a:rPr lang="en-US" dirty="0"/>
+              <a:t>One of these was for the full dataset and the other 3 were divided up into health indicators, socioeconomic factors and lifestyle factors. </a:t>
+            </a:r>
+          </a:p>
+          <a:p>
+            <a:r>
+              <a:rPr lang="en-US" dirty="0"/>
+              <a:t>We used oversampling, undersampling and combination methods. </a:t>
+            </a:r>
+          </a:p>
+          <a:p>
+            <a:r>
+              <a:rPr lang="en-US" dirty="0"/>
+              <a:t>Results for the 3 subsets were not impressive. Our best results came from using the full dataset. </a:t>
+            </a:r>
+          </a:p>
+          <a:p>
+            <a:r>
+              <a:rPr lang="en-US" dirty="0"/>
+              <a:t>The classification method worked better than the logistical regression on the full dataset. </a:t>
+            </a:r>
+          </a:p>
+        </p:txBody>
+      </p:sp>
+      <p:pic>
+        <p:nvPicPr>
+          <p:cNvPr id="10" name="Content Placeholder 9">
+            <a:extLst>
+              <a:ext uri="{FF2B5EF4-FFF2-40B4-BE49-F238E27FC236}">
+                <a16:creationId xmlns:a16="http://schemas.microsoft.com/office/drawing/2014/main" id="{048F2FC9-DB0E-4CCB-A343-7C1805FE9AFD}"/>
+              </a:ext>
+            </a:extLst>
+          </p:cNvPr>
+          <p:cNvPicPr>
+            <a:picLocks noGrp="1" noChangeAspect="1"/>
+          </p:cNvPicPr>
+          <p:nvPr>
+            <p:ph sz="quarter" idx="4"/>
+          </p:nvPr>
+        </p:nvPicPr>
+        <p:blipFill>
+          <a:blip r:embed="rId2"/>
+          <a:stretch>
+            <a:fillRect/>
+          </a:stretch>
+        </p:blipFill>
+        <p:spPr>
+          <a:xfrm>
+            <a:off x="6368716" y="1147762"/>
+            <a:ext cx="5301916" cy="5573879"/>
+          </a:xfrm>
+        </p:spPr>
+      </p:pic>
+    </p:spTree>
+    <p:extLst>
+      <p:ext uri="{BB962C8B-B14F-4D97-AF65-F5344CB8AC3E}">
+        <p14:creationId xmlns:p14="http://schemas.microsoft.com/office/powerpoint/2010/main" val="2041391532"/>
+      </p:ext>
+    </p:extLst>
+  </p:cSld>
+  <p:clrMapOvr>
+    <a:masterClrMapping/>
+  </p:clrMapOvr>
+  <p:timing>
+    <p:tnLst>
+      <p:par>
+        <p:cTn id="1" dur="indefinite" restart="never" nodeType="tmRoot">
+          <p:childTnLst>
+            <p:seq concurrent="1" nextAc="seek">
+              <p:cTn id="2" dur="indefinite" nodeType="mainSeq">
+                <p:childTnLst>
+                  <p:par>
+                    <p:cTn id="3" fill="hold">
+                      <p:stCondLst>
+                        <p:cond delay="indefinite"/>
+                      </p:stCondLst>
+                      <p:childTnLst>
+                        <p:par>
+                          <p:cTn id="4" fill="hold">
+                            <p:stCondLst>
+                              <p:cond delay="0"/>
+                            </p:stCondLst>
+                            <p:childTnLst>
+                              <p:par>
+                                <p:cTn id="5" presetID="10" presetClass="entr" presetSubtype="0" fill="hold" nodeType="clickEffect">
+                                  <p:stCondLst>
+                                    <p:cond delay="0"/>
+                                  </p:stCondLst>
+                                  <p:childTnLst>
+                                    <p:set>
+                                      <p:cBhvr>
+                                        <p:cTn id="6" dur="1" fill="hold">
+                                          <p:stCondLst>
+                                            <p:cond delay="0"/>
+                                          </p:stCondLst>
+                                        </p:cTn>
+                                        <p:tgtEl>
+                                          <p:spTgt spid="4">
+                                            <p:txEl>
+                                              <p:pRg st="0" end="0"/>
+                                            </p:txEl>
+                                          </p:spTgt>
+                                        </p:tgtEl>
+                                        <p:attrNameLst>
+                                          <p:attrName>style.visibility</p:attrName>
+                                        </p:attrNameLst>
+                                      </p:cBhvr>
+                                      <p:to>
+                                        <p:strVal val="visible"/>
+                                      </p:to>
+                                    </p:set>
+                                    <p:animEffect transition="in" filter="fade">
+                                      <p:cBhvr>
+                                        <p:cTn id="7" dur="500"/>
+                                        <p:tgtEl>
+                                          <p:spTgt spid="4">
+                                            <p:txEl>
+                                              <p:pRg st="0" end="0"/>
+                                            </p:txEl>
+                                          </p:spTgt>
+                                        </p:tgtEl>
+                                      </p:cBhvr>
+                                    </p:animEffect>
+                                  </p:childTnLst>
+                                </p:cTn>
+                              </p:par>
+                              <p:par>
+                                <p:cTn id="8" presetID="10" presetClass="entr" presetSubtype="0" fill="hold" nodeType="withEffect">
+                                  <p:stCondLst>
+                                    <p:cond delay="0"/>
+                                  </p:stCondLst>
+                                  <p:childTnLst>
+                                    <p:set>
+                                      <p:cBhvr>
+                                        <p:cTn id="9" dur="1" fill="hold">
+                                          <p:stCondLst>
+                                            <p:cond delay="0"/>
+                                          </p:stCondLst>
+                                        </p:cTn>
+                                        <p:tgtEl>
+                                          <p:spTgt spid="4">
+                                            <p:txEl>
+                                              <p:pRg st="1" end="1"/>
+                                            </p:txEl>
+                                          </p:spTgt>
+                                        </p:tgtEl>
+                                        <p:attrNameLst>
+                                          <p:attrName>style.visibility</p:attrName>
+                                        </p:attrNameLst>
+                                      </p:cBhvr>
+                                      <p:to>
+                                        <p:strVal val="visible"/>
+                                      </p:to>
+                                    </p:set>
+                                    <p:animEffect transition="in" filter="fade">
+                                      <p:cBhvr>
+                                        <p:cTn id="10" dur="500"/>
+                                        <p:tgtEl>
+                                          <p:spTgt spid="4">
+                                            <p:txEl>
+                                              <p:pRg st="1" end="1"/>
+                                            </p:txEl>
+                                          </p:spTgt>
+                                        </p:tgtEl>
+                                      </p:cBhvr>
+                                    </p:animEffect>
+                                  </p:childTnLst>
+                                </p:cTn>
+                              </p:par>
+                            </p:childTnLst>
+                          </p:cTn>
+                        </p:par>
+                      </p:childTnLst>
+                    </p:cTn>
+                  </p:par>
+                  <p:par>
+                    <p:cTn id="11" fill="hold">
+                      <p:stCondLst>
+                        <p:cond delay="indefinite"/>
+                      </p:stCondLst>
+                      <p:childTnLst>
+                        <p:par>
+                          <p:cTn id="12" fill="hold">
+                            <p:stCondLst>
+                              <p:cond delay="0"/>
+                            </p:stCondLst>
+                            <p:childTnLst>
+                              <p:par>
+                                <p:cTn id="13" presetID="10" presetClass="entr" presetSubtype="0" fill="hold" nodeType="clickEffect">
+                                  <p:stCondLst>
+                                    <p:cond delay="0"/>
+                                  </p:stCondLst>
+                                  <p:childTnLst>
+                                    <p:set>
+                                      <p:cBhvr>
+                                        <p:cTn id="14" dur="1" fill="hold">
+                                          <p:stCondLst>
+                                            <p:cond delay="0"/>
+                                          </p:stCondLst>
+                                        </p:cTn>
+                                        <p:tgtEl>
+                                          <p:spTgt spid="4">
+                                            <p:txEl>
+                                              <p:pRg st="2" end="2"/>
+                                            </p:txEl>
+                                          </p:spTgt>
+                                        </p:tgtEl>
+                                        <p:attrNameLst>
+                                          <p:attrName>style.visibility</p:attrName>
+                                        </p:attrNameLst>
+                                      </p:cBhvr>
+                                      <p:to>
+                                        <p:strVal val="visible"/>
+                                      </p:to>
+                                    </p:set>
+                                    <p:animEffect transition="in" filter="fade">
+                                      <p:cBhvr>
+                                        <p:cTn id="15" dur="500"/>
+                                        <p:tgtEl>
+                                          <p:spTgt spid="4">
+                                            <p:txEl>
+                                              <p:pRg st="2" end="2"/>
+                                            </p:txEl>
+                                          </p:spTgt>
+                                        </p:tgtEl>
+                                      </p:cBhvr>
+                                    </p:animEffect>
+                                  </p:childTnLst>
+                                </p:cTn>
+                              </p:par>
+                              <p:par>
+                                <p:cTn id="16" presetID="10" presetClass="entr" presetSubtype="0" fill="hold" nodeType="withEffect">
+                                  <p:stCondLst>
+                                    <p:cond delay="0"/>
+                                  </p:stCondLst>
+                                  <p:childTnLst>
+                                    <p:set>
+                                      <p:cBhvr>
+                                        <p:cTn id="17" dur="1" fill="hold">
+                                          <p:stCondLst>
+                                            <p:cond delay="0"/>
+                                          </p:stCondLst>
+                                        </p:cTn>
+                                        <p:tgtEl>
+                                          <p:spTgt spid="4">
+                                            <p:txEl>
+                                              <p:pRg st="3" end="3"/>
+                                            </p:txEl>
+                                          </p:spTgt>
+                                        </p:tgtEl>
+                                        <p:attrNameLst>
+                                          <p:attrName>style.visibility</p:attrName>
+                                        </p:attrNameLst>
+                                      </p:cBhvr>
+                                      <p:to>
+                                        <p:strVal val="visible"/>
+                                      </p:to>
+                                    </p:set>
+                                    <p:animEffect transition="in" filter="fade">
+                                      <p:cBhvr>
+                                        <p:cTn id="18" dur="500"/>
+                                        <p:tgtEl>
+                                          <p:spTgt spid="4">
+                                            <p:txEl>
+                                              <p:pRg st="3" end="3"/>
+                                            </p:txEl>
+                                          </p:spTgt>
+                                        </p:tgtEl>
+                                      </p:cBhvr>
+                                    </p:animEffect>
+                                  </p:childTnLst>
+                                </p:cTn>
+                              </p:par>
+                            </p:childTnLst>
+                          </p:cTn>
+                        </p:par>
+                      </p:childTnLst>
+                    </p:cTn>
+                  </p:par>
+                  <p:par>
+                    <p:cTn id="19" fill="hold">
+                      <p:stCondLst>
+                        <p:cond delay="indefinite"/>
+                      </p:stCondLst>
+                      <p:childTnLst>
+                        <p:par>
+                          <p:cTn id="20" fill="hold">
+                            <p:stCondLst>
+                              <p:cond delay="0"/>
+                            </p:stCondLst>
+                            <p:childTnLst>
+                              <p:par>
+                                <p:cTn id="21" presetID="10" presetClass="entr" presetSubtype="0" fill="hold" nodeType="clickEffect">
+                                  <p:stCondLst>
+                                    <p:cond delay="0"/>
+                                  </p:stCondLst>
+                                  <p:childTnLst>
+                                    <p:set>
+                                      <p:cBhvr>
+                                        <p:cTn id="22" dur="1" fill="hold">
+                                          <p:stCondLst>
+                                            <p:cond delay="0"/>
+                                          </p:stCondLst>
+                                        </p:cTn>
+                                        <p:tgtEl>
+                                          <p:spTgt spid="4">
+                                            <p:txEl>
+                                              <p:pRg st="4" end="4"/>
+                                            </p:txEl>
+                                          </p:spTgt>
+                                        </p:tgtEl>
+                                        <p:attrNameLst>
+                                          <p:attrName>style.visibility</p:attrName>
+                                        </p:attrNameLst>
+                                      </p:cBhvr>
+                                      <p:to>
+                                        <p:strVal val="visible"/>
+                                      </p:to>
+                                    </p:set>
+                                    <p:animEffect transition="in" filter="fade">
+                                      <p:cBhvr>
+                                        <p:cTn id="23" dur="500"/>
+                                        <p:tgtEl>
+                                          <p:spTgt spid="4">
+                                            <p:txEl>
+                                              <p:pRg st="4" end="4"/>
+                                            </p:txEl>
+                                          </p:spTgt>
+                                        </p:tgtEl>
+                                      </p:cBhvr>
+                                    </p:animEffect>
+                                  </p:childTnLst>
+                                </p:cTn>
+                              </p:par>
+                            </p:childTnLst>
+                          </p:cTn>
+                        </p:par>
+                      </p:childTnLst>
+                    </p:cTn>
+                  </p:par>
+                </p:childTnLst>
+              </p:cTn>
+              <p:prevCondLst>
+                <p:cond evt="onPrev" delay="0">
+                  <p:tgtEl>
+                    <p:sldTgt/>
+                  </p:tgtEl>
+                </p:cond>
+              </p:prevCondLst>
+              <p:nextCondLst>
+                <p:cond evt="onNext" delay="0">
+                  <p:tgtEl>
+                    <p:sldTgt/>
+                  </p:tgtEl>
+                </p:cond>
+              </p:nextCondLst>
+            </p:seq>
+          </p:childTnLst>
+        </p:cTn>
+      </p:par>
+    </p:tnLst>
+  </p:timing>
+</p:sld>
+</file>
+
+<file path=ppt/slides/slide8.xml><?xml version="1.0" encoding="utf-8"?>
 <p:sld xmlns:a="http://schemas.openxmlformats.org/drawingml/2006/main" xmlns:r="http://schemas.openxmlformats.org/officeDocument/2006/relationships" xmlns:p="http://schemas.openxmlformats.org/presentationml/2006/main">
   <p:cSld>
     <p:spTree>
@@ -9981,709 +14215,6 @@
 </p:sld>
 </file>
 
-<file path=ppt/slides/slide5.xml><?xml version="1.0" encoding="utf-8"?>
-<p:sld xmlns:a="http://schemas.openxmlformats.org/drawingml/2006/main" xmlns:r="http://schemas.openxmlformats.org/officeDocument/2006/relationships" xmlns:p="http://schemas.openxmlformats.org/presentationml/2006/main">
-  <p:cSld>
-    <p:spTree>
-      <p:nvGrpSpPr>
-        <p:cNvPr id="1" name=""/>
-        <p:cNvGrpSpPr/>
-        <p:nvPr/>
-      </p:nvGrpSpPr>
-      <p:grpSpPr>
-        <a:xfrm>
-          <a:off x="0" y="0"/>
-          <a:ext cx="0" cy="0"/>
-          <a:chOff x="0" y="0"/>
-          <a:chExt cx="0" cy="0"/>
-        </a:xfrm>
-      </p:grpSpPr>
-      <p:sp>
-        <p:nvSpPr>
-          <p:cNvPr id="2" name="Title 1">
-            <a:extLst>
-              <a:ext uri="{FF2B5EF4-FFF2-40B4-BE49-F238E27FC236}">
-                <a16:creationId xmlns:a16="http://schemas.microsoft.com/office/drawing/2014/main" id="{33C840F5-C548-4EE2-85C8-F45AB329C11E}"/>
-              </a:ext>
-            </a:extLst>
-          </p:cNvPr>
-          <p:cNvSpPr>
-            <a:spLocks noGrp="1"/>
-          </p:cNvSpPr>
-          <p:nvPr>
-            <p:ph type="title"/>
-          </p:nvPr>
-        </p:nvSpPr>
-        <p:spPr>
-          <a:xfrm>
-            <a:off x="839788" y="365126"/>
-            <a:ext cx="10515600" cy="677612"/>
-          </a:xfrm>
-        </p:spPr>
-        <p:txBody>
-          <a:bodyPr>
-            <a:normAutofit fontScale="90000"/>
-          </a:bodyPr>
-          <a:lstStyle/>
-          <a:p>
-            <a:r>
-              <a:rPr lang="en-US" dirty="0"/>
-              <a:t>BMI- Nondiabetic &amp; Prediabetic</a:t>
-            </a:r>
-          </a:p>
-        </p:txBody>
-      </p:sp>
-      <p:sp>
-        <p:nvSpPr>
-          <p:cNvPr id="3" name="Text Placeholder 2">
-            <a:extLst>
-              <a:ext uri="{FF2B5EF4-FFF2-40B4-BE49-F238E27FC236}">
-                <a16:creationId xmlns:a16="http://schemas.microsoft.com/office/drawing/2014/main" id="{9591EB7B-6DC3-46BB-842D-C70DC4C61A2D}"/>
-              </a:ext>
-            </a:extLst>
-          </p:cNvPr>
-          <p:cNvSpPr>
-            <a:spLocks noGrp="1"/>
-          </p:cNvSpPr>
-          <p:nvPr>
-            <p:ph type="body" idx="1"/>
-          </p:nvPr>
-        </p:nvSpPr>
-        <p:spPr>
-          <a:xfrm>
-            <a:off x="441158" y="1690688"/>
-            <a:ext cx="3492105" cy="823912"/>
-          </a:xfrm>
-        </p:spPr>
-        <p:txBody>
-          <a:bodyPr/>
-          <a:lstStyle/>
-          <a:p>
-            <a:endParaRPr lang="en-US" dirty="0"/>
-          </a:p>
-        </p:txBody>
-      </p:sp>
-      <p:sp>
-        <p:nvSpPr>
-          <p:cNvPr id="5" name="Text Placeholder 4">
-            <a:extLst>
-              <a:ext uri="{FF2B5EF4-FFF2-40B4-BE49-F238E27FC236}">
-                <a16:creationId xmlns:a16="http://schemas.microsoft.com/office/drawing/2014/main" id="{8C3EDDA3-53CC-4AA6-8CB2-DE55A15075C4}"/>
-              </a:ext>
-            </a:extLst>
-          </p:cNvPr>
-          <p:cNvSpPr>
-            <a:spLocks noGrp="1"/>
-          </p:cNvSpPr>
-          <p:nvPr>
-            <p:ph type="body" sz="quarter" idx="3"/>
-          </p:nvPr>
-        </p:nvSpPr>
-        <p:spPr/>
-        <p:txBody>
-          <a:bodyPr/>
-          <a:lstStyle/>
-          <a:p>
-            <a:endParaRPr lang="en-US" dirty="0"/>
-          </a:p>
-        </p:txBody>
-      </p:sp>
-      <p:sp>
-        <p:nvSpPr>
-          <p:cNvPr id="6" name="Content Placeholder 5">
-            <a:extLst>
-              <a:ext uri="{FF2B5EF4-FFF2-40B4-BE49-F238E27FC236}">
-                <a16:creationId xmlns:a16="http://schemas.microsoft.com/office/drawing/2014/main" id="{5F70C724-F19E-4052-AF66-9D2B280CC088}"/>
-              </a:ext>
-            </a:extLst>
-          </p:cNvPr>
-          <p:cNvSpPr>
-            <a:spLocks noGrp="1"/>
-          </p:cNvSpPr>
-          <p:nvPr>
-            <p:ph sz="quarter" idx="4"/>
-          </p:nvPr>
-        </p:nvSpPr>
-        <p:spPr/>
-        <p:txBody>
-          <a:bodyPr/>
-          <a:lstStyle/>
-          <a:p>
-            <a:endParaRPr lang="en-US" dirty="0"/>
-          </a:p>
-        </p:txBody>
-      </p:sp>
-      <p:pic>
-        <p:nvPicPr>
-          <p:cNvPr id="8" name="Content Placeholder 7">
-            <a:extLst>
-              <a:ext uri="{FF2B5EF4-FFF2-40B4-BE49-F238E27FC236}">
-                <a16:creationId xmlns:a16="http://schemas.microsoft.com/office/drawing/2014/main" id="{FF4BD217-CE32-4F3D-8B4E-0EAFB075C491}"/>
-              </a:ext>
-            </a:extLst>
-          </p:cNvPr>
-          <p:cNvPicPr>
-            <a:picLocks noGrp="1" noChangeAspect="1"/>
-          </p:cNvPicPr>
-          <p:nvPr>
-            <p:ph sz="half" idx="2"/>
-          </p:nvPr>
-        </p:nvPicPr>
-        <p:blipFill>
-          <a:blip r:embed="rId2"/>
-          <a:stretch>
-            <a:fillRect/>
-          </a:stretch>
-        </p:blipFill>
-        <p:spPr>
-          <a:xfrm>
-            <a:off x="4471308" y="1419727"/>
-            <a:ext cx="7279534" cy="4814444"/>
-          </a:xfrm>
-        </p:spPr>
-      </p:pic>
-    </p:spTree>
-    <p:extLst>
-      <p:ext uri="{BB962C8B-B14F-4D97-AF65-F5344CB8AC3E}">
-        <p14:creationId xmlns:p14="http://schemas.microsoft.com/office/powerpoint/2010/main" val="1194625884"/>
-      </p:ext>
-    </p:extLst>
-  </p:cSld>
-  <p:clrMapOvr>
-    <a:masterClrMapping/>
-  </p:clrMapOvr>
-</p:sld>
-</file>
-
-<file path=ppt/slides/slide6.xml><?xml version="1.0" encoding="utf-8"?>
-<p:sld xmlns:a="http://schemas.openxmlformats.org/drawingml/2006/main" xmlns:r="http://schemas.openxmlformats.org/officeDocument/2006/relationships" xmlns:p="http://schemas.openxmlformats.org/presentationml/2006/main">
-  <p:cSld>
-    <p:spTree>
-      <p:nvGrpSpPr>
-        <p:cNvPr id="1" name=""/>
-        <p:cNvGrpSpPr/>
-        <p:nvPr/>
-      </p:nvGrpSpPr>
-      <p:grpSpPr>
-        <a:xfrm>
-          <a:off x="0" y="0"/>
-          <a:ext cx="0" cy="0"/>
-          <a:chOff x="0" y="0"/>
-          <a:chExt cx="0" cy="0"/>
-        </a:xfrm>
-      </p:grpSpPr>
-      <p:sp>
-        <p:nvSpPr>
-          <p:cNvPr id="2" name="Title 1">
-            <a:extLst>
-              <a:ext uri="{FF2B5EF4-FFF2-40B4-BE49-F238E27FC236}">
-                <a16:creationId xmlns:a16="http://schemas.microsoft.com/office/drawing/2014/main" id="{33C840F5-C548-4EE2-85C8-F45AB329C11E}"/>
-              </a:ext>
-            </a:extLst>
-          </p:cNvPr>
-          <p:cNvSpPr>
-            <a:spLocks noGrp="1"/>
-          </p:cNvSpPr>
-          <p:nvPr>
-            <p:ph type="title"/>
-          </p:nvPr>
-        </p:nvSpPr>
-        <p:spPr/>
-        <p:txBody>
-          <a:bodyPr/>
-          <a:lstStyle/>
-          <a:p>
-            <a:r>
-              <a:rPr lang="en-US" dirty="0"/>
-              <a:t>BMI- Lifestyle</a:t>
-            </a:r>
-          </a:p>
-        </p:txBody>
-      </p:sp>
-      <p:sp>
-        <p:nvSpPr>
-          <p:cNvPr id="3" name="Text Placeholder 2">
-            <a:extLst>
-              <a:ext uri="{FF2B5EF4-FFF2-40B4-BE49-F238E27FC236}">
-                <a16:creationId xmlns:a16="http://schemas.microsoft.com/office/drawing/2014/main" id="{9591EB7B-6DC3-46BB-842D-C70DC4C61A2D}"/>
-              </a:ext>
-            </a:extLst>
-          </p:cNvPr>
-          <p:cNvSpPr>
-            <a:spLocks noGrp="1"/>
-          </p:cNvSpPr>
-          <p:nvPr>
-            <p:ph type="body" idx="1"/>
-          </p:nvPr>
-        </p:nvSpPr>
-        <p:spPr>
-          <a:xfrm>
-            <a:off x="397180" y="1690688"/>
-            <a:ext cx="5274789" cy="1001128"/>
-          </a:xfrm>
-        </p:spPr>
-        <p:txBody>
-          <a:bodyPr/>
-          <a:lstStyle/>
-          <a:p>
-            <a:endParaRPr lang="en-US" dirty="0"/>
-          </a:p>
-        </p:txBody>
-      </p:sp>
-      <p:sp>
-        <p:nvSpPr>
-          <p:cNvPr id="5" name="Text Placeholder 4">
-            <a:extLst>
-              <a:ext uri="{FF2B5EF4-FFF2-40B4-BE49-F238E27FC236}">
-                <a16:creationId xmlns:a16="http://schemas.microsoft.com/office/drawing/2014/main" id="{8C3EDDA3-53CC-4AA6-8CB2-DE55A15075C4}"/>
-              </a:ext>
-            </a:extLst>
-          </p:cNvPr>
-          <p:cNvSpPr>
-            <a:spLocks noGrp="1"/>
-          </p:cNvSpPr>
-          <p:nvPr>
-            <p:ph type="body" sz="quarter" idx="3"/>
-          </p:nvPr>
-        </p:nvSpPr>
-        <p:spPr/>
-        <p:txBody>
-          <a:bodyPr/>
-          <a:lstStyle/>
-          <a:p>
-            <a:endParaRPr lang="en-US"/>
-          </a:p>
-        </p:txBody>
-      </p:sp>
-      <p:pic>
-        <p:nvPicPr>
-          <p:cNvPr id="14" name="Content Placeholder 13">
-            <a:extLst>
-              <a:ext uri="{FF2B5EF4-FFF2-40B4-BE49-F238E27FC236}">
-                <a16:creationId xmlns:a16="http://schemas.microsoft.com/office/drawing/2014/main" id="{1C2C50DC-193A-479A-A86E-D1AAE37E5180}"/>
-              </a:ext>
-            </a:extLst>
-          </p:cNvPr>
-          <p:cNvPicPr>
-            <a:picLocks noGrp="1" noChangeAspect="1"/>
-          </p:cNvPicPr>
-          <p:nvPr>
-            <p:ph sz="quarter" idx="4"/>
-          </p:nvPr>
-        </p:nvPicPr>
-        <p:blipFill>
-          <a:blip r:embed="rId2"/>
-          <a:stretch>
-            <a:fillRect/>
-          </a:stretch>
-        </p:blipFill>
-        <p:spPr>
-          <a:xfrm>
-            <a:off x="6319838" y="2686879"/>
-            <a:ext cx="5035550" cy="3320979"/>
-          </a:xfrm>
-        </p:spPr>
-      </p:pic>
-      <p:pic>
-        <p:nvPicPr>
-          <p:cNvPr id="12" name="Content Placeholder 11">
-            <a:extLst>
-              <a:ext uri="{FF2B5EF4-FFF2-40B4-BE49-F238E27FC236}">
-                <a16:creationId xmlns:a16="http://schemas.microsoft.com/office/drawing/2014/main" id="{002CD03A-D64D-4A7F-9702-9020B4B75CC4}"/>
-              </a:ext>
-            </a:extLst>
-          </p:cNvPr>
-          <p:cNvPicPr>
-            <a:picLocks noGrp="1" noChangeAspect="1"/>
-          </p:cNvPicPr>
-          <p:nvPr>
-            <p:ph sz="half" idx="2"/>
-          </p:nvPr>
-        </p:nvPicPr>
-        <p:blipFill>
-          <a:blip r:embed="rId3"/>
-          <a:stretch>
-            <a:fillRect/>
-          </a:stretch>
-        </p:blipFill>
-        <p:spPr>
-          <a:xfrm>
-            <a:off x="647532" y="2690211"/>
-            <a:ext cx="5024438" cy="3317647"/>
-          </a:xfrm>
-        </p:spPr>
-      </p:pic>
-    </p:spTree>
-    <p:extLst>
-      <p:ext uri="{BB962C8B-B14F-4D97-AF65-F5344CB8AC3E}">
-        <p14:creationId xmlns:p14="http://schemas.microsoft.com/office/powerpoint/2010/main" val="1500827369"/>
-      </p:ext>
-    </p:extLst>
-  </p:cSld>
-  <p:clrMapOvr>
-    <a:masterClrMapping/>
-  </p:clrMapOvr>
-</p:sld>
-</file>
-
-<file path=ppt/slides/slide7.xml><?xml version="1.0" encoding="utf-8"?>
-<p:sld xmlns:a="http://schemas.openxmlformats.org/drawingml/2006/main" xmlns:r="http://schemas.openxmlformats.org/officeDocument/2006/relationships" xmlns:p="http://schemas.openxmlformats.org/presentationml/2006/main">
-  <p:cSld>
-    <p:spTree>
-      <p:nvGrpSpPr>
-        <p:cNvPr id="1" name=""/>
-        <p:cNvGrpSpPr/>
-        <p:nvPr/>
-      </p:nvGrpSpPr>
-      <p:grpSpPr>
-        <a:xfrm>
-          <a:off x="0" y="0"/>
-          <a:ext cx="0" cy="0"/>
-          <a:chOff x="0" y="0"/>
-          <a:chExt cx="0" cy="0"/>
-        </a:xfrm>
-      </p:grpSpPr>
-      <p:sp>
-        <p:nvSpPr>
-          <p:cNvPr id="2" name="Title 1">
-            <a:extLst>
-              <a:ext uri="{FF2B5EF4-FFF2-40B4-BE49-F238E27FC236}">
-                <a16:creationId xmlns:a16="http://schemas.microsoft.com/office/drawing/2014/main" id="{33C840F5-C548-4EE2-85C8-F45AB329C11E}"/>
-              </a:ext>
-            </a:extLst>
-          </p:cNvPr>
-          <p:cNvSpPr>
-            <a:spLocks noGrp="1"/>
-          </p:cNvSpPr>
-          <p:nvPr>
-            <p:ph type="title"/>
-          </p:nvPr>
-        </p:nvSpPr>
-        <p:spPr/>
-        <p:txBody>
-          <a:bodyPr/>
-          <a:lstStyle/>
-          <a:p>
-            <a:r>
-              <a:rPr lang="en-US" dirty="0"/>
-              <a:t>BMI- Socioeconomic</a:t>
-            </a:r>
-          </a:p>
-        </p:txBody>
-      </p:sp>
-      <p:sp>
-        <p:nvSpPr>
-          <p:cNvPr id="3" name="Text Placeholder 2">
-            <a:extLst>
-              <a:ext uri="{FF2B5EF4-FFF2-40B4-BE49-F238E27FC236}">
-                <a16:creationId xmlns:a16="http://schemas.microsoft.com/office/drawing/2014/main" id="{9591EB7B-6DC3-46BB-842D-C70DC4C61A2D}"/>
-              </a:ext>
-            </a:extLst>
-          </p:cNvPr>
-          <p:cNvSpPr>
-            <a:spLocks noGrp="1"/>
-          </p:cNvSpPr>
-          <p:nvPr>
-            <p:ph type="body" idx="1"/>
-          </p:nvPr>
-        </p:nvSpPr>
-        <p:spPr/>
-        <p:txBody>
-          <a:bodyPr/>
-          <a:lstStyle/>
-          <a:p>
-            <a:endParaRPr lang="en-US"/>
-          </a:p>
-        </p:txBody>
-      </p:sp>
-      <p:sp>
-        <p:nvSpPr>
-          <p:cNvPr id="4" name="Content Placeholder 3">
-            <a:extLst>
-              <a:ext uri="{FF2B5EF4-FFF2-40B4-BE49-F238E27FC236}">
-                <a16:creationId xmlns:a16="http://schemas.microsoft.com/office/drawing/2014/main" id="{977BBD9D-A60A-41A8-B85D-9CE866792DC0}"/>
-              </a:ext>
-            </a:extLst>
-          </p:cNvPr>
-          <p:cNvSpPr>
-            <a:spLocks noGrp="1"/>
-          </p:cNvSpPr>
-          <p:nvPr>
-            <p:ph sz="half" idx="2"/>
-          </p:nvPr>
-        </p:nvSpPr>
-        <p:spPr/>
-        <p:txBody>
-          <a:bodyPr/>
-          <a:lstStyle/>
-          <a:p>
-            <a:endParaRPr lang="en-US"/>
-          </a:p>
-        </p:txBody>
-      </p:sp>
-      <p:sp>
-        <p:nvSpPr>
-          <p:cNvPr id="5" name="Text Placeholder 4">
-            <a:extLst>
-              <a:ext uri="{FF2B5EF4-FFF2-40B4-BE49-F238E27FC236}">
-                <a16:creationId xmlns:a16="http://schemas.microsoft.com/office/drawing/2014/main" id="{8C3EDDA3-53CC-4AA6-8CB2-DE55A15075C4}"/>
-              </a:ext>
-            </a:extLst>
-          </p:cNvPr>
-          <p:cNvSpPr>
-            <a:spLocks noGrp="1"/>
-          </p:cNvSpPr>
-          <p:nvPr>
-            <p:ph type="body" sz="quarter" idx="3"/>
-          </p:nvPr>
-        </p:nvSpPr>
-        <p:spPr/>
-        <p:txBody>
-          <a:bodyPr/>
-          <a:lstStyle/>
-          <a:p>
-            <a:endParaRPr lang="en-US"/>
-          </a:p>
-        </p:txBody>
-      </p:sp>
-      <p:sp>
-        <p:nvSpPr>
-          <p:cNvPr id="6" name="Content Placeholder 5">
-            <a:extLst>
-              <a:ext uri="{FF2B5EF4-FFF2-40B4-BE49-F238E27FC236}">
-                <a16:creationId xmlns:a16="http://schemas.microsoft.com/office/drawing/2014/main" id="{5F70C724-F19E-4052-AF66-9D2B280CC088}"/>
-              </a:ext>
-            </a:extLst>
-          </p:cNvPr>
-          <p:cNvSpPr>
-            <a:spLocks noGrp="1"/>
-          </p:cNvSpPr>
-          <p:nvPr>
-            <p:ph sz="quarter" idx="4"/>
-          </p:nvPr>
-        </p:nvSpPr>
-        <p:spPr/>
-        <p:txBody>
-          <a:bodyPr/>
-          <a:lstStyle/>
-          <a:p>
-            <a:endParaRPr lang="en-US"/>
-          </a:p>
-        </p:txBody>
-      </p:sp>
-    </p:spTree>
-    <p:extLst>
-      <p:ext uri="{BB962C8B-B14F-4D97-AF65-F5344CB8AC3E}">
-        <p14:creationId xmlns:p14="http://schemas.microsoft.com/office/powerpoint/2010/main" val="676509434"/>
-      </p:ext>
-    </p:extLst>
-  </p:cSld>
-  <p:clrMapOvr>
-    <a:masterClrMapping/>
-  </p:clrMapOvr>
-</p:sld>
-</file>
-
-<file path=ppt/slides/slide8.xml><?xml version="1.0" encoding="utf-8"?>
-<p:sld xmlns:a="http://schemas.openxmlformats.org/drawingml/2006/main" xmlns:r="http://schemas.openxmlformats.org/officeDocument/2006/relationships" xmlns:p="http://schemas.openxmlformats.org/presentationml/2006/main">
-  <p:cSld>
-    <p:spTree>
-      <p:nvGrpSpPr>
-        <p:cNvPr id="1" name=""/>
-        <p:cNvGrpSpPr/>
-        <p:nvPr/>
-      </p:nvGrpSpPr>
-      <p:grpSpPr>
-        <a:xfrm>
-          <a:off x="0" y="0"/>
-          <a:ext cx="0" cy="0"/>
-          <a:chOff x="0" y="0"/>
-          <a:chExt cx="0" cy="0"/>
-        </a:xfrm>
-      </p:grpSpPr>
-      <p:sp>
-        <p:nvSpPr>
-          <p:cNvPr id="2" name="Title 1">
-            <a:extLst>
-              <a:ext uri="{FF2B5EF4-FFF2-40B4-BE49-F238E27FC236}">
-                <a16:creationId xmlns:a16="http://schemas.microsoft.com/office/drawing/2014/main" id="{33C840F5-C548-4EE2-85C8-F45AB329C11E}"/>
-              </a:ext>
-            </a:extLst>
-          </p:cNvPr>
-          <p:cNvSpPr>
-            <a:spLocks noGrp="1"/>
-          </p:cNvSpPr>
-          <p:nvPr>
-            <p:ph type="title"/>
-          </p:nvPr>
-        </p:nvSpPr>
-        <p:spPr/>
-        <p:txBody>
-          <a:bodyPr>
-            <a:normAutofit fontScale="90000"/>
-          </a:bodyPr>
-          <a:lstStyle/>
-          <a:p>
-            <a:r>
-              <a:rPr lang="en-US" dirty="0"/>
-              <a:t>Gender- </a:t>
-            </a:r>
-            <a:r>
-              <a:rPr lang="en-US" dirty="0" err="1"/>
-              <a:t>NonDiabetes</a:t>
-            </a:r>
-            <a:r>
-              <a:rPr lang="en-US" dirty="0"/>
-              <a:t> and Pre-Diabetes</a:t>
-            </a:r>
-          </a:p>
-        </p:txBody>
-      </p:sp>
-      <p:sp>
-        <p:nvSpPr>
-          <p:cNvPr id="3" name="Text Placeholder 2">
-            <a:extLst>
-              <a:ext uri="{FF2B5EF4-FFF2-40B4-BE49-F238E27FC236}">
-                <a16:creationId xmlns:a16="http://schemas.microsoft.com/office/drawing/2014/main" id="{9591EB7B-6DC3-46BB-842D-C70DC4C61A2D}"/>
-              </a:ext>
-            </a:extLst>
-          </p:cNvPr>
-          <p:cNvSpPr>
-            <a:spLocks noGrp="1"/>
-          </p:cNvSpPr>
-          <p:nvPr>
-            <p:ph type="body" idx="1"/>
-          </p:nvPr>
-        </p:nvSpPr>
-        <p:spPr/>
-        <p:txBody>
-          <a:bodyPr>
-            <a:normAutofit fontScale="70000" lnSpcReduction="20000"/>
-          </a:bodyPr>
-          <a:lstStyle/>
-          <a:p>
-            <a:pPr marL="342900" indent="-342900">
-              <a:buFont typeface="Arial" panose="020B0604020202020204" pitchFamily="34" charset="0"/>
-              <a:buChar char="•"/>
-            </a:pPr>
-            <a:r>
-              <a:rPr lang="en-US" dirty="0"/>
-              <a:t>More Females than Males are Smokers. </a:t>
-            </a:r>
-          </a:p>
-          <a:p>
-            <a:pPr marL="342900" indent="-342900">
-              <a:buFont typeface="Arial" panose="020B0604020202020204" pitchFamily="34" charset="0"/>
-              <a:buChar char="•"/>
-            </a:pPr>
-            <a:r>
-              <a:rPr lang="en-US" dirty="0"/>
-              <a:t>About the same # of Males and Females have Strokes. </a:t>
-            </a:r>
-          </a:p>
-        </p:txBody>
-      </p:sp>
-      <p:pic>
-        <p:nvPicPr>
-          <p:cNvPr id="8" name="Content Placeholder 7">
-            <a:extLst>
-              <a:ext uri="{FF2B5EF4-FFF2-40B4-BE49-F238E27FC236}">
-                <a16:creationId xmlns:a16="http://schemas.microsoft.com/office/drawing/2014/main" id="{DD66237C-3F32-46DE-84CF-EFC09B873567}"/>
-              </a:ext>
-            </a:extLst>
-          </p:cNvPr>
-          <p:cNvPicPr>
-            <a:picLocks noGrp="1" noChangeAspect="1"/>
-          </p:cNvPicPr>
-          <p:nvPr>
-            <p:ph sz="half" idx="2"/>
-          </p:nvPr>
-        </p:nvPicPr>
-        <p:blipFill>
-          <a:blip r:embed="rId2"/>
-          <a:stretch>
-            <a:fillRect/>
-          </a:stretch>
-        </p:blipFill>
-        <p:spPr>
-          <a:xfrm>
-            <a:off x="369867" y="2574171"/>
-            <a:ext cx="6508583" cy="3650082"/>
-          </a:xfrm>
-        </p:spPr>
-      </p:pic>
-      <p:sp>
-        <p:nvSpPr>
-          <p:cNvPr id="5" name="Text Placeholder 4">
-            <a:extLst>
-              <a:ext uri="{FF2B5EF4-FFF2-40B4-BE49-F238E27FC236}">
-                <a16:creationId xmlns:a16="http://schemas.microsoft.com/office/drawing/2014/main" id="{8C3EDDA3-53CC-4AA6-8CB2-DE55A15075C4}"/>
-              </a:ext>
-            </a:extLst>
-          </p:cNvPr>
-          <p:cNvSpPr>
-            <a:spLocks noGrp="1"/>
-          </p:cNvSpPr>
-          <p:nvPr>
-            <p:ph type="body" sz="quarter" idx="3"/>
-          </p:nvPr>
-        </p:nvSpPr>
-        <p:spPr/>
-        <p:txBody>
-          <a:bodyPr>
-            <a:normAutofit fontScale="70000" lnSpcReduction="20000"/>
-          </a:bodyPr>
-          <a:lstStyle/>
-          <a:p>
-            <a:r>
-              <a:rPr lang="en-US" dirty="0"/>
-              <a:t>More Females than Males consume Heavy Alcohol. </a:t>
-            </a:r>
-          </a:p>
-        </p:txBody>
-      </p:sp>
-      <p:pic>
-        <p:nvPicPr>
-          <p:cNvPr id="10" name="Content Placeholder 9">
-            <a:extLst>
-              <a:ext uri="{FF2B5EF4-FFF2-40B4-BE49-F238E27FC236}">
-                <a16:creationId xmlns:a16="http://schemas.microsoft.com/office/drawing/2014/main" id="{18970D07-DCD2-49B2-9E5E-064771354144}"/>
-              </a:ext>
-            </a:extLst>
-          </p:cNvPr>
-          <p:cNvPicPr>
-            <a:picLocks noGrp="1" noChangeAspect="1"/>
-          </p:cNvPicPr>
-          <p:nvPr>
-            <p:ph sz="quarter" idx="4"/>
-          </p:nvPr>
-        </p:nvPicPr>
-        <p:blipFill>
-          <a:blip r:embed="rId3"/>
-          <a:stretch>
-            <a:fillRect/>
-          </a:stretch>
-        </p:blipFill>
-        <p:spPr>
-          <a:xfrm>
-            <a:off x="7004855" y="2574171"/>
-            <a:ext cx="4682257" cy="3650082"/>
-          </a:xfrm>
-        </p:spPr>
-      </p:pic>
-    </p:spTree>
-    <p:extLst>
-      <p:ext uri="{BB962C8B-B14F-4D97-AF65-F5344CB8AC3E}">
-        <p14:creationId xmlns:p14="http://schemas.microsoft.com/office/powerpoint/2010/main" val="4226401091"/>
-      </p:ext>
-    </p:extLst>
-  </p:cSld>
-  <p:clrMapOvr>
-    <a:masterClrMapping/>
-  </p:clrMapOvr>
-</p:sld>
-</file>
-
 <file path=ppt/slides/slide9.xml><?xml version="1.0" encoding="utf-8"?>
 <p:sld xmlns:a="http://schemas.openxmlformats.org/drawingml/2006/main" xmlns:r="http://schemas.openxmlformats.org/officeDocument/2006/relationships" xmlns:p="http://schemas.openxmlformats.org/presentationml/2006/main">
   <p:cSld>
@@ -10717,7 +14248,12 @@
             <p:ph type="title"/>
           </p:nvPr>
         </p:nvSpPr>
-        <p:spPr/>
+        <p:spPr>
+          <a:xfrm>
+            <a:off x="839788" y="365126"/>
+            <a:ext cx="10515600" cy="677612"/>
+          </a:xfrm>
+        </p:spPr>
         <p:txBody>
           <a:bodyPr>
             <a:normAutofit fontScale="90000"/>
@@ -10726,15 +14262,7 @@
           <a:p>
             <a:r>
               <a:rPr lang="en-US" dirty="0"/>
-              <a:t>Gender- </a:t>
-            </a:r>
-            <a:r>
-              <a:rPr lang="en-US" dirty="0" err="1"/>
-              <a:t>NonDiabetes</a:t>
-            </a:r>
-            <a:r>
-              <a:rPr lang="en-US" dirty="0"/>
-              <a:t> and Pre-Diabetes</a:t>
+              <a:t>BMI- Nondiabetic &amp; Prediabetic</a:t>
             </a:r>
           </a:p>
         </p:txBody>
@@ -10755,40 +14283,31 @@
             <p:ph type="body" idx="1"/>
           </p:nvPr>
         </p:nvSpPr>
-        <p:spPr/>
-        <p:txBody>
-          <a:bodyPr>
-            <a:normAutofit fontScale="70000" lnSpcReduction="20000"/>
+        <p:spPr>
+          <a:xfrm>
+            <a:off x="770458" y="3192379"/>
+            <a:ext cx="3492105" cy="1204913"/>
+          </a:xfrm>
+        </p:spPr>
+        <p:txBody>
+          <a:bodyPr anchor="ctr">
+            <a:normAutofit/>
           </a:bodyPr>
           <a:lstStyle/>
           <a:p>
-            <a:pPr marL="342900" indent="-342900">
-              <a:buFont typeface="Arial" panose="020B0604020202020204" pitchFamily="34" charset="0"/>
-              <a:buChar char="•"/>
-            </a:pPr>
             <a:r>
               <a:rPr lang="en-US" dirty="0"/>
-              <a:t>More Females than Males are Smokers. </a:t>
-            </a:r>
-          </a:p>
-          <a:p>
-            <a:pPr marL="342900" indent="-342900">
-              <a:buFont typeface="Arial" panose="020B0604020202020204" pitchFamily="34" charset="0"/>
-              <a:buChar char="•"/>
-            </a:pPr>
-            <a:r>
-              <a:rPr lang="en-US" dirty="0"/>
-              <a:t>About the same # of Males and Females have Strokes. </a:t>
+              <a:t>Males have slightly higher BMI than Females.  </a:t>
             </a:r>
           </a:p>
         </p:txBody>
       </p:sp>
       <p:pic>
         <p:nvPicPr>
-          <p:cNvPr id="8" name="Content Placeholder 7">
+          <p:cNvPr id="11" name="Content Placeholder 10">
             <a:extLst>
               <a:ext uri="{FF2B5EF4-FFF2-40B4-BE49-F238E27FC236}">
-                <a16:creationId xmlns:a16="http://schemas.microsoft.com/office/drawing/2014/main" id="{DD66237C-3F32-46DE-84CF-EFC09B873567}"/>
+                <a16:creationId xmlns:a16="http://schemas.microsoft.com/office/drawing/2014/main" id="{F6C2CD6B-6B56-4A7E-B011-CC1D7F4BF313}"/>
               </a:ext>
             </a:extLst>
           </p:cNvPr>
@@ -10796,7 +14315,7 @@
             <a:picLocks noGrp="1" noChangeAspect="1"/>
           </p:cNvPicPr>
           <p:nvPr>
-            <p:ph sz="half" idx="2"/>
+            <p:ph sz="quarter" idx="4"/>
           </p:nvPr>
         </p:nvPicPr>
         <p:blipFill>
@@ -10807,86 +14326,168 @@
         </p:blipFill>
         <p:spPr>
           <a:xfrm>
-            <a:off x="369867" y="2574171"/>
-            <a:ext cx="6508583" cy="3650082"/>
-          </a:xfrm>
-        </p:spPr>
-      </p:pic>
-      <p:sp>
-        <p:nvSpPr>
-          <p:cNvPr id="5" name="Text Placeholder 4">
-            <a:extLst>
-              <a:ext uri="{FF2B5EF4-FFF2-40B4-BE49-F238E27FC236}">
-                <a16:creationId xmlns:a16="http://schemas.microsoft.com/office/drawing/2014/main" id="{8C3EDDA3-53CC-4AA6-8CB2-DE55A15075C4}"/>
-              </a:ext>
-            </a:extLst>
-          </p:cNvPr>
-          <p:cNvSpPr>
-            <a:spLocks noGrp="1"/>
-          </p:cNvSpPr>
-          <p:nvPr>
-            <p:ph type="body" sz="quarter" idx="3"/>
-          </p:nvPr>
-        </p:nvSpPr>
-        <p:spPr/>
-        <p:txBody>
-          <a:bodyPr>
-            <a:normAutofit fontScale="70000" lnSpcReduction="20000"/>
-          </a:bodyPr>
-          <a:lstStyle/>
-          <a:p>
-            <a:r>
-              <a:rPr lang="en-US" dirty="0"/>
-              <a:t>More Females than Males consume Heavy Alcohol.</a:t>
-            </a:r>
-          </a:p>
-          <a:p>
-            <a:r>
-              <a:rPr lang="en-US" dirty="0"/>
-              <a:t>Females in Age Groups 45-64 consume more Heavy Alcohol than Men.  </a:t>
-            </a:r>
-          </a:p>
-        </p:txBody>
-      </p:sp>
-      <p:pic>
-        <p:nvPicPr>
-          <p:cNvPr id="12" name="Content Placeholder 11">
-            <a:extLst>
-              <a:ext uri="{FF2B5EF4-FFF2-40B4-BE49-F238E27FC236}">
-                <a16:creationId xmlns:a16="http://schemas.microsoft.com/office/drawing/2014/main" id="{2ADE8C07-1FED-4A1F-AF5B-3571547E10FE}"/>
-              </a:ext>
-            </a:extLst>
-          </p:cNvPr>
-          <p:cNvPicPr>
-            <a:picLocks noGrp="1" noChangeAspect="1"/>
-          </p:cNvPicPr>
-          <p:nvPr>
-            <p:ph sz="quarter" idx="4"/>
-          </p:nvPr>
-        </p:nvPicPr>
-        <p:blipFill>
-          <a:blip r:embed="rId3"/>
-          <a:stretch>
-            <a:fillRect/>
-          </a:stretch>
-        </p:blipFill>
-        <p:spPr>
-          <a:xfrm>
-            <a:off x="7027511" y="2574171"/>
-            <a:ext cx="4678982" cy="3684588"/>
+            <a:off x="4529282" y="1355558"/>
+            <a:ext cx="6892260" cy="5137316"/>
           </a:xfrm>
         </p:spPr>
       </p:pic>
     </p:spTree>
     <p:extLst>
       <p:ext uri="{BB962C8B-B14F-4D97-AF65-F5344CB8AC3E}">
-        <p14:creationId xmlns:p14="http://schemas.microsoft.com/office/powerpoint/2010/main" val="2087210798"/>
+        <p14:creationId xmlns:p14="http://schemas.microsoft.com/office/powerpoint/2010/main" val="3330868619"/>
       </p:ext>
     </p:extLst>
   </p:cSld>
   <p:clrMapOvr>
     <a:masterClrMapping/>
   </p:clrMapOvr>
+  <p:timing>
+    <p:tnLst>
+      <p:par>
+        <p:cTn id="1" dur="indefinite" restart="never" nodeType="tmRoot">
+          <p:childTnLst>
+            <p:seq concurrent="1" nextAc="seek">
+              <p:cTn id="2" dur="indefinite" nodeType="mainSeq">
+                <p:childTnLst>
+                  <p:par>
+                    <p:cTn id="3" fill="hold">
+                      <p:stCondLst>
+                        <p:cond delay="indefinite"/>
+                      </p:stCondLst>
+                      <p:childTnLst>
+                        <p:par>
+                          <p:cTn id="4" fill="hold">
+                            <p:stCondLst>
+                              <p:cond delay="0"/>
+                            </p:stCondLst>
+                            <p:childTnLst>
+                              <p:par>
+                                <p:cTn id="5" presetID="10" presetClass="entr" presetSubtype="0" fill="hold" nodeType="clickEffect">
+                                  <p:stCondLst>
+                                    <p:cond delay="0"/>
+                                  </p:stCondLst>
+                                  <p:childTnLst>
+                                    <p:set>
+                                      <p:cBhvr>
+                                        <p:cTn id="6" dur="1" fill="hold">
+                                          <p:stCondLst>
+                                            <p:cond delay="0"/>
+                                          </p:stCondLst>
+                                        </p:cTn>
+                                        <p:tgtEl>
+                                          <p:spTgt spid="11"/>
+                                        </p:tgtEl>
+                                        <p:attrNameLst>
+                                          <p:attrName>style.visibility</p:attrName>
+                                        </p:attrNameLst>
+                                      </p:cBhvr>
+                                      <p:to>
+                                        <p:strVal val="visible"/>
+                                      </p:to>
+                                    </p:set>
+                                    <p:animEffect transition="in" filter="fade">
+                                      <p:cBhvr>
+                                        <p:cTn id="7" dur="500"/>
+                                        <p:tgtEl>
+                                          <p:spTgt spid="11"/>
+                                        </p:tgtEl>
+                                      </p:cBhvr>
+                                    </p:animEffect>
+                                  </p:childTnLst>
+                                </p:cTn>
+                              </p:par>
+                            </p:childTnLst>
+                          </p:cTn>
+                        </p:par>
+                      </p:childTnLst>
+                    </p:cTn>
+                  </p:par>
+                  <p:par>
+                    <p:cTn id="8" fill="hold">
+                      <p:stCondLst>
+                        <p:cond delay="indefinite"/>
+                      </p:stCondLst>
+                      <p:childTnLst>
+                        <p:par>
+                          <p:cTn id="9" fill="hold">
+                            <p:stCondLst>
+                              <p:cond delay="0"/>
+                            </p:stCondLst>
+                            <p:childTnLst>
+                              <p:par>
+                                <p:cTn id="10" presetID="10" presetClass="entr" presetSubtype="0" fill="hold" grpId="0" nodeType="clickEffect">
+                                  <p:stCondLst>
+                                    <p:cond delay="0"/>
+                                  </p:stCondLst>
+                                  <p:childTnLst>
+                                    <p:set>
+                                      <p:cBhvr>
+                                        <p:cTn id="11" dur="1" fill="hold">
+                                          <p:stCondLst>
+                                            <p:cond delay="0"/>
+                                          </p:stCondLst>
+                                        </p:cTn>
+                                        <p:tgtEl>
+                                          <p:spTgt spid="3">
+                                            <p:txEl>
+                                              <p:pRg st="0" end="0"/>
+                                            </p:txEl>
+                                          </p:spTgt>
+                                        </p:tgtEl>
+                                        <p:attrNameLst>
+                                          <p:attrName>style.visibility</p:attrName>
+                                        </p:attrNameLst>
+                                      </p:cBhvr>
+                                      <p:to>
+                                        <p:strVal val="visible"/>
+                                      </p:to>
+                                    </p:set>
+                                    <p:animEffect transition="in" filter="fade">
+                                      <p:cBhvr>
+                                        <p:cTn id="12" dur="500"/>
+                                        <p:tgtEl>
+                                          <p:spTgt spid="3">
+                                            <p:txEl>
+                                              <p:pRg st="0" end="0"/>
+                                            </p:txEl>
+                                          </p:spTgt>
+                                        </p:tgtEl>
+                                      </p:cBhvr>
+                                    </p:animEffect>
+                                  </p:childTnLst>
+                                </p:cTn>
+                              </p:par>
+                            </p:childTnLst>
+                          </p:cTn>
+                        </p:par>
+                      </p:childTnLst>
+                    </p:cTn>
+                  </p:par>
+                </p:childTnLst>
+              </p:cTn>
+              <p:prevCondLst>
+                <p:cond evt="onPrev" delay="0">
+                  <p:tgtEl>
+                    <p:sldTgt/>
+                  </p:tgtEl>
+                </p:cond>
+              </p:prevCondLst>
+              <p:nextCondLst>
+                <p:cond evt="onNext" delay="0">
+                  <p:tgtEl>
+                    <p:sldTgt/>
+                  </p:tgtEl>
+                </p:cond>
+              </p:nextCondLst>
+            </p:seq>
+          </p:childTnLst>
+        </p:cTn>
+      </p:par>
+    </p:tnLst>
+    <p:bldLst>
+      <p:bldP spid="3" grpId="0" build="p"/>
+    </p:bldLst>
+  </p:timing>
 </p:sld>
 </file>
 
